--- a/15. Arquitetura de Negócio para cada Cenário.pptx
+++ b/15. Arquitetura de Negócio para cada Cenário.pptx
@@ -248,7 +248,7 @@
   </p:defaultTextStyle>
   <p:extLst>
     <p:ext uri="http://customooxmlschemas.google.com/">
-      <go:slidesCustomData xmlns:go="http://customooxmlschemas.google.com/" r:id="rId11" roundtripDataSignature="AMtx7mjsZ7eDKKSc8gMb0ZSKFbVTcmPe9A=="/>
+      <go:slidesCustomData xmlns:go="http://customooxmlschemas.google.com/" r:id="rId11" roundtripDataSignature="AMtx7miHAP+jIhzlSLzk5kn23kc4TUTKcA=="/>
     </p:ext>
   </p:extLst>
 </p:presentation>
@@ -8621,10 +8621,26 @@
               <a:buNone/>
             </a:pPr>
             <a:r>
-              <a:rPr lang="pt-BR" sz="1200"/>
+              <a:rPr b="0" i="0" lang="pt-BR" sz="1200" u="none" cap="none" strike="noStrike">
+                <a:solidFill>
+                  <a:srgbClr val="000000"/>
+                </a:solidFill>
+                <a:latin typeface="Arial"/>
+                <a:ea typeface="Arial"/>
+                <a:cs typeface="Arial"/>
+                <a:sym typeface="Arial"/>
+              </a:rPr>
               <a:t>Contexto </a:t>
             </a:r>
-            <a:endParaRPr sz="1200"/>
+            <a:endParaRPr b="0" i="0" sz="1200" u="none" cap="none" strike="noStrike">
+              <a:solidFill>
+                <a:srgbClr val="000000"/>
+              </a:solidFill>
+              <a:latin typeface="Arial"/>
+              <a:ea typeface="Arial"/>
+              <a:cs typeface="Arial"/>
+              <a:sym typeface="Arial"/>
+            </a:endParaRPr>
           </a:p>
           <a:p>
             <a:pPr indent="0" lvl="0" marL="0" marR="0" rtl="0" algn="ctr">
@@ -8645,10 +8661,26 @@
               <a:buNone/>
             </a:pPr>
             <a:r>
-              <a:rPr lang="pt-BR" sz="1200"/>
+              <a:rPr b="0" i="0" lang="pt-BR" sz="1200" u="none" cap="none" strike="noStrike">
+                <a:solidFill>
+                  <a:srgbClr val="000000"/>
+                </a:solidFill>
+                <a:latin typeface="Arial"/>
+                <a:ea typeface="Arial"/>
+                <a:cs typeface="Arial"/>
+                <a:sym typeface="Arial"/>
+              </a:rPr>
               <a:t>Party Coberturas</a:t>
             </a:r>
-            <a:endParaRPr/>
+            <a:endParaRPr b="0" i="0" sz="1400" u="none" cap="none" strike="noStrike">
+              <a:solidFill>
+                <a:srgbClr val="000000"/>
+              </a:solidFill>
+              <a:latin typeface="Arial"/>
+              <a:ea typeface="Arial"/>
+              <a:cs typeface="Arial"/>
+              <a:sym typeface="Arial"/>
+            </a:endParaRPr>
           </a:p>
         </p:txBody>
       </p:sp>
@@ -8725,23 +8757,7 @@
                 <a:cs typeface="Arial"/>
                 <a:sym typeface="Arial"/>
               </a:rPr>
-              <a:t>Party</a:t>
-            </a:r>
-            <a:r>
-              <a:rPr lang="pt-BR" sz="1000"/>
-              <a:t> </a:t>
-            </a:r>
-            <a:r>
-              <a:rPr b="0" i="0" lang="pt-BR" sz="1000" u="none" cap="none" strike="noStrike">
-                <a:solidFill>
-                  <a:srgbClr val="000000"/>
-                </a:solidFill>
-                <a:latin typeface="Arial"/>
-                <a:ea typeface="Arial"/>
-                <a:cs typeface="Arial"/>
-                <a:sym typeface="Arial"/>
-              </a:rPr>
-              <a:t>Coberturas</a:t>
+              <a:t>Party Coberturas</a:t>
             </a:r>
             <a:endParaRPr b="0" i="0" sz="1000" u="none" cap="none" strike="noStrike">
               <a:solidFill>
@@ -9145,7 +9161,15 @@
               </a:rPr>
               <a:t>Cenários</a:t>
             </a:r>
-            <a:endParaRPr/>
+            <a:endParaRPr b="0" i="0" sz="1400" u="none" cap="none" strike="noStrike">
+              <a:solidFill>
+                <a:srgbClr val="000000"/>
+              </a:solidFill>
+              <a:latin typeface="Arial"/>
+              <a:ea typeface="Arial"/>
+              <a:cs typeface="Arial"/>
+              <a:sym typeface="Arial"/>
+            </a:endParaRPr>
           </a:p>
           <a:p>
             <a:pPr indent="0" lvl="0" marL="165100" marR="0" rtl="0" algn="l">
@@ -9158,6 +9182,11 @@
               <a:spcAft>
                 <a:spcPts val="0"/>
               </a:spcAft>
+              <a:buClr>
+                <a:srgbClr val="000000"/>
+              </a:buClr>
+              <a:buSzPts val="1000"/>
+              <a:buFont typeface="Arial"/>
               <a:buNone/>
             </a:pPr>
             <a:r>
@@ -9249,34 +9278,6 @@
             </a:endParaRPr>
           </a:p>
           <a:p>
-            <a:pPr indent="-292100" lvl="0" marL="457200" rtl="0" algn="l">
-              <a:spcBef>
-                <a:spcPts val="0"/>
-              </a:spcBef>
-              <a:spcAft>
-                <a:spcPts val="0"/>
-              </a:spcAft>
-              <a:buClr>
-                <a:schemeClr val="dk1"/>
-              </a:buClr>
-              <a:buSzPts val="1000"/>
-              <a:buChar char="❖"/>
-            </a:pPr>
-            <a:r>
-              <a:rPr lang="pt-BR" sz="1000">
-                <a:solidFill>
-                  <a:schemeClr val="dk1"/>
-                </a:solidFill>
-              </a:rPr>
-              <a:t>Negociar valores e serviços</a:t>
-            </a:r>
-            <a:endParaRPr sz="1000">
-              <a:solidFill>
-                <a:schemeClr val="dk1"/>
-              </a:solidFill>
-            </a:endParaRPr>
-          </a:p>
-          <a:p>
             <a:pPr indent="-292100" lvl="0" marL="457200" marR="0" rtl="0" algn="l">
               <a:lnSpc>
                 <a:spcPct val="100000"/>
@@ -9304,7 +9305,7 @@
                 <a:cs typeface="Arial"/>
                 <a:sym typeface="Arial"/>
               </a:rPr>
-              <a:t>Aceitar / Recusar Orçamento</a:t>
+              <a:t>Negociar valores e serviços</a:t>
             </a:r>
             <a:endParaRPr b="0" i="0" sz="1000" u="none" cap="none" strike="noStrike">
               <a:solidFill>
@@ -9331,20 +9332,69 @@
                 <a:schemeClr val="dk1"/>
               </a:buClr>
               <a:buSzPts val="1000"/>
+              <a:buFont typeface="Arial"/>
               <a:buChar char="❖"/>
             </a:pPr>
             <a:r>
-              <a:rPr lang="pt-BR" sz="1000">
+              <a:rPr b="0" i="0" lang="pt-BR" sz="1000" u="none" cap="none" strike="noStrike">
                 <a:solidFill>
                   <a:schemeClr val="dk1"/>
                 </a:solidFill>
+                <a:latin typeface="Arial"/>
+                <a:ea typeface="Arial"/>
+                <a:cs typeface="Arial"/>
+                <a:sym typeface="Arial"/>
+              </a:rPr>
+              <a:t>Aceitar Orçamento</a:t>
+            </a:r>
+            <a:endParaRPr b="0" i="0" sz="1000" u="none" cap="none" strike="noStrike">
+              <a:solidFill>
+                <a:schemeClr val="dk1"/>
+              </a:solidFill>
+              <a:latin typeface="Arial"/>
+              <a:ea typeface="Arial"/>
+              <a:cs typeface="Arial"/>
+              <a:sym typeface="Arial"/>
+            </a:endParaRPr>
+          </a:p>
+          <a:p>
+            <a:pPr indent="-292100" lvl="0" marL="457200" marR="0" rtl="0" algn="l">
+              <a:lnSpc>
+                <a:spcPct val="100000"/>
+              </a:lnSpc>
+              <a:spcBef>
+                <a:spcPts val="0"/>
+              </a:spcBef>
+              <a:spcAft>
+                <a:spcPts val="0"/>
+              </a:spcAft>
+              <a:buClr>
+                <a:schemeClr val="dk1"/>
+              </a:buClr>
+              <a:buSzPts val="1000"/>
+              <a:buFont typeface="Arial"/>
+              <a:buChar char="❖"/>
+            </a:pPr>
+            <a:r>
+              <a:rPr b="0" i="0" lang="pt-BR" sz="1000" u="none" cap="none" strike="noStrike">
+                <a:solidFill>
+                  <a:schemeClr val="dk1"/>
+                </a:solidFill>
+                <a:latin typeface="Arial"/>
+                <a:ea typeface="Arial"/>
+                <a:cs typeface="Arial"/>
+                <a:sym typeface="Arial"/>
               </a:rPr>
               <a:t>Realizar pagamento</a:t>
             </a:r>
-            <a:endParaRPr sz="1000">
+            <a:endParaRPr b="0" i="0" sz="1000" u="none" cap="none" strike="noStrike">
               <a:solidFill>
                 <a:schemeClr val="dk1"/>
               </a:solidFill>
+              <a:latin typeface="Arial"/>
+              <a:ea typeface="Arial"/>
+              <a:cs typeface="Arial"/>
+              <a:sym typeface="Arial"/>
             </a:endParaRPr>
           </a:p>
           <a:p>
@@ -9358,12 +9408,25 @@
               <a:spcAft>
                 <a:spcPts val="0"/>
               </a:spcAft>
+              <a:buClr>
+                <a:srgbClr val="000000"/>
+              </a:buClr>
+              <a:buSzPts val="1400"/>
+              <a:buFont typeface="Arial"/>
               <a:buNone/>
             </a:pPr>
             <a:r>
               <a:t/>
             </a:r>
-            <a:endParaRPr/>
+            <a:endParaRPr b="0" i="0" sz="1400" u="none" cap="none" strike="noStrike">
+              <a:solidFill>
+                <a:srgbClr val="000000"/>
+              </a:solidFill>
+              <a:latin typeface="Arial"/>
+              <a:ea typeface="Arial"/>
+              <a:cs typeface="Arial"/>
+              <a:sym typeface="Arial"/>
+            </a:endParaRPr>
           </a:p>
           <a:p>
             <a:pPr indent="-228600" lvl="0" marL="457200" marR="0" rtl="0" algn="l">
@@ -9611,14 +9674,26 @@
               <a:buChar char="❖"/>
             </a:pPr>
             <a:r>
-              <a:rPr lang="pt-BR" sz="1000">
+              <a:rPr b="0" i="0" lang="pt-BR" sz="1000" u="none" cap="none" strike="noStrike">
                 <a:solidFill>
                   <a:schemeClr val="dk1"/>
                 </a:solidFill>
+                <a:latin typeface="Arial"/>
+                <a:ea typeface="Arial"/>
+                <a:cs typeface="Arial"/>
+                <a:sym typeface="Arial"/>
               </a:rPr>
               <a:t>Solicitar Orçamentos</a:t>
             </a:r>
-            <a:endParaRPr/>
+            <a:endParaRPr b="0" i="0" sz="1400" u="none" cap="none" strike="noStrike">
+              <a:solidFill>
+                <a:srgbClr val="000000"/>
+              </a:solidFill>
+              <a:latin typeface="Arial"/>
+              <a:ea typeface="Arial"/>
+              <a:cs typeface="Arial"/>
+              <a:sym typeface="Arial"/>
+            </a:endParaRPr>
           </a:p>
         </p:txBody>
       </p:sp>
@@ -10113,47 +10188,7 @@
                 <a:cs typeface="Arial"/>
                 <a:sym typeface="Arial"/>
               </a:rPr>
-              <a:t>Realizar orçamento</a:t>
-            </a:r>
-            <a:endParaRPr b="0" i="0" sz="1000" u="none" cap="none" strike="noStrike">
-              <a:solidFill>
-                <a:srgbClr val="000000"/>
-              </a:solidFill>
-              <a:latin typeface="Arial"/>
-              <a:ea typeface="Arial"/>
-              <a:cs typeface="Arial"/>
-              <a:sym typeface="Arial"/>
-            </a:endParaRPr>
-          </a:p>
-          <a:p>
-            <a:pPr indent="-292100" lvl="0" marL="457200" marR="0" rtl="0" algn="l">
-              <a:lnSpc>
-                <a:spcPct val="100000"/>
-              </a:lnSpc>
-              <a:spcBef>
-                <a:spcPts val="0"/>
-              </a:spcBef>
-              <a:spcAft>
-                <a:spcPts val="0"/>
-              </a:spcAft>
-              <a:buClr>
-                <a:srgbClr val="000000"/>
-              </a:buClr>
-              <a:buSzPts val="1000"/>
-              <a:buFont typeface="Arial"/>
-              <a:buChar char="●"/>
-            </a:pPr>
-            <a:r>
-              <a:rPr b="0" i="0" lang="pt-BR" sz="1000" u="none" cap="none" strike="noStrike">
-                <a:solidFill>
-                  <a:srgbClr val="000000"/>
-                </a:solidFill>
-                <a:latin typeface="Arial"/>
-                <a:ea typeface="Arial"/>
-                <a:cs typeface="Arial"/>
-                <a:sym typeface="Arial"/>
-              </a:rPr>
-              <a:t>Enviar o orçamento ao Cliente</a:t>
+              <a:t>Realizar orçamento junto ao cliente</a:t>
             </a:r>
             <a:endParaRPr b="0" i="0" sz="1000" u="none" cap="none" strike="noStrike">
               <a:solidFill>
@@ -10223,13 +10258,34 @@
               <a:spcAft>
                 <a:spcPts val="0"/>
               </a:spcAft>
+              <a:buClr>
+                <a:srgbClr val="000000"/>
+              </a:buClr>
+              <a:buSzPts val="1000"/>
+              <a:buFont typeface="Arial"/>
               <a:buNone/>
             </a:pPr>
             <a:r>
-              <a:rPr lang="pt-BR" sz="1000"/>
+              <a:rPr b="0" i="0" lang="pt-BR" sz="1000" u="none" cap="none" strike="noStrike">
+                <a:solidFill>
+                  <a:srgbClr val="000000"/>
+                </a:solidFill>
+                <a:latin typeface="Arial"/>
+                <a:ea typeface="Arial"/>
+                <a:cs typeface="Arial"/>
+                <a:sym typeface="Arial"/>
+              </a:rPr>
               <a:t>Atendimento</a:t>
             </a:r>
-            <a:endParaRPr/>
+            <a:endParaRPr b="0" i="0" sz="1400" u="none" cap="none" strike="noStrike">
+              <a:solidFill>
+                <a:srgbClr val="000000"/>
+              </a:solidFill>
+              <a:latin typeface="Arial"/>
+              <a:ea typeface="Arial"/>
+              <a:cs typeface="Arial"/>
+              <a:sym typeface="Arial"/>
+            </a:endParaRPr>
           </a:p>
         </p:txBody>
       </p:sp>
@@ -10384,14 +10440,26 @@
               <a:buChar char="❖"/>
             </a:pPr>
             <a:r>
-              <a:rPr lang="pt-BR" sz="1000">
+              <a:rPr b="0" i="0" lang="pt-BR" sz="1000" u="none" cap="none" strike="noStrike">
                 <a:solidFill>
                   <a:schemeClr val="dk1"/>
                 </a:solidFill>
+                <a:latin typeface="Arial"/>
+                <a:ea typeface="Arial"/>
+                <a:cs typeface="Arial"/>
+                <a:sym typeface="Arial"/>
               </a:rPr>
               <a:t>Negociar valores e serviços</a:t>
             </a:r>
-            <a:endParaRPr/>
+            <a:endParaRPr b="0" i="0" sz="1400" u="none" cap="none" strike="noStrike">
+              <a:solidFill>
+                <a:srgbClr val="000000"/>
+              </a:solidFill>
+              <a:latin typeface="Arial"/>
+              <a:ea typeface="Arial"/>
+              <a:cs typeface="Arial"/>
+              <a:sym typeface="Arial"/>
+            </a:endParaRPr>
           </a:p>
         </p:txBody>
       </p:sp>
@@ -10865,6 +10933,11 @@
               <a:spcAft>
                 <a:spcPts val="0"/>
               </a:spcAft>
+              <a:buClr>
+                <a:srgbClr val="000000"/>
+              </a:buClr>
+              <a:buSzPts val="1000"/>
+              <a:buFont typeface="Arial"/>
               <a:buNone/>
             </a:pPr>
             <a:r>
@@ -10908,47 +10981,7 @@
                 <a:cs typeface="Arial"/>
                 <a:sym typeface="Arial"/>
               </a:rPr>
-              <a:t>Negociar valores e serviços</a:t>
-            </a:r>
-            <a:endParaRPr b="0" i="0" sz="1000" u="none" cap="none" strike="noStrike">
-              <a:solidFill>
-                <a:srgbClr val="000000"/>
-              </a:solidFill>
-              <a:latin typeface="Arial"/>
-              <a:ea typeface="Arial"/>
-              <a:cs typeface="Arial"/>
-              <a:sym typeface="Arial"/>
-            </a:endParaRPr>
-          </a:p>
-          <a:p>
-            <a:pPr indent="-292100" lvl="0" marL="457200" marR="0" rtl="0" algn="l">
-              <a:lnSpc>
-                <a:spcPct val="100000"/>
-              </a:lnSpc>
-              <a:spcBef>
-                <a:spcPts val="0"/>
-              </a:spcBef>
-              <a:spcAft>
-                <a:spcPts val="0"/>
-              </a:spcAft>
-              <a:buClr>
-                <a:srgbClr val="000000"/>
-              </a:buClr>
-              <a:buSzPts val="1000"/>
-              <a:buFont typeface="Arial"/>
-              <a:buChar char="●"/>
-            </a:pPr>
-            <a:r>
-              <a:rPr b="0" i="0" lang="pt-BR" sz="1000" u="none" cap="none" strike="noStrike">
-                <a:solidFill>
-                  <a:srgbClr val="000000"/>
-                </a:solidFill>
-                <a:latin typeface="Arial"/>
-                <a:ea typeface="Arial"/>
-                <a:cs typeface="Arial"/>
-                <a:sym typeface="Arial"/>
-              </a:rPr>
-              <a:t>Enviar o orçamento atualizado ao Cliente</a:t>
+              <a:t>Negociar valores e serviços junto ao cliente</a:t>
             </a:r>
             <a:endParaRPr b="0" i="0" sz="1000" u="none" cap="none" strike="noStrike">
               <a:solidFill>
@@ -11018,13 +11051,34 @@
               <a:spcAft>
                 <a:spcPts val="0"/>
               </a:spcAft>
+              <a:buClr>
+                <a:srgbClr val="000000"/>
+              </a:buClr>
+              <a:buSzPts val="1000"/>
+              <a:buFont typeface="Arial"/>
               <a:buNone/>
             </a:pPr>
             <a:r>
-              <a:rPr lang="pt-BR" sz="1000"/>
+              <a:rPr b="0" i="0" lang="pt-BR" sz="1000" u="none" cap="none" strike="noStrike">
+                <a:solidFill>
+                  <a:srgbClr val="000000"/>
+                </a:solidFill>
+                <a:latin typeface="Arial"/>
+                <a:ea typeface="Arial"/>
+                <a:cs typeface="Arial"/>
+                <a:sym typeface="Arial"/>
+              </a:rPr>
               <a:t>Gerência</a:t>
             </a:r>
-            <a:endParaRPr/>
+            <a:endParaRPr b="0" i="0" sz="1400" u="none" cap="none" strike="noStrike">
+              <a:solidFill>
+                <a:srgbClr val="000000"/>
+              </a:solidFill>
+              <a:latin typeface="Arial"/>
+              <a:ea typeface="Arial"/>
+              <a:cs typeface="Arial"/>
+              <a:sym typeface="Arial"/>
+            </a:endParaRPr>
           </a:p>
         </p:txBody>
       </p:sp>
@@ -11161,7 +11215,10 @@
           </a:bodyPr>
           <a:lstStyle/>
           <a:p>
-            <a:pPr indent="-292100" lvl="0" marL="457200" rtl="0" algn="l">
+            <a:pPr indent="-292100" lvl="0" marL="457200" marR="0" rtl="0" algn="l">
+              <a:lnSpc>
+                <a:spcPct val="100000"/>
+              </a:lnSpc>
               <a:spcBef>
                 <a:spcPts val="0"/>
               </a:spcBef>
@@ -11172,17 +11229,30 @@
                 <a:schemeClr val="dk1"/>
               </a:buClr>
               <a:buSzPts val="1000"/>
+              <a:buFont typeface="Arial"/>
               <a:buChar char="❖"/>
             </a:pPr>
             <a:r>
-              <a:rPr lang="pt-BR" sz="1000">
+              <a:rPr b="0" i="0" lang="pt-BR" sz="1000" u="none" cap="none" strike="noStrike">
                 <a:solidFill>
                   <a:schemeClr val="dk1"/>
                 </a:solidFill>
+                <a:latin typeface="Arial"/>
+                <a:ea typeface="Arial"/>
+                <a:cs typeface="Arial"/>
+                <a:sym typeface="Arial"/>
               </a:rPr>
-              <a:t>Aceitar / Recusar Orçamento</a:t>
+              <a:t>Aceitar Orçamento</a:t>
             </a:r>
-            <a:endParaRPr/>
+            <a:endParaRPr b="0" i="0" sz="1400" u="none" cap="none" strike="noStrike">
+              <a:solidFill>
+                <a:srgbClr val="000000"/>
+              </a:solidFill>
+              <a:latin typeface="Arial"/>
+              <a:ea typeface="Arial"/>
+              <a:cs typeface="Arial"/>
+              <a:sym typeface="Arial"/>
+            </a:endParaRPr>
           </a:p>
         </p:txBody>
       </p:sp>
@@ -11373,13 +11443,34 @@
               <a:spcAft>
                 <a:spcPts val="0"/>
               </a:spcAft>
+              <a:buClr>
+                <a:srgbClr val="000000"/>
+              </a:buClr>
+              <a:buSzPts val="1000"/>
+              <a:buFont typeface="Arial"/>
               <a:buNone/>
             </a:pPr>
             <a:r>
-              <a:rPr lang="pt-BR" sz="1000"/>
+              <a:rPr b="0" i="0" lang="pt-BR" sz="1000" u="none" cap="none" strike="noStrike">
+                <a:solidFill>
+                  <a:srgbClr val="000000"/>
+                </a:solidFill>
+                <a:latin typeface="Arial"/>
+                <a:ea typeface="Arial"/>
+                <a:cs typeface="Arial"/>
+                <a:sym typeface="Arial"/>
+              </a:rPr>
               <a:t>Atendimento</a:t>
             </a:r>
-            <a:endParaRPr/>
+            <a:endParaRPr b="0" i="0" sz="1400" u="none" cap="none" strike="noStrike">
+              <a:solidFill>
+                <a:srgbClr val="000000"/>
+              </a:solidFill>
+              <a:latin typeface="Arial"/>
+              <a:ea typeface="Arial"/>
+              <a:cs typeface="Arial"/>
+              <a:sym typeface="Arial"/>
+            </a:endParaRPr>
           </a:p>
         </p:txBody>
       </p:sp>
@@ -11904,10 +11995,14 @@
               <a:buChar char="❖"/>
             </a:pPr>
             <a:r>
-              <a:rPr lang="pt-BR" sz="1000">
+              <a:rPr b="0" i="0" lang="pt-BR" sz="1000" u="none" cap="none" strike="noStrike">
                 <a:solidFill>
                   <a:schemeClr val="dk1"/>
                 </a:solidFill>
+                <a:latin typeface="Arial"/>
+                <a:ea typeface="Arial"/>
+                <a:cs typeface="Arial"/>
+                <a:sym typeface="Arial"/>
               </a:rPr>
               <a:t>Realizar pagamento</a:t>
             </a:r>
@@ -12489,7 +12584,15 @@
               <a:buNone/>
             </a:pPr>
             <a:r>
-              <a:rPr lang="pt-BR" sz="1000"/>
+              <a:rPr b="0" i="0" lang="pt-BR" sz="1000" u="none" cap="none" strike="noStrike">
+                <a:solidFill>
+                  <a:srgbClr val="000000"/>
+                </a:solidFill>
+                <a:latin typeface="Arial"/>
+                <a:ea typeface="Arial"/>
+                <a:cs typeface="Arial"/>
+                <a:sym typeface="Arial"/>
+              </a:rPr>
               <a:t>Financeiro</a:t>
             </a:r>
             <a:endParaRPr b="0" i="0" sz="1000" u="none" cap="none" strike="noStrike">
@@ -12797,38 +12900,6 @@
               </a:rPr>
               <a:t>Receber a solicitação de serviço</a:t>
             </a:r>
-            <a:endParaRPr/>
-          </a:p>
-          <a:p>
-            <a:pPr indent="-292100" lvl="0" marL="457200" marR="0" rtl="0" algn="l">
-              <a:lnSpc>
-                <a:spcPct val="100000"/>
-              </a:lnSpc>
-              <a:spcBef>
-                <a:spcPts val="0"/>
-              </a:spcBef>
-              <a:spcAft>
-                <a:spcPts val="0"/>
-              </a:spcAft>
-              <a:buClr>
-                <a:srgbClr val="000000"/>
-              </a:buClr>
-              <a:buSzPts val="1000"/>
-              <a:buFont typeface="Arial"/>
-              <a:buChar char="●"/>
-            </a:pPr>
-            <a:r>
-              <a:rPr b="0" i="0" lang="pt-BR" sz="1000" u="none" cap="none" strike="noStrike">
-                <a:solidFill>
-                  <a:srgbClr val="000000"/>
-                </a:solidFill>
-                <a:latin typeface="Arial"/>
-                <a:ea typeface="Arial"/>
-                <a:cs typeface="Arial"/>
-                <a:sym typeface="Arial"/>
-              </a:rPr>
-              <a:t>Planejar a produção do evento</a:t>
-            </a:r>
             <a:endParaRPr b="0" i="0" sz="1000" u="none" cap="none" strike="noStrike">
               <a:solidFill>
                 <a:srgbClr val="000000"/>
@@ -12953,67 +13024,83 @@
           </a:bodyPr>
           <a:lstStyle/>
           <a:p>
-            <a:pPr indent="0" lvl="0" marL="0" rtl="0" algn="l">
-              <a:spcBef>
-                <a:spcPts val="0"/>
-              </a:spcBef>
-              <a:spcAft>
-                <a:spcPts val="0"/>
-              </a:spcAft>
+            <a:pPr indent="0" lvl="0" marL="0" marR="0" rtl="0" algn="l">
+              <a:lnSpc>
+                <a:spcPct val="100000"/>
+              </a:lnSpc>
+              <a:spcBef>
+                <a:spcPts val="0"/>
+              </a:spcBef>
+              <a:spcAft>
+                <a:spcPts val="0"/>
+              </a:spcAft>
+              <a:buClr>
+                <a:srgbClr val="000000"/>
+              </a:buClr>
+              <a:buSzPts val="1400"/>
+              <a:buFont typeface="Arial"/>
               <a:buNone/>
             </a:pPr>
             <a:r>
-              <a:rPr lang="pt-BR">
+              <a:rPr b="0" i="0" lang="pt-BR" sz="1400" u="none" cap="none" strike="noStrike">
                 <a:solidFill>
                   <a:srgbClr val="FF0000"/>
                 </a:solidFill>
+                <a:latin typeface="Arial"/>
+                <a:ea typeface="Arial"/>
+                <a:cs typeface="Arial"/>
+                <a:sym typeface="Arial"/>
               </a:rPr>
               <a:t>Dúvida: Onde colocamos essa etapa no slide 1??? </a:t>
             </a:r>
-            <a:endParaRPr>
+            <a:endParaRPr b="0" i="0" sz="1400" u="none" cap="none" strike="noStrike">
               <a:solidFill>
                 <a:srgbClr val="FF0000"/>
               </a:solidFill>
+              <a:latin typeface="Arial"/>
+              <a:ea typeface="Arial"/>
+              <a:cs typeface="Arial"/>
+              <a:sym typeface="Arial"/>
             </a:endParaRPr>
           </a:p>
           <a:p>
-            <a:pPr indent="0" lvl="0" marL="0" rtl="0" algn="l">
-              <a:spcBef>
-                <a:spcPts val="0"/>
-              </a:spcBef>
-              <a:spcAft>
-                <a:spcPts val="0"/>
-              </a:spcAft>
+            <a:pPr indent="0" lvl="0" marL="0" marR="0" rtl="0" algn="l">
+              <a:lnSpc>
+                <a:spcPct val="100000"/>
+              </a:lnSpc>
+              <a:spcBef>
+                <a:spcPts val="0"/>
+              </a:spcBef>
+              <a:spcAft>
+                <a:spcPts val="0"/>
+              </a:spcAft>
+              <a:buClr>
+                <a:srgbClr val="000000"/>
+              </a:buClr>
+              <a:buSzPts val="1400"/>
+              <a:buFont typeface="Arial"/>
               <a:buNone/>
             </a:pPr>
             <a:r>
-              <a:rPr lang="pt-BR">
+              <a:rPr b="0" i="0" lang="pt-BR" sz="1400" u="none" cap="none" strike="noStrike">
                 <a:solidFill>
                   <a:srgbClr val="FF0000"/>
                 </a:solidFill>
+                <a:latin typeface="Arial"/>
+                <a:ea typeface="Arial"/>
+                <a:cs typeface="Arial"/>
+                <a:sym typeface="Arial"/>
               </a:rPr>
-              <a:t>Não envolve o cliente, e </a:t>
+              <a:t>Não envolve o cliente, e nenhuma outra entidade externa da empresa, mas essa etapa está no nosso escopo</a:t>
             </a:r>
-            <a:r>
-              <a:rPr lang="pt-BR">
-                <a:solidFill>
-                  <a:srgbClr val="FF0000"/>
-                </a:solidFill>
-              </a:rPr>
-              <a:t>nenhuma outra</a:t>
-            </a:r>
-            <a:r>
-              <a:rPr lang="pt-BR">
-                <a:solidFill>
-                  <a:srgbClr val="FF0000"/>
-                </a:solidFill>
-              </a:rPr>
-              <a:t> entidade externa da empresa, mas essa etapa está no nosso escopo</a:t>
-            </a:r>
-            <a:endParaRPr>
+            <a:endParaRPr b="0" i="0" sz="1400" u="none" cap="none" strike="noStrike">
               <a:solidFill>
                 <a:srgbClr val="FF0000"/>
               </a:solidFill>
+              <a:latin typeface="Arial"/>
+              <a:ea typeface="Arial"/>
+              <a:cs typeface="Arial"/>
+              <a:sym typeface="Arial"/>
             </a:endParaRPr>
           </a:p>
         </p:txBody>

--- a/15. Arquitetura de Negócio para cada Cenário.pptx
+++ b/15. Arquitetura de Negócio para cada Cenário.pptx
@@ -1,22 +1,22 @@
 
 <file path=ppt/presentation.xml><?xml version="1.0" encoding="utf-8"?>
-<p:presentation xmlns:a="http://schemas.openxmlformats.org/drawingml/2006/main" xmlns:r="http://schemas.openxmlformats.org/officeDocument/2006/relationships" xmlns:mc="http://schemas.openxmlformats.org/markup-compatibility/2006" xmlns:mv="urn:schemas-microsoft-com:mac:vml" xmlns:p="http://schemas.openxmlformats.org/presentationml/2006/main" xmlns:c="http://schemas.openxmlformats.org/drawingml/2006/chart" xmlns:dgm="http://schemas.openxmlformats.org/drawingml/2006/diagram" xmlns:o="urn:schemas-microsoft-com:office:office" xmlns:v="urn:schemas-microsoft-com:vml" xmlns:pvml="urn:schemas-microsoft-com:office:powerpoint" xmlns:com="http://schemas.openxmlformats.org/drawingml/2006/compatibility" xmlns:p14="http://schemas.microsoft.com/office/powerpoint/2010/main" xmlns:p15="http://schemas.microsoft.com/office/powerpoint/2012/main" autoCompressPictures="0" strictFirstAndLastChars="0" saveSubsetFonts="1">
+<p:presentation xmlns:a="http://schemas.openxmlformats.org/drawingml/2006/main" xmlns:r="http://schemas.openxmlformats.org/officeDocument/2006/relationships" xmlns:p="http://schemas.openxmlformats.org/presentationml/2006/main" strictFirstAndLastChars="0" saveSubsetFonts="1" autoCompressPictures="0">
   <p:sldMasterIdLst>
-    <p:sldMasterId id="2147483648" r:id="rId3"/>
+    <p:sldMasterId id="2147483648" r:id="rId1"/>
   </p:sldMasterIdLst>
   <p:notesMasterIdLst>
-    <p:notesMasterId r:id="rId4"/>
+    <p:notesMasterId r:id="rId6"/>
   </p:notesMasterIdLst>
   <p:sldIdLst>
-    <p:sldId id="256" r:id="rId5"/>
-    <p:sldId id="257" r:id="rId6"/>
-    <p:sldId id="258" r:id="rId7"/>
-    <p:sldId id="259" r:id="rId8"/>
+    <p:sldId id="256" r:id="rId2"/>
+    <p:sldId id="257" r:id="rId3"/>
+    <p:sldId id="258" r:id="rId4"/>
+    <p:sldId id="259" r:id="rId5"/>
   </p:sldIdLst>
-  <p:sldSz cy="5143500" cx="9144000"/>
+  <p:sldSz cx="9144000" cy="5143500" type="screen16x9"/>
   <p:notesSz cx="6858000" cy="9144000"/>
   <p:defaultTextStyle>
-    <a:defPPr lvl="0" marR="0" rtl="0" algn="l">
+    <a:defPPr marR="0" lvl="0" algn="l" rtl="0">
       <a:lnSpc>
         <a:spcPct val="100000"/>
       </a:lnSpc>
@@ -27,7 +27,7 @@
         <a:spcPts val="0"/>
       </a:spcAft>
     </a:defPPr>
-    <a:lvl1pPr lvl="0" marR="0" rtl="0" algn="l">
+    <a:lvl1pPr marR="0" lvl="0" algn="l" rtl="0">
       <a:lnSpc>
         <a:spcPct val="100000"/>
       </a:lnSpc>
@@ -41,7 +41,7 @@
         <a:srgbClr val="000000"/>
       </a:buClr>
       <a:buFont typeface="Arial"/>
-      <a:defRPr b="0" i="0" sz="1400" u="none" cap="none" strike="noStrike">
+      <a:defRPr sz="1400" b="0" i="0" u="none" strike="noStrike" cap="none">
         <a:solidFill>
           <a:srgbClr val="000000"/>
         </a:solidFill>
@@ -51,7 +51,7 @@
         <a:sym typeface="Arial"/>
       </a:defRPr>
     </a:lvl1pPr>
-    <a:lvl2pPr lvl="1" marR="0" rtl="0" algn="l">
+    <a:lvl2pPr marR="0" lvl="1" algn="l" rtl="0">
       <a:lnSpc>
         <a:spcPct val="100000"/>
       </a:lnSpc>
@@ -65,7 +65,7 @@
         <a:srgbClr val="000000"/>
       </a:buClr>
       <a:buFont typeface="Arial"/>
-      <a:defRPr b="0" i="0" sz="1400" u="none" cap="none" strike="noStrike">
+      <a:defRPr sz="1400" b="0" i="0" u="none" strike="noStrike" cap="none">
         <a:solidFill>
           <a:srgbClr val="000000"/>
         </a:solidFill>
@@ -75,7 +75,7 @@
         <a:sym typeface="Arial"/>
       </a:defRPr>
     </a:lvl2pPr>
-    <a:lvl3pPr lvl="2" marR="0" rtl="0" algn="l">
+    <a:lvl3pPr marR="0" lvl="2" algn="l" rtl="0">
       <a:lnSpc>
         <a:spcPct val="100000"/>
       </a:lnSpc>
@@ -89,7 +89,7 @@
         <a:srgbClr val="000000"/>
       </a:buClr>
       <a:buFont typeface="Arial"/>
-      <a:defRPr b="0" i="0" sz="1400" u="none" cap="none" strike="noStrike">
+      <a:defRPr sz="1400" b="0" i="0" u="none" strike="noStrike" cap="none">
         <a:solidFill>
           <a:srgbClr val="000000"/>
         </a:solidFill>
@@ -99,7 +99,7 @@
         <a:sym typeface="Arial"/>
       </a:defRPr>
     </a:lvl3pPr>
-    <a:lvl4pPr lvl="3" marR="0" rtl="0" algn="l">
+    <a:lvl4pPr marR="0" lvl="3" algn="l" rtl="0">
       <a:lnSpc>
         <a:spcPct val="100000"/>
       </a:lnSpc>
@@ -113,7 +113,7 @@
         <a:srgbClr val="000000"/>
       </a:buClr>
       <a:buFont typeface="Arial"/>
-      <a:defRPr b="0" i="0" sz="1400" u="none" cap="none" strike="noStrike">
+      <a:defRPr sz="1400" b="0" i="0" u="none" strike="noStrike" cap="none">
         <a:solidFill>
           <a:srgbClr val="000000"/>
         </a:solidFill>
@@ -123,7 +123,7 @@
         <a:sym typeface="Arial"/>
       </a:defRPr>
     </a:lvl4pPr>
-    <a:lvl5pPr lvl="4" marR="0" rtl="0" algn="l">
+    <a:lvl5pPr marR="0" lvl="4" algn="l" rtl="0">
       <a:lnSpc>
         <a:spcPct val="100000"/>
       </a:lnSpc>
@@ -137,7 +137,7 @@
         <a:srgbClr val="000000"/>
       </a:buClr>
       <a:buFont typeface="Arial"/>
-      <a:defRPr b="0" i="0" sz="1400" u="none" cap="none" strike="noStrike">
+      <a:defRPr sz="1400" b="0" i="0" u="none" strike="noStrike" cap="none">
         <a:solidFill>
           <a:srgbClr val="000000"/>
         </a:solidFill>
@@ -147,7 +147,7 @@
         <a:sym typeface="Arial"/>
       </a:defRPr>
     </a:lvl5pPr>
-    <a:lvl6pPr lvl="5" marR="0" rtl="0" algn="l">
+    <a:lvl6pPr marR="0" lvl="5" algn="l" rtl="0">
       <a:lnSpc>
         <a:spcPct val="100000"/>
       </a:lnSpc>
@@ -161,7 +161,7 @@
         <a:srgbClr val="000000"/>
       </a:buClr>
       <a:buFont typeface="Arial"/>
-      <a:defRPr b="0" i="0" sz="1400" u="none" cap="none" strike="noStrike">
+      <a:defRPr sz="1400" b="0" i="0" u="none" strike="noStrike" cap="none">
         <a:solidFill>
           <a:srgbClr val="000000"/>
         </a:solidFill>
@@ -171,7 +171,7 @@
         <a:sym typeface="Arial"/>
       </a:defRPr>
     </a:lvl6pPr>
-    <a:lvl7pPr lvl="6" marR="0" rtl="0" algn="l">
+    <a:lvl7pPr marR="0" lvl="6" algn="l" rtl="0">
       <a:lnSpc>
         <a:spcPct val="100000"/>
       </a:lnSpc>
@@ -185,7 +185,7 @@
         <a:srgbClr val="000000"/>
       </a:buClr>
       <a:buFont typeface="Arial"/>
-      <a:defRPr b="0" i="0" sz="1400" u="none" cap="none" strike="noStrike">
+      <a:defRPr sz="1400" b="0" i="0" u="none" strike="noStrike" cap="none">
         <a:solidFill>
           <a:srgbClr val="000000"/>
         </a:solidFill>
@@ -195,7 +195,7 @@
         <a:sym typeface="Arial"/>
       </a:defRPr>
     </a:lvl7pPr>
-    <a:lvl8pPr lvl="7" marR="0" rtl="0" algn="l">
+    <a:lvl8pPr marR="0" lvl="7" algn="l" rtl="0">
       <a:lnSpc>
         <a:spcPct val="100000"/>
       </a:lnSpc>
@@ -209,7 +209,7 @@
         <a:srgbClr val="000000"/>
       </a:buClr>
       <a:buFont typeface="Arial"/>
-      <a:defRPr b="0" i="0" sz="1400" u="none" cap="none" strike="noStrike">
+      <a:defRPr sz="1400" b="0" i="0" u="none" strike="noStrike" cap="none">
         <a:solidFill>
           <a:srgbClr val="000000"/>
         </a:solidFill>
@@ -219,7 +219,7 @@
         <a:sym typeface="Arial"/>
       </a:defRPr>
     </a:lvl8pPr>
-    <a:lvl9pPr lvl="8" marR="0" rtl="0" algn="l">
+    <a:lvl9pPr marR="0" lvl="8" algn="l" rtl="0">
       <a:lnSpc>
         <a:spcPct val="100000"/>
       </a:lnSpc>
@@ -233,7 +233,7 @@
         <a:srgbClr val="000000"/>
       </a:buClr>
       <a:buFont typeface="Arial"/>
-      <a:defRPr b="0" i="0" sz="1400" u="none" cap="none" strike="noStrike">
+      <a:defRPr sz="1400" b="0" i="0" u="none" strike="noStrike" cap="none">
         <a:solidFill>
           <a:srgbClr val="000000"/>
         </a:solidFill>
@@ -246,25 +246,26 @@
   </p:defaultTextStyle>
   <p:extLst>
     <p:ext uri="http://customooxmlschemas.google.com/">
-      <go:slidesCustomData xmlns:go="http://customooxmlschemas.google.com/" r:id="rId9" roundtripDataSignature="AMtx7mg204TH+6x9zaHsFCO63YQdd46pRg=="/>
+      <go:slidesCustomData xmlns:go="http://customooxmlschemas.google.com/" xmlns:p15="http://schemas.microsoft.com/office/powerpoint/2012/main" xmlns:p14="http://schemas.microsoft.com/office/powerpoint/2010/main" xmlns:com="http://schemas.openxmlformats.org/drawingml/2006/compatibility" xmlns:pvml="urn:schemas-microsoft-com:office:powerpoint" xmlns:v="urn:schemas-microsoft-com:vml" xmlns:o="urn:schemas-microsoft-com:office:office" xmlns:dgm="http://schemas.openxmlformats.org/drawingml/2006/diagram" xmlns:c="http://schemas.openxmlformats.org/drawingml/2006/chart" xmlns:mv="urn:schemas-microsoft-com:mac:vml" xmlns:mc="http://schemas.openxmlformats.org/markup-compatibility/2006" xmlns="" r:id="rId9" roundtripDataSignature="AMtx7mg204TH+6x9zaHsFCO63YQdd46pRg=="/>
     </p:ext>
   </p:extLst>
 </p:presentation>
 </file>
 
 <file path=ppt/notesMasters/notesMaster1.xml><?xml version="1.0" encoding="utf-8"?>
-<p:notesMaster xmlns:a="http://schemas.openxmlformats.org/drawingml/2006/main" xmlns:r="http://schemas.openxmlformats.org/officeDocument/2006/relationships" xmlns:mc="http://schemas.openxmlformats.org/markup-compatibility/2006" xmlns:mv="urn:schemas-microsoft-com:mac:vml" xmlns:p="http://schemas.openxmlformats.org/presentationml/2006/main" xmlns:c="http://schemas.openxmlformats.org/drawingml/2006/chart" xmlns:dgm="http://schemas.openxmlformats.org/drawingml/2006/diagram" xmlns:o="urn:schemas-microsoft-com:office:office" xmlns:v="urn:schemas-microsoft-com:vml" xmlns:pvml="urn:schemas-microsoft-com:office:powerpoint" xmlns:com="http://schemas.openxmlformats.org/drawingml/2006/compatibility" xmlns:p14="http://schemas.microsoft.com/office/powerpoint/2010/main" xmlns:p15="http://schemas.microsoft.com/office/powerpoint/2012/main">
+<p:notesMaster xmlns:a="http://schemas.openxmlformats.org/drawingml/2006/main" xmlns:r="http://schemas.openxmlformats.org/officeDocument/2006/relationships" xmlns:p="http://schemas.openxmlformats.org/presentationml/2006/main">
   <p:cSld>
     <p:bg>
       <p:bgPr>
         <a:solidFill>
           <a:schemeClr val="lt1"/>
         </a:solidFill>
+        <a:effectLst/>
       </p:bgPr>
     </p:bg>
     <p:spTree>
       <p:nvGrpSpPr>
-        <p:cNvPr id="2" name="Shape 2"/>
+        <p:cNvPr id="1" name="Shape 2"/>
         <p:cNvGrpSpPr/>
         <p:nvPr/>
       </p:nvGrpSpPr>
@@ -279,9 +280,11 @@
       <p:sp>
         <p:nvSpPr>
           <p:cNvPr id="3" name="Google Shape;3;n"/>
-          <p:cNvSpPr/>
+          <p:cNvSpPr>
+            <a:spLocks noGrp="1" noRot="1" noChangeAspect="1"/>
+          </p:cNvSpPr>
           <p:nvPr>
-            <p:ph idx="2" type="sldImg"/>
+            <p:ph type="sldImg" idx="2"/>
           </p:nvPr>
         </p:nvSpPr>
         <p:spPr>
@@ -290,9 +293,13 @@
             <a:ext cx="6096075" cy="3429000"/>
           </a:xfrm>
           <a:custGeom>
-            <a:rect b="b" l="l" r="r" t="t"/>
+            <a:avLst/>
+            <a:gdLst/>
+            <a:ahLst/>
+            <a:cxnLst/>
+            <a:rect l="l" t="t" r="r" b="b"/>
             <a:pathLst>
-              <a:path extrusionOk="0" h="120000" w="120000">
+              <a:path w="120000" h="120000" extrusionOk="0">
                 <a:moveTo>
                   <a:pt x="0" y="0"/>
                 </a:moveTo>
@@ -310,23 +317,25 @@
             </a:pathLst>
           </a:custGeom>
           <a:noFill/>
-          <a:ln cap="flat" cmpd="sng" w="9525">
+          <a:ln w="9525" cap="flat" cmpd="sng">
             <a:solidFill>
               <a:srgbClr val="000000"/>
             </a:solidFill>
             <a:prstDash val="solid"/>
             <a:round/>
-            <a:headEnd len="sm" w="sm" type="none"/>
-            <a:tailEnd len="sm" w="sm" type="none"/>
+            <a:headEnd type="none" w="sm" len="sm"/>
+            <a:tailEnd type="none" w="sm" len="sm"/>
           </a:ln>
         </p:spPr>
       </p:sp>
       <p:sp>
         <p:nvSpPr>
           <p:cNvPr id="4" name="Google Shape;4;n"/>
-          <p:cNvSpPr txBox="1"/>
+          <p:cNvSpPr txBox="1">
+            <a:spLocks noGrp="1"/>
+          </p:cNvSpPr>
           <p:nvPr>
-            <p:ph idx="1" type="body"/>
+            <p:ph type="body" idx="1"/>
           </p:nvPr>
         </p:nvSpPr>
         <p:spPr>
@@ -343,11 +352,11 @@
           </a:ln>
         </p:spPr>
         <p:txBody>
-          <a:bodyPr anchorCtr="0" anchor="t" bIns="91425" lIns="91425" spcFirstLastPara="1" rIns="91425" wrap="square" tIns="91425">
+          <a:bodyPr spcFirstLastPara="1" wrap="square" lIns="91425" tIns="91425" rIns="91425" bIns="91425" anchor="t" anchorCtr="0">
             <a:noAutofit/>
           </a:bodyPr>
           <a:lstStyle>
-            <a:lvl1pPr indent="-298450" lvl="0" marL="457200" marR="0" rtl="0" algn="l">
+            <a:lvl1pPr marL="457200" marR="0" lvl="0" indent="-298450" algn="l" rtl="0">
               <a:lnSpc>
                 <a:spcPct val="100000"/>
               </a:lnSpc>
@@ -363,7 +372,7 @@
               <a:buSzPts val="1100"/>
               <a:buFont typeface="Arial"/>
               <a:buChar char="●"/>
-              <a:defRPr b="0" i="0" sz="1100" u="none" cap="none" strike="noStrike">
+              <a:defRPr sz="1100" b="0" i="0" u="none" strike="noStrike" cap="none">
                 <a:solidFill>
                   <a:srgbClr val="000000"/>
                 </a:solidFill>
@@ -373,7 +382,7 @@
                 <a:sym typeface="Arial"/>
               </a:defRPr>
             </a:lvl1pPr>
-            <a:lvl2pPr indent="-298450" lvl="1" marL="914400" marR="0" rtl="0" algn="l">
+            <a:lvl2pPr marL="914400" marR="0" lvl="1" indent="-298450" algn="l" rtl="0">
               <a:lnSpc>
                 <a:spcPct val="100000"/>
               </a:lnSpc>
@@ -389,7 +398,7 @@
               <a:buSzPts val="1100"/>
               <a:buFont typeface="Arial"/>
               <a:buChar char="○"/>
-              <a:defRPr b="0" i="0" sz="1100" u="none" cap="none" strike="noStrike">
+              <a:defRPr sz="1100" b="0" i="0" u="none" strike="noStrike" cap="none">
                 <a:solidFill>
                   <a:srgbClr val="000000"/>
                 </a:solidFill>
@@ -399,7 +408,7 @@
                 <a:sym typeface="Arial"/>
               </a:defRPr>
             </a:lvl2pPr>
-            <a:lvl3pPr indent="-298450" lvl="2" marL="1371600" marR="0" rtl="0" algn="l">
+            <a:lvl3pPr marL="1371600" marR="0" lvl="2" indent="-298450" algn="l" rtl="0">
               <a:lnSpc>
                 <a:spcPct val="100000"/>
               </a:lnSpc>
@@ -415,7 +424,7 @@
               <a:buSzPts val="1100"/>
               <a:buFont typeface="Arial"/>
               <a:buChar char="■"/>
-              <a:defRPr b="0" i="0" sz="1100" u="none" cap="none" strike="noStrike">
+              <a:defRPr sz="1100" b="0" i="0" u="none" strike="noStrike" cap="none">
                 <a:solidFill>
                   <a:srgbClr val="000000"/>
                 </a:solidFill>
@@ -425,7 +434,7 @@
                 <a:sym typeface="Arial"/>
               </a:defRPr>
             </a:lvl3pPr>
-            <a:lvl4pPr indent="-298450" lvl="3" marL="1828800" marR="0" rtl="0" algn="l">
+            <a:lvl4pPr marL="1828800" marR="0" lvl="3" indent="-298450" algn="l" rtl="0">
               <a:lnSpc>
                 <a:spcPct val="100000"/>
               </a:lnSpc>
@@ -441,7 +450,7 @@
               <a:buSzPts val="1100"/>
               <a:buFont typeface="Arial"/>
               <a:buChar char="●"/>
-              <a:defRPr b="0" i="0" sz="1100" u="none" cap="none" strike="noStrike">
+              <a:defRPr sz="1100" b="0" i="0" u="none" strike="noStrike" cap="none">
                 <a:solidFill>
                   <a:srgbClr val="000000"/>
                 </a:solidFill>
@@ -451,7 +460,7 @@
                 <a:sym typeface="Arial"/>
               </a:defRPr>
             </a:lvl4pPr>
-            <a:lvl5pPr indent="-298450" lvl="4" marL="2286000" marR="0" rtl="0" algn="l">
+            <a:lvl5pPr marL="2286000" marR="0" lvl="4" indent="-298450" algn="l" rtl="0">
               <a:lnSpc>
                 <a:spcPct val="100000"/>
               </a:lnSpc>
@@ -467,7 +476,7 @@
               <a:buSzPts val="1100"/>
               <a:buFont typeface="Arial"/>
               <a:buChar char="○"/>
-              <a:defRPr b="0" i="0" sz="1100" u="none" cap="none" strike="noStrike">
+              <a:defRPr sz="1100" b="0" i="0" u="none" strike="noStrike" cap="none">
                 <a:solidFill>
                   <a:srgbClr val="000000"/>
                 </a:solidFill>
@@ -477,7 +486,7 @@
                 <a:sym typeface="Arial"/>
               </a:defRPr>
             </a:lvl5pPr>
-            <a:lvl6pPr indent="-298450" lvl="5" marL="2743200" marR="0" rtl="0" algn="l">
+            <a:lvl6pPr marL="2743200" marR="0" lvl="5" indent="-298450" algn="l" rtl="0">
               <a:lnSpc>
                 <a:spcPct val="100000"/>
               </a:lnSpc>
@@ -493,7 +502,7 @@
               <a:buSzPts val="1100"/>
               <a:buFont typeface="Arial"/>
               <a:buChar char="■"/>
-              <a:defRPr b="0" i="0" sz="1100" u="none" cap="none" strike="noStrike">
+              <a:defRPr sz="1100" b="0" i="0" u="none" strike="noStrike" cap="none">
                 <a:solidFill>
                   <a:srgbClr val="000000"/>
                 </a:solidFill>
@@ -503,7 +512,7 @@
                 <a:sym typeface="Arial"/>
               </a:defRPr>
             </a:lvl6pPr>
-            <a:lvl7pPr indent="-298450" lvl="6" marL="3200400" marR="0" rtl="0" algn="l">
+            <a:lvl7pPr marL="3200400" marR="0" lvl="6" indent="-298450" algn="l" rtl="0">
               <a:lnSpc>
                 <a:spcPct val="100000"/>
               </a:lnSpc>
@@ -519,7 +528,7 @@
               <a:buSzPts val="1100"/>
               <a:buFont typeface="Arial"/>
               <a:buChar char="●"/>
-              <a:defRPr b="0" i="0" sz="1100" u="none" cap="none" strike="noStrike">
+              <a:defRPr sz="1100" b="0" i="0" u="none" strike="noStrike" cap="none">
                 <a:solidFill>
                   <a:srgbClr val="000000"/>
                 </a:solidFill>
@@ -529,7 +538,7 @@
                 <a:sym typeface="Arial"/>
               </a:defRPr>
             </a:lvl7pPr>
-            <a:lvl8pPr indent="-298450" lvl="7" marL="3657600" marR="0" rtl="0" algn="l">
+            <a:lvl8pPr marL="3657600" marR="0" lvl="7" indent="-298450" algn="l" rtl="0">
               <a:lnSpc>
                 <a:spcPct val="100000"/>
               </a:lnSpc>
@@ -545,7 +554,7 @@
               <a:buSzPts val="1100"/>
               <a:buFont typeface="Arial"/>
               <a:buChar char="○"/>
-              <a:defRPr b="0" i="0" sz="1100" u="none" cap="none" strike="noStrike">
+              <a:defRPr sz="1100" b="0" i="0" u="none" strike="noStrike" cap="none">
                 <a:solidFill>
                   <a:srgbClr val="000000"/>
                 </a:solidFill>
@@ -555,7 +564,7 @@
                 <a:sym typeface="Arial"/>
               </a:defRPr>
             </a:lvl8pPr>
-            <a:lvl9pPr indent="-298450" lvl="8" marL="4114800" marR="0" rtl="0" algn="l">
+            <a:lvl9pPr marL="4114800" marR="0" lvl="8" indent="-298450" algn="l" rtl="0">
               <a:lnSpc>
                 <a:spcPct val="100000"/>
               </a:lnSpc>
@@ -571,7 +580,7 @@
               <a:buSzPts val="1100"/>
               <a:buFont typeface="Arial"/>
               <a:buChar char="■"/>
-              <a:defRPr b="0" i="0" sz="1100" u="none" cap="none" strike="noStrike">
+              <a:defRPr sz="1100" b="0" i="0" u="none" strike="noStrike" cap="none">
                 <a:solidFill>
                   <a:srgbClr val="000000"/>
                 </a:solidFill>
@@ -582,14 +591,16 @@
               </a:defRPr>
             </a:lvl9pPr>
           </a:lstStyle>
-          <a:p/>
+          <a:p>
+            <a:endParaRPr/>
+          </a:p>
         </p:txBody>
       </p:sp>
     </p:spTree>
   </p:cSld>
-  <p:clrMap accent1="accent1" accent2="accent2" accent3="accent3" accent4="accent4" accent5="accent5" accent6="accent6" bg1="lt1" bg2="dk2" tx1="dk1" tx2="lt2" folHlink="folHlink" hlink="hlink"/>
+  <p:clrMap bg1="lt1" tx1="dk1" bg2="dk2" tx2="lt2" accent1="accent1" accent2="accent2" accent3="accent3" accent4="accent4" accent5="accent5" accent6="accent6" hlink="hlink" folHlink="folHlink"/>
   <p:notesStyle>
-    <a:defPPr lvl="0" marR="0" rtl="0" algn="l">
+    <a:defPPr marR="0" lvl="0" algn="l" rtl="0">
       <a:lnSpc>
         <a:spcPct val="100000"/>
       </a:lnSpc>
@@ -600,7 +611,7 @@
         <a:spcPts val="0"/>
       </a:spcAft>
     </a:defPPr>
-    <a:lvl1pPr lvl="0" marR="0" rtl="0" algn="l">
+    <a:lvl1pPr marR="0" lvl="0" algn="l" rtl="0">
       <a:lnSpc>
         <a:spcPct val="100000"/>
       </a:lnSpc>
@@ -614,7 +625,7 @@
         <a:srgbClr val="000000"/>
       </a:buClr>
       <a:buFont typeface="Arial"/>
-      <a:defRPr b="0" i="0" sz="1400" u="none" cap="none" strike="noStrike">
+      <a:defRPr sz="1400" b="0" i="0" u="none" strike="noStrike" cap="none">
         <a:solidFill>
           <a:srgbClr val="000000"/>
         </a:solidFill>
@@ -624,7 +635,7 @@
         <a:sym typeface="Arial"/>
       </a:defRPr>
     </a:lvl1pPr>
-    <a:lvl2pPr lvl="1" marR="0" rtl="0" algn="l">
+    <a:lvl2pPr marR="0" lvl="1" algn="l" rtl="0">
       <a:lnSpc>
         <a:spcPct val="100000"/>
       </a:lnSpc>
@@ -638,7 +649,7 @@
         <a:srgbClr val="000000"/>
       </a:buClr>
       <a:buFont typeface="Arial"/>
-      <a:defRPr b="0" i="0" sz="1400" u="none" cap="none" strike="noStrike">
+      <a:defRPr sz="1400" b="0" i="0" u="none" strike="noStrike" cap="none">
         <a:solidFill>
           <a:srgbClr val="000000"/>
         </a:solidFill>
@@ -648,7 +659,7 @@
         <a:sym typeface="Arial"/>
       </a:defRPr>
     </a:lvl2pPr>
-    <a:lvl3pPr lvl="2" marR="0" rtl="0" algn="l">
+    <a:lvl3pPr marR="0" lvl="2" algn="l" rtl="0">
       <a:lnSpc>
         <a:spcPct val="100000"/>
       </a:lnSpc>
@@ -662,7 +673,7 @@
         <a:srgbClr val="000000"/>
       </a:buClr>
       <a:buFont typeface="Arial"/>
-      <a:defRPr b="0" i="0" sz="1400" u="none" cap="none" strike="noStrike">
+      <a:defRPr sz="1400" b="0" i="0" u="none" strike="noStrike" cap="none">
         <a:solidFill>
           <a:srgbClr val="000000"/>
         </a:solidFill>
@@ -672,7 +683,7 @@
         <a:sym typeface="Arial"/>
       </a:defRPr>
     </a:lvl3pPr>
-    <a:lvl4pPr lvl="3" marR="0" rtl="0" algn="l">
+    <a:lvl4pPr marR="0" lvl="3" algn="l" rtl="0">
       <a:lnSpc>
         <a:spcPct val="100000"/>
       </a:lnSpc>
@@ -686,7 +697,7 @@
         <a:srgbClr val="000000"/>
       </a:buClr>
       <a:buFont typeface="Arial"/>
-      <a:defRPr b="0" i="0" sz="1400" u="none" cap="none" strike="noStrike">
+      <a:defRPr sz="1400" b="0" i="0" u="none" strike="noStrike" cap="none">
         <a:solidFill>
           <a:srgbClr val="000000"/>
         </a:solidFill>
@@ -696,7 +707,7 @@
         <a:sym typeface="Arial"/>
       </a:defRPr>
     </a:lvl4pPr>
-    <a:lvl5pPr lvl="4" marR="0" rtl="0" algn="l">
+    <a:lvl5pPr marR="0" lvl="4" algn="l" rtl="0">
       <a:lnSpc>
         <a:spcPct val="100000"/>
       </a:lnSpc>
@@ -710,7 +721,7 @@
         <a:srgbClr val="000000"/>
       </a:buClr>
       <a:buFont typeface="Arial"/>
-      <a:defRPr b="0" i="0" sz="1400" u="none" cap="none" strike="noStrike">
+      <a:defRPr sz="1400" b="0" i="0" u="none" strike="noStrike" cap="none">
         <a:solidFill>
           <a:srgbClr val="000000"/>
         </a:solidFill>
@@ -720,7 +731,7 @@
         <a:sym typeface="Arial"/>
       </a:defRPr>
     </a:lvl5pPr>
-    <a:lvl6pPr lvl="5" marR="0" rtl="0" algn="l">
+    <a:lvl6pPr marR="0" lvl="5" algn="l" rtl="0">
       <a:lnSpc>
         <a:spcPct val="100000"/>
       </a:lnSpc>
@@ -734,7 +745,7 @@
         <a:srgbClr val="000000"/>
       </a:buClr>
       <a:buFont typeface="Arial"/>
-      <a:defRPr b="0" i="0" sz="1400" u="none" cap="none" strike="noStrike">
+      <a:defRPr sz="1400" b="0" i="0" u="none" strike="noStrike" cap="none">
         <a:solidFill>
           <a:srgbClr val="000000"/>
         </a:solidFill>
@@ -744,7 +755,7 @@
         <a:sym typeface="Arial"/>
       </a:defRPr>
     </a:lvl6pPr>
-    <a:lvl7pPr lvl="6" marR="0" rtl="0" algn="l">
+    <a:lvl7pPr marR="0" lvl="6" algn="l" rtl="0">
       <a:lnSpc>
         <a:spcPct val="100000"/>
       </a:lnSpc>
@@ -758,7 +769,7 @@
         <a:srgbClr val="000000"/>
       </a:buClr>
       <a:buFont typeface="Arial"/>
-      <a:defRPr b="0" i="0" sz="1400" u="none" cap="none" strike="noStrike">
+      <a:defRPr sz="1400" b="0" i="0" u="none" strike="noStrike" cap="none">
         <a:solidFill>
           <a:srgbClr val="000000"/>
         </a:solidFill>
@@ -768,7 +779,7 @@
         <a:sym typeface="Arial"/>
       </a:defRPr>
     </a:lvl7pPr>
-    <a:lvl8pPr lvl="7" marR="0" rtl="0" algn="l">
+    <a:lvl8pPr marR="0" lvl="7" algn="l" rtl="0">
       <a:lnSpc>
         <a:spcPct val="100000"/>
       </a:lnSpc>
@@ -782,7 +793,7 @@
         <a:srgbClr val="000000"/>
       </a:buClr>
       <a:buFont typeface="Arial"/>
-      <a:defRPr b="0" i="0" sz="1400" u="none" cap="none" strike="noStrike">
+      <a:defRPr sz="1400" b="0" i="0" u="none" strike="noStrike" cap="none">
         <a:solidFill>
           <a:srgbClr val="000000"/>
         </a:solidFill>
@@ -792,7 +803,7 @@
         <a:sym typeface="Arial"/>
       </a:defRPr>
     </a:lvl8pPr>
-    <a:lvl9pPr lvl="8" marR="0" rtl="0" algn="l">
+    <a:lvl9pPr marR="0" lvl="8" algn="l" rtl="0">
       <a:lnSpc>
         <a:spcPct val="100000"/>
       </a:lnSpc>
@@ -806,7 +817,7 @@
         <a:srgbClr val="000000"/>
       </a:buClr>
       <a:buFont typeface="Arial"/>
-      <a:defRPr b="0" i="0" sz="1400" u="none" cap="none" strike="noStrike">
+      <a:defRPr sz="1400" b="0" i="0" u="none" strike="noStrike" cap="none">
         <a:solidFill>
           <a:srgbClr val="000000"/>
         </a:solidFill>
@@ -821,11 +832,11 @@
 </file>
 
 <file path=ppt/notesSlides/notesSlide1.xml><?xml version="1.0" encoding="utf-8"?>
-<p:notes xmlns:a="http://schemas.openxmlformats.org/drawingml/2006/main" xmlns:r="http://schemas.openxmlformats.org/officeDocument/2006/relationships" xmlns:mc="http://schemas.openxmlformats.org/markup-compatibility/2006" xmlns:mv="urn:schemas-microsoft-com:mac:vml" xmlns:p="http://schemas.openxmlformats.org/presentationml/2006/main" xmlns:c="http://schemas.openxmlformats.org/drawingml/2006/chart" xmlns:dgm="http://schemas.openxmlformats.org/drawingml/2006/diagram" xmlns:o="urn:schemas-microsoft-com:office:office" xmlns:v="urn:schemas-microsoft-com:vml" xmlns:pvml="urn:schemas-microsoft-com:office:powerpoint" xmlns:com="http://schemas.openxmlformats.org/drawingml/2006/compatibility" xmlns:p14="http://schemas.microsoft.com/office/powerpoint/2010/main" xmlns:p15="http://schemas.microsoft.com/office/powerpoint/2012/main" showMasterPhAnim="0" showMasterSp="0">
+<p:notes xmlns:a="http://schemas.openxmlformats.org/drawingml/2006/main" xmlns:r="http://schemas.openxmlformats.org/officeDocument/2006/relationships" xmlns:p="http://schemas.openxmlformats.org/presentationml/2006/main" showMasterSp="0" showMasterPhAnim="0">
   <p:cSld>
     <p:spTree>
       <p:nvGrpSpPr>
-        <p:cNvPr id="46" name="Shape 46"/>
+        <p:cNvPr id="1" name="Shape 46"/>
         <p:cNvGrpSpPr/>
         <p:nvPr/>
       </p:nvGrpSpPr>
@@ -840,9 +851,11 @@
       <p:sp>
         <p:nvSpPr>
           <p:cNvPr id="47" name="Google Shape;47;g7289eee045_0_31:notes"/>
-          <p:cNvSpPr/>
+          <p:cNvSpPr>
+            <a:spLocks noGrp="1" noRot="1" noChangeAspect="1"/>
+          </p:cNvSpPr>
           <p:nvPr>
-            <p:ph idx="2" type="sldImg"/>
+            <p:ph type="sldImg" idx="2"/>
           </p:nvPr>
         </p:nvSpPr>
         <p:spPr>
@@ -851,9 +864,13 @@
             <a:ext cx="6096000" cy="3429000"/>
           </a:xfrm>
           <a:custGeom>
-            <a:rect b="b" l="l" r="r" t="t"/>
+            <a:avLst/>
+            <a:gdLst/>
+            <a:ahLst/>
+            <a:cxnLst/>
+            <a:rect l="l" t="t" r="r" b="b"/>
             <a:pathLst>
-              <a:path extrusionOk="0" h="120000" w="120000">
+              <a:path w="120000" h="120000" extrusionOk="0">
                 <a:moveTo>
                   <a:pt x="0" y="0"/>
                 </a:moveTo>
@@ -871,23 +888,25 @@
             </a:pathLst>
           </a:custGeom>
           <a:noFill/>
-          <a:ln cap="flat" cmpd="sng" w="9525">
+          <a:ln w="9525" cap="flat" cmpd="sng">
             <a:solidFill>
               <a:srgbClr val="000000"/>
             </a:solidFill>
             <a:prstDash val="solid"/>
             <a:round/>
-            <a:headEnd len="sm" w="sm" type="none"/>
-            <a:tailEnd len="sm" w="sm" type="none"/>
+            <a:headEnd type="none" w="sm" len="sm"/>
+            <a:tailEnd type="none" w="sm" len="sm"/>
           </a:ln>
         </p:spPr>
       </p:sp>
       <p:sp>
         <p:nvSpPr>
           <p:cNvPr id="48" name="Google Shape;48;g7289eee045_0_31:notes"/>
-          <p:cNvSpPr txBox="1"/>
+          <p:cNvSpPr txBox="1">
+            <a:spLocks noGrp="1"/>
+          </p:cNvSpPr>
           <p:nvPr>
-            <p:ph idx="1" type="body"/>
+            <p:ph type="body" idx="1"/>
           </p:nvPr>
         </p:nvSpPr>
         <p:spPr>
@@ -904,12 +923,12 @@
           </a:ln>
         </p:spPr>
         <p:txBody>
-          <a:bodyPr anchorCtr="0" anchor="t" bIns="91425" lIns="91425" spcFirstLastPara="1" rIns="91425" wrap="square" tIns="91425">
+          <a:bodyPr spcFirstLastPara="1" wrap="square" lIns="91425" tIns="91425" rIns="91425" bIns="91425" anchor="t" anchorCtr="0">
             <a:noAutofit/>
           </a:bodyPr>
           <a:lstStyle/>
           <a:p>
-            <a:pPr indent="0" lvl="0" marL="0" rtl="0" algn="l">
+            <a:pPr marL="0" lvl="0" indent="0" algn="l" rtl="0">
               <a:lnSpc>
                 <a:spcPct val="100000"/>
               </a:lnSpc>
@@ -922,9 +941,6 @@
               <a:buSzPts val="1100"/>
               <a:buNone/>
             </a:pPr>
-            <a:r>
-              <a:t/>
-            </a:r>
             <a:endParaRPr/>
           </a:p>
         </p:txBody>
@@ -938,11 +954,11 @@
 </file>
 
 <file path=ppt/notesSlides/notesSlide2.xml><?xml version="1.0" encoding="utf-8"?>
-<p:notes xmlns:a="http://schemas.openxmlformats.org/drawingml/2006/main" xmlns:r="http://schemas.openxmlformats.org/officeDocument/2006/relationships" xmlns:mc="http://schemas.openxmlformats.org/markup-compatibility/2006" xmlns:mv="urn:schemas-microsoft-com:mac:vml" xmlns:p="http://schemas.openxmlformats.org/presentationml/2006/main" xmlns:c="http://schemas.openxmlformats.org/drawingml/2006/chart" xmlns:dgm="http://schemas.openxmlformats.org/drawingml/2006/diagram" xmlns:o="urn:schemas-microsoft-com:office:office" xmlns:v="urn:schemas-microsoft-com:vml" xmlns:pvml="urn:schemas-microsoft-com:office:powerpoint" xmlns:com="http://schemas.openxmlformats.org/drawingml/2006/compatibility" xmlns:p14="http://schemas.microsoft.com/office/powerpoint/2010/main" xmlns:p15="http://schemas.microsoft.com/office/powerpoint/2012/main" showMasterPhAnim="0" showMasterSp="0">
+<p:notes xmlns:a="http://schemas.openxmlformats.org/drawingml/2006/main" xmlns:r="http://schemas.openxmlformats.org/officeDocument/2006/relationships" xmlns:p="http://schemas.openxmlformats.org/presentationml/2006/main" showMasterSp="0" showMasterPhAnim="0">
   <p:cSld>
     <p:spTree>
       <p:nvGrpSpPr>
-        <p:cNvPr id="63" name="Shape 63"/>
+        <p:cNvPr id="1" name="Shape 63"/>
         <p:cNvGrpSpPr/>
         <p:nvPr/>
       </p:nvGrpSpPr>
@@ -957,9 +973,11 @@
       <p:sp>
         <p:nvSpPr>
           <p:cNvPr id="64" name="Google Shape;64;p2:notes"/>
-          <p:cNvSpPr/>
+          <p:cNvSpPr>
+            <a:spLocks noGrp="1" noRot="1" noChangeAspect="1"/>
+          </p:cNvSpPr>
           <p:nvPr>
-            <p:ph idx="2" type="sldImg"/>
+            <p:ph type="sldImg" idx="2"/>
           </p:nvPr>
         </p:nvSpPr>
         <p:spPr>
@@ -968,9 +986,13 @@
             <a:ext cx="6096000" cy="3429000"/>
           </a:xfrm>
           <a:custGeom>
-            <a:rect b="b" l="l" r="r" t="t"/>
+            <a:avLst/>
+            <a:gdLst/>
+            <a:ahLst/>
+            <a:cxnLst/>
+            <a:rect l="l" t="t" r="r" b="b"/>
             <a:pathLst>
-              <a:path extrusionOk="0" h="120000" w="120000">
+              <a:path w="120000" h="120000" extrusionOk="0">
                 <a:moveTo>
                   <a:pt x="0" y="0"/>
                 </a:moveTo>
@@ -988,23 +1010,25 @@
             </a:pathLst>
           </a:custGeom>
           <a:noFill/>
-          <a:ln cap="flat" cmpd="sng" w="9525">
+          <a:ln w="9525" cap="flat" cmpd="sng">
             <a:solidFill>
               <a:srgbClr val="000000"/>
             </a:solidFill>
             <a:prstDash val="solid"/>
             <a:round/>
-            <a:headEnd len="sm" w="sm" type="none"/>
-            <a:tailEnd len="sm" w="sm" type="none"/>
+            <a:headEnd type="none" w="sm" len="sm"/>
+            <a:tailEnd type="none" w="sm" len="sm"/>
           </a:ln>
         </p:spPr>
       </p:sp>
       <p:sp>
         <p:nvSpPr>
           <p:cNvPr id="65" name="Google Shape;65;p2:notes"/>
-          <p:cNvSpPr txBox="1"/>
+          <p:cNvSpPr txBox="1">
+            <a:spLocks noGrp="1"/>
+          </p:cNvSpPr>
           <p:nvPr>
-            <p:ph idx="1" type="body"/>
+            <p:ph type="body" idx="1"/>
           </p:nvPr>
         </p:nvSpPr>
         <p:spPr>
@@ -1021,12 +1045,12 @@
           </a:ln>
         </p:spPr>
         <p:txBody>
-          <a:bodyPr anchorCtr="0" anchor="t" bIns="91425" lIns="91425" spcFirstLastPara="1" rIns="91425" wrap="square" tIns="91425">
+          <a:bodyPr spcFirstLastPara="1" wrap="square" lIns="91425" tIns="91425" rIns="91425" bIns="91425" anchor="t" anchorCtr="0">
             <a:noAutofit/>
           </a:bodyPr>
           <a:lstStyle/>
           <a:p>
-            <a:pPr indent="0" lvl="0" marL="0" rtl="0" algn="l">
+            <a:pPr marL="0" lvl="0" indent="0" algn="l" rtl="0">
               <a:lnSpc>
                 <a:spcPct val="100000"/>
               </a:lnSpc>
@@ -1039,9 +1063,6 @@
               <a:buSzPts val="1100"/>
               <a:buNone/>
             </a:pPr>
-            <a:r>
-              <a:t/>
-            </a:r>
             <a:endParaRPr/>
           </a:p>
         </p:txBody>
@@ -1055,11 +1076,11 @@
 </file>
 
 <file path=ppt/notesSlides/notesSlide3.xml><?xml version="1.0" encoding="utf-8"?>
-<p:notes xmlns:a="http://schemas.openxmlformats.org/drawingml/2006/main" xmlns:r="http://schemas.openxmlformats.org/officeDocument/2006/relationships" xmlns:mc="http://schemas.openxmlformats.org/markup-compatibility/2006" xmlns:mv="urn:schemas-microsoft-com:mac:vml" xmlns:p="http://schemas.openxmlformats.org/presentationml/2006/main" xmlns:c="http://schemas.openxmlformats.org/drawingml/2006/chart" xmlns:dgm="http://schemas.openxmlformats.org/drawingml/2006/diagram" xmlns:o="urn:schemas-microsoft-com:office:office" xmlns:v="urn:schemas-microsoft-com:vml" xmlns:pvml="urn:schemas-microsoft-com:office:powerpoint" xmlns:com="http://schemas.openxmlformats.org/drawingml/2006/compatibility" xmlns:p14="http://schemas.microsoft.com/office/powerpoint/2010/main" xmlns:p15="http://schemas.microsoft.com/office/powerpoint/2012/main" showMasterPhAnim="0" showMasterSp="0">
+<p:notes xmlns:a="http://schemas.openxmlformats.org/drawingml/2006/main" xmlns:r="http://schemas.openxmlformats.org/officeDocument/2006/relationships" xmlns:p="http://schemas.openxmlformats.org/presentationml/2006/main" showMasterSp="0" showMasterPhAnim="0">
   <p:cSld>
     <p:spTree>
       <p:nvGrpSpPr>
-        <p:cNvPr id="87" name="Shape 87"/>
+        <p:cNvPr id="1" name="Shape 87"/>
         <p:cNvGrpSpPr/>
         <p:nvPr/>
       </p:nvGrpSpPr>
@@ -1074,9 +1095,11 @@
       <p:sp>
         <p:nvSpPr>
           <p:cNvPr id="88" name="Google Shape;88;g7289eee045_0_62:notes"/>
-          <p:cNvSpPr/>
+          <p:cNvSpPr>
+            <a:spLocks noGrp="1" noRot="1" noChangeAspect="1"/>
+          </p:cNvSpPr>
           <p:nvPr>
-            <p:ph idx="2" type="sldImg"/>
+            <p:ph type="sldImg" idx="2"/>
           </p:nvPr>
         </p:nvSpPr>
         <p:spPr>
@@ -1085,9 +1108,13 @@
             <a:ext cx="6096000" cy="3429000"/>
           </a:xfrm>
           <a:custGeom>
-            <a:rect b="b" l="l" r="r" t="t"/>
+            <a:avLst/>
+            <a:gdLst/>
+            <a:ahLst/>
+            <a:cxnLst/>
+            <a:rect l="l" t="t" r="r" b="b"/>
             <a:pathLst>
-              <a:path extrusionOk="0" h="120000" w="120000">
+              <a:path w="120000" h="120000" extrusionOk="0">
                 <a:moveTo>
                   <a:pt x="0" y="0"/>
                 </a:moveTo>
@@ -1105,23 +1132,25 @@
             </a:pathLst>
           </a:custGeom>
           <a:noFill/>
-          <a:ln cap="flat" cmpd="sng" w="9525">
+          <a:ln w="9525" cap="flat" cmpd="sng">
             <a:solidFill>
               <a:srgbClr val="000000"/>
             </a:solidFill>
             <a:prstDash val="solid"/>
             <a:round/>
-            <a:headEnd len="sm" w="sm" type="none"/>
-            <a:tailEnd len="sm" w="sm" type="none"/>
+            <a:headEnd type="none" w="sm" len="sm"/>
+            <a:tailEnd type="none" w="sm" len="sm"/>
           </a:ln>
         </p:spPr>
       </p:sp>
       <p:sp>
         <p:nvSpPr>
           <p:cNvPr id="89" name="Google Shape;89;g7289eee045_0_62:notes"/>
-          <p:cNvSpPr txBox="1"/>
+          <p:cNvSpPr txBox="1">
+            <a:spLocks noGrp="1"/>
+          </p:cNvSpPr>
           <p:nvPr>
-            <p:ph idx="1" type="body"/>
+            <p:ph type="body" idx="1"/>
           </p:nvPr>
         </p:nvSpPr>
         <p:spPr>
@@ -1138,12 +1167,12 @@
           </a:ln>
         </p:spPr>
         <p:txBody>
-          <a:bodyPr anchorCtr="0" anchor="t" bIns="91425" lIns="91425" spcFirstLastPara="1" rIns="91425" wrap="square" tIns="91425">
+          <a:bodyPr spcFirstLastPara="1" wrap="square" lIns="91425" tIns="91425" rIns="91425" bIns="91425" anchor="t" anchorCtr="0">
             <a:noAutofit/>
           </a:bodyPr>
           <a:lstStyle/>
           <a:p>
-            <a:pPr indent="0" lvl="0" marL="0" rtl="0" algn="l">
+            <a:pPr marL="0" lvl="0" indent="0" algn="l" rtl="0">
               <a:lnSpc>
                 <a:spcPct val="100000"/>
               </a:lnSpc>
@@ -1156,9 +1185,6 @@
               <a:buSzPts val="1100"/>
               <a:buNone/>
             </a:pPr>
-            <a:r>
-              <a:t/>
-            </a:r>
             <a:endParaRPr/>
           </a:p>
         </p:txBody>
@@ -1172,11 +1198,11 @@
 </file>
 
 <file path=ppt/notesSlides/notesSlide4.xml><?xml version="1.0" encoding="utf-8"?>
-<p:notes xmlns:a="http://schemas.openxmlformats.org/drawingml/2006/main" xmlns:r="http://schemas.openxmlformats.org/officeDocument/2006/relationships" xmlns:mc="http://schemas.openxmlformats.org/markup-compatibility/2006" xmlns:mv="urn:schemas-microsoft-com:mac:vml" xmlns:p="http://schemas.openxmlformats.org/presentationml/2006/main" xmlns:c="http://schemas.openxmlformats.org/drawingml/2006/chart" xmlns:dgm="http://schemas.openxmlformats.org/drawingml/2006/diagram" xmlns:o="urn:schemas-microsoft-com:office:office" xmlns:v="urn:schemas-microsoft-com:vml" xmlns:pvml="urn:schemas-microsoft-com:office:powerpoint" xmlns:com="http://schemas.openxmlformats.org/drawingml/2006/compatibility" xmlns:p14="http://schemas.microsoft.com/office/powerpoint/2010/main" xmlns:p15="http://schemas.microsoft.com/office/powerpoint/2012/main" showMasterPhAnim="0" showMasterSp="0">
+<p:notes xmlns:a="http://schemas.openxmlformats.org/drawingml/2006/main" xmlns:r="http://schemas.openxmlformats.org/officeDocument/2006/relationships" xmlns:p="http://schemas.openxmlformats.org/presentationml/2006/main" showMasterSp="0" showMasterPhAnim="0">
   <p:cSld>
     <p:spTree>
       <p:nvGrpSpPr>
-        <p:cNvPr id="107" name="Shape 107"/>
+        <p:cNvPr id="1" name="Shape 107"/>
         <p:cNvGrpSpPr/>
         <p:nvPr/>
       </p:nvGrpSpPr>
@@ -1191,9 +1217,11 @@
       <p:sp>
         <p:nvSpPr>
           <p:cNvPr id="108" name="Google Shape;108;p5:notes"/>
-          <p:cNvSpPr/>
+          <p:cNvSpPr>
+            <a:spLocks noGrp="1" noRot="1" noChangeAspect="1"/>
+          </p:cNvSpPr>
           <p:nvPr>
-            <p:ph idx="2" type="sldImg"/>
+            <p:ph type="sldImg" idx="2"/>
           </p:nvPr>
         </p:nvSpPr>
         <p:spPr>
@@ -1202,9 +1230,13 @@
             <a:ext cx="6096000" cy="3429000"/>
           </a:xfrm>
           <a:custGeom>
-            <a:rect b="b" l="l" r="r" t="t"/>
+            <a:avLst/>
+            <a:gdLst/>
+            <a:ahLst/>
+            <a:cxnLst/>
+            <a:rect l="l" t="t" r="r" b="b"/>
             <a:pathLst>
-              <a:path extrusionOk="0" h="120000" w="120000">
+              <a:path w="120000" h="120000" extrusionOk="0">
                 <a:moveTo>
                   <a:pt x="0" y="0"/>
                 </a:moveTo>
@@ -1222,23 +1254,25 @@
             </a:pathLst>
           </a:custGeom>
           <a:noFill/>
-          <a:ln cap="flat" cmpd="sng" w="9525">
+          <a:ln w="9525" cap="flat" cmpd="sng">
             <a:solidFill>
               <a:srgbClr val="000000"/>
             </a:solidFill>
             <a:prstDash val="solid"/>
             <a:round/>
-            <a:headEnd len="sm" w="sm" type="none"/>
-            <a:tailEnd len="sm" w="sm" type="none"/>
+            <a:headEnd type="none" w="sm" len="sm"/>
+            <a:tailEnd type="none" w="sm" len="sm"/>
           </a:ln>
         </p:spPr>
       </p:sp>
       <p:sp>
         <p:nvSpPr>
           <p:cNvPr id="109" name="Google Shape;109;p5:notes"/>
-          <p:cNvSpPr txBox="1"/>
+          <p:cNvSpPr txBox="1">
+            <a:spLocks noGrp="1"/>
+          </p:cNvSpPr>
           <p:nvPr>
-            <p:ph idx="1" type="body"/>
+            <p:ph type="body" idx="1"/>
           </p:nvPr>
         </p:nvSpPr>
         <p:spPr>
@@ -1255,12 +1289,12 @@
           </a:ln>
         </p:spPr>
         <p:txBody>
-          <a:bodyPr anchorCtr="0" anchor="t" bIns="91425" lIns="91425" spcFirstLastPara="1" rIns="91425" wrap="square" tIns="91425">
+          <a:bodyPr spcFirstLastPara="1" wrap="square" lIns="91425" tIns="91425" rIns="91425" bIns="91425" anchor="t" anchorCtr="0">
             <a:noAutofit/>
           </a:bodyPr>
           <a:lstStyle/>
           <a:p>
-            <a:pPr indent="0" lvl="0" marL="0" rtl="0" algn="l">
+            <a:pPr marL="0" lvl="0" indent="0" algn="l" rtl="0">
               <a:lnSpc>
                 <a:spcPct val="100000"/>
               </a:lnSpc>
@@ -1273,9 +1307,6 @@
               <a:buSzPts val="1100"/>
               <a:buNone/>
             </a:pPr>
-            <a:r>
-              <a:t/>
-            </a:r>
             <a:endParaRPr/>
           </a:p>
         </p:txBody>
@@ -1289,11 +1320,11 @@
 </file>
 
 <file path=ppt/slideLayouts/slideLayout1.xml><?xml version="1.0" encoding="utf-8"?>
-<p:sldLayout xmlns:a="http://schemas.openxmlformats.org/drawingml/2006/main" xmlns:r="http://schemas.openxmlformats.org/officeDocument/2006/relationships" xmlns:mc="http://schemas.openxmlformats.org/markup-compatibility/2006" xmlns:mv="urn:schemas-microsoft-com:mac:vml" xmlns:p="http://schemas.openxmlformats.org/presentationml/2006/main" xmlns:c="http://schemas.openxmlformats.org/drawingml/2006/chart" xmlns:dgm="http://schemas.openxmlformats.org/drawingml/2006/diagram" xmlns:o="urn:schemas-microsoft-com:office:office" xmlns:v="urn:schemas-microsoft-com:vml" xmlns:pvml="urn:schemas-microsoft-com:office:powerpoint" xmlns:com="http://schemas.openxmlformats.org/drawingml/2006/compatibility" xmlns:p14="http://schemas.microsoft.com/office/powerpoint/2010/main" xmlns:p15="http://schemas.microsoft.com/office/powerpoint/2012/main" matchingName="Blank" type="blank">
+<p:sldLayout xmlns:a="http://schemas.openxmlformats.org/drawingml/2006/main" xmlns:r="http://schemas.openxmlformats.org/officeDocument/2006/relationships" xmlns:p="http://schemas.openxmlformats.org/presentationml/2006/main" matchingName="Blank" type="blank">
   <p:cSld name="BLANK">
     <p:spTree>
       <p:nvGrpSpPr>
-        <p:cNvPr id="9" name="Shape 9"/>
+        <p:cNvPr id="1" name="Shape 9"/>
         <p:cNvGrpSpPr/>
         <p:nvPr/>
       </p:nvGrpSpPr>
@@ -1308,9 +1339,11 @@
       <p:sp>
         <p:nvSpPr>
           <p:cNvPr id="10" name="Google Shape;10;p8"/>
-          <p:cNvSpPr txBox="1"/>
+          <p:cNvSpPr txBox="1">
+            <a:spLocks noGrp="1"/>
+          </p:cNvSpPr>
           <p:nvPr>
-            <p:ph idx="12" type="sldNum"/>
+            <p:ph type="sldNum" idx="12"/>
           </p:nvPr>
         </p:nvSpPr>
         <p:spPr>
@@ -1327,11 +1360,11 @@
           </a:ln>
         </p:spPr>
         <p:txBody>
-          <a:bodyPr anchorCtr="0" anchor="ctr" bIns="91425" lIns="91425" spcFirstLastPara="1" rIns="91425" wrap="square" tIns="91425">
+          <a:bodyPr spcFirstLastPara="1" wrap="square" lIns="91425" tIns="91425" rIns="91425" bIns="91425" anchor="ctr" anchorCtr="0">
             <a:noAutofit/>
           </a:bodyPr>
           <a:lstStyle>
-            <a:lvl1pPr indent="0" lvl="0" marL="0" marR="0" algn="r">
+            <a:lvl1pPr marL="0" marR="0" lvl="0" indent="0" algn="r">
               <a:lnSpc>
                 <a:spcPct val="100000"/>
               </a:lnSpc>
@@ -1347,7 +1380,7 @@
               <a:buSzPts val="1000"/>
               <a:buFont typeface="Arial"/>
               <a:buNone/>
-              <a:defRPr b="0" i="0" sz="1000" u="none" cap="none" strike="noStrike">
+              <a:defRPr sz="1000" b="0" i="0" u="none" strike="noStrike" cap="none">
                 <a:solidFill>
                   <a:schemeClr val="dk2"/>
                 </a:solidFill>
@@ -1357,7 +1390,7 @@
                 <a:sym typeface="Arial"/>
               </a:defRPr>
             </a:lvl1pPr>
-            <a:lvl2pPr indent="0" lvl="1" marL="0" marR="0" algn="r">
+            <a:lvl2pPr marL="0" marR="0" lvl="1" indent="0" algn="r">
               <a:lnSpc>
                 <a:spcPct val="100000"/>
               </a:lnSpc>
@@ -1373,7 +1406,7 @@
               <a:buSzPts val="1000"/>
               <a:buFont typeface="Arial"/>
               <a:buNone/>
-              <a:defRPr b="0" i="0" sz="1000" u="none" cap="none" strike="noStrike">
+              <a:defRPr sz="1000" b="0" i="0" u="none" strike="noStrike" cap="none">
                 <a:solidFill>
                   <a:schemeClr val="dk2"/>
                 </a:solidFill>
@@ -1383,7 +1416,7 @@
                 <a:sym typeface="Arial"/>
               </a:defRPr>
             </a:lvl2pPr>
-            <a:lvl3pPr indent="0" lvl="2" marL="0" marR="0" algn="r">
+            <a:lvl3pPr marL="0" marR="0" lvl="2" indent="0" algn="r">
               <a:lnSpc>
                 <a:spcPct val="100000"/>
               </a:lnSpc>
@@ -1399,7 +1432,7 @@
               <a:buSzPts val="1000"/>
               <a:buFont typeface="Arial"/>
               <a:buNone/>
-              <a:defRPr b="0" i="0" sz="1000" u="none" cap="none" strike="noStrike">
+              <a:defRPr sz="1000" b="0" i="0" u="none" strike="noStrike" cap="none">
                 <a:solidFill>
                   <a:schemeClr val="dk2"/>
                 </a:solidFill>
@@ -1409,7 +1442,7 @@
                 <a:sym typeface="Arial"/>
               </a:defRPr>
             </a:lvl3pPr>
-            <a:lvl4pPr indent="0" lvl="3" marL="0" marR="0" algn="r">
+            <a:lvl4pPr marL="0" marR="0" lvl="3" indent="0" algn="r">
               <a:lnSpc>
                 <a:spcPct val="100000"/>
               </a:lnSpc>
@@ -1425,7 +1458,7 @@
               <a:buSzPts val="1000"/>
               <a:buFont typeface="Arial"/>
               <a:buNone/>
-              <a:defRPr b="0" i="0" sz="1000" u="none" cap="none" strike="noStrike">
+              <a:defRPr sz="1000" b="0" i="0" u="none" strike="noStrike" cap="none">
                 <a:solidFill>
                   <a:schemeClr val="dk2"/>
                 </a:solidFill>
@@ -1435,7 +1468,7 @@
                 <a:sym typeface="Arial"/>
               </a:defRPr>
             </a:lvl4pPr>
-            <a:lvl5pPr indent="0" lvl="4" marL="0" marR="0" algn="r">
+            <a:lvl5pPr marL="0" marR="0" lvl="4" indent="0" algn="r">
               <a:lnSpc>
                 <a:spcPct val="100000"/>
               </a:lnSpc>
@@ -1451,7 +1484,7 @@
               <a:buSzPts val="1000"/>
               <a:buFont typeface="Arial"/>
               <a:buNone/>
-              <a:defRPr b="0" i="0" sz="1000" u="none" cap="none" strike="noStrike">
+              <a:defRPr sz="1000" b="0" i="0" u="none" strike="noStrike" cap="none">
                 <a:solidFill>
                   <a:schemeClr val="dk2"/>
                 </a:solidFill>
@@ -1461,7 +1494,7 @@
                 <a:sym typeface="Arial"/>
               </a:defRPr>
             </a:lvl5pPr>
-            <a:lvl6pPr indent="0" lvl="5" marL="0" marR="0" algn="r">
+            <a:lvl6pPr marL="0" marR="0" lvl="5" indent="0" algn="r">
               <a:lnSpc>
                 <a:spcPct val="100000"/>
               </a:lnSpc>
@@ -1477,7 +1510,7 @@
               <a:buSzPts val="1000"/>
               <a:buFont typeface="Arial"/>
               <a:buNone/>
-              <a:defRPr b="0" i="0" sz="1000" u="none" cap="none" strike="noStrike">
+              <a:defRPr sz="1000" b="0" i="0" u="none" strike="noStrike" cap="none">
                 <a:solidFill>
                   <a:schemeClr val="dk2"/>
                 </a:solidFill>
@@ -1487,7 +1520,7 @@
                 <a:sym typeface="Arial"/>
               </a:defRPr>
             </a:lvl6pPr>
-            <a:lvl7pPr indent="0" lvl="6" marL="0" marR="0" algn="r">
+            <a:lvl7pPr marL="0" marR="0" lvl="6" indent="0" algn="r">
               <a:lnSpc>
                 <a:spcPct val="100000"/>
               </a:lnSpc>
@@ -1503,7 +1536,7 @@
               <a:buSzPts val="1000"/>
               <a:buFont typeface="Arial"/>
               <a:buNone/>
-              <a:defRPr b="0" i="0" sz="1000" u="none" cap="none" strike="noStrike">
+              <a:defRPr sz="1000" b="0" i="0" u="none" strike="noStrike" cap="none">
                 <a:solidFill>
                   <a:schemeClr val="dk2"/>
                 </a:solidFill>
@@ -1513,7 +1546,7 @@
                 <a:sym typeface="Arial"/>
               </a:defRPr>
             </a:lvl7pPr>
-            <a:lvl8pPr indent="0" lvl="7" marL="0" marR="0" algn="r">
+            <a:lvl8pPr marL="0" marR="0" lvl="7" indent="0" algn="r">
               <a:lnSpc>
                 <a:spcPct val="100000"/>
               </a:lnSpc>
@@ -1529,7 +1562,7 @@
               <a:buSzPts val="1000"/>
               <a:buFont typeface="Arial"/>
               <a:buNone/>
-              <a:defRPr b="0" i="0" sz="1000" u="none" cap="none" strike="noStrike">
+              <a:defRPr sz="1000" b="0" i="0" u="none" strike="noStrike" cap="none">
                 <a:solidFill>
                   <a:schemeClr val="dk2"/>
                 </a:solidFill>
@@ -1539,7 +1572,7 @@
                 <a:sym typeface="Arial"/>
               </a:defRPr>
             </a:lvl8pPr>
-            <a:lvl9pPr indent="0" lvl="8" marL="0" marR="0" algn="r">
+            <a:lvl9pPr marL="0" marR="0" lvl="8" indent="0" algn="r">
               <a:lnSpc>
                 <a:spcPct val="100000"/>
               </a:lnSpc>
@@ -1555,7 +1588,7 @@
               <a:buSzPts val="1000"/>
               <a:buFont typeface="Arial"/>
               <a:buNone/>
-              <a:defRPr b="0" i="0" sz="1000" u="none" cap="none" strike="noStrike">
+              <a:defRPr sz="1000" b="0" i="0" u="none" strike="noStrike" cap="none">
                 <a:solidFill>
                   <a:schemeClr val="dk2"/>
                 </a:solidFill>
@@ -1567,7 +1600,7 @@
             </a:lvl9pPr>
           </a:lstStyle>
           <a:p>
-            <a:pPr indent="0" lvl="0" marL="0" rtl="0" algn="r">
+            <a:pPr marL="0" lvl="0" indent="0" algn="r" rtl="0">
               <a:spcBef>
                 <a:spcPts val="0"/>
               </a:spcBef>
@@ -1578,7 +1611,7 @@
             </a:pPr>
             <a:fld id="{00000000-1234-1234-1234-123412341234}" type="slidenum">
               <a:rPr lang="pt-BR"/>
-              <a:t>‹#›</a:t>
+              <a:t>‹nº›</a:t>
             </a:fld>
             <a:endParaRPr/>
           </a:p>
@@ -1593,11 +1626,11 @@
 </file>
 
 <file path=ppt/slideLayouts/slideLayout10.xml><?xml version="1.0" encoding="utf-8"?>
-<p:sldLayout xmlns:a="http://schemas.openxmlformats.org/drawingml/2006/main" xmlns:r="http://schemas.openxmlformats.org/officeDocument/2006/relationships" xmlns:mc="http://schemas.openxmlformats.org/markup-compatibility/2006" xmlns:mv="urn:schemas-microsoft-com:mac:vml" xmlns:p="http://schemas.openxmlformats.org/presentationml/2006/main" xmlns:c="http://schemas.openxmlformats.org/drawingml/2006/chart" xmlns:dgm="http://schemas.openxmlformats.org/drawingml/2006/diagram" xmlns:o="urn:schemas-microsoft-com:office:office" xmlns:v="urn:schemas-microsoft-com:vml" xmlns:pvml="urn:schemas-microsoft-com:office:powerpoint" xmlns:com="http://schemas.openxmlformats.org/drawingml/2006/compatibility" xmlns:p14="http://schemas.microsoft.com/office/powerpoint/2010/main" xmlns:p15="http://schemas.microsoft.com/office/powerpoint/2012/main" matchingName="Big number">
+<p:sldLayout xmlns:a="http://schemas.openxmlformats.org/drawingml/2006/main" xmlns:r="http://schemas.openxmlformats.org/officeDocument/2006/relationships" xmlns:p="http://schemas.openxmlformats.org/presentationml/2006/main" matchingName="Big number">
   <p:cSld name="BIG_NUMBER">
     <p:spTree>
       <p:nvGrpSpPr>
-        <p:cNvPr id="42" name="Shape 42"/>
+        <p:cNvPr id="1" name="Shape 42"/>
         <p:cNvGrpSpPr/>
         <p:nvPr/>
       </p:nvGrpSpPr>
@@ -1612,9 +1645,11 @@
       <p:sp>
         <p:nvSpPr>
           <p:cNvPr id="43" name="Google Shape;43;p17"/>
-          <p:cNvSpPr txBox="1"/>
+          <p:cNvSpPr txBox="1">
+            <a:spLocks noGrp="1"/>
+          </p:cNvSpPr>
           <p:nvPr>
-            <p:ph hasCustomPrompt="1" type="title"/>
+            <p:ph type="title" hasCustomPrompt="1"/>
           </p:nvPr>
         </p:nvSpPr>
         <p:spPr>
@@ -1631,7 +1666,7 @@
           </a:ln>
         </p:spPr>
         <p:txBody>
-          <a:bodyPr anchorCtr="0" anchor="b" bIns="91425" lIns="91425" spcFirstLastPara="1" rIns="91425" wrap="square" tIns="91425">
+          <a:bodyPr spcFirstLastPara="1" wrap="square" lIns="91425" tIns="91425" rIns="91425" bIns="91425" anchor="b" anchorCtr="0">
             <a:noAutofit/>
           </a:bodyPr>
           <a:lstStyle>
@@ -1772,9 +1807,11 @@
       <p:sp>
         <p:nvSpPr>
           <p:cNvPr id="44" name="Google Shape;44;p17"/>
-          <p:cNvSpPr txBox="1"/>
+          <p:cNvSpPr txBox="1">
+            <a:spLocks noGrp="1"/>
+          </p:cNvSpPr>
           <p:nvPr>
-            <p:ph idx="1" type="body"/>
+            <p:ph type="body" idx="1"/>
           </p:nvPr>
         </p:nvSpPr>
         <p:spPr>
@@ -1791,11 +1828,11 @@
           </a:ln>
         </p:spPr>
         <p:txBody>
-          <a:bodyPr anchorCtr="0" anchor="t" bIns="91425" lIns="91425" spcFirstLastPara="1" rIns="91425" wrap="square" tIns="91425">
+          <a:bodyPr spcFirstLastPara="1" wrap="square" lIns="91425" tIns="91425" rIns="91425" bIns="91425" anchor="t" anchorCtr="0">
             <a:noAutofit/>
           </a:bodyPr>
           <a:lstStyle>
-            <a:lvl1pPr indent="-342900" lvl="0" marL="457200" algn="ctr">
+            <a:lvl1pPr marL="457200" lvl="0" indent="-342900" algn="ctr">
               <a:lnSpc>
                 <a:spcPct val="115000"/>
               </a:lnSpc>
@@ -1809,7 +1846,7 @@
               <a:buChar char="●"/>
               <a:defRPr/>
             </a:lvl1pPr>
-            <a:lvl2pPr indent="-317500" lvl="1" marL="914400" algn="ctr">
+            <a:lvl2pPr marL="914400" lvl="1" indent="-317500" algn="ctr">
               <a:lnSpc>
                 <a:spcPct val="115000"/>
               </a:lnSpc>
@@ -1823,7 +1860,7 @@
               <a:buChar char="○"/>
               <a:defRPr/>
             </a:lvl2pPr>
-            <a:lvl3pPr indent="-317500" lvl="2" marL="1371600" algn="ctr">
+            <a:lvl3pPr marL="1371600" lvl="2" indent="-317500" algn="ctr">
               <a:lnSpc>
                 <a:spcPct val="115000"/>
               </a:lnSpc>
@@ -1837,7 +1874,7 @@
               <a:buChar char="■"/>
               <a:defRPr/>
             </a:lvl3pPr>
-            <a:lvl4pPr indent="-317500" lvl="3" marL="1828800" algn="ctr">
+            <a:lvl4pPr marL="1828800" lvl="3" indent="-317500" algn="ctr">
               <a:lnSpc>
                 <a:spcPct val="115000"/>
               </a:lnSpc>
@@ -1851,7 +1888,7 @@
               <a:buChar char="●"/>
               <a:defRPr/>
             </a:lvl4pPr>
-            <a:lvl5pPr indent="-317500" lvl="4" marL="2286000" algn="ctr">
+            <a:lvl5pPr marL="2286000" lvl="4" indent="-317500" algn="ctr">
               <a:lnSpc>
                 <a:spcPct val="115000"/>
               </a:lnSpc>
@@ -1865,7 +1902,7 @@
               <a:buChar char="○"/>
               <a:defRPr/>
             </a:lvl5pPr>
-            <a:lvl6pPr indent="-317500" lvl="5" marL="2743200" algn="ctr">
+            <a:lvl6pPr marL="2743200" lvl="5" indent="-317500" algn="ctr">
               <a:lnSpc>
                 <a:spcPct val="115000"/>
               </a:lnSpc>
@@ -1879,7 +1916,7 @@
               <a:buChar char="■"/>
               <a:defRPr/>
             </a:lvl6pPr>
-            <a:lvl7pPr indent="-317500" lvl="6" marL="3200400" algn="ctr">
+            <a:lvl7pPr marL="3200400" lvl="6" indent="-317500" algn="ctr">
               <a:lnSpc>
                 <a:spcPct val="115000"/>
               </a:lnSpc>
@@ -1893,7 +1930,7 @@
               <a:buChar char="●"/>
               <a:defRPr/>
             </a:lvl7pPr>
-            <a:lvl8pPr indent="-317500" lvl="7" marL="3657600" algn="ctr">
+            <a:lvl8pPr marL="3657600" lvl="7" indent="-317500" algn="ctr">
               <a:lnSpc>
                 <a:spcPct val="115000"/>
               </a:lnSpc>
@@ -1907,7 +1944,7 @@
               <a:buChar char="○"/>
               <a:defRPr/>
             </a:lvl8pPr>
-            <a:lvl9pPr indent="-317500" lvl="8" marL="4114800" algn="ctr">
+            <a:lvl9pPr marL="4114800" lvl="8" indent="-317500" algn="ctr">
               <a:lnSpc>
                 <a:spcPct val="115000"/>
               </a:lnSpc>
@@ -1922,15 +1959,19 @@
               <a:defRPr/>
             </a:lvl9pPr>
           </a:lstStyle>
-          <a:p/>
+          <a:p>
+            <a:endParaRPr/>
+          </a:p>
         </p:txBody>
       </p:sp>
       <p:sp>
         <p:nvSpPr>
           <p:cNvPr id="45" name="Google Shape;45;p17"/>
-          <p:cNvSpPr txBox="1"/>
+          <p:cNvSpPr txBox="1">
+            <a:spLocks noGrp="1"/>
+          </p:cNvSpPr>
           <p:nvPr>
-            <p:ph idx="12" type="sldNum"/>
+            <p:ph type="sldNum" idx="12"/>
           </p:nvPr>
         </p:nvSpPr>
         <p:spPr>
@@ -1947,11 +1988,11 @@
           </a:ln>
         </p:spPr>
         <p:txBody>
-          <a:bodyPr anchorCtr="0" anchor="ctr" bIns="91425" lIns="91425" spcFirstLastPara="1" rIns="91425" wrap="square" tIns="91425">
+          <a:bodyPr spcFirstLastPara="1" wrap="square" lIns="91425" tIns="91425" rIns="91425" bIns="91425" anchor="ctr" anchorCtr="0">
             <a:noAutofit/>
           </a:bodyPr>
           <a:lstStyle>
-            <a:lvl1pPr indent="0" lvl="0" marL="0" marR="0" algn="r">
+            <a:lvl1pPr marL="0" marR="0" lvl="0" indent="0" algn="r">
               <a:lnSpc>
                 <a:spcPct val="100000"/>
               </a:lnSpc>
@@ -1967,7 +2008,7 @@
               <a:buSzPts val="1000"/>
               <a:buFont typeface="Arial"/>
               <a:buNone/>
-              <a:defRPr b="0" i="0" sz="1000" u="none" cap="none" strike="noStrike">
+              <a:defRPr sz="1000" b="0" i="0" u="none" strike="noStrike" cap="none">
                 <a:solidFill>
                   <a:schemeClr val="dk2"/>
                 </a:solidFill>
@@ -1977,7 +2018,7 @@
                 <a:sym typeface="Arial"/>
               </a:defRPr>
             </a:lvl1pPr>
-            <a:lvl2pPr indent="0" lvl="1" marL="0" marR="0" algn="r">
+            <a:lvl2pPr marL="0" marR="0" lvl="1" indent="0" algn="r">
               <a:lnSpc>
                 <a:spcPct val="100000"/>
               </a:lnSpc>
@@ -1993,7 +2034,7 @@
               <a:buSzPts val="1000"/>
               <a:buFont typeface="Arial"/>
               <a:buNone/>
-              <a:defRPr b="0" i="0" sz="1000" u="none" cap="none" strike="noStrike">
+              <a:defRPr sz="1000" b="0" i="0" u="none" strike="noStrike" cap="none">
                 <a:solidFill>
                   <a:schemeClr val="dk2"/>
                 </a:solidFill>
@@ -2003,7 +2044,7 @@
                 <a:sym typeface="Arial"/>
               </a:defRPr>
             </a:lvl2pPr>
-            <a:lvl3pPr indent="0" lvl="2" marL="0" marR="0" algn="r">
+            <a:lvl3pPr marL="0" marR="0" lvl="2" indent="0" algn="r">
               <a:lnSpc>
                 <a:spcPct val="100000"/>
               </a:lnSpc>
@@ -2019,7 +2060,7 @@
               <a:buSzPts val="1000"/>
               <a:buFont typeface="Arial"/>
               <a:buNone/>
-              <a:defRPr b="0" i="0" sz="1000" u="none" cap="none" strike="noStrike">
+              <a:defRPr sz="1000" b="0" i="0" u="none" strike="noStrike" cap="none">
                 <a:solidFill>
                   <a:schemeClr val="dk2"/>
                 </a:solidFill>
@@ -2029,7 +2070,7 @@
                 <a:sym typeface="Arial"/>
               </a:defRPr>
             </a:lvl3pPr>
-            <a:lvl4pPr indent="0" lvl="3" marL="0" marR="0" algn="r">
+            <a:lvl4pPr marL="0" marR="0" lvl="3" indent="0" algn="r">
               <a:lnSpc>
                 <a:spcPct val="100000"/>
               </a:lnSpc>
@@ -2045,7 +2086,7 @@
               <a:buSzPts val="1000"/>
               <a:buFont typeface="Arial"/>
               <a:buNone/>
-              <a:defRPr b="0" i="0" sz="1000" u="none" cap="none" strike="noStrike">
+              <a:defRPr sz="1000" b="0" i="0" u="none" strike="noStrike" cap="none">
                 <a:solidFill>
                   <a:schemeClr val="dk2"/>
                 </a:solidFill>
@@ -2055,7 +2096,7 @@
                 <a:sym typeface="Arial"/>
               </a:defRPr>
             </a:lvl4pPr>
-            <a:lvl5pPr indent="0" lvl="4" marL="0" marR="0" algn="r">
+            <a:lvl5pPr marL="0" marR="0" lvl="4" indent="0" algn="r">
               <a:lnSpc>
                 <a:spcPct val="100000"/>
               </a:lnSpc>
@@ -2071,7 +2112,7 @@
               <a:buSzPts val="1000"/>
               <a:buFont typeface="Arial"/>
               <a:buNone/>
-              <a:defRPr b="0" i="0" sz="1000" u="none" cap="none" strike="noStrike">
+              <a:defRPr sz="1000" b="0" i="0" u="none" strike="noStrike" cap="none">
                 <a:solidFill>
                   <a:schemeClr val="dk2"/>
                 </a:solidFill>
@@ -2081,7 +2122,7 @@
                 <a:sym typeface="Arial"/>
               </a:defRPr>
             </a:lvl5pPr>
-            <a:lvl6pPr indent="0" lvl="5" marL="0" marR="0" algn="r">
+            <a:lvl6pPr marL="0" marR="0" lvl="5" indent="0" algn="r">
               <a:lnSpc>
                 <a:spcPct val="100000"/>
               </a:lnSpc>
@@ -2097,7 +2138,7 @@
               <a:buSzPts val="1000"/>
               <a:buFont typeface="Arial"/>
               <a:buNone/>
-              <a:defRPr b="0" i="0" sz="1000" u="none" cap="none" strike="noStrike">
+              <a:defRPr sz="1000" b="0" i="0" u="none" strike="noStrike" cap="none">
                 <a:solidFill>
                   <a:schemeClr val="dk2"/>
                 </a:solidFill>
@@ -2107,7 +2148,7 @@
                 <a:sym typeface="Arial"/>
               </a:defRPr>
             </a:lvl6pPr>
-            <a:lvl7pPr indent="0" lvl="6" marL="0" marR="0" algn="r">
+            <a:lvl7pPr marL="0" marR="0" lvl="6" indent="0" algn="r">
               <a:lnSpc>
                 <a:spcPct val="100000"/>
               </a:lnSpc>
@@ -2123,7 +2164,7 @@
               <a:buSzPts val="1000"/>
               <a:buFont typeface="Arial"/>
               <a:buNone/>
-              <a:defRPr b="0" i="0" sz="1000" u="none" cap="none" strike="noStrike">
+              <a:defRPr sz="1000" b="0" i="0" u="none" strike="noStrike" cap="none">
                 <a:solidFill>
                   <a:schemeClr val="dk2"/>
                 </a:solidFill>
@@ -2133,7 +2174,7 @@
                 <a:sym typeface="Arial"/>
               </a:defRPr>
             </a:lvl7pPr>
-            <a:lvl8pPr indent="0" lvl="7" marL="0" marR="0" algn="r">
+            <a:lvl8pPr marL="0" marR="0" lvl="7" indent="0" algn="r">
               <a:lnSpc>
                 <a:spcPct val="100000"/>
               </a:lnSpc>
@@ -2149,7 +2190,7 @@
               <a:buSzPts val="1000"/>
               <a:buFont typeface="Arial"/>
               <a:buNone/>
-              <a:defRPr b="0" i="0" sz="1000" u="none" cap="none" strike="noStrike">
+              <a:defRPr sz="1000" b="0" i="0" u="none" strike="noStrike" cap="none">
                 <a:solidFill>
                   <a:schemeClr val="dk2"/>
                 </a:solidFill>
@@ -2159,7 +2200,7 @@
                 <a:sym typeface="Arial"/>
               </a:defRPr>
             </a:lvl8pPr>
-            <a:lvl9pPr indent="0" lvl="8" marL="0" marR="0" algn="r">
+            <a:lvl9pPr marL="0" marR="0" lvl="8" indent="0" algn="r">
               <a:lnSpc>
                 <a:spcPct val="100000"/>
               </a:lnSpc>
@@ -2175,7 +2216,7 @@
               <a:buSzPts val="1000"/>
               <a:buFont typeface="Arial"/>
               <a:buNone/>
-              <a:defRPr b="0" i="0" sz="1000" u="none" cap="none" strike="noStrike">
+              <a:defRPr sz="1000" b="0" i="0" u="none" strike="noStrike" cap="none">
                 <a:solidFill>
                   <a:schemeClr val="dk2"/>
                 </a:solidFill>
@@ -2187,7 +2228,7 @@
             </a:lvl9pPr>
           </a:lstStyle>
           <a:p>
-            <a:pPr indent="0" lvl="0" marL="0" rtl="0" algn="r">
+            <a:pPr marL="0" lvl="0" indent="0" algn="r" rtl="0">
               <a:spcBef>
                 <a:spcPts val="0"/>
               </a:spcBef>
@@ -2198,7 +2239,7 @@
             </a:pPr>
             <a:fld id="{00000000-1234-1234-1234-123412341234}" type="slidenum">
               <a:rPr lang="pt-BR"/>
-              <a:t>‹#›</a:t>
+              <a:t>‹nº›</a:t>
             </a:fld>
             <a:endParaRPr/>
           </a:p>
@@ -2213,11 +2254,11 @@
 </file>
 
 <file path=ppt/slideLayouts/slideLayout2.xml><?xml version="1.0" encoding="utf-8"?>
-<p:sldLayout xmlns:a="http://schemas.openxmlformats.org/drawingml/2006/main" xmlns:r="http://schemas.openxmlformats.org/officeDocument/2006/relationships" xmlns:mc="http://schemas.openxmlformats.org/markup-compatibility/2006" xmlns:mv="urn:schemas-microsoft-com:mac:vml" xmlns:p="http://schemas.openxmlformats.org/presentationml/2006/main" xmlns:c="http://schemas.openxmlformats.org/drawingml/2006/chart" xmlns:dgm="http://schemas.openxmlformats.org/drawingml/2006/diagram" xmlns:o="urn:schemas-microsoft-com:office:office" xmlns:v="urn:schemas-microsoft-com:vml" xmlns:pvml="urn:schemas-microsoft-com:office:powerpoint" xmlns:com="http://schemas.openxmlformats.org/drawingml/2006/compatibility" xmlns:p14="http://schemas.microsoft.com/office/powerpoint/2010/main" xmlns:p15="http://schemas.microsoft.com/office/powerpoint/2012/main" matchingName="Section header" type="secHead">
+<p:sldLayout xmlns:a="http://schemas.openxmlformats.org/drawingml/2006/main" xmlns:r="http://schemas.openxmlformats.org/officeDocument/2006/relationships" xmlns:p="http://schemas.openxmlformats.org/presentationml/2006/main" matchingName="Section header" type="secHead">
   <p:cSld name="SECTION_HEADER">
     <p:spTree>
       <p:nvGrpSpPr>
-        <p:cNvPr id="11" name="Shape 11"/>
+        <p:cNvPr id="1" name="Shape 11"/>
         <p:cNvGrpSpPr/>
         <p:nvPr/>
       </p:nvGrpSpPr>
@@ -2232,7 +2273,9 @@
       <p:sp>
         <p:nvSpPr>
           <p:cNvPr id="12" name="Google Shape;12;p9"/>
-          <p:cNvSpPr txBox="1"/>
+          <p:cNvSpPr txBox="1">
+            <a:spLocks noGrp="1"/>
+          </p:cNvSpPr>
           <p:nvPr>
             <p:ph type="title"/>
           </p:nvPr>
@@ -2251,7 +2294,7 @@
           </a:ln>
         </p:spPr>
         <p:txBody>
-          <a:bodyPr anchorCtr="0" anchor="ctr" bIns="91425" lIns="91425" spcFirstLastPara="1" rIns="91425" wrap="square" tIns="91425">
+          <a:bodyPr spcFirstLastPara="1" wrap="square" lIns="91425" tIns="91425" rIns="91425" bIns="91425" anchor="ctr" anchorCtr="0">
             <a:noAutofit/>
           </a:bodyPr>
           <a:lstStyle>
@@ -2382,15 +2425,19 @@
               <a:defRPr sz="3600"/>
             </a:lvl9pPr>
           </a:lstStyle>
-          <a:p/>
+          <a:p>
+            <a:endParaRPr/>
+          </a:p>
         </p:txBody>
       </p:sp>
       <p:sp>
         <p:nvSpPr>
           <p:cNvPr id="13" name="Google Shape;13;p9"/>
-          <p:cNvSpPr txBox="1"/>
+          <p:cNvSpPr txBox="1">
+            <a:spLocks noGrp="1"/>
+          </p:cNvSpPr>
           <p:nvPr>
-            <p:ph idx="12" type="sldNum"/>
+            <p:ph type="sldNum" idx="12"/>
           </p:nvPr>
         </p:nvSpPr>
         <p:spPr>
@@ -2407,11 +2454,11 @@
           </a:ln>
         </p:spPr>
         <p:txBody>
-          <a:bodyPr anchorCtr="0" anchor="ctr" bIns="91425" lIns="91425" spcFirstLastPara="1" rIns="91425" wrap="square" tIns="91425">
+          <a:bodyPr spcFirstLastPara="1" wrap="square" lIns="91425" tIns="91425" rIns="91425" bIns="91425" anchor="ctr" anchorCtr="0">
             <a:noAutofit/>
           </a:bodyPr>
           <a:lstStyle>
-            <a:lvl1pPr indent="0" lvl="0" marL="0" marR="0" algn="r">
+            <a:lvl1pPr marL="0" marR="0" lvl="0" indent="0" algn="r">
               <a:lnSpc>
                 <a:spcPct val="100000"/>
               </a:lnSpc>
@@ -2427,7 +2474,7 @@
               <a:buSzPts val="1000"/>
               <a:buFont typeface="Arial"/>
               <a:buNone/>
-              <a:defRPr b="0" i="0" sz="1000" u="none" cap="none" strike="noStrike">
+              <a:defRPr sz="1000" b="0" i="0" u="none" strike="noStrike" cap="none">
                 <a:solidFill>
                   <a:schemeClr val="dk2"/>
                 </a:solidFill>
@@ -2437,7 +2484,7 @@
                 <a:sym typeface="Arial"/>
               </a:defRPr>
             </a:lvl1pPr>
-            <a:lvl2pPr indent="0" lvl="1" marL="0" marR="0" algn="r">
+            <a:lvl2pPr marL="0" marR="0" lvl="1" indent="0" algn="r">
               <a:lnSpc>
                 <a:spcPct val="100000"/>
               </a:lnSpc>
@@ -2453,7 +2500,7 @@
               <a:buSzPts val="1000"/>
               <a:buFont typeface="Arial"/>
               <a:buNone/>
-              <a:defRPr b="0" i="0" sz="1000" u="none" cap="none" strike="noStrike">
+              <a:defRPr sz="1000" b="0" i="0" u="none" strike="noStrike" cap="none">
                 <a:solidFill>
                   <a:schemeClr val="dk2"/>
                 </a:solidFill>
@@ -2463,7 +2510,7 @@
                 <a:sym typeface="Arial"/>
               </a:defRPr>
             </a:lvl2pPr>
-            <a:lvl3pPr indent="0" lvl="2" marL="0" marR="0" algn="r">
+            <a:lvl3pPr marL="0" marR="0" lvl="2" indent="0" algn="r">
               <a:lnSpc>
                 <a:spcPct val="100000"/>
               </a:lnSpc>
@@ -2479,7 +2526,7 @@
               <a:buSzPts val="1000"/>
               <a:buFont typeface="Arial"/>
               <a:buNone/>
-              <a:defRPr b="0" i="0" sz="1000" u="none" cap="none" strike="noStrike">
+              <a:defRPr sz="1000" b="0" i="0" u="none" strike="noStrike" cap="none">
                 <a:solidFill>
                   <a:schemeClr val="dk2"/>
                 </a:solidFill>
@@ -2489,7 +2536,7 @@
                 <a:sym typeface="Arial"/>
               </a:defRPr>
             </a:lvl3pPr>
-            <a:lvl4pPr indent="0" lvl="3" marL="0" marR="0" algn="r">
+            <a:lvl4pPr marL="0" marR="0" lvl="3" indent="0" algn="r">
               <a:lnSpc>
                 <a:spcPct val="100000"/>
               </a:lnSpc>
@@ -2505,7 +2552,7 @@
               <a:buSzPts val="1000"/>
               <a:buFont typeface="Arial"/>
               <a:buNone/>
-              <a:defRPr b="0" i="0" sz="1000" u="none" cap="none" strike="noStrike">
+              <a:defRPr sz="1000" b="0" i="0" u="none" strike="noStrike" cap="none">
                 <a:solidFill>
                   <a:schemeClr val="dk2"/>
                 </a:solidFill>
@@ -2515,7 +2562,7 @@
                 <a:sym typeface="Arial"/>
               </a:defRPr>
             </a:lvl4pPr>
-            <a:lvl5pPr indent="0" lvl="4" marL="0" marR="0" algn="r">
+            <a:lvl5pPr marL="0" marR="0" lvl="4" indent="0" algn="r">
               <a:lnSpc>
                 <a:spcPct val="100000"/>
               </a:lnSpc>
@@ -2531,7 +2578,7 @@
               <a:buSzPts val="1000"/>
               <a:buFont typeface="Arial"/>
               <a:buNone/>
-              <a:defRPr b="0" i="0" sz="1000" u="none" cap="none" strike="noStrike">
+              <a:defRPr sz="1000" b="0" i="0" u="none" strike="noStrike" cap="none">
                 <a:solidFill>
                   <a:schemeClr val="dk2"/>
                 </a:solidFill>
@@ -2541,7 +2588,7 @@
                 <a:sym typeface="Arial"/>
               </a:defRPr>
             </a:lvl5pPr>
-            <a:lvl6pPr indent="0" lvl="5" marL="0" marR="0" algn="r">
+            <a:lvl6pPr marL="0" marR="0" lvl="5" indent="0" algn="r">
               <a:lnSpc>
                 <a:spcPct val="100000"/>
               </a:lnSpc>
@@ -2557,7 +2604,7 @@
               <a:buSzPts val="1000"/>
               <a:buFont typeface="Arial"/>
               <a:buNone/>
-              <a:defRPr b="0" i="0" sz="1000" u="none" cap="none" strike="noStrike">
+              <a:defRPr sz="1000" b="0" i="0" u="none" strike="noStrike" cap="none">
                 <a:solidFill>
                   <a:schemeClr val="dk2"/>
                 </a:solidFill>
@@ -2567,7 +2614,7 @@
                 <a:sym typeface="Arial"/>
               </a:defRPr>
             </a:lvl6pPr>
-            <a:lvl7pPr indent="0" lvl="6" marL="0" marR="0" algn="r">
+            <a:lvl7pPr marL="0" marR="0" lvl="6" indent="0" algn="r">
               <a:lnSpc>
                 <a:spcPct val="100000"/>
               </a:lnSpc>
@@ -2583,7 +2630,7 @@
               <a:buSzPts val="1000"/>
               <a:buFont typeface="Arial"/>
               <a:buNone/>
-              <a:defRPr b="0" i="0" sz="1000" u="none" cap="none" strike="noStrike">
+              <a:defRPr sz="1000" b="0" i="0" u="none" strike="noStrike" cap="none">
                 <a:solidFill>
                   <a:schemeClr val="dk2"/>
                 </a:solidFill>
@@ -2593,7 +2640,7 @@
                 <a:sym typeface="Arial"/>
               </a:defRPr>
             </a:lvl7pPr>
-            <a:lvl8pPr indent="0" lvl="7" marL="0" marR="0" algn="r">
+            <a:lvl8pPr marL="0" marR="0" lvl="7" indent="0" algn="r">
               <a:lnSpc>
                 <a:spcPct val="100000"/>
               </a:lnSpc>
@@ -2609,7 +2656,7 @@
               <a:buSzPts val="1000"/>
               <a:buFont typeface="Arial"/>
               <a:buNone/>
-              <a:defRPr b="0" i="0" sz="1000" u="none" cap="none" strike="noStrike">
+              <a:defRPr sz="1000" b="0" i="0" u="none" strike="noStrike" cap="none">
                 <a:solidFill>
                   <a:schemeClr val="dk2"/>
                 </a:solidFill>
@@ -2619,7 +2666,7 @@
                 <a:sym typeface="Arial"/>
               </a:defRPr>
             </a:lvl8pPr>
-            <a:lvl9pPr indent="0" lvl="8" marL="0" marR="0" algn="r">
+            <a:lvl9pPr marL="0" marR="0" lvl="8" indent="0" algn="r">
               <a:lnSpc>
                 <a:spcPct val="100000"/>
               </a:lnSpc>
@@ -2635,7 +2682,7 @@
               <a:buSzPts val="1000"/>
               <a:buFont typeface="Arial"/>
               <a:buNone/>
-              <a:defRPr b="0" i="0" sz="1000" u="none" cap="none" strike="noStrike">
+              <a:defRPr sz="1000" b="0" i="0" u="none" strike="noStrike" cap="none">
                 <a:solidFill>
                   <a:schemeClr val="dk2"/>
                 </a:solidFill>
@@ -2647,7 +2694,7 @@
             </a:lvl9pPr>
           </a:lstStyle>
           <a:p>
-            <a:pPr indent="0" lvl="0" marL="0" rtl="0" algn="r">
+            <a:pPr marL="0" lvl="0" indent="0" algn="r" rtl="0">
               <a:spcBef>
                 <a:spcPts val="0"/>
               </a:spcBef>
@@ -2658,7 +2705,7 @@
             </a:pPr>
             <a:fld id="{00000000-1234-1234-1234-123412341234}" type="slidenum">
               <a:rPr lang="pt-BR"/>
-              <a:t>‹#›</a:t>
+              <a:t>‹nº›</a:t>
             </a:fld>
             <a:endParaRPr/>
           </a:p>
@@ -2673,11 +2720,11 @@
 </file>
 
 <file path=ppt/slideLayouts/slideLayout3.xml><?xml version="1.0" encoding="utf-8"?>
-<p:sldLayout xmlns:a="http://schemas.openxmlformats.org/drawingml/2006/main" xmlns:r="http://schemas.openxmlformats.org/officeDocument/2006/relationships" xmlns:mc="http://schemas.openxmlformats.org/markup-compatibility/2006" xmlns:mv="urn:schemas-microsoft-com:mac:vml" xmlns:p="http://schemas.openxmlformats.org/presentationml/2006/main" xmlns:c="http://schemas.openxmlformats.org/drawingml/2006/chart" xmlns:dgm="http://schemas.openxmlformats.org/drawingml/2006/diagram" xmlns:o="urn:schemas-microsoft-com:office:office" xmlns:v="urn:schemas-microsoft-com:vml" xmlns:pvml="urn:schemas-microsoft-com:office:powerpoint" xmlns:com="http://schemas.openxmlformats.org/drawingml/2006/compatibility" xmlns:p14="http://schemas.microsoft.com/office/powerpoint/2010/main" xmlns:p15="http://schemas.microsoft.com/office/powerpoint/2012/main" matchingName="Title and body" type="tx">
+<p:sldLayout xmlns:a="http://schemas.openxmlformats.org/drawingml/2006/main" xmlns:r="http://schemas.openxmlformats.org/officeDocument/2006/relationships" xmlns:p="http://schemas.openxmlformats.org/presentationml/2006/main" matchingName="Title and body" type="tx">
   <p:cSld name="TITLE_AND_BODY">
     <p:spTree>
       <p:nvGrpSpPr>
-        <p:cNvPr id="14" name="Shape 14"/>
+        <p:cNvPr id="1" name="Shape 14"/>
         <p:cNvGrpSpPr/>
         <p:nvPr/>
       </p:nvGrpSpPr>
@@ -2692,7 +2739,9 @@
       <p:sp>
         <p:nvSpPr>
           <p:cNvPr id="15" name="Google Shape;15;p10"/>
-          <p:cNvSpPr txBox="1"/>
+          <p:cNvSpPr txBox="1">
+            <a:spLocks noGrp="1"/>
+          </p:cNvSpPr>
           <p:nvPr>
             <p:ph type="title"/>
           </p:nvPr>
@@ -2711,7 +2760,7 @@
           </a:ln>
         </p:spPr>
         <p:txBody>
-          <a:bodyPr anchorCtr="0" anchor="t" bIns="91425" lIns="91425" spcFirstLastPara="1" rIns="91425" wrap="square" tIns="91425">
+          <a:bodyPr spcFirstLastPara="1" wrap="square" lIns="91425" tIns="91425" rIns="91425" bIns="91425" anchor="t" anchorCtr="0">
             <a:noAutofit/>
           </a:bodyPr>
           <a:lstStyle>
@@ -2842,15 +2891,19 @@
               <a:defRPr/>
             </a:lvl9pPr>
           </a:lstStyle>
-          <a:p/>
+          <a:p>
+            <a:endParaRPr/>
+          </a:p>
         </p:txBody>
       </p:sp>
       <p:sp>
         <p:nvSpPr>
           <p:cNvPr id="16" name="Google Shape;16;p10"/>
-          <p:cNvSpPr txBox="1"/>
+          <p:cNvSpPr txBox="1">
+            <a:spLocks noGrp="1"/>
+          </p:cNvSpPr>
           <p:nvPr>
-            <p:ph idx="1" type="body"/>
+            <p:ph type="body" idx="1"/>
           </p:nvPr>
         </p:nvSpPr>
         <p:spPr>
@@ -2867,11 +2920,11 @@
           </a:ln>
         </p:spPr>
         <p:txBody>
-          <a:bodyPr anchorCtr="0" anchor="t" bIns="91425" lIns="91425" spcFirstLastPara="1" rIns="91425" wrap="square" tIns="91425">
+          <a:bodyPr spcFirstLastPara="1" wrap="square" lIns="91425" tIns="91425" rIns="91425" bIns="91425" anchor="t" anchorCtr="0">
             <a:noAutofit/>
           </a:bodyPr>
           <a:lstStyle>
-            <a:lvl1pPr indent="-342900" lvl="0" marL="457200" algn="l">
+            <a:lvl1pPr marL="457200" lvl="0" indent="-342900" algn="l">
               <a:lnSpc>
                 <a:spcPct val="115000"/>
               </a:lnSpc>
@@ -2885,7 +2938,7 @@
               <a:buChar char="●"/>
               <a:defRPr/>
             </a:lvl1pPr>
-            <a:lvl2pPr indent="-317500" lvl="1" marL="914400" algn="l">
+            <a:lvl2pPr marL="914400" lvl="1" indent="-317500" algn="l">
               <a:lnSpc>
                 <a:spcPct val="115000"/>
               </a:lnSpc>
@@ -2899,7 +2952,7 @@
               <a:buChar char="○"/>
               <a:defRPr/>
             </a:lvl2pPr>
-            <a:lvl3pPr indent="-317500" lvl="2" marL="1371600" algn="l">
+            <a:lvl3pPr marL="1371600" lvl="2" indent="-317500" algn="l">
               <a:lnSpc>
                 <a:spcPct val="115000"/>
               </a:lnSpc>
@@ -2913,7 +2966,7 @@
               <a:buChar char="■"/>
               <a:defRPr/>
             </a:lvl3pPr>
-            <a:lvl4pPr indent="-317500" lvl="3" marL="1828800" algn="l">
+            <a:lvl4pPr marL="1828800" lvl="3" indent="-317500" algn="l">
               <a:lnSpc>
                 <a:spcPct val="115000"/>
               </a:lnSpc>
@@ -2927,7 +2980,7 @@
               <a:buChar char="●"/>
               <a:defRPr/>
             </a:lvl4pPr>
-            <a:lvl5pPr indent="-317500" lvl="4" marL="2286000" algn="l">
+            <a:lvl5pPr marL="2286000" lvl="4" indent="-317500" algn="l">
               <a:lnSpc>
                 <a:spcPct val="115000"/>
               </a:lnSpc>
@@ -2941,7 +2994,7 @@
               <a:buChar char="○"/>
               <a:defRPr/>
             </a:lvl5pPr>
-            <a:lvl6pPr indent="-317500" lvl="5" marL="2743200" algn="l">
+            <a:lvl6pPr marL="2743200" lvl="5" indent="-317500" algn="l">
               <a:lnSpc>
                 <a:spcPct val="115000"/>
               </a:lnSpc>
@@ -2955,7 +3008,7 @@
               <a:buChar char="■"/>
               <a:defRPr/>
             </a:lvl6pPr>
-            <a:lvl7pPr indent="-317500" lvl="6" marL="3200400" algn="l">
+            <a:lvl7pPr marL="3200400" lvl="6" indent="-317500" algn="l">
               <a:lnSpc>
                 <a:spcPct val="115000"/>
               </a:lnSpc>
@@ -2969,7 +3022,7 @@
               <a:buChar char="●"/>
               <a:defRPr/>
             </a:lvl7pPr>
-            <a:lvl8pPr indent="-317500" lvl="7" marL="3657600" algn="l">
+            <a:lvl8pPr marL="3657600" lvl="7" indent="-317500" algn="l">
               <a:lnSpc>
                 <a:spcPct val="115000"/>
               </a:lnSpc>
@@ -2983,7 +3036,7 @@
               <a:buChar char="○"/>
               <a:defRPr/>
             </a:lvl8pPr>
-            <a:lvl9pPr indent="-317500" lvl="8" marL="4114800" algn="l">
+            <a:lvl9pPr marL="4114800" lvl="8" indent="-317500" algn="l">
               <a:lnSpc>
                 <a:spcPct val="115000"/>
               </a:lnSpc>
@@ -2998,15 +3051,19 @@
               <a:defRPr/>
             </a:lvl9pPr>
           </a:lstStyle>
-          <a:p/>
+          <a:p>
+            <a:endParaRPr/>
+          </a:p>
         </p:txBody>
       </p:sp>
       <p:sp>
         <p:nvSpPr>
           <p:cNvPr id="17" name="Google Shape;17;p10"/>
-          <p:cNvSpPr txBox="1"/>
+          <p:cNvSpPr txBox="1">
+            <a:spLocks noGrp="1"/>
+          </p:cNvSpPr>
           <p:nvPr>
-            <p:ph idx="12" type="sldNum"/>
+            <p:ph type="sldNum" idx="12"/>
           </p:nvPr>
         </p:nvSpPr>
         <p:spPr>
@@ -3023,11 +3080,11 @@
           </a:ln>
         </p:spPr>
         <p:txBody>
-          <a:bodyPr anchorCtr="0" anchor="ctr" bIns="91425" lIns="91425" spcFirstLastPara="1" rIns="91425" wrap="square" tIns="91425">
+          <a:bodyPr spcFirstLastPara="1" wrap="square" lIns="91425" tIns="91425" rIns="91425" bIns="91425" anchor="ctr" anchorCtr="0">
             <a:noAutofit/>
           </a:bodyPr>
           <a:lstStyle>
-            <a:lvl1pPr indent="0" lvl="0" marL="0" marR="0" algn="r">
+            <a:lvl1pPr marL="0" marR="0" lvl="0" indent="0" algn="r">
               <a:lnSpc>
                 <a:spcPct val="100000"/>
               </a:lnSpc>
@@ -3043,7 +3100,7 @@
               <a:buSzPts val="1000"/>
               <a:buFont typeface="Arial"/>
               <a:buNone/>
-              <a:defRPr b="0" i="0" sz="1000" u="none" cap="none" strike="noStrike">
+              <a:defRPr sz="1000" b="0" i="0" u="none" strike="noStrike" cap="none">
                 <a:solidFill>
                   <a:schemeClr val="dk2"/>
                 </a:solidFill>
@@ -3053,7 +3110,7 @@
                 <a:sym typeface="Arial"/>
               </a:defRPr>
             </a:lvl1pPr>
-            <a:lvl2pPr indent="0" lvl="1" marL="0" marR="0" algn="r">
+            <a:lvl2pPr marL="0" marR="0" lvl="1" indent="0" algn="r">
               <a:lnSpc>
                 <a:spcPct val="100000"/>
               </a:lnSpc>
@@ -3069,7 +3126,7 @@
               <a:buSzPts val="1000"/>
               <a:buFont typeface="Arial"/>
               <a:buNone/>
-              <a:defRPr b="0" i="0" sz="1000" u="none" cap="none" strike="noStrike">
+              <a:defRPr sz="1000" b="0" i="0" u="none" strike="noStrike" cap="none">
                 <a:solidFill>
                   <a:schemeClr val="dk2"/>
                 </a:solidFill>
@@ -3079,7 +3136,7 @@
                 <a:sym typeface="Arial"/>
               </a:defRPr>
             </a:lvl2pPr>
-            <a:lvl3pPr indent="0" lvl="2" marL="0" marR="0" algn="r">
+            <a:lvl3pPr marL="0" marR="0" lvl="2" indent="0" algn="r">
               <a:lnSpc>
                 <a:spcPct val="100000"/>
               </a:lnSpc>
@@ -3095,7 +3152,7 @@
               <a:buSzPts val="1000"/>
               <a:buFont typeface="Arial"/>
               <a:buNone/>
-              <a:defRPr b="0" i="0" sz="1000" u="none" cap="none" strike="noStrike">
+              <a:defRPr sz="1000" b="0" i="0" u="none" strike="noStrike" cap="none">
                 <a:solidFill>
                   <a:schemeClr val="dk2"/>
                 </a:solidFill>
@@ -3105,7 +3162,7 @@
                 <a:sym typeface="Arial"/>
               </a:defRPr>
             </a:lvl3pPr>
-            <a:lvl4pPr indent="0" lvl="3" marL="0" marR="0" algn="r">
+            <a:lvl4pPr marL="0" marR="0" lvl="3" indent="0" algn="r">
               <a:lnSpc>
                 <a:spcPct val="100000"/>
               </a:lnSpc>
@@ -3121,7 +3178,7 @@
               <a:buSzPts val="1000"/>
               <a:buFont typeface="Arial"/>
               <a:buNone/>
-              <a:defRPr b="0" i="0" sz="1000" u="none" cap="none" strike="noStrike">
+              <a:defRPr sz="1000" b="0" i="0" u="none" strike="noStrike" cap="none">
                 <a:solidFill>
                   <a:schemeClr val="dk2"/>
                 </a:solidFill>
@@ -3131,7 +3188,7 @@
                 <a:sym typeface="Arial"/>
               </a:defRPr>
             </a:lvl4pPr>
-            <a:lvl5pPr indent="0" lvl="4" marL="0" marR="0" algn="r">
+            <a:lvl5pPr marL="0" marR="0" lvl="4" indent="0" algn="r">
               <a:lnSpc>
                 <a:spcPct val="100000"/>
               </a:lnSpc>
@@ -3147,7 +3204,7 @@
               <a:buSzPts val="1000"/>
               <a:buFont typeface="Arial"/>
               <a:buNone/>
-              <a:defRPr b="0" i="0" sz="1000" u="none" cap="none" strike="noStrike">
+              <a:defRPr sz="1000" b="0" i="0" u="none" strike="noStrike" cap="none">
                 <a:solidFill>
                   <a:schemeClr val="dk2"/>
                 </a:solidFill>
@@ -3157,7 +3214,7 @@
                 <a:sym typeface="Arial"/>
               </a:defRPr>
             </a:lvl5pPr>
-            <a:lvl6pPr indent="0" lvl="5" marL="0" marR="0" algn="r">
+            <a:lvl6pPr marL="0" marR="0" lvl="5" indent="0" algn="r">
               <a:lnSpc>
                 <a:spcPct val="100000"/>
               </a:lnSpc>
@@ -3173,7 +3230,7 @@
               <a:buSzPts val="1000"/>
               <a:buFont typeface="Arial"/>
               <a:buNone/>
-              <a:defRPr b="0" i="0" sz="1000" u="none" cap="none" strike="noStrike">
+              <a:defRPr sz="1000" b="0" i="0" u="none" strike="noStrike" cap="none">
                 <a:solidFill>
                   <a:schemeClr val="dk2"/>
                 </a:solidFill>
@@ -3183,7 +3240,7 @@
                 <a:sym typeface="Arial"/>
               </a:defRPr>
             </a:lvl6pPr>
-            <a:lvl7pPr indent="0" lvl="6" marL="0" marR="0" algn="r">
+            <a:lvl7pPr marL="0" marR="0" lvl="6" indent="0" algn="r">
               <a:lnSpc>
                 <a:spcPct val="100000"/>
               </a:lnSpc>
@@ -3199,7 +3256,7 @@
               <a:buSzPts val="1000"/>
               <a:buFont typeface="Arial"/>
               <a:buNone/>
-              <a:defRPr b="0" i="0" sz="1000" u="none" cap="none" strike="noStrike">
+              <a:defRPr sz="1000" b="0" i="0" u="none" strike="noStrike" cap="none">
                 <a:solidFill>
                   <a:schemeClr val="dk2"/>
                 </a:solidFill>
@@ -3209,7 +3266,7 @@
                 <a:sym typeface="Arial"/>
               </a:defRPr>
             </a:lvl7pPr>
-            <a:lvl8pPr indent="0" lvl="7" marL="0" marR="0" algn="r">
+            <a:lvl8pPr marL="0" marR="0" lvl="7" indent="0" algn="r">
               <a:lnSpc>
                 <a:spcPct val="100000"/>
               </a:lnSpc>
@@ -3225,7 +3282,7 @@
               <a:buSzPts val="1000"/>
               <a:buFont typeface="Arial"/>
               <a:buNone/>
-              <a:defRPr b="0" i="0" sz="1000" u="none" cap="none" strike="noStrike">
+              <a:defRPr sz="1000" b="0" i="0" u="none" strike="noStrike" cap="none">
                 <a:solidFill>
                   <a:schemeClr val="dk2"/>
                 </a:solidFill>
@@ -3235,7 +3292,7 @@
                 <a:sym typeface="Arial"/>
               </a:defRPr>
             </a:lvl8pPr>
-            <a:lvl9pPr indent="0" lvl="8" marL="0" marR="0" algn="r">
+            <a:lvl9pPr marL="0" marR="0" lvl="8" indent="0" algn="r">
               <a:lnSpc>
                 <a:spcPct val="100000"/>
               </a:lnSpc>
@@ -3251,7 +3308,7 @@
               <a:buSzPts val="1000"/>
               <a:buFont typeface="Arial"/>
               <a:buNone/>
-              <a:defRPr b="0" i="0" sz="1000" u="none" cap="none" strike="noStrike">
+              <a:defRPr sz="1000" b="0" i="0" u="none" strike="noStrike" cap="none">
                 <a:solidFill>
                   <a:schemeClr val="dk2"/>
                 </a:solidFill>
@@ -3263,7 +3320,7 @@
             </a:lvl9pPr>
           </a:lstStyle>
           <a:p>
-            <a:pPr indent="0" lvl="0" marL="0" rtl="0" algn="r">
+            <a:pPr marL="0" lvl="0" indent="0" algn="r" rtl="0">
               <a:spcBef>
                 <a:spcPts val="0"/>
               </a:spcBef>
@@ -3274,7 +3331,7 @@
             </a:pPr>
             <a:fld id="{00000000-1234-1234-1234-123412341234}" type="slidenum">
               <a:rPr lang="pt-BR"/>
-              <a:t>‹#›</a:t>
+              <a:t>‹nº›</a:t>
             </a:fld>
             <a:endParaRPr/>
           </a:p>
@@ -3289,11 +3346,11 @@
 </file>
 
 <file path=ppt/slideLayouts/slideLayout4.xml><?xml version="1.0" encoding="utf-8"?>
-<p:sldLayout xmlns:a="http://schemas.openxmlformats.org/drawingml/2006/main" xmlns:r="http://schemas.openxmlformats.org/officeDocument/2006/relationships" xmlns:mc="http://schemas.openxmlformats.org/markup-compatibility/2006" xmlns:mv="urn:schemas-microsoft-com:mac:vml" xmlns:p="http://schemas.openxmlformats.org/presentationml/2006/main" xmlns:c="http://schemas.openxmlformats.org/drawingml/2006/chart" xmlns:dgm="http://schemas.openxmlformats.org/drawingml/2006/diagram" xmlns:o="urn:schemas-microsoft-com:office:office" xmlns:v="urn:schemas-microsoft-com:vml" xmlns:pvml="urn:schemas-microsoft-com:office:powerpoint" xmlns:com="http://schemas.openxmlformats.org/drawingml/2006/compatibility" xmlns:p14="http://schemas.microsoft.com/office/powerpoint/2010/main" xmlns:p15="http://schemas.microsoft.com/office/powerpoint/2012/main" matchingName="Title and two columns" type="twoColTx">
+<p:sldLayout xmlns:a="http://schemas.openxmlformats.org/drawingml/2006/main" xmlns:r="http://schemas.openxmlformats.org/officeDocument/2006/relationships" xmlns:p="http://schemas.openxmlformats.org/presentationml/2006/main" matchingName="Title and two columns" type="twoColTx">
   <p:cSld name="TITLE_AND_TWO_COLUMNS">
     <p:spTree>
       <p:nvGrpSpPr>
-        <p:cNvPr id="18" name="Shape 18"/>
+        <p:cNvPr id="1" name="Shape 18"/>
         <p:cNvGrpSpPr/>
         <p:nvPr/>
       </p:nvGrpSpPr>
@@ -3308,7 +3365,9 @@
       <p:sp>
         <p:nvSpPr>
           <p:cNvPr id="19" name="Google Shape;19;p11"/>
-          <p:cNvSpPr txBox="1"/>
+          <p:cNvSpPr txBox="1">
+            <a:spLocks noGrp="1"/>
+          </p:cNvSpPr>
           <p:nvPr>
             <p:ph type="title"/>
           </p:nvPr>
@@ -3327,7 +3386,7 @@
           </a:ln>
         </p:spPr>
         <p:txBody>
-          <a:bodyPr anchorCtr="0" anchor="t" bIns="91425" lIns="91425" spcFirstLastPara="1" rIns="91425" wrap="square" tIns="91425">
+          <a:bodyPr spcFirstLastPara="1" wrap="square" lIns="91425" tIns="91425" rIns="91425" bIns="91425" anchor="t" anchorCtr="0">
             <a:noAutofit/>
           </a:bodyPr>
           <a:lstStyle>
@@ -3458,15 +3517,19 @@
               <a:defRPr/>
             </a:lvl9pPr>
           </a:lstStyle>
-          <a:p/>
+          <a:p>
+            <a:endParaRPr/>
+          </a:p>
         </p:txBody>
       </p:sp>
       <p:sp>
         <p:nvSpPr>
           <p:cNvPr id="20" name="Google Shape;20;p11"/>
-          <p:cNvSpPr txBox="1"/>
+          <p:cNvSpPr txBox="1">
+            <a:spLocks noGrp="1"/>
+          </p:cNvSpPr>
           <p:nvPr>
-            <p:ph idx="1" type="body"/>
+            <p:ph type="body" idx="1"/>
           </p:nvPr>
         </p:nvSpPr>
         <p:spPr>
@@ -3483,11 +3546,11 @@
           </a:ln>
         </p:spPr>
         <p:txBody>
-          <a:bodyPr anchorCtr="0" anchor="t" bIns="91425" lIns="91425" spcFirstLastPara="1" rIns="91425" wrap="square" tIns="91425">
+          <a:bodyPr spcFirstLastPara="1" wrap="square" lIns="91425" tIns="91425" rIns="91425" bIns="91425" anchor="t" anchorCtr="0">
             <a:noAutofit/>
           </a:bodyPr>
           <a:lstStyle>
-            <a:lvl1pPr indent="-317500" lvl="0" marL="457200" algn="l">
+            <a:lvl1pPr marL="457200" lvl="0" indent="-317500" algn="l">
               <a:lnSpc>
                 <a:spcPct val="115000"/>
               </a:lnSpc>
@@ -3501,7 +3564,7 @@
               <a:buChar char="●"/>
               <a:defRPr sz="1400"/>
             </a:lvl1pPr>
-            <a:lvl2pPr indent="-304800" lvl="1" marL="914400" algn="l">
+            <a:lvl2pPr marL="914400" lvl="1" indent="-304800" algn="l">
               <a:lnSpc>
                 <a:spcPct val="115000"/>
               </a:lnSpc>
@@ -3515,7 +3578,7 @@
               <a:buChar char="○"/>
               <a:defRPr sz="1200"/>
             </a:lvl2pPr>
-            <a:lvl3pPr indent="-304800" lvl="2" marL="1371600" algn="l">
+            <a:lvl3pPr marL="1371600" lvl="2" indent="-304800" algn="l">
               <a:lnSpc>
                 <a:spcPct val="115000"/>
               </a:lnSpc>
@@ -3529,7 +3592,7 @@
               <a:buChar char="■"/>
               <a:defRPr sz="1200"/>
             </a:lvl3pPr>
-            <a:lvl4pPr indent="-304800" lvl="3" marL="1828800" algn="l">
+            <a:lvl4pPr marL="1828800" lvl="3" indent="-304800" algn="l">
               <a:lnSpc>
                 <a:spcPct val="115000"/>
               </a:lnSpc>
@@ -3543,7 +3606,7 @@
               <a:buChar char="●"/>
               <a:defRPr sz="1200"/>
             </a:lvl4pPr>
-            <a:lvl5pPr indent="-304800" lvl="4" marL="2286000" algn="l">
+            <a:lvl5pPr marL="2286000" lvl="4" indent="-304800" algn="l">
               <a:lnSpc>
                 <a:spcPct val="115000"/>
               </a:lnSpc>
@@ -3557,7 +3620,7 @@
               <a:buChar char="○"/>
               <a:defRPr sz="1200"/>
             </a:lvl5pPr>
-            <a:lvl6pPr indent="-304800" lvl="5" marL="2743200" algn="l">
+            <a:lvl6pPr marL="2743200" lvl="5" indent="-304800" algn="l">
               <a:lnSpc>
                 <a:spcPct val="115000"/>
               </a:lnSpc>
@@ -3571,7 +3634,7 @@
               <a:buChar char="■"/>
               <a:defRPr sz="1200"/>
             </a:lvl6pPr>
-            <a:lvl7pPr indent="-304800" lvl="6" marL="3200400" algn="l">
+            <a:lvl7pPr marL="3200400" lvl="6" indent="-304800" algn="l">
               <a:lnSpc>
                 <a:spcPct val="115000"/>
               </a:lnSpc>
@@ -3585,7 +3648,7 @@
               <a:buChar char="●"/>
               <a:defRPr sz="1200"/>
             </a:lvl7pPr>
-            <a:lvl8pPr indent="-304800" lvl="7" marL="3657600" algn="l">
+            <a:lvl8pPr marL="3657600" lvl="7" indent="-304800" algn="l">
               <a:lnSpc>
                 <a:spcPct val="115000"/>
               </a:lnSpc>
@@ -3599,7 +3662,7 @@
               <a:buChar char="○"/>
               <a:defRPr sz="1200"/>
             </a:lvl8pPr>
-            <a:lvl9pPr indent="-304800" lvl="8" marL="4114800" algn="l">
+            <a:lvl9pPr marL="4114800" lvl="8" indent="-304800" algn="l">
               <a:lnSpc>
                 <a:spcPct val="115000"/>
               </a:lnSpc>
@@ -3614,15 +3677,19 @@
               <a:defRPr sz="1200"/>
             </a:lvl9pPr>
           </a:lstStyle>
-          <a:p/>
+          <a:p>
+            <a:endParaRPr/>
+          </a:p>
         </p:txBody>
       </p:sp>
       <p:sp>
         <p:nvSpPr>
           <p:cNvPr id="21" name="Google Shape;21;p11"/>
-          <p:cNvSpPr txBox="1"/>
+          <p:cNvSpPr txBox="1">
+            <a:spLocks noGrp="1"/>
+          </p:cNvSpPr>
           <p:nvPr>
-            <p:ph idx="2" type="body"/>
+            <p:ph type="body" idx="2"/>
           </p:nvPr>
         </p:nvSpPr>
         <p:spPr>
@@ -3639,11 +3706,11 @@
           </a:ln>
         </p:spPr>
         <p:txBody>
-          <a:bodyPr anchorCtr="0" anchor="t" bIns="91425" lIns="91425" spcFirstLastPara="1" rIns="91425" wrap="square" tIns="91425">
+          <a:bodyPr spcFirstLastPara="1" wrap="square" lIns="91425" tIns="91425" rIns="91425" bIns="91425" anchor="t" anchorCtr="0">
             <a:noAutofit/>
           </a:bodyPr>
           <a:lstStyle>
-            <a:lvl1pPr indent="-317500" lvl="0" marL="457200" algn="l">
+            <a:lvl1pPr marL="457200" lvl="0" indent="-317500" algn="l">
               <a:lnSpc>
                 <a:spcPct val="115000"/>
               </a:lnSpc>
@@ -3657,7 +3724,7 @@
               <a:buChar char="●"/>
               <a:defRPr sz="1400"/>
             </a:lvl1pPr>
-            <a:lvl2pPr indent="-304800" lvl="1" marL="914400" algn="l">
+            <a:lvl2pPr marL="914400" lvl="1" indent="-304800" algn="l">
               <a:lnSpc>
                 <a:spcPct val="115000"/>
               </a:lnSpc>
@@ -3671,7 +3738,7 @@
               <a:buChar char="○"/>
               <a:defRPr sz="1200"/>
             </a:lvl2pPr>
-            <a:lvl3pPr indent="-304800" lvl="2" marL="1371600" algn="l">
+            <a:lvl3pPr marL="1371600" lvl="2" indent="-304800" algn="l">
               <a:lnSpc>
                 <a:spcPct val="115000"/>
               </a:lnSpc>
@@ -3685,7 +3752,7 @@
               <a:buChar char="■"/>
               <a:defRPr sz="1200"/>
             </a:lvl3pPr>
-            <a:lvl4pPr indent="-304800" lvl="3" marL="1828800" algn="l">
+            <a:lvl4pPr marL="1828800" lvl="3" indent="-304800" algn="l">
               <a:lnSpc>
                 <a:spcPct val="115000"/>
               </a:lnSpc>
@@ -3699,7 +3766,7 @@
               <a:buChar char="●"/>
               <a:defRPr sz="1200"/>
             </a:lvl4pPr>
-            <a:lvl5pPr indent="-304800" lvl="4" marL="2286000" algn="l">
+            <a:lvl5pPr marL="2286000" lvl="4" indent="-304800" algn="l">
               <a:lnSpc>
                 <a:spcPct val="115000"/>
               </a:lnSpc>
@@ -3713,7 +3780,7 @@
               <a:buChar char="○"/>
               <a:defRPr sz="1200"/>
             </a:lvl5pPr>
-            <a:lvl6pPr indent="-304800" lvl="5" marL="2743200" algn="l">
+            <a:lvl6pPr marL="2743200" lvl="5" indent="-304800" algn="l">
               <a:lnSpc>
                 <a:spcPct val="115000"/>
               </a:lnSpc>
@@ -3727,7 +3794,7 @@
               <a:buChar char="■"/>
               <a:defRPr sz="1200"/>
             </a:lvl6pPr>
-            <a:lvl7pPr indent="-304800" lvl="6" marL="3200400" algn="l">
+            <a:lvl7pPr marL="3200400" lvl="6" indent="-304800" algn="l">
               <a:lnSpc>
                 <a:spcPct val="115000"/>
               </a:lnSpc>
@@ -3741,7 +3808,7 @@
               <a:buChar char="●"/>
               <a:defRPr sz="1200"/>
             </a:lvl7pPr>
-            <a:lvl8pPr indent="-304800" lvl="7" marL="3657600" algn="l">
+            <a:lvl8pPr marL="3657600" lvl="7" indent="-304800" algn="l">
               <a:lnSpc>
                 <a:spcPct val="115000"/>
               </a:lnSpc>
@@ -3755,7 +3822,7 @@
               <a:buChar char="○"/>
               <a:defRPr sz="1200"/>
             </a:lvl8pPr>
-            <a:lvl9pPr indent="-304800" lvl="8" marL="4114800" algn="l">
+            <a:lvl9pPr marL="4114800" lvl="8" indent="-304800" algn="l">
               <a:lnSpc>
                 <a:spcPct val="115000"/>
               </a:lnSpc>
@@ -3770,15 +3837,19 @@
               <a:defRPr sz="1200"/>
             </a:lvl9pPr>
           </a:lstStyle>
-          <a:p/>
+          <a:p>
+            <a:endParaRPr/>
+          </a:p>
         </p:txBody>
       </p:sp>
       <p:sp>
         <p:nvSpPr>
           <p:cNvPr id="22" name="Google Shape;22;p11"/>
-          <p:cNvSpPr txBox="1"/>
+          <p:cNvSpPr txBox="1">
+            <a:spLocks noGrp="1"/>
+          </p:cNvSpPr>
           <p:nvPr>
-            <p:ph idx="12" type="sldNum"/>
+            <p:ph type="sldNum" idx="12"/>
           </p:nvPr>
         </p:nvSpPr>
         <p:spPr>
@@ -3795,11 +3866,11 @@
           </a:ln>
         </p:spPr>
         <p:txBody>
-          <a:bodyPr anchorCtr="0" anchor="ctr" bIns="91425" lIns="91425" spcFirstLastPara="1" rIns="91425" wrap="square" tIns="91425">
+          <a:bodyPr spcFirstLastPara="1" wrap="square" lIns="91425" tIns="91425" rIns="91425" bIns="91425" anchor="ctr" anchorCtr="0">
             <a:noAutofit/>
           </a:bodyPr>
           <a:lstStyle>
-            <a:lvl1pPr indent="0" lvl="0" marL="0" marR="0" algn="r">
+            <a:lvl1pPr marL="0" marR="0" lvl="0" indent="0" algn="r">
               <a:lnSpc>
                 <a:spcPct val="100000"/>
               </a:lnSpc>
@@ -3815,7 +3886,7 @@
               <a:buSzPts val="1000"/>
               <a:buFont typeface="Arial"/>
               <a:buNone/>
-              <a:defRPr b="0" i="0" sz="1000" u="none" cap="none" strike="noStrike">
+              <a:defRPr sz="1000" b="0" i="0" u="none" strike="noStrike" cap="none">
                 <a:solidFill>
                   <a:schemeClr val="dk2"/>
                 </a:solidFill>
@@ -3825,7 +3896,7 @@
                 <a:sym typeface="Arial"/>
               </a:defRPr>
             </a:lvl1pPr>
-            <a:lvl2pPr indent="0" lvl="1" marL="0" marR="0" algn="r">
+            <a:lvl2pPr marL="0" marR="0" lvl="1" indent="0" algn="r">
               <a:lnSpc>
                 <a:spcPct val="100000"/>
               </a:lnSpc>
@@ -3841,7 +3912,7 @@
               <a:buSzPts val="1000"/>
               <a:buFont typeface="Arial"/>
               <a:buNone/>
-              <a:defRPr b="0" i="0" sz="1000" u="none" cap="none" strike="noStrike">
+              <a:defRPr sz="1000" b="0" i="0" u="none" strike="noStrike" cap="none">
                 <a:solidFill>
                   <a:schemeClr val="dk2"/>
                 </a:solidFill>
@@ -3851,7 +3922,7 @@
                 <a:sym typeface="Arial"/>
               </a:defRPr>
             </a:lvl2pPr>
-            <a:lvl3pPr indent="0" lvl="2" marL="0" marR="0" algn="r">
+            <a:lvl3pPr marL="0" marR="0" lvl="2" indent="0" algn="r">
               <a:lnSpc>
                 <a:spcPct val="100000"/>
               </a:lnSpc>
@@ -3867,7 +3938,7 @@
               <a:buSzPts val="1000"/>
               <a:buFont typeface="Arial"/>
               <a:buNone/>
-              <a:defRPr b="0" i="0" sz="1000" u="none" cap="none" strike="noStrike">
+              <a:defRPr sz="1000" b="0" i="0" u="none" strike="noStrike" cap="none">
                 <a:solidFill>
                   <a:schemeClr val="dk2"/>
                 </a:solidFill>
@@ -3877,7 +3948,7 @@
                 <a:sym typeface="Arial"/>
               </a:defRPr>
             </a:lvl3pPr>
-            <a:lvl4pPr indent="0" lvl="3" marL="0" marR="0" algn="r">
+            <a:lvl4pPr marL="0" marR="0" lvl="3" indent="0" algn="r">
               <a:lnSpc>
                 <a:spcPct val="100000"/>
               </a:lnSpc>
@@ -3893,7 +3964,7 @@
               <a:buSzPts val="1000"/>
               <a:buFont typeface="Arial"/>
               <a:buNone/>
-              <a:defRPr b="0" i="0" sz="1000" u="none" cap="none" strike="noStrike">
+              <a:defRPr sz="1000" b="0" i="0" u="none" strike="noStrike" cap="none">
                 <a:solidFill>
                   <a:schemeClr val="dk2"/>
                 </a:solidFill>
@@ -3903,7 +3974,7 @@
                 <a:sym typeface="Arial"/>
               </a:defRPr>
             </a:lvl4pPr>
-            <a:lvl5pPr indent="0" lvl="4" marL="0" marR="0" algn="r">
+            <a:lvl5pPr marL="0" marR="0" lvl="4" indent="0" algn="r">
               <a:lnSpc>
                 <a:spcPct val="100000"/>
               </a:lnSpc>
@@ -3919,7 +3990,7 @@
               <a:buSzPts val="1000"/>
               <a:buFont typeface="Arial"/>
               <a:buNone/>
-              <a:defRPr b="0" i="0" sz="1000" u="none" cap="none" strike="noStrike">
+              <a:defRPr sz="1000" b="0" i="0" u="none" strike="noStrike" cap="none">
                 <a:solidFill>
                   <a:schemeClr val="dk2"/>
                 </a:solidFill>
@@ -3929,7 +4000,7 @@
                 <a:sym typeface="Arial"/>
               </a:defRPr>
             </a:lvl5pPr>
-            <a:lvl6pPr indent="0" lvl="5" marL="0" marR="0" algn="r">
+            <a:lvl6pPr marL="0" marR="0" lvl="5" indent="0" algn="r">
               <a:lnSpc>
                 <a:spcPct val="100000"/>
               </a:lnSpc>
@@ -3945,7 +4016,7 @@
               <a:buSzPts val="1000"/>
               <a:buFont typeface="Arial"/>
               <a:buNone/>
-              <a:defRPr b="0" i="0" sz="1000" u="none" cap="none" strike="noStrike">
+              <a:defRPr sz="1000" b="0" i="0" u="none" strike="noStrike" cap="none">
                 <a:solidFill>
                   <a:schemeClr val="dk2"/>
                 </a:solidFill>
@@ -3955,7 +4026,7 @@
                 <a:sym typeface="Arial"/>
               </a:defRPr>
             </a:lvl6pPr>
-            <a:lvl7pPr indent="0" lvl="6" marL="0" marR="0" algn="r">
+            <a:lvl7pPr marL="0" marR="0" lvl="6" indent="0" algn="r">
               <a:lnSpc>
                 <a:spcPct val="100000"/>
               </a:lnSpc>
@@ -3971,7 +4042,7 @@
               <a:buSzPts val="1000"/>
               <a:buFont typeface="Arial"/>
               <a:buNone/>
-              <a:defRPr b="0" i="0" sz="1000" u="none" cap="none" strike="noStrike">
+              <a:defRPr sz="1000" b="0" i="0" u="none" strike="noStrike" cap="none">
                 <a:solidFill>
                   <a:schemeClr val="dk2"/>
                 </a:solidFill>
@@ -3981,7 +4052,7 @@
                 <a:sym typeface="Arial"/>
               </a:defRPr>
             </a:lvl7pPr>
-            <a:lvl8pPr indent="0" lvl="7" marL="0" marR="0" algn="r">
+            <a:lvl8pPr marL="0" marR="0" lvl="7" indent="0" algn="r">
               <a:lnSpc>
                 <a:spcPct val="100000"/>
               </a:lnSpc>
@@ -3997,7 +4068,7 @@
               <a:buSzPts val="1000"/>
               <a:buFont typeface="Arial"/>
               <a:buNone/>
-              <a:defRPr b="0" i="0" sz="1000" u="none" cap="none" strike="noStrike">
+              <a:defRPr sz="1000" b="0" i="0" u="none" strike="noStrike" cap="none">
                 <a:solidFill>
                   <a:schemeClr val="dk2"/>
                 </a:solidFill>
@@ -4007,7 +4078,7 @@
                 <a:sym typeface="Arial"/>
               </a:defRPr>
             </a:lvl8pPr>
-            <a:lvl9pPr indent="0" lvl="8" marL="0" marR="0" algn="r">
+            <a:lvl9pPr marL="0" marR="0" lvl="8" indent="0" algn="r">
               <a:lnSpc>
                 <a:spcPct val="100000"/>
               </a:lnSpc>
@@ -4023,7 +4094,7 @@
               <a:buSzPts val="1000"/>
               <a:buFont typeface="Arial"/>
               <a:buNone/>
-              <a:defRPr b="0" i="0" sz="1000" u="none" cap="none" strike="noStrike">
+              <a:defRPr sz="1000" b="0" i="0" u="none" strike="noStrike" cap="none">
                 <a:solidFill>
                   <a:schemeClr val="dk2"/>
                 </a:solidFill>
@@ -4035,7 +4106,7 @@
             </a:lvl9pPr>
           </a:lstStyle>
           <a:p>
-            <a:pPr indent="0" lvl="0" marL="0" rtl="0" algn="r">
+            <a:pPr marL="0" lvl="0" indent="0" algn="r" rtl="0">
               <a:spcBef>
                 <a:spcPts val="0"/>
               </a:spcBef>
@@ -4046,7 +4117,7 @@
             </a:pPr>
             <a:fld id="{00000000-1234-1234-1234-123412341234}" type="slidenum">
               <a:rPr lang="pt-BR"/>
-              <a:t>‹#›</a:t>
+              <a:t>‹nº›</a:t>
             </a:fld>
             <a:endParaRPr/>
           </a:p>
@@ -4061,11 +4132,11 @@
 </file>
 
 <file path=ppt/slideLayouts/slideLayout5.xml><?xml version="1.0" encoding="utf-8"?>
-<p:sldLayout xmlns:a="http://schemas.openxmlformats.org/drawingml/2006/main" xmlns:r="http://schemas.openxmlformats.org/officeDocument/2006/relationships" xmlns:mc="http://schemas.openxmlformats.org/markup-compatibility/2006" xmlns:mv="urn:schemas-microsoft-com:mac:vml" xmlns:p="http://schemas.openxmlformats.org/presentationml/2006/main" xmlns:c="http://schemas.openxmlformats.org/drawingml/2006/chart" xmlns:dgm="http://schemas.openxmlformats.org/drawingml/2006/diagram" xmlns:o="urn:schemas-microsoft-com:office:office" xmlns:v="urn:schemas-microsoft-com:vml" xmlns:pvml="urn:schemas-microsoft-com:office:powerpoint" xmlns:com="http://schemas.openxmlformats.org/drawingml/2006/compatibility" xmlns:p14="http://schemas.microsoft.com/office/powerpoint/2010/main" xmlns:p15="http://schemas.microsoft.com/office/powerpoint/2012/main" matchingName="Title only" type="titleOnly">
+<p:sldLayout xmlns:a="http://schemas.openxmlformats.org/drawingml/2006/main" xmlns:r="http://schemas.openxmlformats.org/officeDocument/2006/relationships" xmlns:p="http://schemas.openxmlformats.org/presentationml/2006/main" matchingName="Title only" type="titleOnly">
   <p:cSld name="TITLE_ONLY">
     <p:spTree>
       <p:nvGrpSpPr>
-        <p:cNvPr id="23" name="Shape 23"/>
+        <p:cNvPr id="1" name="Shape 23"/>
         <p:cNvGrpSpPr/>
         <p:nvPr/>
       </p:nvGrpSpPr>
@@ -4080,7 +4151,9 @@
       <p:sp>
         <p:nvSpPr>
           <p:cNvPr id="24" name="Google Shape;24;p12"/>
-          <p:cNvSpPr txBox="1"/>
+          <p:cNvSpPr txBox="1">
+            <a:spLocks noGrp="1"/>
+          </p:cNvSpPr>
           <p:nvPr>
             <p:ph type="title"/>
           </p:nvPr>
@@ -4099,7 +4172,7 @@
           </a:ln>
         </p:spPr>
         <p:txBody>
-          <a:bodyPr anchorCtr="0" anchor="t" bIns="91425" lIns="91425" spcFirstLastPara="1" rIns="91425" wrap="square" tIns="91425">
+          <a:bodyPr spcFirstLastPara="1" wrap="square" lIns="91425" tIns="91425" rIns="91425" bIns="91425" anchor="t" anchorCtr="0">
             <a:noAutofit/>
           </a:bodyPr>
           <a:lstStyle>
@@ -4230,15 +4303,19 @@
               <a:defRPr/>
             </a:lvl9pPr>
           </a:lstStyle>
-          <a:p/>
+          <a:p>
+            <a:endParaRPr/>
+          </a:p>
         </p:txBody>
       </p:sp>
       <p:sp>
         <p:nvSpPr>
           <p:cNvPr id="25" name="Google Shape;25;p12"/>
-          <p:cNvSpPr txBox="1"/>
+          <p:cNvSpPr txBox="1">
+            <a:spLocks noGrp="1"/>
+          </p:cNvSpPr>
           <p:nvPr>
-            <p:ph idx="12" type="sldNum"/>
+            <p:ph type="sldNum" idx="12"/>
           </p:nvPr>
         </p:nvSpPr>
         <p:spPr>
@@ -4255,11 +4332,11 @@
           </a:ln>
         </p:spPr>
         <p:txBody>
-          <a:bodyPr anchorCtr="0" anchor="ctr" bIns="91425" lIns="91425" spcFirstLastPara="1" rIns="91425" wrap="square" tIns="91425">
+          <a:bodyPr spcFirstLastPara="1" wrap="square" lIns="91425" tIns="91425" rIns="91425" bIns="91425" anchor="ctr" anchorCtr="0">
             <a:noAutofit/>
           </a:bodyPr>
           <a:lstStyle>
-            <a:lvl1pPr indent="0" lvl="0" marL="0" marR="0" algn="r">
+            <a:lvl1pPr marL="0" marR="0" lvl="0" indent="0" algn="r">
               <a:lnSpc>
                 <a:spcPct val="100000"/>
               </a:lnSpc>
@@ -4275,7 +4352,7 @@
               <a:buSzPts val="1000"/>
               <a:buFont typeface="Arial"/>
               <a:buNone/>
-              <a:defRPr b="0" i="0" sz="1000" u="none" cap="none" strike="noStrike">
+              <a:defRPr sz="1000" b="0" i="0" u="none" strike="noStrike" cap="none">
                 <a:solidFill>
                   <a:schemeClr val="dk2"/>
                 </a:solidFill>
@@ -4285,7 +4362,7 @@
                 <a:sym typeface="Arial"/>
               </a:defRPr>
             </a:lvl1pPr>
-            <a:lvl2pPr indent="0" lvl="1" marL="0" marR="0" algn="r">
+            <a:lvl2pPr marL="0" marR="0" lvl="1" indent="0" algn="r">
               <a:lnSpc>
                 <a:spcPct val="100000"/>
               </a:lnSpc>
@@ -4301,7 +4378,7 @@
               <a:buSzPts val="1000"/>
               <a:buFont typeface="Arial"/>
               <a:buNone/>
-              <a:defRPr b="0" i="0" sz="1000" u="none" cap="none" strike="noStrike">
+              <a:defRPr sz="1000" b="0" i="0" u="none" strike="noStrike" cap="none">
                 <a:solidFill>
                   <a:schemeClr val="dk2"/>
                 </a:solidFill>
@@ -4311,7 +4388,7 @@
                 <a:sym typeface="Arial"/>
               </a:defRPr>
             </a:lvl2pPr>
-            <a:lvl3pPr indent="0" lvl="2" marL="0" marR="0" algn="r">
+            <a:lvl3pPr marL="0" marR="0" lvl="2" indent="0" algn="r">
               <a:lnSpc>
                 <a:spcPct val="100000"/>
               </a:lnSpc>
@@ -4327,7 +4404,7 @@
               <a:buSzPts val="1000"/>
               <a:buFont typeface="Arial"/>
               <a:buNone/>
-              <a:defRPr b="0" i="0" sz="1000" u="none" cap="none" strike="noStrike">
+              <a:defRPr sz="1000" b="0" i="0" u="none" strike="noStrike" cap="none">
                 <a:solidFill>
                   <a:schemeClr val="dk2"/>
                 </a:solidFill>
@@ -4337,7 +4414,7 @@
                 <a:sym typeface="Arial"/>
               </a:defRPr>
             </a:lvl3pPr>
-            <a:lvl4pPr indent="0" lvl="3" marL="0" marR="0" algn="r">
+            <a:lvl4pPr marL="0" marR="0" lvl="3" indent="0" algn="r">
               <a:lnSpc>
                 <a:spcPct val="100000"/>
               </a:lnSpc>
@@ -4353,7 +4430,7 @@
               <a:buSzPts val="1000"/>
               <a:buFont typeface="Arial"/>
               <a:buNone/>
-              <a:defRPr b="0" i="0" sz="1000" u="none" cap="none" strike="noStrike">
+              <a:defRPr sz="1000" b="0" i="0" u="none" strike="noStrike" cap="none">
                 <a:solidFill>
                   <a:schemeClr val="dk2"/>
                 </a:solidFill>
@@ -4363,7 +4440,7 @@
                 <a:sym typeface="Arial"/>
               </a:defRPr>
             </a:lvl4pPr>
-            <a:lvl5pPr indent="0" lvl="4" marL="0" marR="0" algn="r">
+            <a:lvl5pPr marL="0" marR="0" lvl="4" indent="0" algn="r">
               <a:lnSpc>
                 <a:spcPct val="100000"/>
               </a:lnSpc>
@@ -4379,7 +4456,7 @@
               <a:buSzPts val="1000"/>
               <a:buFont typeface="Arial"/>
               <a:buNone/>
-              <a:defRPr b="0" i="0" sz="1000" u="none" cap="none" strike="noStrike">
+              <a:defRPr sz="1000" b="0" i="0" u="none" strike="noStrike" cap="none">
                 <a:solidFill>
                   <a:schemeClr val="dk2"/>
                 </a:solidFill>
@@ -4389,7 +4466,7 @@
                 <a:sym typeface="Arial"/>
               </a:defRPr>
             </a:lvl5pPr>
-            <a:lvl6pPr indent="0" lvl="5" marL="0" marR="0" algn="r">
+            <a:lvl6pPr marL="0" marR="0" lvl="5" indent="0" algn="r">
               <a:lnSpc>
                 <a:spcPct val="100000"/>
               </a:lnSpc>
@@ -4405,7 +4482,7 @@
               <a:buSzPts val="1000"/>
               <a:buFont typeface="Arial"/>
               <a:buNone/>
-              <a:defRPr b="0" i="0" sz="1000" u="none" cap="none" strike="noStrike">
+              <a:defRPr sz="1000" b="0" i="0" u="none" strike="noStrike" cap="none">
                 <a:solidFill>
                   <a:schemeClr val="dk2"/>
                 </a:solidFill>
@@ -4415,7 +4492,7 @@
                 <a:sym typeface="Arial"/>
               </a:defRPr>
             </a:lvl6pPr>
-            <a:lvl7pPr indent="0" lvl="6" marL="0" marR="0" algn="r">
+            <a:lvl7pPr marL="0" marR="0" lvl="6" indent="0" algn="r">
               <a:lnSpc>
                 <a:spcPct val="100000"/>
               </a:lnSpc>
@@ -4431,7 +4508,7 @@
               <a:buSzPts val="1000"/>
               <a:buFont typeface="Arial"/>
               <a:buNone/>
-              <a:defRPr b="0" i="0" sz="1000" u="none" cap="none" strike="noStrike">
+              <a:defRPr sz="1000" b="0" i="0" u="none" strike="noStrike" cap="none">
                 <a:solidFill>
                   <a:schemeClr val="dk2"/>
                 </a:solidFill>
@@ -4441,7 +4518,7 @@
                 <a:sym typeface="Arial"/>
               </a:defRPr>
             </a:lvl7pPr>
-            <a:lvl8pPr indent="0" lvl="7" marL="0" marR="0" algn="r">
+            <a:lvl8pPr marL="0" marR="0" lvl="7" indent="0" algn="r">
               <a:lnSpc>
                 <a:spcPct val="100000"/>
               </a:lnSpc>
@@ -4457,7 +4534,7 @@
               <a:buSzPts val="1000"/>
               <a:buFont typeface="Arial"/>
               <a:buNone/>
-              <a:defRPr b="0" i="0" sz="1000" u="none" cap="none" strike="noStrike">
+              <a:defRPr sz="1000" b="0" i="0" u="none" strike="noStrike" cap="none">
                 <a:solidFill>
                   <a:schemeClr val="dk2"/>
                 </a:solidFill>
@@ -4467,7 +4544,7 @@
                 <a:sym typeface="Arial"/>
               </a:defRPr>
             </a:lvl8pPr>
-            <a:lvl9pPr indent="0" lvl="8" marL="0" marR="0" algn="r">
+            <a:lvl9pPr marL="0" marR="0" lvl="8" indent="0" algn="r">
               <a:lnSpc>
                 <a:spcPct val="100000"/>
               </a:lnSpc>
@@ -4483,7 +4560,7 @@
               <a:buSzPts val="1000"/>
               <a:buFont typeface="Arial"/>
               <a:buNone/>
-              <a:defRPr b="0" i="0" sz="1000" u="none" cap="none" strike="noStrike">
+              <a:defRPr sz="1000" b="0" i="0" u="none" strike="noStrike" cap="none">
                 <a:solidFill>
                   <a:schemeClr val="dk2"/>
                 </a:solidFill>
@@ -4495,7 +4572,7 @@
             </a:lvl9pPr>
           </a:lstStyle>
           <a:p>
-            <a:pPr indent="0" lvl="0" marL="0" rtl="0" algn="r">
+            <a:pPr marL="0" lvl="0" indent="0" algn="r" rtl="0">
               <a:spcBef>
                 <a:spcPts val="0"/>
               </a:spcBef>
@@ -4506,7 +4583,7 @@
             </a:pPr>
             <a:fld id="{00000000-1234-1234-1234-123412341234}" type="slidenum">
               <a:rPr lang="pt-BR"/>
-              <a:t>‹#›</a:t>
+              <a:t>‹nº›</a:t>
             </a:fld>
             <a:endParaRPr/>
           </a:p>
@@ -4521,11 +4598,11 @@
 </file>
 
 <file path=ppt/slideLayouts/slideLayout6.xml><?xml version="1.0" encoding="utf-8"?>
-<p:sldLayout xmlns:a="http://schemas.openxmlformats.org/drawingml/2006/main" xmlns:r="http://schemas.openxmlformats.org/officeDocument/2006/relationships" xmlns:mc="http://schemas.openxmlformats.org/markup-compatibility/2006" xmlns:mv="urn:schemas-microsoft-com:mac:vml" xmlns:p="http://schemas.openxmlformats.org/presentationml/2006/main" xmlns:c="http://schemas.openxmlformats.org/drawingml/2006/chart" xmlns:dgm="http://schemas.openxmlformats.org/drawingml/2006/diagram" xmlns:o="urn:schemas-microsoft-com:office:office" xmlns:v="urn:schemas-microsoft-com:vml" xmlns:pvml="urn:schemas-microsoft-com:office:powerpoint" xmlns:com="http://schemas.openxmlformats.org/drawingml/2006/compatibility" xmlns:p14="http://schemas.microsoft.com/office/powerpoint/2010/main" xmlns:p15="http://schemas.microsoft.com/office/powerpoint/2012/main" matchingName="One column text">
+<p:sldLayout xmlns:a="http://schemas.openxmlformats.org/drawingml/2006/main" xmlns:r="http://schemas.openxmlformats.org/officeDocument/2006/relationships" xmlns:p="http://schemas.openxmlformats.org/presentationml/2006/main" matchingName="One column text">
   <p:cSld name="ONE_COLUMN_TEXT">
     <p:spTree>
       <p:nvGrpSpPr>
-        <p:cNvPr id="26" name="Shape 26"/>
+        <p:cNvPr id="1" name="Shape 26"/>
         <p:cNvGrpSpPr/>
         <p:nvPr/>
       </p:nvGrpSpPr>
@@ -4540,7 +4617,9 @@
       <p:sp>
         <p:nvSpPr>
           <p:cNvPr id="27" name="Google Shape;27;p13"/>
-          <p:cNvSpPr txBox="1"/>
+          <p:cNvSpPr txBox="1">
+            <a:spLocks noGrp="1"/>
+          </p:cNvSpPr>
           <p:nvPr>
             <p:ph type="title"/>
           </p:nvPr>
@@ -4559,7 +4638,7 @@
           </a:ln>
         </p:spPr>
         <p:txBody>
-          <a:bodyPr anchorCtr="0" anchor="b" bIns="91425" lIns="91425" spcFirstLastPara="1" rIns="91425" wrap="square" tIns="91425">
+          <a:bodyPr spcFirstLastPara="1" wrap="square" lIns="91425" tIns="91425" rIns="91425" bIns="91425" anchor="b" anchorCtr="0">
             <a:noAutofit/>
           </a:bodyPr>
           <a:lstStyle>
@@ -4690,15 +4769,19 @@
               <a:defRPr sz="2400"/>
             </a:lvl9pPr>
           </a:lstStyle>
-          <a:p/>
+          <a:p>
+            <a:endParaRPr/>
+          </a:p>
         </p:txBody>
       </p:sp>
       <p:sp>
         <p:nvSpPr>
           <p:cNvPr id="28" name="Google Shape;28;p13"/>
-          <p:cNvSpPr txBox="1"/>
+          <p:cNvSpPr txBox="1">
+            <a:spLocks noGrp="1"/>
+          </p:cNvSpPr>
           <p:nvPr>
-            <p:ph idx="1" type="body"/>
+            <p:ph type="body" idx="1"/>
           </p:nvPr>
         </p:nvSpPr>
         <p:spPr>
@@ -4715,11 +4798,11 @@
           </a:ln>
         </p:spPr>
         <p:txBody>
-          <a:bodyPr anchorCtr="0" anchor="t" bIns="91425" lIns="91425" spcFirstLastPara="1" rIns="91425" wrap="square" tIns="91425">
+          <a:bodyPr spcFirstLastPara="1" wrap="square" lIns="91425" tIns="91425" rIns="91425" bIns="91425" anchor="t" anchorCtr="0">
             <a:noAutofit/>
           </a:bodyPr>
           <a:lstStyle>
-            <a:lvl1pPr indent="-304800" lvl="0" marL="457200" algn="l">
+            <a:lvl1pPr marL="457200" lvl="0" indent="-304800" algn="l">
               <a:lnSpc>
                 <a:spcPct val="115000"/>
               </a:lnSpc>
@@ -4733,7 +4816,7 @@
               <a:buChar char="●"/>
               <a:defRPr sz="1200"/>
             </a:lvl1pPr>
-            <a:lvl2pPr indent="-304800" lvl="1" marL="914400" algn="l">
+            <a:lvl2pPr marL="914400" lvl="1" indent="-304800" algn="l">
               <a:lnSpc>
                 <a:spcPct val="115000"/>
               </a:lnSpc>
@@ -4747,7 +4830,7 @@
               <a:buChar char="○"/>
               <a:defRPr sz="1200"/>
             </a:lvl2pPr>
-            <a:lvl3pPr indent="-304800" lvl="2" marL="1371600" algn="l">
+            <a:lvl3pPr marL="1371600" lvl="2" indent="-304800" algn="l">
               <a:lnSpc>
                 <a:spcPct val="115000"/>
               </a:lnSpc>
@@ -4761,7 +4844,7 @@
               <a:buChar char="■"/>
               <a:defRPr sz="1200"/>
             </a:lvl3pPr>
-            <a:lvl4pPr indent="-304800" lvl="3" marL="1828800" algn="l">
+            <a:lvl4pPr marL="1828800" lvl="3" indent="-304800" algn="l">
               <a:lnSpc>
                 <a:spcPct val="115000"/>
               </a:lnSpc>
@@ -4775,7 +4858,7 @@
               <a:buChar char="●"/>
               <a:defRPr sz="1200"/>
             </a:lvl4pPr>
-            <a:lvl5pPr indent="-304800" lvl="4" marL="2286000" algn="l">
+            <a:lvl5pPr marL="2286000" lvl="4" indent="-304800" algn="l">
               <a:lnSpc>
                 <a:spcPct val="115000"/>
               </a:lnSpc>
@@ -4789,7 +4872,7 @@
               <a:buChar char="○"/>
               <a:defRPr sz="1200"/>
             </a:lvl5pPr>
-            <a:lvl6pPr indent="-304800" lvl="5" marL="2743200" algn="l">
+            <a:lvl6pPr marL="2743200" lvl="5" indent="-304800" algn="l">
               <a:lnSpc>
                 <a:spcPct val="115000"/>
               </a:lnSpc>
@@ -4803,7 +4886,7 @@
               <a:buChar char="■"/>
               <a:defRPr sz="1200"/>
             </a:lvl6pPr>
-            <a:lvl7pPr indent="-304800" lvl="6" marL="3200400" algn="l">
+            <a:lvl7pPr marL="3200400" lvl="6" indent="-304800" algn="l">
               <a:lnSpc>
                 <a:spcPct val="115000"/>
               </a:lnSpc>
@@ -4817,7 +4900,7 @@
               <a:buChar char="●"/>
               <a:defRPr sz="1200"/>
             </a:lvl7pPr>
-            <a:lvl8pPr indent="-304800" lvl="7" marL="3657600" algn="l">
+            <a:lvl8pPr marL="3657600" lvl="7" indent="-304800" algn="l">
               <a:lnSpc>
                 <a:spcPct val="115000"/>
               </a:lnSpc>
@@ -4831,7 +4914,7 @@
               <a:buChar char="○"/>
               <a:defRPr sz="1200"/>
             </a:lvl8pPr>
-            <a:lvl9pPr indent="-304800" lvl="8" marL="4114800" algn="l">
+            <a:lvl9pPr marL="4114800" lvl="8" indent="-304800" algn="l">
               <a:lnSpc>
                 <a:spcPct val="115000"/>
               </a:lnSpc>
@@ -4846,15 +4929,19 @@
               <a:defRPr sz="1200"/>
             </a:lvl9pPr>
           </a:lstStyle>
-          <a:p/>
+          <a:p>
+            <a:endParaRPr/>
+          </a:p>
         </p:txBody>
       </p:sp>
       <p:sp>
         <p:nvSpPr>
           <p:cNvPr id="29" name="Google Shape;29;p13"/>
-          <p:cNvSpPr txBox="1"/>
+          <p:cNvSpPr txBox="1">
+            <a:spLocks noGrp="1"/>
+          </p:cNvSpPr>
           <p:nvPr>
-            <p:ph idx="12" type="sldNum"/>
+            <p:ph type="sldNum" idx="12"/>
           </p:nvPr>
         </p:nvSpPr>
         <p:spPr>
@@ -4871,11 +4958,11 @@
           </a:ln>
         </p:spPr>
         <p:txBody>
-          <a:bodyPr anchorCtr="0" anchor="ctr" bIns="91425" lIns="91425" spcFirstLastPara="1" rIns="91425" wrap="square" tIns="91425">
+          <a:bodyPr spcFirstLastPara="1" wrap="square" lIns="91425" tIns="91425" rIns="91425" bIns="91425" anchor="ctr" anchorCtr="0">
             <a:noAutofit/>
           </a:bodyPr>
           <a:lstStyle>
-            <a:lvl1pPr indent="0" lvl="0" marL="0" marR="0" algn="r">
+            <a:lvl1pPr marL="0" marR="0" lvl="0" indent="0" algn="r">
               <a:lnSpc>
                 <a:spcPct val="100000"/>
               </a:lnSpc>
@@ -4891,7 +4978,7 @@
               <a:buSzPts val="1000"/>
               <a:buFont typeface="Arial"/>
               <a:buNone/>
-              <a:defRPr b="0" i="0" sz="1000" u="none" cap="none" strike="noStrike">
+              <a:defRPr sz="1000" b="0" i="0" u="none" strike="noStrike" cap="none">
                 <a:solidFill>
                   <a:schemeClr val="dk2"/>
                 </a:solidFill>
@@ -4901,7 +4988,7 @@
                 <a:sym typeface="Arial"/>
               </a:defRPr>
             </a:lvl1pPr>
-            <a:lvl2pPr indent="0" lvl="1" marL="0" marR="0" algn="r">
+            <a:lvl2pPr marL="0" marR="0" lvl="1" indent="0" algn="r">
               <a:lnSpc>
                 <a:spcPct val="100000"/>
               </a:lnSpc>
@@ -4917,7 +5004,7 @@
               <a:buSzPts val="1000"/>
               <a:buFont typeface="Arial"/>
               <a:buNone/>
-              <a:defRPr b="0" i="0" sz="1000" u="none" cap="none" strike="noStrike">
+              <a:defRPr sz="1000" b="0" i="0" u="none" strike="noStrike" cap="none">
                 <a:solidFill>
                   <a:schemeClr val="dk2"/>
                 </a:solidFill>
@@ -4927,7 +5014,7 @@
                 <a:sym typeface="Arial"/>
               </a:defRPr>
             </a:lvl2pPr>
-            <a:lvl3pPr indent="0" lvl="2" marL="0" marR="0" algn="r">
+            <a:lvl3pPr marL="0" marR="0" lvl="2" indent="0" algn="r">
               <a:lnSpc>
                 <a:spcPct val="100000"/>
               </a:lnSpc>
@@ -4943,7 +5030,7 @@
               <a:buSzPts val="1000"/>
               <a:buFont typeface="Arial"/>
               <a:buNone/>
-              <a:defRPr b="0" i="0" sz="1000" u="none" cap="none" strike="noStrike">
+              <a:defRPr sz="1000" b="0" i="0" u="none" strike="noStrike" cap="none">
                 <a:solidFill>
                   <a:schemeClr val="dk2"/>
                 </a:solidFill>
@@ -4953,7 +5040,7 @@
                 <a:sym typeface="Arial"/>
               </a:defRPr>
             </a:lvl3pPr>
-            <a:lvl4pPr indent="0" lvl="3" marL="0" marR="0" algn="r">
+            <a:lvl4pPr marL="0" marR="0" lvl="3" indent="0" algn="r">
               <a:lnSpc>
                 <a:spcPct val="100000"/>
               </a:lnSpc>
@@ -4969,7 +5056,7 @@
               <a:buSzPts val="1000"/>
               <a:buFont typeface="Arial"/>
               <a:buNone/>
-              <a:defRPr b="0" i="0" sz="1000" u="none" cap="none" strike="noStrike">
+              <a:defRPr sz="1000" b="0" i="0" u="none" strike="noStrike" cap="none">
                 <a:solidFill>
                   <a:schemeClr val="dk2"/>
                 </a:solidFill>
@@ -4979,7 +5066,7 @@
                 <a:sym typeface="Arial"/>
               </a:defRPr>
             </a:lvl4pPr>
-            <a:lvl5pPr indent="0" lvl="4" marL="0" marR="0" algn="r">
+            <a:lvl5pPr marL="0" marR="0" lvl="4" indent="0" algn="r">
               <a:lnSpc>
                 <a:spcPct val="100000"/>
               </a:lnSpc>
@@ -4995,7 +5082,7 @@
               <a:buSzPts val="1000"/>
               <a:buFont typeface="Arial"/>
               <a:buNone/>
-              <a:defRPr b="0" i="0" sz="1000" u="none" cap="none" strike="noStrike">
+              <a:defRPr sz="1000" b="0" i="0" u="none" strike="noStrike" cap="none">
                 <a:solidFill>
                   <a:schemeClr val="dk2"/>
                 </a:solidFill>
@@ -5005,7 +5092,7 @@
                 <a:sym typeface="Arial"/>
               </a:defRPr>
             </a:lvl5pPr>
-            <a:lvl6pPr indent="0" lvl="5" marL="0" marR="0" algn="r">
+            <a:lvl6pPr marL="0" marR="0" lvl="5" indent="0" algn="r">
               <a:lnSpc>
                 <a:spcPct val="100000"/>
               </a:lnSpc>
@@ -5021,7 +5108,7 @@
               <a:buSzPts val="1000"/>
               <a:buFont typeface="Arial"/>
               <a:buNone/>
-              <a:defRPr b="0" i="0" sz="1000" u="none" cap="none" strike="noStrike">
+              <a:defRPr sz="1000" b="0" i="0" u="none" strike="noStrike" cap="none">
                 <a:solidFill>
                   <a:schemeClr val="dk2"/>
                 </a:solidFill>
@@ -5031,7 +5118,7 @@
                 <a:sym typeface="Arial"/>
               </a:defRPr>
             </a:lvl6pPr>
-            <a:lvl7pPr indent="0" lvl="6" marL="0" marR="0" algn="r">
+            <a:lvl7pPr marL="0" marR="0" lvl="6" indent="0" algn="r">
               <a:lnSpc>
                 <a:spcPct val="100000"/>
               </a:lnSpc>
@@ -5047,7 +5134,7 @@
               <a:buSzPts val="1000"/>
               <a:buFont typeface="Arial"/>
               <a:buNone/>
-              <a:defRPr b="0" i="0" sz="1000" u="none" cap="none" strike="noStrike">
+              <a:defRPr sz="1000" b="0" i="0" u="none" strike="noStrike" cap="none">
                 <a:solidFill>
                   <a:schemeClr val="dk2"/>
                 </a:solidFill>
@@ -5057,7 +5144,7 @@
                 <a:sym typeface="Arial"/>
               </a:defRPr>
             </a:lvl7pPr>
-            <a:lvl8pPr indent="0" lvl="7" marL="0" marR="0" algn="r">
+            <a:lvl8pPr marL="0" marR="0" lvl="7" indent="0" algn="r">
               <a:lnSpc>
                 <a:spcPct val="100000"/>
               </a:lnSpc>
@@ -5073,7 +5160,7 @@
               <a:buSzPts val="1000"/>
               <a:buFont typeface="Arial"/>
               <a:buNone/>
-              <a:defRPr b="0" i="0" sz="1000" u="none" cap="none" strike="noStrike">
+              <a:defRPr sz="1000" b="0" i="0" u="none" strike="noStrike" cap="none">
                 <a:solidFill>
                   <a:schemeClr val="dk2"/>
                 </a:solidFill>
@@ -5083,7 +5170,7 @@
                 <a:sym typeface="Arial"/>
               </a:defRPr>
             </a:lvl8pPr>
-            <a:lvl9pPr indent="0" lvl="8" marL="0" marR="0" algn="r">
+            <a:lvl9pPr marL="0" marR="0" lvl="8" indent="0" algn="r">
               <a:lnSpc>
                 <a:spcPct val="100000"/>
               </a:lnSpc>
@@ -5099,7 +5186,7 @@
               <a:buSzPts val="1000"/>
               <a:buFont typeface="Arial"/>
               <a:buNone/>
-              <a:defRPr b="0" i="0" sz="1000" u="none" cap="none" strike="noStrike">
+              <a:defRPr sz="1000" b="0" i="0" u="none" strike="noStrike" cap="none">
                 <a:solidFill>
                   <a:schemeClr val="dk2"/>
                 </a:solidFill>
@@ -5111,7 +5198,7 @@
             </a:lvl9pPr>
           </a:lstStyle>
           <a:p>
-            <a:pPr indent="0" lvl="0" marL="0" rtl="0" algn="r">
+            <a:pPr marL="0" lvl="0" indent="0" algn="r" rtl="0">
               <a:spcBef>
                 <a:spcPts val="0"/>
               </a:spcBef>
@@ -5122,7 +5209,7 @@
             </a:pPr>
             <a:fld id="{00000000-1234-1234-1234-123412341234}" type="slidenum">
               <a:rPr lang="pt-BR"/>
-              <a:t>‹#›</a:t>
+              <a:t>‹nº›</a:t>
             </a:fld>
             <a:endParaRPr/>
           </a:p>
@@ -5137,11 +5224,11 @@
 </file>
 
 <file path=ppt/slideLayouts/slideLayout7.xml><?xml version="1.0" encoding="utf-8"?>
-<p:sldLayout xmlns:a="http://schemas.openxmlformats.org/drawingml/2006/main" xmlns:r="http://schemas.openxmlformats.org/officeDocument/2006/relationships" xmlns:mc="http://schemas.openxmlformats.org/markup-compatibility/2006" xmlns:mv="urn:schemas-microsoft-com:mac:vml" xmlns:p="http://schemas.openxmlformats.org/presentationml/2006/main" xmlns:c="http://schemas.openxmlformats.org/drawingml/2006/chart" xmlns:dgm="http://schemas.openxmlformats.org/drawingml/2006/diagram" xmlns:o="urn:schemas-microsoft-com:office:office" xmlns:v="urn:schemas-microsoft-com:vml" xmlns:pvml="urn:schemas-microsoft-com:office:powerpoint" xmlns:com="http://schemas.openxmlformats.org/drawingml/2006/compatibility" xmlns:p14="http://schemas.microsoft.com/office/powerpoint/2010/main" xmlns:p15="http://schemas.microsoft.com/office/powerpoint/2012/main" matchingName="Main point">
+<p:sldLayout xmlns:a="http://schemas.openxmlformats.org/drawingml/2006/main" xmlns:r="http://schemas.openxmlformats.org/officeDocument/2006/relationships" xmlns:p="http://schemas.openxmlformats.org/presentationml/2006/main" matchingName="Main point">
   <p:cSld name="MAIN_POINT">
     <p:spTree>
       <p:nvGrpSpPr>
-        <p:cNvPr id="30" name="Shape 30"/>
+        <p:cNvPr id="1" name="Shape 30"/>
         <p:cNvGrpSpPr/>
         <p:nvPr/>
       </p:nvGrpSpPr>
@@ -5156,7 +5243,9 @@
       <p:sp>
         <p:nvSpPr>
           <p:cNvPr id="31" name="Google Shape;31;p14"/>
-          <p:cNvSpPr txBox="1"/>
+          <p:cNvSpPr txBox="1">
+            <a:spLocks noGrp="1"/>
+          </p:cNvSpPr>
           <p:nvPr>
             <p:ph type="title"/>
           </p:nvPr>
@@ -5175,7 +5264,7 @@
           </a:ln>
         </p:spPr>
         <p:txBody>
-          <a:bodyPr anchorCtr="0" anchor="ctr" bIns="91425" lIns="91425" spcFirstLastPara="1" rIns="91425" wrap="square" tIns="91425">
+          <a:bodyPr spcFirstLastPara="1" wrap="square" lIns="91425" tIns="91425" rIns="91425" bIns="91425" anchor="ctr" anchorCtr="0">
             <a:noAutofit/>
           </a:bodyPr>
           <a:lstStyle>
@@ -5306,15 +5395,19 @@
               <a:defRPr sz="4800"/>
             </a:lvl9pPr>
           </a:lstStyle>
-          <a:p/>
+          <a:p>
+            <a:endParaRPr/>
+          </a:p>
         </p:txBody>
       </p:sp>
       <p:sp>
         <p:nvSpPr>
           <p:cNvPr id="32" name="Google Shape;32;p14"/>
-          <p:cNvSpPr txBox="1"/>
+          <p:cNvSpPr txBox="1">
+            <a:spLocks noGrp="1"/>
+          </p:cNvSpPr>
           <p:nvPr>
-            <p:ph idx="12" type="sldNum"/>
+            <p:ph type="sldNum" idx="12"/>
           </p:nvPr>
         </p:nvSpPr>
         <p:spPr>
@@ -5331,11 +5424,11 @@
           </a:ln>
         </p:spPr>
         <p:txBody>
-          <a:bodyPr anchorCtr="0" anchor="ctr" bIns="91425" lIns="91425" spcFirstLastPara="1" rIns="91425" wrap="square" tIns="91425">
+          <a:bodyPr spcFirstLastPara="1" wrap="square" lIns="91425" tIns="91425" rIns="91425" bIns="91425" anchor="ctr" anchorCtr="0">
             <a:noAutofit/>
           </a:bodyPr>
           <a:lstStyle>
-            <a:lvl1pPr indent="0" lvl="0" marL="0" marR="0" algn="r">
+            <a:lvl1pPr marL="0" marR="0" lvl="0" indent="0" algn="r">
               <a:lnSpc>
                 <a:spcPct val="100000"/>
               </a:lnSpc>
@@ -5351,7 +5444,7 @@
               <a:buSzPts val="1000"/>
               <a:buFont typeface="Arial"/>
               <a:buNone/>
-              <a:defRPr b="0" i="0" sz="1000" u="none" cap="none" strike="noStrike">
+              <a:defRPr sz="1000" b="0" i="0" u="none" strike="noStrike" cap="none">
                 <a:solidFill>
                   <a:schemeClr val="dk2"/>
                 </a:solidFill>
@@ -5361,7 +5454,7 @@
                 <a:sym typeface="Arial"/>
               </a:defRPr>
             </a:lvl1pPr>
-            <a:lvl2pPr indent="0" lvl="1" marL="0" marR="0" algn="r">
+            <a:lvl2pPr marL="0" marR="0" lvl="1" indent="0" algn="r">
               <a:lnSpc>
                 <a:spcPct val="100000"/>
               </a:lnSpc>
@@ -5377,7 +5470,7 @@
               <a:buSzPts val="1000"/>
               <a:buFont typeface="Arial"/>
               <a:buNone/>
-              <a:defRPr b="0" i="0" sz="1000" u="none" cap="none" strike="noStrike">
+              <a:defRPr sz="1000" b="0" i="0" u="none" strike="noStrike" cap="none">
                 <a:solidFill>
                   <a:schemeClr val="dk2"/>
                 </a:solidFill>
@@ -5387,7 +5480,7 @@
                 <a:sym typeface="Arial"/>
               </a:defRPr>
             </a:lvl2pPr>
-            <a:lvl3pPr indent="0" lvl="2" marL="0" marR="0" algn="r">
+            <a:lvl3pPr marL="0" marR="0" lvl="2" indent="0" algn="r">
               <a:lnSpc>
                 <a:spcPct val="100000"/>
               </a:lnSpc>
@@ -5403,7 +5496,7 @@
               <a:buSzPts val="1000"/>
               <a:buFont typeface="Arial"/>
               <a:buNone/>
-              <a:defRPr b="0" i="0" sz="1000" u="none" cap="none" strike="noStrike">
+              <a:defRPr sz="1000" b="0" i="0" u="none" strike="noStrike" cap="none">
                 <a:solidFill>
                   <a:schemeClr val="dk2"/>
                 </a:solidFill>
@@ -5413,7 +5506,7 @@
                 <a:sym typeface="Arial"/>
               </a:defRPr>
             </a:lvl3pPr>
-            <a:lvl4pPr indent="0" lvl="3" marL="0" marR="0" algn="r">
+            <a:lvl4pPr marL="0" marR="0" lvl="3" indent="0" algn="r">
               <a:lnSpc>
                 <a:spcPct val="100000"/>
               </a:lnSpc>
@@ -5429,7 +5522,7 @@
               <a:buSzPts val="1000"/>
               <a:buFont typeface="Arial"/>
               <a:buNone/>
-              <a:defRPr b="0" i="0" sz="1000" u="none" cap="none" strike="noStrike">
+              <a:defRPr sz="1000" b="0" i="0" u="none" strike="noStrike" cap="none">
                 <a:solidFill>
                   <a:schemeClr val="dk2"/>
                 </a:solidFill>
@@ -5439,7 +5532,7 @@
                 <a:sym typeface="Arial"/>
               </a:defRPr>
             </a:lvl4pPr>
-            <a:lvl5pPr indent="0" lvl="4" marL="0" marR="0" algn="r">
+            <a:lvl5pPr marL="0" marR="0" lvl="4" indent="0" algn="r">
               <a:lnSpc>
                 <a:spcPct val="100000"/>
               </a:lnSpc>
@@ -5455,7 +5548,7 @@
               <a:buSzPts val="1000"/>
               <a:buFont typeface="Arial"/>
               <a:buNone/>
-              <a:defRPr b="0" i="0" sz="1000" u="none" cap="none" strike="noStrike">
+              <a:defRPr sz="1000" b="0" i="0" u="none" strike="noStrike" cap="none">
                 <a:solidFill>
                   <a:schemeClr val="dk2"/>
                 </a:solidFill>
@@ -5465,7 +5558,7 @@
                 <a:sym typeface="Arial"/>
               </a:defRPr>
             </a:lvl5pPr>
-            <a:lvl6pPr indent="0" lvl="5" marL="0" marR="0" algn="r">
+            <a:lvl6pPr marL="0" marR="0" lvl="5" indent="0" algn="r">
               <a:lnSpc>
                 <a:spcPct val="100000"/>
               </a:lnSpc>
@@ -5481,7 +5574,7 @@
               <a:buSzPts val="1000"/>
               <a:buFont typeface="Arial"/>
               <a:buNone/>
-              <a:defRPr b="0" i="0" sz="1000" u="none" cap="none" strike="noStrike">
+              <a:defRPr sz="1000" b="0" i="0" u="none" strike="noStrike" cap="none">
                 <a:solidFill>
                   <a:schemeClr val="dk2"/>
                 </a:solidFill>
@@ -5491,7 +5584,7 @@
                 <a:sym typeface="Arial"/>
               </a:defRPr>
             </a:lvl6pPr>
-            <a:lvl7pPr indent="0" lvl="6" marL="0" marR="0" algn="r">
+            <a:lvl7pPr marL="0" marR="0" lvl="6" indent="0" algn="r">
               <a:lnSpc>
                 <a:spcPct val="100000"/>
               </a:lnSpc>
@@ -5507,7 +5600,7 @@
               <a:buSzPts val="1000"/>
               <a:buFont typeface="Arial"/>
               <a:buNone/>
-              <a:defRPr b="0" i="0" sz="1000" u="none" cap="none" strike="noStrike">
+              <a:defRPr sz="1000" b="0" i="0" u="none" strike="noStrike" cap="none">
                 <a:solidFill>
                   <a:schemeClr val="dk2"/>
                 </a:solidFill>
@@ -5517,7 +5610,7 @@
                 <a:sym typeface="Arial"/>
               </a:defRPr>
             </a:lvl7pPr>
-            <a:lvl8pPr indent="0" lvl="7" marL="0" marR="0" algn="r">
+            <a:lvl8pPr marL="0" marR="0" lvl="7" indent="0" algn="r">
               <a:lnSpc>
                 <a:spcPct val="100000"/>
               </a:lnSpc>
@@ -5533,7 +5626,7 @@
               <a:buSzPts val="1000"/>
               <a:buFont typeface="Arial"/>
               <a:buNone/>
-              <a:defRPr b="0" i="0" sz="1000" u="none" cap="none" strike="noStrike">
+              <a:defRPr sz="1000" b="0" i="0" u="none" strike="noStrike" cap="none">
                 <a:solidFill>
                   <a:schemeClr val="dk2"/>
                 </a:solidFill>
@@ -5543,7 +5636,7 @@
                 <a:sym typeface="Arial"/>
               </a:defRPr>
             </a:lvl8pPr>
-            <a:lvl9pPr indent="0" lvl="8" marL="0" marR="0" algn="r">
+            <a:lvl9pPr marL="0" marR="0" lvl="8" indent="0" algn="r">
               <a:lnSpc>
                 <a:spcPct val="100000"/>
               </a:lnSpc>
@@ -5559,7 +5652,7 @@
               <a:buSzPts val="1000"/>
               <a:buFont typeface="Arial"/>
               <a:buNone/>
-              <a:defRPr b="0" i="0" sz="1000" u="none" cap="none" strike="noStrike">
+              <a:defRPr sz="1000" b="0" i="0" u="none" strike="noStrike" cap="none">
                 <a:solidFill>
                   <a:schemeClr val="dk2"/>
                 </a:solidFill>
@@ -5571,7 +5664,7 @@
             </a:lvl9pPr>
           </a:lstStyle>
           <a:p>
-            <a:pPr indent="0" lvl="0" marL="0" rtl="0" algn="r">
+            <a:pPr marL="0" lvl="0" indent="0" algn="r" rtl="0">
               <a:spcBef>
                 <a:spcPts val="0"/>
               </a:spcBef>
@@ -5582,7 +5675,7 @@
             </a:pPr>
             <a:fld id="{00000000-1234-1234-1234-123412341234}" type="slidenum">
               <a:rPr lang="pt-BR"/>
-              <a:t>‹#›</a:t>
+              <a:t>‹nº›</a:t>
             </a:fld>
             <a:endParaRPr/>
           </a:p>
@@ -5597,11 +5690,11 @@
 </file>
 
 <file path=ppt/slideLayouts/slideLayout8.xml><?xml version="1.0" encoding="utf-8"?>
-<p:sldLayout xmlns:a="http://schemas.openxmlformats.org/drawingml/2006/main" xmlns:r="http://schemas.openxmlformats.org/officeDocument/2006/relationships" xmlns:mc="http://schemas.openxmlformats.org/markup-compatibility/2006" xmlns:mv="urn:schemas-microsoft-com:mac:vml" xmlns:p="http://schemas.openxmlformats.org/presentationml/2006/main" xmlns:c="http://schemas.openxmlformats.org/drawingml/2006/chart" xmlns:dgm="http://schemas.openxmlformats.org/drawingml/2006/diagram" xmlns:o="urn:schemas-microsoft-com:office:office" xmlns:v="urn:schemas-microsoft-com:vml" xmlns:pvml="urn:schemas-microsoft-com:office:powerpoint" xmlns:com="http://schemas.openxmlformats.org/drawingml/2006/compatibility" xmlns:p14="http://schemas.microsoft.com/office/powerpoint/2010/main" xmlns:p15="http://schemas.microsoft.com/office/powerpoint/2012/main" matchingName="Section title and description">
+<p:sldLayout xmlns:a="http://schemas.openxmlformats.org/drawingml/2006/main" xmlns:r="http://schemas.openxmlformats.org/officeDocument/2006/relationships" xmlns:p="http://schemas.openxmlformats.org/presentationml/2006/main" matchingName="Section title and description">
   <p:cSld name="SECTION_TITLE_AND_DESCRIPTION">
     <p:spTree>
       <p:nvGrpSpPr>
-        <p:cNvPr id="33" name="Shape 33"/>
+        <p:cNvPr id="1" name="Shape 33"/>
         <p:cNvGrpSpPr/>
         <p:nvPr/>
       </p:nvGrpSpPr>
@@ -5635,12 +5728,12 @@
           </a:ln>
         </p:spPr>
         <p:txBody>
-          <a:bodyPr anchorCtr="0" anchor="ctr" bIns="91425" lIns="91425" spcFirstLastPara="1" rIns="91425" wrap="square" tIns="91425">
+          <a:bodyPr spcFirstLastPara="1" wrap="square" lIns="91425" tIns="91425" rIns="91425" bIns="91425" anchor="ctr" anchorCtr="0">
             <a:noAutofit/>
           </a:bodyPr>
           <a:lstStyle/>
           <a:p>
-            <a:pPr indent="0" lvl="0" marL="0" marR="0" rtl="0" algn="l">
+            <a:pPr marL="0" marR="0" lvl="0" indent="0" algn="l" rtl="0">
               <a:lnSpc>
                 <a:spcPct val="100000"/>
               </a:lnSpc>
@@ -5657,10 +5750,7 @@
               <a:buFont typeface="Arial"/>
               <a:buNone/>
             </a:pPr>
-            <a:r>
-              <a:t/>
-            </a:r>
-            <a:endParaRPr b="0" i="0" sz="1400" u="none" cap="none" strike="noStrike">
+            <a:endParaRPr sz="1400" b="0" i="0" u="none" strike="noStrike" cap="none">
               <a:solidFill>
                 <a:srgbClr val="000000"/>
               </a:solidFill>
@@ -5675,7 +5765,9 @@
       <p:sp>
         <p:nvSpPr>
           <p:cNvPr id="35" name="Google Shape;35;p15"/>
-          <p:cNvSpPr txBox="1"/>
+          <p:cNvSpPr txBox="1">
+            <a:spLocks noGrp="1"/>
+          </p:cNvSpPr>
           <p:nvPr>
             <p:ph type="title"/>
           </p:nvPr>
@@ -5694,7 +5786,7 @@
           </a:ln>
         </p:spPr>
         <p:txBody>
-          <a:bodyPr anchorCtr="0" anchor="b" bIns="91425" lIns="91425" spcFirstLastPara="1" rIns="91425" wrap="square" tIns="91425">
+          <a:bodyPr spcFirstLastPara="1" wrap="square" lIns="91425" tIns="91425" rIns="91425" bIns="91425" anchor="b" anchorCtr="0">
             <a:noAutofit/>
           </a:bodyPr>
           <a:lstStyle>
@@ -5825,15 +5917,19 @@
               <a:defRPr sz="4200"/>
             </a:lvl9pPr>
           </a:lstStyle>
-          <a:p/>
+          <a:p>
+            <a:endParaRPr/>
+          </a:p>
         </p:txBody>
       </p:sp>
       <p:sp>
         <p:nvSpPr>
           <p:cNvPr id="36" name="Google Shape;36;p15"/>
-          <p:cNvSpPr txBox="1"/>
+          <p:cNvSpPr txBox="1">
+            <a:spLocks noGrp="1"/>
+          </p:cNvSpPr>
           <p:nvPr>
-            <p:ph idx="1" type="subTitle"/>
+            <p:ph type="subTitle" idx="1"/>
           </p:nvPr>
         </p:nvSpPr>
         <p:spPr>
@@ -5850,7 +5946,7 @@
           </a:ln>
         </p:spPr>
         <p:txBody>
-          <a:bodyPr anchorCtr="0" anchor="t" bIns="91425" lIns="91425" spcFirstLastPara="1" rIns="91425" wrap="square" tIns="91425">
+          <a:bodyPr spcFirstLastPara="1" wrap="square" lIns="91425" tIns="91425" rIns="91425" bIns="91425" anchor="t" anchorCtr="0">
             <a:noAutofit/>
           </a:bodyPr>
           <a:lstStyle>
@@ -5981,15 +6077,19 @@
               <a:defRPr sz="2100"/>
             </a:lvl9pPr>
           </a:lstStyle>
-          <a:p/>
+          <a:p>
+            <a:endParaRPr/>
+          </a:p>
         </p:txBody>
       </p:sp>
       <p:sp>
         <p:nvSpPr>
           <p:cNvPr id="37" name="Google Shape;37;p15"/>
-          <p:cNvSpPr txBox="1"/>
+          <p:cNvSpPr txBox="1">
+            <a:spLocks noGrp="1"/>
+          </p:cNvSpPr>
           <p:nvPr>
-            <p:ph idx="2" type="body"/>
+            <p:ph type="body" idx="2"/>
           </p:nvPr>
         </p:nvSpPr>
         <p:spPr>
@@ -6006,11 +6106,11 @@
           </a:ln>
         </p:spPr>
         <p:txBody>
-          <a:bodyPr anchorCtr="0" anchor="ctr" bIns="91425" lIns="91425" spcFirstLastPara="1" rIns="91425" wrap="square" tIns="91425">
+          <a:bodyPr spcFirstLastPara="1" wrap="square" lIns="91425" tIns="91425" rIns="91425" bIns="91425" anchor="ctr" anchorCtr="0">
             <a:noAutofit/>
           </a:bodyPr>
           <a:lstStyle>
-            <a:lvl1pPr indent="-342900" lvl="0" marL="457200" algn="l">
+            <a:lvl1pPr marL="457200" lvl="0" indent="-342900" algn="l">
               <a:lnSpc>
                 <a:spcPct val="115000"/>
               </a:lnSpc>
@@ -6024,7 +6124,7 @@
               <a:buChar char="●"/>
               <a:defRPr/>
             </a:lvl1pPr>
-            <a:lvl2pPr indent="-317500" lvl="1" marL="914400" algn="l">
+            <a:lvl2pPr marL="914400" lvl="1" indent="-317500" algn="l">
               <a:lnSpc>
                 <a:spcPct val="115000"/>
               </a:lnSpc>
@@ -6038,7 +6138,7 @@
               <a:buChar char="○"/>
               <a:defRPr/>
             </a:lvl2pPr>
-            <a:lvl3pPr indent="-317500" lvl="2" marL="1371600" algn="l">
+            <a:lvl3pPr marL="1371600" lvl="2" indent="-317500" algn="l">
               <a:lnSpc>
                 <a:spcPct val="115000"/>
               </a:lnSpc>
@@ -6052,7 +6152,7 @@
               <a:buChar char="■"/>
               <a:defRPr/>
             </a:lvl3pPr>
-            <a:lvl4pPr indent="-317500" lvl="3" marL="1828800" algn="l">
+            <a:lvl4pPr marL="1828800" lvl="3" indent="-317500" algn="l">
               <a:lnSpc>
                 <a:spcPct val="115000"/>
               </a:lnSpc>
@@ -6066,7 +6166,7 @@
               <a:buChar char="●"/>
               <a:defRPr/>
             </a:lvl4pPr>
-            <a:lvl5pPr indent="-317500" lvl="4" marL="2286000" algn="l">
+            <a:lvl5pPr marL="2286000" lvl="4" indent="-317500" algn="l">
               <a:lnSpc>
                 <a:spcPct val="115000"/>
               </a:lnSpc>
@@ -6080,7 +6180,7 @@
               <a:buChar char="○"/>
               <a:defRPr/>
             </a:lvl5pPr>
-            <a:lvl6pPr indent="-317500" lvl="5" marL="2743200" algn="l">
+            <a:lvl6pPr marL="2743200" lvl="5" indent="-317500" algn="l">
               <a:lnSpc>
                 <a:spcPct val="115000"/>
               </a:lnSpc>
@@ -6094,7 +6194,7 @@
               <a:buChar char="■"/>
               <a:defRPr/>
             </a:lvl6pPr>
-            <a:lvl7pPr indent="-317500" lvl="6" marL="3200400" algn="l">
+            <a:lvl7pPr marL="3200400" lvl="6" indent="-317500" algn="l">
               <a:lnSpc>
                 <a:spcPct val="115000"/>
               </a:lnSpc>
@@ -6108,7 +6208,7 @@
               <a:buChar char="●"/>
               <a:defRPr/>
             </a:lvl7pPr>
-            <a:lvl8pPr indent="-317500" lvl="7" marL="3657600" algn="l">
+            <a:lvl8pPr marL="3657600" lvl="7" indent="-317500" algn="l">
               <a:lnSpc>
                 <a:spcPct val="115000"/>
               </a:lnSpc>
@@ -6122,7 +6222,7 @@
               <a:buChar char="○"/>
               <a:defRPr/>
             </a:lvl8pPr>
-            <a:lvl9pPr indent="-317500" lvl="8" marL="4114800" algn="l">
+            <a:lvl9pPr marL="4114800" lvl="8" indent="-317500" algn="l">
               <a:lnSpc>
                 <a:spcPct val="115000"/>
               </a:lnSpc>
@@ -6137,15 +6237,19 @@
               <a:defRPr/>
             </a:lvl9pPr>
           </a:lstStyle>
-          <a:p/>
+          <a:p>
+            <a:endParaRPr/>
+          </a:p>
         </p:txBody>
       </p:sp>
       <p:sp>
         <p:nvSpPr>
           <p:cNvPr id="38" name="Google Shape;38;p15"/>
-          <p:cNvSpPr txBox="1"/>
+          <p:cNvSpPr txBox="1">
+            <a:spLocks noGrp="1"/>
+          </p:cNvSpPr>
           <p:nvPr>
-            <p:ph idx="12" type="sldNum"/>
+            <p:ph type="sldNum" idx="12"/>
           </p:nvPr>
         </p:nvSpPr>
         <p:spPr>
@@ -6162,11 +6266,11 @@
           </a:ln>
         </p:spPr>
         <p:txBody>
-          <a:bodyPr anchorCtr="0" anchor="ctr" bIns="91425" lIns="91425" spcFirstLastPara="1" rIns="91425" wrap="square" tIns="91425">
+          <a:bodyPr spcFirstLastPara="1" wrap="square" lIns="91425" tIns="91425" rIns="91425" bIns="91425" anchor="ctr" anchorCtr="0">
             <a:noAutofit/>
           </a:bodyPr>
           <a:lstStyle>
-            <a:lvl1pPr indent="0" lvl="0" marL="0" marR="0" algn="r">
+            <a:lvl1pPr marL="0" marR="0" lvl="0" indent="0" algn="r">
               <a:lnSpc>
                 <a:spcPct val="100000"/>
               </a:lnSpc>
@@ -6182,7 +6286,7 @@
               <a:buSzPts val="1000"/>
               <a:buFont typeface="Arial"/>
               <a:buNone/>
-              <a:defRPr b="0" i="0" sz="1000" u="none" cap="none" strike="noStrike">
+              <a:defRPr sz="1000" b="0" i="0" u="none" strike="noStrike" cap="none">
                 <a:solidFill>
                   <a:schemeClr val="dk2"/>
                 </a:solidFill>
@@ -6192,7 +6296,7 @@
                 <a:sym typeface="Arial"/>
               </a:defRPr>
             </a:lvl1pPr>
-            <a:lvl2pPr indent="0" lvl="1" marL="0" marR="0" algn="r">
+            <a:lvl2pPr marL="0" marR="0" lvl="1" indent="0" algn="r">
               <a:lnSpc>
                 <a:spcPct val="100000"/>
               </a:lnSpc>
@@ -6208,7 +6312,7 @@
               <a:buSzPts val="1000"/>
               <a:buFont typeface="Arial"/>
               <a:buNone/>
-              <a:defRPr b="0" i="0" sz="1000" u="none" cap="none" strike="noStrike">
+              <a:defRPr sz="1000" b="0" i="0" u="none" strike="noStrike" cap="none">
                 <a:solidFill>
                   <a:schemeClr val="dk2"/>
                 </a:solidFill>
@@ -6218,7 +6322,7 @@
                 <a:sym typeface="Arial"/>
               </a:defRPr>
             </a:lvl2pPr>
-            <a:lvl3pPr indent="0" lvl="2" marL="0" marR="0" algn="r">
+            <a:lvl3pPr marL="0" marR="0" lvl="2" indent="0" algn="r">
               <a:lnSpc>
                 <a:spcPct val="100000"/>
               </a:lnSpc>
@@ -6234,7 +6338,7 @@
               <a:buSzPts val="1000"/>
               <a:buFont typeface="Arial"/>
               <a:buNone/>
-              <a:defRPr b="0" i="0" sz="1000" u="none" cap="none" strike="noStrike">
+              <a:defRPr sz="1000" b="0" i="0" u="none" strike="noStrike" cap="none">
                 <a:solidFill>
                   <a:schemeClr val="dk2"/>
                 </a:solidFill>
@@ -6244,7 +6348,7 @@
                 <a:sym typeface="Arial"/>
               </a:defRPr>
             </a:lvl3pPr>
-            <a:lvl4pPr indent="0" lvl="3" marL="0" marR="0" algn="r">
+            <a:lvl4pPr marL="0" marR="0" lvl="3" indent="0" algn="r">
               <a:lnSpc>
                 <a:spcPct val="100000"/>
               </a:lnSpc>
@@ -6260,7 +6364,7 @@
               <a:buSzPts val="1000"/>
               <a:buFont typeface="Arial"/>
               <a:buNone/>
-              <a:defRPr b="0" i="0" sz="1000" u="none" cap="none" strike="noStrike">
+              <a:defRPr sz="1000" b="0" i="0" u="none" strike="noStrike" cap="none">
                 <a:solidFill>
                   <a:schemeClr val="dk2"/>
                 </a:solidFill>
@@ -6270,7 +6374,7 @@
                 <a:sym typeface="Arial"/>
               </a:defRPr>
             </a:lvl4pPr>
-            <a:lvl5pPr indent="0" lvl="4" marL="0" marR="0" algn="r">
+            <a:lvl5pPr marL="0" marR="0" lvl="4" indent="0" algn="r">
               <a:lnSpc>
                 <a:spcPct val="100000"/>
               </a:lnSpc>
@@ -6286,7 +6390,7 @@
               <a:buSzPts val="1000"/>
               <a:buFont typeface="Arial"/>
               <a:buNone/>
-              <a:defRPr b="0" i="0" sz="1000" u="none" cap="none" strike="noStrike">
+              <a:defRPr sz="1000" b="0" i="0" u="none" strike="noStrike" cap="none">
                 <a:solidFill>
                   <a:schemeClr val="dk2"/>
                 </a:solidFill>
@@ -6296,7 +6400,7 @@
                 <a:sym typeface="Arial"/>
               </a:defRPr>
             </a:lvl5pPr>
-            <a:lvl6pPr indent="0" lvl="5" marL="0" marR="0" algn="r">
+            <a:lvl6pPr marL="0" marR="0" lvl="5" indent="0" algn="r">
               <a:lnSpc>
                 <a:spcPct val="100000"/>
               </a:lnSpc>
@@ -6312,7 +6416,7 @@
               <a:buSzPts val="1000"/>
               <a:buFont typeface="Arial"/>
               <a:buNone/>
-              <a:defRPr b="0" i="0" sz="1000" u="none" cap="none" strike="noStrike">
+              <a:defRPr sz="1000" b="0" i="0" u="none" strike="noStrike" cap="none">
                 <a:solidFill>
                   <a:schemeClr val="dk2"/>
                 </a:solidFill>
@@ -6322,7 +6426,7 @@
                 <a:sym typeface="Arial"/>
               </a:defRPr>
             </a:lvl6pPr>
-            <a:lvl7pPr indent="0" lvl="6" marL="0" marR="0" algn="r">
+            <a:lvl7pPr marL="0" marR="0" lvl="6" indent="0" algn="r">
               <a:lnSpc>
                 <a:spcPct val="100000"/>
               </a:lnSpc>
@@ -6338,7 +6442,7 @@
               <a:buSzPts val="1000"/>
               <a:buFont typeface="Arial"/>
               <a:buNone/>
-              <a:defRPr b="0" i="0" sz="1000" u="none" cap="none" strike="noStrike">
+              <a:defRPr sz="1000" b="0" i="0" u="none" strike="noStrike" cap="none">
                 <a:solidFill>
                   <a:schemeClr val="dk2"/>
                 </a:solidFill>
@@ -6348,7 +6452,7 @@
                 <a:sym typeface="Arial"/>
               </a:defRPr>
             </a:lvl7pPr>
-            <a:lvl8pPr indent="0" lvl="7" marL="0" marR="0" algn="r">
+            <a:lvl8pPr marL="0" marR="0" lvl="7" indent="0" algn="r">
               <a:lnSpc>
                 <a:spcPct val="100000"/>
               </a:lnSpc>
@@ -6364,7 +6468,7 @@
               <a:buSzPts val="1000"/>
               <a:buFont typeface="Arial"/>
               <a:buNone/>
-              <a:defRPr b="0" i="0" sz="1000" u="none" cap="none" strike="noStrike">
+              <a:defRPr sz="1000" b="0" i="0" u="none" strike="noStrike" cap="none">
                 <a:solidFill>
                   <a:schemeClr val="dk2"/>
                 </a:solidFill>
@@ -6374,7 +6478,7 @@
                 <a:sym typeface="Arial"/>
               </a:defRPr>
             </a:lvl8pPr>
-            <a:lvl9pPr indent="0" lvl="8" marL="0" marR="0" algn="r">
+            <a:lvl9pPr marL="0" marR="0" lvl="8" indent="0" algn="r">
               <a:lnSpc>
                 <a:spcPct val="100000"/>
               </a:lnSpc>
@@ -6390,7 +6494,7 @@
               <a:buSzPts val="1000"/>
               <a:buFont typeface="Arial"/>
               <a:buNone/>
-              <a:defRPr b="0" i="0" sz="1000" u="none" cap="none" strike="noStrike">
+              <a:defRPr sz="1000" b="0" i="0" u="none" strike="noStrike" cap="none">
                 <a:solidFill>
                   <a:schemeClr val="dk2"/>
                 </a:solidFill>
@@ -6402,7 +6506,7 @@
             </a:lvl9pPr>
           </a:lstStyle>
           <a:p>
-            <a:pPr indent="0" lvl="0" marL="0" rtl="0" algn="r">
+            <a:pPr marL="0" lvl="0" indent="0" algn="r" rtl="0">
               <a:spcBef>
                 <a:spcPts val="0"/>
               </a:spcBef>
@@ -6413,7 +6517,7 @@
             </a:pPr>
             <a:fld id="{00000000-1234-1234-1234-123412341234}" type="slidenum">
               <a:rPr lang="pt-BR"/>
-              <a:t>‹#›</a:t>
+              <a:t>‹nº›</a:t>
             </a:fld>
             <a:endParaRPr/>
           </a:p>
@@ -6428,11 +6532,11 @@
 </file>
 
 <file path=ppt/slideLayouts/slideLayout9.xml><?xml version="1.0" encoding="utf-8"?>
-<p:sldLayout xmlns:a="http://schemas.openxmlformats.org/drawingml/2006/main" xmlns:r="http://schemas.openxmlformats.org/officeDocument/2006/relationships" xmlns:mc="http://schemas.openxmlformats.org/markup-compatibility/2006" xmlns:mv="urn:schemas-microsoft-com:mac:vml" xmlns:p="http://schemas.openxmlformats.org/presentationml/2006/main" xmlns:c="http://schemas.openxmlformats.org/drawingml/2006/chart" xmlns:dgm="http://schemas.openxmlformats.org/drawingml/2006/diagram" xmlns:o="urn:schemas-microsoft-com:office:office" xmlns:v="urn:schemas-microsoft-com:vml" xmlns:pvml="urn:schemas-microsoft-com:office:powerpoint" xmlns:com="http://schemas.openxmlformats.org/drawingml/2006/compatibility" xmlns:p14="http://schemas.microsoft.com/office/powerpoint/2010/main" xmlns:p15="http://schemas.microsoft.com/office/powerpoint/2012/main" matchingName="Caption">
+<p:sldLayout xmlns:a="http://schemas.openxmlformats.org/drawingml/2006/main" xmlns:r="http://schemas.openxmlformats.org/officeDocument/2006/relationships" xmlns:p="http://schemas.openxmlformats.org/presentationml/2006/main" matchingName="Caption">
   <p:cSld name="CAPTION_ONLY">
     <p:spTree>
       <p:nvGrpSpPr>
-        <p:cNvPr id="39" name="Shape 39"/>
+        <p:cNvPr id="1" name="Shape 39"/>
         <p:cNvGrpSpPr/>
         <p:nvPr/>
       </p:nvGrpSpPr>
@@ -6447,9 +6551,11 @@
       <p:sp>
         <p:nvSpPr>
           <p:cNvPr id="40" name="Google Shape;40;p16"/>
-          <p:cNvSpPr txBox="1"/>
+          <p:cNvSpPr txBox="1">
+            <a:spLocks noGrp="1"/>
+          </p:cNvSpPr>
           <p:nvPr>
-            <p:ph idx="1" type="body"/>
+            <p:ph type="body" idx="1"/>
           </p:nvPr>
         </p:nvSpPr>
         <p:spPr>
@@ -6466,11 +6572,11 @@
           </a:ln>
         </p:spPr>
         <p:txBody>
-          <a:bodyPr anchorCtr="0" anchor="ctr" bIns="91425" lIns="91425" spcFirstLastPara="1" rIns="91425" wrap="square" tIns="91425">
+          <a:bodyPr spcFirstLastPara="1" wrap="square" lIns="91425" tIns="91425" rIns="91425" bIns="91425" anchor="ctr" anchorCtr="0">
             <a:noAutofit/>
           </a:bodyPr>
           <a:lstStyle>
-            <a:lvl1pPr indent="-228600" lvl="0" marL="457200" algn="l">
+            <a:lvl1pPr marL="457200" lvl="0" indent="-228600" algn="l">
               <a:lnSpc>
                 <a:spcPct val="100000"/>
               </a:lnSpc>
@@ -6485,15 +6591,19 @@
               <a:defRPr/>
             </a:lvl1pPr>
           </a:lstStyle>
-          <a:p/>
+          <a:p>
+            <a:endParaRPr/>
+          </a:p>
         </p:txBody>
       </p:sp>
       <p:sp>
         <p:nvSpPr>
           <p:cNvPr id="41" name="Google Shape;41;p16"/>
-          <p:cNvSpPr txBox="1"/>
+          <p:cNvSpPr txBox="1">
+            <a:spLocks noGrp="1"/>
+          </p:cNvSpPr>
           <p:nvPr>
-            <p:ph idx="12" type="sldNum"/>
+            <p:ph type="sldNum" idx="12"/>
           </p:nvPr>
         </p:nvSpPr>
         <p:spPr>
@@ -6510,11 +6620,11 @@
           </a:ln>
         </p:spPr>
         <p:txBody>
-          <a:bodyPr anchorCtr="0" anchor="ctr" bIns="91425" lIns="91425" spcFirstLastPara="1" rIns="91425" wrap="square" tIns="91425">
+          <a:bodyPr spcFirstLastPara="1" wrap="square" lIns="91425" tIns="91425" rIns="91425" bIns="91425" anchor="ctr" anchorCtr="0">
             <a:noAutofit/>
           </a:bodyPr>
           <a:lstStyle>
-            <a:lvl1pPr indent="0" lvl="0" marL="0" marR="0" algn="r">
+            <a:lvl1pPr marL="0" marR="0" lvl="0" indent="0" algn="r">
               <a:lnSpc>
                 <a:spcPct val="100000"/>
               </a:lnSpc>
@@ -6530,7 +6640,7 @@
               <a:buSzPts val="1000"/>
               <a:buFont typeface="Arial"/>
               <a:buNone/>
-              <a:defRPr b="0" i="0" sz="1000" u="none" cap="none" strike="noStrike">
+              <a:defRPr sz="1000" b="0" i="0" u="none" strike="noStrike" cap="none">
                 <a:solidFill>
                   <a:schemeClr val="dk2"/>
                 </a:solidFill>
@@ -6540,7 +6650,7 @@
                 <a:sym typeface="Arial"/>
               </a:defRPr>
             </a:lvl1pPr>
-            <a:lvl2pPr indent="0" lvl="1" marL="0" marR="0" algn="r">
+            <a:lvl2pPr marL="0" marR="0" lvl="1" indent="0" algn="r">
               <a:lnSpc>
                 <a:spcPct val="100000"/>
               </a:lnSpc>
@@ -6556,7 +6666,7 @@
               <a:buSzPts val="1000"/>
               <a:buFont typeface="Arial"/>
               <a:buNone/>
-              <a:defRPr b="0" i="0" sz="1000" u="none" cap="none" strike="noStrike">
+              <a:defRPr sz="1000" b="0" i="0" u="none" strike="noStrike" cap="none">
                 <a:solidFill>
                   <a:schemeClr val="dk2"/>
                 </a:solidFill>
@@ -6566,7 +6676,7 @@
                 <a:sym typeface="Arial"/>
               </a:defRPr>
             </a:lvl2pPr>
-            <a:lvl3pPr indent="0" lvl="2" marL="0" marR="0" algn="r">
+            <a:lvl3pPr marL="0" marR="0" lvl="2" indent="0" algn="r">
               <a:lnSpc>
                 <a:spcPct val="100000"/>
               </a:lnSpc>
@@ -6582,7 +6692,7 @@
               <a:buSzPts val="1000"/>
               <a:buFont typeface="Arial"/>
               <a:buNone/>
-              <a:defRPr b="0" i="0" sz="1000" u="none" cap="none" strike="noStrike">
+              <a:defRPr sz="1000" b="0" i="0" u="none" strike="noStrike" cap="none">
                 <a:solidFill>
                   <a:schemeClr val="dk2"/>
                 </a:solidFill>
@@ -6592,7 +6702,7 @@
                 <a:sym typeface="Arial"/>
               </a:defRPr>
             </a:lvl3pPr>
-            <a:lvl4pPr indent="0" lvl="3" marL="0" marR="0" algn="r">
+            <a:lvl4pPr marL="0" marR="0" lvl="3" indent="0" algn="r">
               <a:lnSpc>
                 <a:spcPct val="100000"/>
               </a:lnSpc>
@@ -6608,7 +6718,7 @@
               <a:buSzPts val="1000"/>
               <a:buFont typeface="Arial"/>
               <a:buNone/>
-              <a:defRPr b="0" i="0" sz="1000" u="none" cap="none" strike="noStrike">
+              <a:defRPr sz="1000" b="0" i="0" u="none" strike="noStrike" cap="none">
                 <a:solidFill>
                   <a:schemeClr val="dk2"/>
                 </a:solidFill>
@@ -6618,7 +6728,7 @@
                 <a:sym typeface="Arial"/>
               </a:defRPr>
             </a:lvl4pPr>
-            <a:lvl5pPr indent="0" lvl="4" marL="0" marR="0" algn="r">
+            <a:lvl5pPr marL="0" marR="0" lvl="4" indent="0" algn="r">
               <a:lnSpc>
                 <a:spcPct val="100000"/>
               </a:lnSpc>
@@ -6634,7 +6744,7 @@
               <a:buSzPts val="1000"/>
               <a:buFont typeface="Arial"/>
               <a:buNone/>
-              <a:defRPr b="0" i="0" sz="1000" u="none" cap="none" strike="noStrike">
+              <a:defRPr sz="1000" b="0" i="0" u="none" strike="noStrike" cap="none">
                 <a:solidFill>
                   <a:schemeClr val="dk2"/>
                 </a:solidFill>
@@ -6644,7 +6754,7 @@
                 <a:sym typeface="Arial"/>
               </a:defRPr>
             </a:lvl5pPr>
-            <a:lvl6pPr indent="0" lvl="5" marL="0" marR="0" algn="r">
+            <a:lvl6pPr marL="0" marR="0" lvl="5" indent="0" algn="r">
               <a:lnSpc>
                 <a:spcPct val="100000"/>
               </a:lnSpc>
@@ -6660,7 +6770,7 @@
               <a:buSzPts val="1000"/>
               <a:buFont typeface="Arial"/>
               <a:buNone/>
-              <a:defRPr b="0" i="0" sz="1000" u="none" cap="none" strike="noStrike">
+              <a:defRPr sz="1000" b="0" i="0" u="none" strike="noStrike" cap="none">
                 <a:solidFill>
                   <a:schemeClr val="dk2"/>
                 </a:solidFill>
@@ -6670,7 +6780,7 @@
                 <a:sym typeface="Arial"/>
               </a:defRPr>
             </a:lvl6pPr>
-            <a:lvl7pPr indent="0" lvl="6" marL="0" marR="0" algn="r">
+            <a:lvl7pPr marL="0" marR="0" lvl="6" indent="0" algn="r">
               <a:lnSpc>
                 <a:spcPct val="100000"/>
               </a:lnSpc>
@@ -6686,7 +6796,7 @@
               <a:buSzPts val="1000"/>
               <a:buFont typeface="Arial"/>
               <a:buNone/>
-              <a:defRPr b="0" i="0" sz="1000" u="none" cap="none" strike="noStrike">
+              <a:defRPr sz="1000" b="0" i="0" u="none" strike="noStrike" cap="none">
                 <a:solidFill>
                   <a:schemeClr val="dk2"/>
                 </a:solidFill>
@@ -6696,7 +6806,7 @@
                 <a:sym typeface="Arial"/>
               </a:defRPr>
             </a:lvl7pPr>
-            <a:lvl8pPr indent="0" lvl="7" marL="0" marR="0" algn="r">
+            <a:lvl8pPr marL="0" marR="0" lvl="7" indent="0" algn="r">
               <a:lnSpc>
                 <a:spcPct val="100000"/>
               </a:lnSpc>
@@ -6712,7 +6822,7 @@
               <a:buSzPts val="1000"/>
               <a:buFont typeface="Arial"/>
               <a:buNone/>
-              <a:defRPr b="0" i="0" sz="1000" u="none" cap="none" strike="noStrike">
+              <a:defRPr sz="1000" b="0" i="0" u="none" strike="noStrike" cap="none">
                 <a:solidFill>
                   <a:schemeClr val="dk2"/>
                 </a:solidFill>
@@ -6722,7 +6832,7 @@
                 <a:sym typeface="Arial"/>
               </a:defRPr>
             </a:lvl8pPr>
-            <a:lvl9pPr indent="0" lvl="8" marL="0" marR="0" algn="r">
+            <a:lvl9pPr marL="0" marR="0" lvl="8" indent="0" algn="r">
               <a:lnSpc>
                 <a:spcPct val="100000"/>
               </a:lnSpc>
@@ -6738,7 +6848,7 @@
               <a:buSzPts val="1000"/>
               <a:buFont typeface="Arial"/>
               <a:buNone/>
-              <a:defRPr b="0" i="0" sz="1000" u="none" cap="none" strike="noStrike">
+              <a:defRPr sz="1000" b="0" i="0" u="none" strike="noStrike" cap="none">
                 <a:solidFill>
                   <a:schemeClr val="dk2"/>
                 </a:solidFill>
@@ -6750,7 +6860,7 @@
             </a:lvl9pPr>
           </a:lstStyle>
           <a:p>
-            <a:pPr indent="0" lvl="0" marL="0" rtl="0" algn="r">
+            <a:pPr marL="0" lvl="0" indent="0" algn="r" rtl="0">
               <a:spcBef>
                 <a:spcPts val="0"/>
               </a:spcBef>
@@ -6761,7 +6871,7 @@
             </a:pPr>
             <a:fld id="{00000000-1234-1234-1234-123412341234}" type="slidenum">
               <a:rPr lang="pt-BR"/>
-              <a:t>‹#›</a:t>
+              <a:t>‹nº›</a:t>
             </a:fld>
             <a:endParaRPr/>
           </a:p>
@@ -6776,18 +6886,19 @@
 </file>
 
 <file path=ppt/slideMasters/slideMaster1.xml><?xml version="1.0" encoding="utf-8"?>
-<p:sldMaster xmlns:a="http://schemas.openxmlformats.org/drawingml/2006/main" xmlns:r="http://schemas.openxmlformats.org/officeDocument/2006/relationships" xmlns:mc="http://schemas.openxmlformats.org/markup-compatibility/2006" xmlns:mv="urn:schemas-microsoft-com:mac:vml" xmlns:p="http://schemas.openxmlformats.org/presentationml/2006/main" xmlns:c="http://schemas.openxmlformats.org/drawingml/2006/chart" xmlns:dgm="http://schemas.openxmlformats.org/drawingml/2006/diagram" xmlns:o="urn:schemas-microsoft-com:office:office" xmlns:v="urn:schemas-microsoft-com:vml" xmlns:pvml="urn:schemas-microsoft-com:office:powerpoint" xmlns:com="http://schemas.openxmlformats.org/drawingml/2006/compatibility" xmlns:p14="http://schemas.microsoft.com/office/powerpoint/2010/main" xmlns:p15="http://schemas.microsoft.com/office/powerpoint/2012/main">
+<p:sldMaster xmlns:a="http://schemas.openxmlformats.org/drawingml/2006/main" xmlns:r="http://schemas.openxmlformats.org/officeDocument/2006/relationships" xmlns:p="http://schemas.openxmlformats.org/presentationml/2006/main">
   <p:cSld name="simple-light-2">
     <p:bg>
       <p:bgPr>
         <a:solidFill>
           <a:schemeClr val="lt1"/>
         </a:solidFill>
+        <a:effectLst/>
       </p:bgPr>
     </p:bg>
     <p:spTree>
       <p:nvGrpSpPr>
-        <p:cNvPr id="5" name="Shape 5"/>
+        <p:cNvPr id="1" name="Shape 5"/>
         <p:cNvGrpSpPr/>
         <p:nvPr/>
       </p:nvGrpSpPr>
@@ -6802,7 +6913,9 @@
       <p:sp>
         <p:nvSpPr>
           <p:cNvPr id="6" name="Google Shape;6;p7"/>
-          <p:cNvSpPr txBox="1"/>
+          <p:cNvSpPr txBox="1">
+            <a:spLocks noGrp="1"/>
+          </p:cNvSpPr>
           <p:nvPr>
             <p:ph type="title"/>
           </p:nvPr>
@@ -6821,11 +6934,11 @@
           </a:ln>
         </p:spPr>
         <p:txBody>
-          <a:bodyPr anchorCtr="0" anchor="t" bIns="91425" lIns="91425" spcFirstLastPara="1" rIns="91425" wrap="square" tIns="91425">
+          <a:bodyPr spcFirstLastPara="1" wrap="square" lIns="91425" tIns="91425" rIns="91425" bIns="91425" anchor="t" anchorCtr="0">
             <a:noAutofit/>
           </a:bodyPr>
           <a:lstStyle>
-            <a:lvl1pPr lvl="0" marR="0" rtl="0" algn="l">
+            <a:lvl1pPr marR="0" lvl="0" algn="l" rtl="0">
               <a:lnSpc>
                 <a:spcPct val="100000"/>
               </a:lnSpc>
@@ -6841,7 +6954,7 @@
               <a:buSzPts val="2800"/>
               <a:buFont typeface="Arial"/>
               <a:buNone/>
-              <a:defRPr b="0" i="0" sz="2800" u="none" cap="none" strike="noStrike">
+              <a:defRPr sz="2800" b="0" i="0" u="none" strike="noStrike" cap="none">
                 <a:solidFill>
                   <a:schemeClr val="dk1"/>
                 </a:solidFill>
@@ -6851,7 +6964,7 @@
                 <a:sym typeface="Arial"/>
               </a:defRPr>
             </a:lvl1pPr>
-            <a:lvl2pPr lvl="1" marR="0" rtl="0" algn="l">
+            <a:lvl2pPr marR="0" lvl="1" algn="l" rtl="0">
               <a:lnSpc>
                 <a:spcPct val="100000"/>
               </a:lnSpc>
@@ -6867,7 +6980,7 @@
               <a:buSzPts val="2800"/>
               <a:buFont typeface="Arial"/>
               <a:buNone/>
-              <a:defRPr b="0" i="0" sz="2800" u="none" cap="none" strike="noStrike">
+              <a:defRPr sz="2800" b="0" i="0" u="none" strike="noStrike" cap="none">
                 <a:solidFill>
                   <a:schemeClr val="dk1"/>
                 </a:solidFill>
@@ -6877,7 +6990,7 @@
                 <a:sym typeface="Arial"/>
               </a:defRPr>
             </a:lvl2pPr>
-            <a:lvl3pPr lvl="2" marR="0" rtl="0" algn="l">
+            <a:lvl3pPr marR="0" lvl="2" algn="l" rtl="0">
               <a:lnSpc>
                 <a:spcPct val="100000"/>
               </a:lnSpc>
@@ -6893,7 +7006,7 @@
               <a:buSzPts val="2800"/>
               <a:buFont typeface="Arial"/>
               <a:buNone/>
-              <a:defRPr b="0" i="0" sz="2800" u="none" cap="none" strike="noStrike">
+              <a:defRPr sz="2800" b="0" i="0" u="none" strike="noStrike" cap="none">
                 <a:solidFill>
                   <a:schemeClr val="dk1"/>
                 </a:solidFill>
@@ -6903,7 +7016,7 @@
                 <a:sym typeface="Arial"/>
               </a:defRPr>
             </a:lvl3pPr>
-            <a:lvl4pPr lvl="3" marR="0" rtl="0" algn="l">
+            <a:lvl4pPr marR="0" lvl="3" algn="l" rtl="0">
               <a:lnSpc>
                 <a:spcPct val="100000"/>
               </a:lnSpc>
@@ -6919,7 +7032,7 @@
               <a:buSzPts val="2800"/>
               <a:buFont typeface="Arial"/>
               <a:buNone/>
-              <a:defRPr b="0" i="0" sz="2800" u="none" cap="none" strike="noStrike">
+              <a:defRPr sz="2800" b="0" i="0" u="none" strike="noStrike" cap="none">
                 <a:solidFill>
                   <a:schemeClr val="dk1"/>
                 </a:solidFill>
@@ -6929,7 +7042,7 @@
                 <a:sym typeface="Arial"/>
               </a:defRPr>
             </a:lvl4pPr>
-            <a:lvl5pPr lvl="4" marR="0" rtl="0" algn="l">
+            <a:lvl5pPr marR="0" lvl="4" algn="l" rtl="0">
               <a:lnSpc>
                 <a:spcPct val="100000"/>
               </a:lnSpc>
@@ -6945,7 +7058,7 @@
               <a:buSzPts val="2800"/>
               <a:buFont typeface="Arial"/>
               <a:buNone/>
-              <a:defRPr b="0" i="0" sz="2800" u="none" cap="none" strike="noStrike">
+              <a:defRPr sz="2800" b="0" i="0" u="none" strike="noStrike" cap="none">
                 <a:solidFill>
                   <a:schemeClr val="dk1"/>
                 </a:solidFill>
@@ -6955,7 +7068,7 @@
                 <a:sym typeface="Arial"/>
               </a:defRPr>
             </a:lvl5pPr>
-            <a:lvl6pPr lvl="5" marR="0" rtl="0" algn="l">
+            <a:lvl6pPr marR="0" lvl="5" algn="l" rtl="0">
               <a:lnSpc>
                 <a:spcPct val="100000"/>
               </a:lnSpc>
@@ -6971,7 +7084,7 @@
               <a:buSzPts val="2800"/>
               <a:buFont typeface="Arial"/>
               <a:buNone/>
-              <a:defRPr b="0" i="0" sz="2800" u="none" cap="none" strike="noStrike">
+              <a:defRPr sz="2800" b="0" i="0" u="none" strike="noStrike" cap="none">
                 <a:solidFill>
                   <a:schemeClr val="dk1"/>
                 </a:solidFill>
@@ -6981,7 +7094,7 @@
                 <a:sym typeface="Arial"/>
               </a:defRPr>
             </a:lvl6pPr>
-            <a:lvl7pPr lvl="6" marR="0" rtl="0" algn="l">
+            <a:lvl7pPr marR="0" lvl="6" algn="l" rtl="0">
               <a:lnSpc>
                 <a:spcPct val="100000"/>
               </a:lnSpc>
@@ -6997,7 +7110,7 @@
               <a:buSzPts val="2800"/>
               <a:buFont typeface="Arial"/>
               <a:buNone/>
-              <a:defRPr b="0" i="0" sz="2800" u="none" cap="none" strike="noStrike">
+              <a:defRPr sz="2800" b="0" i="0" u="none" strike="noStrike" cap="none">
                 <a:solidFill>
                   <a:schemeClr val="dk1"/>
                 </a:solidFill>
@@ -7007,7 +7120,7 @@
                 <a:sym typeface="Arial"/>
               </a:defRPr>
             </a:lvl7pPr>
-            <a:lvl8pPr lvl="7" marR="0" rtl="0" algn="l">
+            <a:lvl8pPr marR="0" lvl="7" algn="l" rtl="0">
               <a:lnSpc>
                 <a:spcPct val="100000"/>
               </a:lnSpc>
@@ -7023,7 +7136,7 @@
               <a:buSzPts val="2800"/>
               <a:buFont typeface="Arial"/>
               <a:buNone/>
-              <a:defRPr b="0" i="0" sz="2800" u="none" cap="none" strike="noStrike">
+              <a:defRPr sz="2800" b="0" i="0" u="none" strike="noStrike" cap="none">
                 <a:solidFill>
                   <a:schemeClr val="dk1"/>
                 </a:solidFill>
@@ -7033,7 +7146,7 @@
                 <a:sym typeface="Arial"/>
               </a:defRPr>
             </a:lvl8pPr>
-            <a:lvl9pPr lvl="8" marR="0" rtl="0" algn="l">
+            <a:lvl9pPr marR="0" lvl="8" algn="l" rtl="0">
               <a:lnSpc>
                 <a:spcPct val="100000"/>
               </a:lnSpc>
@@ -7049,7 +7162,7 @@
               <a:buSzPts val="2800"/>
               <a:buFont typeface="Arial"/>
               <a:buNone/>
-              <a:defRPr b="0" i="0" sz="2800" u="none" cap="none" strike="noStrike">
+              <a:defRPr sz="2800" b="0" i="0" u="none" strike="noStrike" cap="none">
                 <a:solidFill>
                   <a:schemeClr val="dk1"/>
                 </a:solidFill>
@@ -7060,15 +7173,19 @@
               </a:defRPr>
             </a:lvl9pPr>
           </a:lstStyle>
-          <a:p/>
+          <a:p>
+            <a:endParaRPr/>
+          </a:p>
         </p:txBody>
       </p:sp>
       <p:sp>
         <p:nvSpPr>
           <p:cNvPr id="7" name="Google Shape;7;p7"/>
-          <p:cNvSpPr txBox="1"/>
+          <p:cNvSpPr txBox="1">
+            <a:spLocks noGrp="1"/>
+          </p:cNvSpPr>
           <p:nvPr>
-            <p:ph idx="1" type="body"/>
+            <p:ph type="body" idx="1"/>
           </p:nvPr>
         </p:nvSpPr>
         <p:spPr>
@@ -7085,11 +7202,11 @@
           </a:ln>
         </p:spPr>
         <p:txBody>
-          <a:bodyPr anchorCtr="0" anchor="t" bIns="91425" lIns="91425" spcFirstLastPara="1" rIns="91425" wrap="square" tIns="91425">
+          <a:bodyPr spcFirstLastPara="1" wrap="square" lIns="91425" tIns="91425" rIns="91425" bIns="91425" anchor="t" anchorCtr="0">
             <a:noAutofit/>
           </a:bodyPr>
           <a:lstStyle>
-            <a:lvl1pPr indent="-342900" lvl="0" marL="457200" marR="0" rtl="0" algn="l">
+            <a:lvl1pPr marL="457200" marR="0" lvl="0" indent="-342900" algn="l" rtl="0">
               <a:lnSpc>
                 <a:spcPct val="115000"/>
               </a:lnSpc>
@@ -7105,7 +7222,7 @@
               <a:buSzPts val="1800"/>
               <a:buFont typeface="Arial"/>
               <a:buChar char="●"/>
-              <a:defRPr b="0" i="0" sz="1800" u="none" cap="none" strike="noStrike">
+              <a:defRPr sz="1800" b="0" i="0" u="none" strike="noStrike" cap="none">
                 <a:solidFill>
                   <a:schemeClr val="dk2"/>
                 </a:solidFill>
@@ -7115,7 +7232,7 @@
                 <a:sym typeface="Arial"/>
               </a:defRPr>
             </a:lvl1pPr>
-            <a:lvl2pPr indent="-317500" lvl="1" marL="914400" marR="0" rtl="0" algn="l">
+            <a:lvl2pPr marL="914400" marR="0" lvl="1" indent="-317500" algn="l" rtl="0">
               <a:lnSpc>
                 <a:spcPct val="115000"/>
               </a:lnSpc>
@@ -7131,7 +7248,7 @@
               <a:buSzPts val="1400"/>
               <a:buFont typeface="Arial"/>
               <a:buChar char="○"/>
-              <a:defRPr b="0" i="0" sz="1400" u="none" cap="none" strike="noStrike">
+              <a:defRPr sz="1400" b="0" i="0" u="none" strike="noStrike" cap="none">
                 <a:solidFill>
                   <a:schemeClr val="dk2"/>
                 </a:solidFill>
@@ -7141,7 +7258,7 @@
                 <a:sym typeface="Arial"/>
               </a:defRPr>
             </a:lvl2pPr>
-            <a:lvl3pPr indent="-317500" lvl="2" marL="1371600" marR="0" rtl="0" algn="l">
+            <a:lvl3pPr marL="1371600" marR="0" lvl="2" indent="-317500" algn="l" rtl="0">
               <a:lnSpc>
                 <a:spcPct val="115000"/>
               </a:lnSpc>
@@ -7157,7 +7274,7 @@
               <a:buSzPts val="1400"/>
               <a:buFont typeface="Arial"/>
               <a:buChar char="■"/>
-              <a:defRPr b="0" i="0" sz="1400" u="none" cap="none" strike="noStrike">
+              <a:defRPr sz="1400" b="0" i="0" u="none" strike="noStrike" cap="none">
                 <a:solidFill>
                   <a:schemeClr val="dk2"/>
                 </a:solidFill>
@@ -7167,7 +7284,7 @@
                 <a:sym typeface="Arial"/>
               </a:defRPr>
             </a:lvl3pPr>
-            <a:lvl4pPr indent="-317500" lvl="3" marL="1828800" marR="0" rtl="0" algn="l">
+            <a:lvl4pPr marL="1828800" marR="0" lvl="3" indent="-317500" algn="l" rtl="0">
               <a:lnSpc>
                 <a:spcPct val="115000"/>
               </a:lnSpc>
@@ -7183,7 +7300,7 @@
               <a:buSzPts val="1400"/>
               <a:buFont typeface="Arial"/>
               <a:buChar char="●"/>
-              <a:defRPr b="0" i="0" sz="1400" u="none" cap="none" strike="noStrike">
+              <a:defRPr sz="1400" b="0" i="0" u="none" strike="noStrike" cap="none">
                 <a:solidFill>
                   <a:schemeClr val="dk2"/>
                 </a:solidFill>
@@ -7193,7 +7310,7 @@
                 <a:sym typeface="Arial"/>
               </a:defRPr>
             </a:lvl4pPr>
-            <a:lvl5pPr indent="-317500" lvl="4" marL="2286000" marR="0" rtl="0" algn="l">
+            <a:lvl5pPr marL="2286000" marR="0" lvl="4" indent="-317500" algn="l" rtl="0">
               <a:lnSpc>
                 <a:spcPct val="115000"/>
               </a:lnSpc>
@@ -7209,7 +7326,7 @@
               <a:buSzPts val="1400"/>
               <a:buFont typeface="Arial"/>
               <a:buChar char="○"/>
-              <a:defRPr b="0" i="0" sz="1400" u="none" cap="none" strike="noStrike">
+              <a:defRPr sz="1400" b="0" i="0" u="none" strike="noStrike" cap="none">
                 <a:solidFill>
                   <a:schemeClr val="dk2"/>
                 </a:solidFill>
@@ -7219,7 +7336,7 @@
                 <a:sym typeface="Arial"/>
               </a:defRPr>
             </a:lvl5pPr>
-            <a:lvl6pPr indent="-317500" lvl="5" marL="2743200" marR="0" rtl="0" algn="l">
+            <a:lvl6pPr marL="2743200" marR="0" lvl="5" indent="-317500" algn="l" rtl="0">
               <a:lnSpc>
                 <a:spcPct val="115000"/>
               </a:lnSpc>
@@ -7235,7 +7352,7 @@
               <a:buSzPts val="1400"/>
               <a:buFont typeface="Arial"/>
               <a:buChar char="■"/>
-              <a:defRPr b="0" i="0" sz="1400" u="none" cap="none" strike="noStrike">
+              <a:defRPr sz="1400" b="0" i="0" u="none" strike="noStrike" cap="none">
                 <a:solidFill>
                   <a:schemeClr val="dk2"/>
                 </a:solidFill>
@@ -7245,7 +7362,7 @@
                 <a:sym typeface="Arial"/>
               </a:defRPr>
             </a:lvl6pPr>
-            <a:lvl7pPr indent="-317500" lvl="6" marL="3200400" marR="0" rtl="0" algn="l">
+            <a:lvl7pPr marL="3200400" marR="0" lvl="6" indent="-317500" algn="l" rtl="0">
               <a:lnSpc>
                 <a:spcPct val="115000"/>
               </a:lnSpc>
@@ -7261,7 +7378,7 @@
               <a:buSzPts val="1400"/>
               <a:buFont typeface="Arial"/>
               <a:buChar char="●"/>
-              <a:defRPr b="0" i="0" sz="1400" u="none" cap="none" strike="noStrike">
+              <a:defRPr sz="1400" b="0" i="0" u="none" strike="noStrike" cap="none">
                 <a:solidFill>
                   <a:schemeClr val="dk2"/>
                 </a:solidFill>
@@ -7271,7 +7388,7 @@
                 <a:sym typeface="Arial"/>
               </a:defRPr>
             </a:lvl7pPr>
-            <a:lvl8pPr indent="-317500" lvl="7" marL="3657600" marR="0" rtl="0" algn="l">
+            <a:lvl8pPr marL="3657600" marR="0" lvl="7" indent="-317500" algn="l" rtl="0">
               <a:lnSpc>
                 <a:spcPct val="115000"/>
               </a:lnSpc>
@@ -7287,7 +7404,7 @@
               <a:buSzPts val="1400"/>
               <a:buFont typeface="Arial"/>
               <a:buChar char="○"/>
-              <a:defRPr b="0" i="0" sz="1400" u="none" cap="none" strike="noStrike">
+              <a:defRPr sz="1400" b="0" i="0" u="none" strike="noStrike" cap="none">
                 <a:solidFill>
                   <a:schemeClr val="dk2"/>
                 </a:solidFill>
@@ -7297,7 +7414,7 @@
                 <a:sym typeface="Arial"/>
               </a:defRPr>
             </a:lvl8pPr>
-            <a:lvl9pPr indent="-317500" lvl="8" marL="4114800" marR="0" rtl="0" algn="l">
+            <a:lvl9pPr marL="4114800" marR="0" lvl="8" indent="-317500" algn="l" rtl="0">
               <a:lnSpc>
                 <a:spcPct val="115000"/>
               </a:lnSpc>
@@ -7313,7 +7430,7 @@
               <a:buSzPts val="1400"/>
               <a:buFont typeface="Arial"/>
               <a:buChar char="■"/>
-              <a:defRPr b="0" i="0" sz="1400" u="none" cap="none" strike="noStrike">
+              <a:defRPr sz="1400" b="0" i="0" u="none" strike="noStrike" cap="none">
                 <a:solidFill>
                   <a:schemeClr val="dk2"/>
                 </a:solidFill>
@@ -7324,15 +7441,19 @@
               </a:defRPr>
             </a:lvl9pPr>
           </a:lstStyle>
-          <a:p/>
+          <a:p>
+            <a:endParaRPr/>
+          </a:p>
         </p:txBody>
       </p:sp>
       <p:sp>
         <p:nvSpPr>
           <p:cNvPr id="8" name="Google Shape;8;p7"/>
-          <p:cNvSpPr txBox="1"/>
+          <p:cNvSpPr txBox="1">
+            <a:spLocks noGrp="1"/>
+          </p:cNvSpPr>
           <p:nvPr>
-            <p:ph idx="12" type="sldNum"/>
+            <p:ph type="sldNum" idx="12"/>
           </p:nvPr>
         </p:nvSpPr>
         <p:spPr>
@@ -7349,11 +7470,11 @@
           </a:ln>
         </p:spPr>
         <p:txBody>
-          <a:bodyPr anchorCtr="0" anchor="ctr" bIns="91425" lIns="91425" spcFirstLastPara="1" rIns="91425" wrap="square" tIns="91425">
+          <a:bodyPr spcFirstLastPara="1" wrap="square" lIns="91425" tIns="91425" rIns="91425" bIns="91425" anchor="ctr" anchorCtr="0">
             <a:noAutofit/>
           </a:bodyPr>
           <a:lstStyle>
-            <a:lvl1pPr indent="0" lvl="0" marL="0" marR="0" rtl="0" algn="r">
+            <a:lvl1pPr marL="0" marR="0" lvl="0" indent="0" algn="r" rtl="0">
               <a:lnSpc>
                 <a:spcPct val="100000"/>
               </a:lnSpc>
@@ -7369,7 +7490,7 @@
               <a:buSzPts val="1000"/>
               <a:buFont typeface="Arial"/>
               <a:buNone/>
-              <a:defRPr b="0" i="0" sz="1000" u="none" cap="none" strike="noStrike">
+              <a:defRPr sz="1000" b="0" i="0" u="none" strike="noStrike" cap="none">
                 <a:solidFill>
                   <a:schemeClr val="dk2"/>
                 </a:solidFill>
@@ -7379,7 +7500,7 @@
                 <a:sym typeface="Arial"/>
               </a:defRPr>
             </a:lvl1pPr>
-            <a:lvl2pPr indent="0" lvl="1" marL="0" marR="0" rtl="0" algn="r">
+            <a:lvl2pPr marL="0" marR="0" lvl="1" indent="0" algn="r" rtl="0">
               <a:lnSpc>
                 <a:spcPct val="100000"/>
               </a:lnSpc>
@@ -7395,7 +7516,7 @@
               <a:buSzPts val="1000"/>
               <a:buFont typeface="Arial"/>
               <a:buNone/>
-              <a:defRPr b="0" i="0" sz="1000" u="none" cap="none" strike="noStrike">
+              <a:defRPr sz="1000" b="0" i="0" u="none" strike="noStrike" cap="none">
                 <a:solidFill>
                   <a:schemeClr val="dk2"/>
                 </a:solidFill>
@@ -7405,7 +7526,7 @@
                 <a:sym typeface="Arial"/>
               </a:defRPr>
             </a:lvl2pPr>
-            <a:lvl3pPr indent="0" lvl="2" marL="0" marR="0" rtl="0" algn="r">
+            <a:lvl3pPr marL="0" marR="0" lvl="2" indent="0" algn="r" rtl="0">
               <a:lnSpc>
                 <a:spcPct val="100000"/>
               </a:lnSpc>
@@ -7421,7 +7542,7 @@
               <a:buSzPts val="1000"/>
               <a:buFont typeface="Arial"/>
               <a:buNone/>
-              <a:defRPr b="0" i="0" sz="1000" u="none" cap="none" strike="noStrike">
+              <a:defRPr sz="1000" b="0" i="0" u="none" strike="noStrike" cap="none">
                 <a:solidFill>
                   <a:schemeClr val="dk2"/>
                 </a:solidFill>
@@ -7431,7 +7552,7 @@
                 <a:sym typeface="Arial"/>
               </a:defRPr>
             </a:lvl3pPr>
-            <a:lvl4pPr indent="0" lvl="3" marL="0" marR="0" rtl="0" algn="r">
+            <a:lvl4pPr marL="0" marR="0" lvl="3" indent="0" algn="r" rtl="0">
               <a:lnSpc>
                 <a:spcPct val="100000"/>
               </a:lnSpc>
@@ -7447,7 +7568,7 @@
               <a:buSzPts val="1000"/>
               <a:buFont typeface="Arial"/>
               <a:buNone/>
-              <a:defRPr b="0" i="0" sz="1000" u="none" cap="none" strike="noStrike">
+              <a:defRPr sz="1000" b="0" i="0" u="none" strike="noStrike" cap="none">
                 <a:solidFill>
                   <a:schemeClr val="dk2"/>
                 </a:solidFill>
@@ -7457,7 +7578,7 @@
                 <a:sym typeface="Arial"/>
               </a:defRPr>
             </a:lvl4pPr>
-            <a:lvl5pPr indent="0" lvl="4" marL="0" marR="0" rtl="0" algn="r">
+            <a:lvl5pPr marL="0" marR="0" lvl="4" indent="0" algn="r" rtl="0">
               <a:lnSpc>
                 <a:spcPct val="100000"/>
               </a:lnSpc>
@@ -7473,7 +7594,7 @@
               <a:buSzPts val="1000"/>
               <a:buFont typeface="Arial"/>
               <a:buNone/>
-              <a:defRPr b="0" i="0" sz="1000" u="none" cap="none" strike="noStrike">
+              <a:defRPr sz="1000" b="0" i="0" u="none" strike="noStrike" cap="none">
                 <a:solidFill>
                   <a:schemeClr val="dk2"/>
                 </a:solidFill>
@@ -7483,7 +7604,7 @@
                 <a:sym typeface="Arial"/>
               </a:defRPr>
             </a:lvl5pPr>
-            <a:lvl6pPr indent="0" lvl="5" marL="0" marR="0" rtl="0" algn="r">
+            <a:lvl6pPr marL="0" marR="0" lvl="5" indent="0" algn="r" rtl="0">
               <a:lnSpc>
                 <a:spcPct val="100000"/>
               </a:lnSpc>
@@ -7499,7 +7620,7 @@
               <a:buSzPts val="1000"/>
               <a:buFont typeface="Arial"/>
               <a:buNone/>
-              <a:defRPr b="0" i="0" sz="1000" u="none" cap="none" strike="noStrike">
+              <a:defRPr sz="1000" b="0" i="0" u="none" strike="noStrike" cap="none">
                 <a:solidFill>
                   <a:schemeClr val="dk2"/>
                 </a:solidFill>
@@ -7509,7 +7630,7 @@
                 <a:sym typeface="Arial"/>
               </a:defRPr>
             </a:lvl6pPr>
-            <a:lvl7pPr indent="0" lvl="6" marL="0" marR="0" rtl="0" algn="r">
+            <a:lvl7pPr marL="0" marR="0" lvl="6" indent="0" algn="r" rtl="0">
               <a:lnSpc>
                 <a:spcPct val="100000"/>
               </a:lnSpc>
@@ -7525,7 +7646,7 @@
               <a:buSzPts val="1000"/>
               <a:buFont typeface="Arial"/>
               <a:buNone/>
-              <a:defRPr b="0" i="0" sz="1000" u="none" cap="none" strike="noStrike">
+              <a:defRPr sz="1000" b="0" i="0" u="none" strike="noStrike" cap="none">
                 <a:solidFill>
                   <a:schemeClr val="dk2"/>
                 </a:solidFill>
@@ -7535,7 +7656,7 @@
                 <a:sym typeface="Arial"/>
               </a:defRPr>
             </a:lvl7pPr>
-            <a:lvl8pPr indent="0" lvl="7" marL="0" marR="0" rtl="0" algn="r">
+            <a:lvl8pPr marL="0" marR="0" lvl="7" indent="0" algn="r" rtl="0">
               <a:lnSpc>
                 <a:spcPct val="100000"/>
               </a:lnSpc>
@@ -7551,7 +7672,7 @@
               <a:buSzPts val="1000"/>
               <a:buFont typeface="Arial"/>
               <a:buNone/>
-              <a:defRPr b="0" i="0" sz="1000" u="none" cap="none" strike="noStrike">
+              <a:defRPr sz="1000" b="0" i="0" u="none" strike="noStrike" cap="none">
                 <a:solidFill>
                   <a:schemeClr val="dk2"/>
                 </a:solidFill>
@@ -7561,7 +7682,7 @@
                 <a:sym typeface="Arial"/>
               </a:defRPr>
             </a:lvl8pPr>
-            <a:lvl9pPr indent="0" lvl="8" marL="0" marR="0" rtl="0" algn="r">
+            <a:lvl9pPr marL="0" marR="0" lvl="8" indent="0" algn="r" rtl="0">
               <a:lnSpc>
                 <a:spcPct val="100000"/>
               </a:lnSpc>
@@ -7577,7 +7698,7 @@
               <a:buSzPts val="1000"/>
               <a:buFont typeface="Arial"/>
               <a:buNone/>
-              <a:defRPr b="0" i="0" sz="1000" u="none" cap="none" strike="noStrike">
+              <a:defRPr sz="1000" b="0" i="0" u="none" strike="noStrike" cap="none">
                 <a:solidFill>
                   <a:schemeClr val="dk2"/>
                 </a:solidFill>
@@ -7589,7 +7710,7 @@
             </a:lvl9pPr>
           </a:lstStyle>
           <a:p>
-            <a:pPr indent="0" lvl="0" marL="0" rtl="0" algn="r">
+            <a:pPr marL="0" lvl="0" indent="0" algn="r" rtl="0">
               <a:spcBef>
                 <a:spcPts val="0"/>
               </a:spcBef>
@@ -7600,7 +7721,7 @@
             </a:pPr>
             <a:fld id="{00000000-1234-1234-1234-123412341234}" type="slidenum">
               <a:rPr lang="pt-BR"/>
-              <a:t>‹#›</a:t>
+              <a:t>‹nº›</a:t>
             </a:fld>
             <a:endParaRPr/>
           </a:p>
@@ -7608,7 +7729,7 @@
       </p:sp>
     </p:spTree>
   </p:cSld>
-  <p:clrMap accent1="accent1" accent2="accent2" accent3="accent3" accent4="accent4" accent5="accent5" accent6="accent6" bg1="lt1" bg2="dk2" tx1="dk1" tx2="lt2" folHlink="folHlink" hlink="hlink"/>
+  <p:clrMap bg1="lt1" tx1="dk1" bg2="dk2" tx2="lt2" accent1="accent1" accent2="accent2" accent3="accent3" accent4="accent4" accent5="accent5" accent6="accent6" hlink="hlink" folHlink="folHlink"/>
   <p:sldLayoutIdLst>
     <p:sldLayoutId id="2147483649" r:id="rId1"/>
     <p:sldLayoutId id="2147483650" r:id="rId2"/>
@@ -7621,10 +7742,10 @@
     <p:sldLayoutId id="2147483657" r:id="rId9"/>
     <p:sldLayoutId id="2147483658" r:id="rId10"/>
   </p:sldLayoutIdLst>
-  <p:hf dt="0" ftr="0" hdr="0" sldNum="0"/>
+  <p:hf sldNum="0" hdr="0" ftr="0" dt="0"/>
   <p:txStyles>
     <p:titleStyle>
-      <a:defPPr lvl="0" marR="0" rtl="0" algn="l">
+      <a:defPPr marR="0" lvl="0" algn="l" rtl="0">
         <a:lnSpc>
           <a:spcPct val="100000"/>
         </a:lnSpc>
@@ -7635,7 +7756,7 @@
           <a:spcPts val="0"/>
         </a:spcAft>
       </a:defPPr>
-      <a:lvl1pPr lvl="0" marR="0" rtl="0" algn="l">
+      <a:lvl1pPr marR="0" lvl="0" algn="l" rtl="0">
         <a:lnSpc>
           <a:spcPct val="100000"/>
         </a:lnSpc>
@@ -7649,7 +7770,7 @@
           <a:srgbClr val="000000"/>
         </a:buClr>
         <a:buFont typeface="Arial"/>
-        <a:defRPr b="0" i="0" sz="1400" u="none" cap="none" strike="noStrike">
+        <a:defRPr sz="1400" b="0" i="0" u="none" strike="noStrike" cap="none">
           <a:solidFill>
             <a:srgbClr val="000000"/>
           </a:solidFill>
@@ -7659,7 +7780,7 @@
           <a:sym typeface="Arial"/>
         </a:defRPr>
       </a:lvl1pPr>
-      <a:lvl2pPr lvl="1" marR="0" rtl="0" algn="l">
+      <a:lvl2pPr marR="0" lvl="1" algn="l" rtl="0">
         <a:lnSpc>
           <a:spcPct val="100000"/>
         </a:lnSpc>
@@ -7673,7 +7794,7 @@
           <a:srgbClr val="000000"/>
         </a:buClr>
         <a:buFont typeface="Arial"/>
-        <a:defRPr b="0" i="0" sz="1400" u="none" cap="none" strike="noStrike">
+        <a:defRPr sz="1400" b="0" i="0" u="none" strike="noStrike" cap="none">
           <a:solidFill>
             <a:srgbClr val="000000"/>
           </a:solidFill>
@@ -7683,7 +7804,7 @@
           <a:sym typeface="Arial"/>
         </a:defRPr>
       </a:lvl2pPr>
-      <a:lvl3pPr lvl="2" marR="0" rtl="0" algn="l">
+      <a:lvl3pPr marR="0" lvl="2" algn="l" rtl="0">
         <a:lnSpc>
           <a:spcPct val="100000"/>
         </a:lnSpc>
@@ -7697,7 +7818,7 @@
           <a:srgbClr val="000000"/>
         </a:buClr>
         <a:buFont typeface="Arial"/>
-        <a:defRPr b="0" i="0" sz="1400" u="none" cap="none" strike="noStrike">
+        <a:defRPr sz="1400" b="0" i="0" u="none" strike="noStrike" cap="none">
           <a:solidFill>
             <a:srgbClr val="000000"/>
           </a:solidFill>
@@ -7707,7 +7828,7 @@
           <a:sym typeface="Arial"/>
         </a:defRPr>
       </a:lvl3pPr>
-      <a:lvl4pPr lvl="3" marR="0" rtl="0" algn="l">
+      <a:lvl4pPr marR="0" lvl="3" algn="l" rtl="0">
         <a:lnSpc>
           <a:spcPct val="100000"/>
         </a:lnSpc>
@@ -7721,7 +7842,7 @@
           <a:srgbClr val="000000"/>
         </a:buClr>
         <a:buFont typeface="Arial"/>
-        <a:defRPr b="0" i="0" sz="1400" u="none" cap="none" strike="noStrike">
+        <a:defRPr sz="1400" b="0" i="0" u="none" strike="noStrike" cap="none">
           <a:solidFill>
             <a:srgbClr val="000000"/>
           </a:solidFill>
@@ -7731,7 +7852,7 @@
           <a:sym typeface="Arial"/>
         </a:defRPr>
       </a:lvl4pPr>
-      <a:lvl5pPr lvl="4" marR="0" rtl="0" algn="l">
+      <a:lvl5pPr marR="0" lvl="4" algn="l" rtl="0">
         <a:lnSpc>
           <a:spcPct val="100000"/>
         </a:lnSpc>
@@ -7745,7 +7866,7 @@
           <a:srgbClr val="000000"/>
         </a:buClr>
         <a:buFont typeface="Arial"/>
-        <a:defRPr b="0" i="0" sz="1400" u="none" cap="none" strike="noStrike">
+        <a:defRPr sz="1400" b="0" i="0" u="none" strike="noStrike" cap="none">
           <a:solidFill>
             <a:srgbClr val="000000"/>
           </a:solidFill>
@@ -7755,7 +7876,7 @@
           <a:sym typeface="Arial"/>
         </a:defRPr>
       </a:lvl5pPr>
-      <a:lvl6pPr lvl="5" marR="0" rtl="0" algn="l">
+      <a:lvl6pPr marR="0" lvl="5" algn="l" rtl="0">
         <a:lnSpc>
           <a:spcPct val="100000"/>
         </a:lnSpc>
@@ -7769,7 +7890,7 @@
           <a:srgbClr val="000000"/>
         </a:buClr>
         <a:buFont typeface="Arial"/>
-        <a:defRPr b="0" i="0" sz="1400" u="none" cap="none" strike="noStrike">
+        <a:defRPr sz="1400" b="0" i="0" u="none" strike="noStrike" cap="none">
           <a:solidFill>
             <a:srgbClr val="000000"/>
           </a:solidFill>
@@ -7779,7 +7900,7 @@
           <a:sym typeface="Arial"/>
         </a:defRPr>
       </a:lvl6pPr>
-      <a:lvl7pPr lvl="6" marR="0" rtl="0" algn="l">
+      <a:lvl7pPr marR="0" lvl="6" algn="l" rtl="0">
         <a:lnSpc>
           <a:spcPct val="100000"/>
         </a:lnSpc>
@@ -7793,7 +7914,7 @@
           <a:srgbClr val="000000"/>
         </a:buClr>
         <a:buFont typeface="Arial"/>
-        <a:defRPr b="0" i="0" sz="1400" u="none" cap="none" strike="noStrike">
+        <a:defRPr sz="1400" b="0" i="0" u="none" strike="noStrike" cap="none">
           <a:solidFill>
             <a:srgbClr val="000000"/>
           </a:solidFill>
@@ -7803,7 +7924,7 @@
           <a:sym typeface="Arial"/>
         </a:defRPr>
       </a:lvl7pPr>
-      <a:lvl8pPr lvl="7" marR="0" rtl="0" algn="l">
+      <a:lvl8pPr marR="0" lvl="7" algn="l" rtl="0">
         <a:lnSpc>
           <a:spcPct val="100000"/>
         </a:lnSpc>
@@ -7817,7 +7938,7 @@
           <a:srgbClr val="000000"/>
         </a:buClr>
         <a:buFont typeface="Arial"/>
-        <a:defRPr b="0" i="0" sz="1400" u="none" cap="none" strike="noStrike">
+        <a:defRPr sz="1400" b="0" i="0" u="none" strike="noStrike" cap="none">
           <a:solidFill>
             <a:srgbClr val="000000"/>
           </a:solidFill>
@@ -7827,7 +7948,7 @@
           <a:sym typeface="Arial"/>
         </a:defRPr>
       </a:lvl8pPr>
-      <a:lvl9pPr lvl="8" marR="0" rtl="0" algn="l">
+      <a:lvl9pPr marR="0" lvl="8" algn="l" rtl="0">
         <a:lnSpc>
           <a:spcPct val="100000"/>
         </a:lnSpc>
@@ -7841,7 +7962,7 @@
           <a:srgbClr val="000000"/>
         </a:buClr>
         <a:buFont typeface="Arial"/>
-        <a:defRPr b="0" i="0" sz="1400" u="none" cap="none" strike="noStrike">
+        <a:defRPr sz="1400" b="0" i="0" u="none" strike="noStrike" cap="none">
           <a:solidFill>
             <a:srgbClr val="000000"/>
           </a:solidFill>
@@ -7853,7 +7974,7 @@
       </a:lvl9pPr>
     </p:titleStyle>
     <p:bodyStyle>
-      <a:defPPr lvl="0" marR="0" rtl="0" algn="l">
+      <a:defPPr marR="0" lvl="0" algn="l" rtl="0">
         <a:lnSpc>
           <a:spcPct val="100000"/>
         </a:lnSpc>
@@ -7864,7 +7985,7 @@
           <a:spcPts val="0"/>
         </a:spcAft>
       </a:defPPr>
-      <a:lvl1pPr lvl="0" marR="0" rtl="0" algn="l">
+      <a:lvl1pPr marR="0" lvl="0" algn="l" rtl="0">
         <a:lnSpc>
           <a:spcPct val="100000"/>
         </a:lnSpc>
@@ -7878,7 +7999,7 @@
           <a:srgbClr val="000000"/>
         </a:buClr>
         <a:buFont typeface="Arial"/>
-        <a:defRPr b="0" i="0" sz="1400" u="none" cap="none" strike="noStrike">
+        <a:defRPr sz="1400" b="0" i="0" u="none" strike="noStrike" cap="none">
           <a:solidFill>
             <a:srgbClr val="000000"/>
           </a:solidFill>
@@ -7888,7 +8009,7 @@
           <a:sym typeface="Arial"/>
         </a:defRPr>
       </a:lvl1pPr>
-      <a:lvl2pPr lvl="1" marR="0" rtl="0" algn="l">
+      <a:lvl2pPr marR="0" lvl="1" algn="l" rtl="0">
         <a:lnSpc>
           <a:spcPct val="100000"/>
         </a:lnSpc>
@@ -7902,7 +8023,7 @@
           <a:srgbClr val="000000"/>
         </a:buClr>
         <a:buFont typeface="Arial"/>
-        <a:defRPr b="0" i="0" sz="1400" u="none" cap="none" strike="noStrike">
+        <a:defRPr sz="1400" b="0" i="0" u="none" strike="noStrike" cap="none">
           <a:solidFill>
             <a:srgbClr val="000000"/>
           </a:solidFill>
@@ -7912,7 +8033,7 @@
           <a:sym typeface="Arial"/>
         </a:defRPr>
       </a:lvl2pPr>
-      <a:lvl3pPr lvl="2" marR="0" rtl="0" algn="l">
+      <a:lvl3pPr marR="0" lvl="2" algn="l" rtl="0">
         <a:lnSpc>
           <a:spcPct val="100000"/>
         </a:lnSpc>
@@ -7926,7 +8047,7 @@
           <a:srgbClr val="000000"/>
         </a:buClr>
         <a:buFont typeface="Arial"/>
-        <a:defRPr b="0" i="0" sz="1400" u="none" cap="none" strike="noStrike">
+        <a:defRPr sz="1400" b="0" i="0" u="none" strike="noStrike" cap="none">
           <a:solidFill>
             <a:srgbClr val="000000"/>
           </a:solidFill>
@@ -7936,7 +8057,7 @@
           <a:sym typeface="Arial"/>
         </a:defRPr>
       </a:lvl3pPr>
-      <a:lvl4pPr lvl="3" marR="0" rtl="0" algn="l">
+      <a:lvl4pPr marR="0" lvl="3" algn="l" rtl="0">
         <a:lnSpc>
           <a:spcPct val="100000"/>
         </a:lnSpc>
@@ -7950,7 +8071,7 @@
           <a:srgbClr val="000000"/>
         </a:buClr>
         <a:buFont typeface="Arial"/>
-        <a:defRPr b="0" i="0" sz="1400" u="none" cap="none" strike="noStrike">
+        <a:defRPr sz="1400" b="0" i="0" u="none" strike="noStrike" cap="none">
           <a:solidFill>
             <a:srgbClr val="000000"/>
           </a:solidFill>
@@ -7960,7 +8081,7 @@
           <a:sym typeface="Arial"/>
         </a:defRPr>
       </a:lvl4pPr>
-      <a:lvl5pPr lvl="4" marR="0" rtl="0" algn="l">
+      <a:lvl5pPr marR="0" lvl="4" algn="l" rtl="0">
         <a:lnSpc>
           <a:spcPct val="100000"/>
         </a:lnSpc>
@@ -7974,7 +8095,7 @@
           <a:srgbClr val="000000"/>
         </a:buClr>
         <a:buFont typeface="Arial"/>
-        <a:defRPr b="0" i="0" sz="1400" u="none" cap="none" strike="noStrike">
+        <a:defRPr sz="1400" b="0" i="0" u="none" strike="noStrike" cap="none">
           <a:solidFill>
             <a:srgbClr val="000000"/>
           </a:solidFill>
@@ -7984,7 +8105,7 @@
           <a:sym typeface="Arial"/>
         </a:defRPr>
       </a:lvl5pPr>
-      <a:lvl6pPr lvl="5" marR="0" rtl="0" algn="l">
+      <a:lvl6pPr marR="0" lvl="5" algn="l" rtl="0">
         <a:lnSpc>
           <a:spcPct val="100000"/>
         </a:lnSpc>
@@ -7998,7 +8119,7 @@
           <a:srgbClr val="000000"/>
         </a:buClr>
         <a:buFont typeface="Arial"/>
-        <a:defRPr b="0" i="0" sz="1400" u="none" cap="none" strike="noStrike">
+        <a:defRPr sz="1400" b="0" i="0" u="none" strike="noStrike" cap="none">
           <a:solidFill>
             <a:srgbClr val="000000"/>
           </a:solidFill>
@@ -8008,7 +8129,7 @@
           <a:sym typeface="Arial"/>
         </a:defRPr>
       </a:lvl6pPr>
-      <a:lvl7pPr lvl="6" marR="0" rtl="0" algn="l">
+      <a:lvl7pPr marR="0" lvl="6" algn="l" rtl="0">
         <a:lnSpc>
           <a:spcPct val="100000"/>
         </a:lnSpc>
@@ -8022,7 +8143,7 @@
           <a:srgbClr val="000000"/>
         </a:buClr>
         <a:buFont typeface="Arial"/>
-        <a:defRPr b="0" i="0" sz="1400" u="none" cap="none" strike="noStrike">
+        <a:defRPr sz="1400" b="0" i="0" u="none" strike="noStrike" cap="none">
           <a:solidFill>
             <a:srgbClr val="000000"/>
           </a:solidFill>
@@ -8032,7 +8153,7 @@
           <a:sym typeface="Arial"/>
         </a:defRPr>
       </a:lvl7pPr>
-      <a:lvl8pPr lvl="7" marR="0" rtl="0" algn="l">
+      <a:lvl8pPr marR="0" lvl="7" algn="l" rtl="0">
         <a:lnSpc>
           <a:spcPct val="100000"/>
         </a:lnSpc>
@@ -8046,7 +8167,7 @@
           <a:srgbClr val="000000"/>
         </a:buClr>
         <a:buFont typeface="Arial"/>
-        <a:defRPr b="0" i="0" sz="1400" u="none" cap="none" strike="noStrike">
+        <a:defRPr sz="1400" b="0" i="0" u="none" strike="noStrike" cap="none">
           <a:solidFill>
             <a:srgbClr val="000000"/>
           </a:solidFill>
@@ -8056,7 +8177,7 @@
           <a:sym typeface="Arial"/>
         </a:defRPr>
       </a:lvl8pPr>
-      <a:lvl9pPr lvl="8" marR="0" rtl="0" algn="l">
+      <a:lvl9pPr marR="0" lvl="8" algn="l" rtl="0">
         <a:lnSpc>
           <a:spcPct val="100000"/>
         </a:lnSpc>
@@ -8070,7 +8191,7 @@
           <a:srgbClr val="000000"/>
         </a:buClr>
         <a:buFont typeface="Arial"/>
-        <a:defRPr b="0" i="0" sz="1400" u="none" cap="none" strike="noStrike">
+        <a:defRPr sz="1400" b="0" i="0" u="none" strike="noStrike" cap="none">
           <a:solidFill>
             <a:srgbClr val="000000"/>
           </a:solidFill>
@@ -8082,7 +8203,7 @@
       </a:lvl9pPr>
     </p:bodyStyle>
     <p:otherStyle>
-      <a:defPPr lvl="0" marR="0" rtl="0" algn="l">
+      <a:defPPr marR="0" lvl="0" algn="l" rtl="0">
         <a:lnSpc>
           <a:spcPct val="100000"/>
         </a:lnSpc>
@@ -8093,7 +8214,7 @@
           <a:spcPts val="0"/>
         </a:spcAft>
       </a:defPPr>
-      <a:lvl1pPr lvl="0" marR="0" rtl="0" algn="l">
+      <a:lvl1pPr marR="0" lvl="0" algn="l" rtl="0">
         <a:lnSpc>
           <a:spcPct val="100000"/>
         </a:lnSpc>
@@ -8107,7 +8228,7 @@
           <a:srgbClr val="000000"/>
         </a:buClr>
         <a:buFont typeface="Arial"/>
-        <a:defRPr b="0" i="0" sz="1400" u="none" cap="none" strike="noStrike">
+        <a:defRPr sz="1400" b="0" i="0" u="none" strike="noStrike" cap="none">
           <a:solidFill>
             <a:srgbClr val="000000"/>
           </a:solidFill>
@@ -8117,7 +8238,7 @@
           <a:sym typeface="Arial"/>
         </a:defRPr>
       </a:lvl1pPr>
-      <a:lvl2pPr lvl="1" marR="0" rtl="0" algn="l">
+      <a:lvl2pPr marR="0" lvl="1" algn="l" rtl="0">
         <a:lnSpc>
           <a:spcPct val="100000"/>
         </a:lnSpc>
@@ -8131,7 +8252,7 @@
           <a:srgbClr val="000000"/>
         </a:buClr>
         <a:buFont typeface="Arial"/>
-        <a:defRPr b="0" i="0" sz="1400" u="none" cap="none" strike="noStrike">
+        <a:defRPr sz="1400" b="0" i="0" u="none" strike="noStrike" cap="none">
           <a:solidFill>
             <a:srgbClr val="000000"/>
           </a:solidFill>
@@ -8141,7 +8262,7 @@
           <a:sym typeface="Arial"/>
         </a:defRPr>
       </a:lvl2pPr>
-      <a:lvl3pPr lvl="2" marR="0" rtl="0" algn="l">
+      <a:lvl3pPr marR="0" lvl="2" algn="l" rtl="0">
         <a:lnSpc>
           <a:spcPct val="100000"/>
         </a:lnSpc>
@@ -8155,7 +8276,7 @@
           <a:srgbClr val="000000"/>
         </a:buClr>
         <a:buFont typeface="Arial"/>
-        <a:defRPr b="0" i="0" sz="1400" u="none" cap="none" strike="noStrike">
+        <a:defRPr sz="1400" b="0" i="0" u="none" strike="noStrike" cap="none">
           <a:solidFill>
             <a:srgbClr val="000000"/>
           </a:solidFill>
@@ -8165,7 +8286,7 @@
           <a:sym typeface="Arial"/>
         </a:defRPr>
       </a:lvl3pPr>
-      <a:lvl4pPr lvl="3" marR="0" rtl="0" algn="l">
+      <a:lvl4pPr marR="0" lvl="3" algn="l" rtl="0">
         <a:lnSpc>
           <a:spcPct val="100000"/>
         </a:lnSpc>
@@ -8179,7 +8300,7 @@
           <a:srgbClr val="000000"/>
         </a:buClr>
         <a:buFont typeface="Arial"/>
-        <a:defRPr b="0" i="0" sz="1400" u="none" cap="none" strike="noStrike">
+        <a:defRPr sz="1400" b="0" i="0" u="none" strike="noStrike" cap="none">
           <a:solidFill>
             <a:srgbClr val="000000"/>
           </a:solidFill>
@@ -8189,7 +8310,7 @@
           <a:sym typeface="Arial"/>
         </a:defRPr>
       </a:lvl4pPr>
-      <a:lvl5pPr lvl="4" marR="0" rtl="0" algn="l">
+      <a:lvl5pPr marR="0" lvl="4" algn="l" rtl="0">
         <a:lnSpc>
           <a:spcPct val="100000"/>
         </a:lnSpc>
@@ -8203,7 +8324,7 @@
           <a:srgbClr val="000000"/>
         </a:buClr>
         <a:buFont typeface="Arial"/>
-        <a:defRPr b="0" i="0" sz="1400" u="none" cap="none" strike="noStrike">
+        <a:defRPr sz="1400" b="0" i="0" u="none" strike="noStrike" cap="none">
           <a:solidFill>
             <a:srgbClr val="000000"/>
           </a:solidFill>
@@ -8213,7 +8334,7 @@
           <a:sym typeface="Arial"/>
         </a:defRPr>
       </a:lvl5pPr>
-      <a:lvl6pPr lvl="5" marR="0" rtl="0" algn="l">
+      <a:lvl6pPr marR="0" lvl="5" algn="l" rtl="0">
         <a:lnSpc>
           <a:spcPct val="100000"/>
         </a:lnSpc>
@@ -8227,7 +8348,7 @@
           <a:srgbClr val="000000"/>
         </a:buClr>
         <a:buFont typeface="Arial"/>
-        <a:defRPr b="0" i="0" sz="1400" u="none" cap="none" strike="noStrike">
+        <a:defRPr sz="1400" b="0" i="0" u="none" strike="noStrike" cap="none">
           <a:solidFill>
             <a:srgbClr val="000000"/>
           </a:solidFill>
@@ -8237,7 +8358,7 @@
           <a:sym typeface="Arial"/>
         </a:defRPr>
       </a:lvl6pPr>
-      <a:lvl7pPr lvl="6" marR="0" rtl="0" algn="l">
+      <a:lvl7pPr marR="0" lvl="6" algn="l" rtl="0">
         <a:lnSpc>
           <a:spcPct val="100000"/>
         </a:lnSpc>
@@ -8251,7 +8372,7 @@
           <a:srgbClr val="000000"/>
         </a:buClr>
         <a:buFont typeface="Arial"/>
-        <a:defRPr b="0" i="0" sz="1400" u="none" cap="none" strike="noStrike">
+        <a:defRPr sz="1400" b="0" i="0" u="none" strike="noStrike" cap="none">
           <a:solidFill>
             <a:srgbClr val="000000"/>
           </a:solidFill>
@@ -8261,7 +8382,7 @@
           <a:sym typeface="Arial"/>
         </a:defRPr>
       </a:lvl7pPr>
-      <a:lvl8pPr lvl="7" marR="0" rtl="0" algn="l">
+      <a:lvl8pPr marR="0" lvl="7" algn="l" rtl="0">
         <a:lnSpc>
           <a:spcPct val="100000"/>
         </a:lnSpc>
@@ -8275,7 +8396,7 @@
           <a:srgbClr val="000000"/>
         </a:buClr>
         <a:buFont typeface="Arial"/>
-        <a:defRPr b="0" i="0" sz="1400" u="none" cap="none" strike="noStrike">
+        <a:defRPr sz="1400" b="0" i="0" u="none" strike="noStrike" cap="none">
           <a:solidFill>
             <a:srgbClr val="000000"/>
           </a:solidFill>
@@ -8285,7 +8406,7 @@
           <a:sym typeface="Arial"/>
         </a:defRPr>
       </a:lvl8pPr>
-      <a:lvl9pPr lvl="8" marR="0" rtl="0" algn="l">
+      <a:lvl9pPr marR="0" lvl="8" algn="l" rtl="0">
         <a:lnSpc>
           <a:spcPct val="100000"/>
         </a:lnSpc>
@@ -8299,7 +8420,7 @@
           <a:srgbClr val="000000"/>
         </a:buClr>
         <a:buFont typeface="Arial"/>
-        <a:defRPr b="0" i="0" sz="1400" u="none" cap="none" strike="noStrike">
+        <a:defRPr sz="1400" b="0" i="0" u="none" strike="noStrike" cap="none">
           <a:solidFill>
             <a:srgbClr val="000000"/>
           </a:solidFill>
@@ -8315,11 +8436,11 @@
 </file>
 
 <file path=ppt/slides/slide1.xml><?xml version="1.0" encoding="utf-8"?>
-<p:sld xmlns:a="http://schemas.openxmlformats.org/drawingml/2006/main" xmlns:r="http://schemas.openxmlformats.org/officeDocument/2006/relationships" xmlns:mc="http://schemas.openxmlformats.org/markup-compatibility/2006" xmlns:mv="urn:schemas-microsoft-com:mac:vml" xmlns:p="http://schemas.openxmlformats.org/presentationml/2006/main" xmlns:c="http://schemas.openxmlformats.org/drawingml/2006/chart" xmlns:dgm="http://schemas.openxmlformats.org/drawingml/2006/diagram" xmlns:o="urn:schemas-microsoft-com:office:office" xmlns:v="urn:schemas-microsoft-com:vml" xmlns:pvml="urn:schemas-microsoft-com:office:powerpoint" xmlns:com="http://schemas.openxmlformats.org/drawingml/2006/compatibility" xmlns:p14="http://schemas.microsoft.com/office/powerpoint/2010/main" xmlns:p15="http://schemas.microsoft.com/office/powerpoint/2012/main">
+<p:sld xmlns:a="http://schemas.openxmlformats.org/drawingml/2006/main" xmlns:r="http://schemas.openxmlformats.org/officeDocument/2006/relationships" xmlns:p="http://schemas.openxmlformats.org/presentationml/2006/main">
   <p:cSld>
     <p:spTree>
       <p:nvGrpSpPr>
-        <p:cNvPr id="49" name="Shape 49"/>
+        <p:cNvPr id="1" name="Shape 49"/>
         <p:cNvGrpSpPr/>
         <p:nvPr/>
       </p:nvGrpSpPr>
@@ -8344,30 +8465,30 @@
           </a:xfrm>
           <a:prstGeom prst="wave">
             <a:avLst>
-              <a:gd fmla="val 6999" name="adj1"/>
-              <a:gd fmla="val 0" name="adj2"/>
+              <a:gd name="adj1" fmla="val 6999"/>
+              <a:gd name="adj2" fmla="val 0"/>
             </a:avLst>
           </a:prstGeom>
           <a:solidFill>
             <a:srgbClr val="FF9900"/>
           </a:solidFill>
-          <a:ln cap="flat" cmpd="sng" w="9525">
+          <a:ln w="9525" cap="flat" cmpd="sng">
             <a:solidFill>
               <a:srgbClr val="FFFFFF"/>
             </a:solidFill>
             <a:prstDash val="solid"/>
             <a:round/>
-            <a:headEnd len="sm" w="sm" type="none"/>
-            <a:tailEnd len="sm" w="sm" type="none"/>
+            <a:headEnd type="none" w="sm" len="sm"/>
+            <a:tailEnd type="none" w="sm" len="sm"/>
           </a:ln>
         </p:spPr>
         <p:txBody>
-          <a:bodyPr anchorCtr="0" anchor="ctr" bIns="91425" lIns="91425" spcFirstLastPara="1" rIns="91425" wrap="square" tIns="91425">
+          <a:bodyPr spcFirstLastPara="1" wrap="square" lIns="91425" tIns="91425" rIns="91425" bIns="91425" anchor="ctr" anchorCtr="0">
             <a:noAutofit/>
           </a:bodyPr>
           <a:lstStyle/>
           <a:p>
-            <a:pPr indent="0" lvl="0" marL="0" marR="0" rtl="0" algn="ctr">
+            <a:pPr marL="0" marR="0" lvl="0" indent="0" algn="ctr" rtl="0">
               <a:lnSpc>
                 <a:spcPct val="100000"/>
               </a:lnSpc>
@@ -8385,7 +8506,7 @@
               <a:buNone/>
             </a:pPr>
             <a:r>
-              <a:rPr b="0" i="0" lang="pt-BR" sz="1200" u="none" cap="none" strike="noStrike">
+              <a:rPr lang="pt-BR" sz="1200" b="0" i="0" u="none" strike="noStrike" cap="none">
                 <a:solidFill>
                   <a:srgbClr val="000000"/>
                 </a:solidFill>
@@ -8396,7 +8517,7 @@
               </a:rPr>
               <a:t>Contexto </a:t>
             </a:r>
-            <a:endParaRPr b="0" i="0" sz="1200" u="none" cap="none" strike="noStrike">
+            <a:endParaRPr sz="1200" b="0" i="0" u="none" strike="noStrike" cap="none">
               <a:solidFill>
                 <a:srgbClr val="000000"/>
               </a:solidFill>
@@ -8407,7 +8528,7 @@
             </a:endParaRPr>
           </a:p>
           <a:p>
-            <a:pPr indent="0" lvl="0" marL="0" marR="0" rtl="0" algn="ctr">
+            <a:pPr marL="0" marR="0" lvl="0" indent="0" algn="ctr" rtl="0">
               <a:lnSpc>
                 <a:spcPct val="100000"/>
               </a:lnSpc>
@@ -8425,7 +8546,7 @@
               <a:buNone/>
             </a:pPr>
             <a:r>
-              <a:rPr b="0" i="0" lang="pt-BR" sz="1200" u="none" cap="none" strike="noStrike">
+              <a:rPr lang="pt-BR" sz="1200" b="0" i="0" u="none" strike="noStrike" cap="none">
                 <a:solidFill>
                   <a:srgbClr val="000000"/>
                 </a:solidFill>
@@ -8436,7 +8557,7 @@
               </a:rPr>
               <a:t>Party Coberturas</a:t>
             </a:r>
-            <a:endParaRPr b="0" i="0" sz="1400" u="none" cap="none" strike="noStrike">
+            <a:endParaRPr sz="1400" b="0" i="0" u="none" strike="noStrike" cap="none">
               <a:solidFill>
                 <a:srgbClr val="000000"/>
               </a:solidFill>
@@ -8461,7 +8582,7 @@
           </a:xfrm>
           <a:prstGeom prst="roundRect">
             <a:avLst>
-              <a:gd fmla="val 16667" name="adj"/>
+              <a:gd name="adj" fmla="val 16667"/>
             </a:avLst>
           </a:prstGeom>
           <a:gradFill>
@@ -8474,27 +8595,27 @@
               </a:gs>
             </a:gsLst>
             <a:path path="circle">
-              <a:fillToRect b="50%" l="50%" r="50%" t="50%"/>
+              <a:fillToRect l="50000" t="50000" r="50000" b="50000"/>
             </a:path>
             <a:tileRect/>
           </a:gradFill>
-          <a:ln cap="flat" cmpd="sng" w="9525">
+          <a:ln w="9525" cap="flat" cmpd="sng">
             <a:solidFill>
               <a:srgbClr val="F3F3F3"/>
             </a:solidFill>
             <a:prstDash val="solid"/>
             <a:round/>
-            <a:headEnd len="sm" w="sm" type="none"/>
-            <a:tailEnd len="sm" w="sm" type="none"/>
+            <a:headEnd type="none" w="sm" len="sm"/>
+            <a:tailEnd type="none" w="sm" len="sm"/>
           </a:ln>
         </p:spPr>
         <p:txBody>
-          <a:bodyPr anchorCtr="0" anchor="ctr" bIns="91425" lIns="91425" spcFirstLastPara="1" rIns="91425" wrap="square" tIns="91425">
+          <a:bodyPr spcFirstLastPara="1" wrap="square" lIns="91425" tIns="91425" rIns="91425" bIns="91425" anchor="ctr" anchorCtr="0">
             <a:noAutofit/>
           </a:bodyPr>
           <a:lstStyle/>
           <a:p>
-            <a:pPr indent="0" lvl="0" marL="0" marR="0" rtl="0" algn="ctr">
+            <a:pPr marL="0" marR="0" lvl="0" indent="0" algn="ctr" rtl="0">
               <a:lnSpc>
                 <a:spcPct val="100000"/>
               </a:lnSpc>
@@ -8512,7 +8633,7 @@
               <a:buNone/>
             </a:pPr>
             <a:r>
-              <a:rPr b="0" i="0" lang="pt-BR" sz="1000" u="none" cap="none" strike="noStrike">
+              <a:rPr lang="pt-BR" sz="1000" b="0" i="0" u="none" strike="noStrike" cap="none">
                 <a:solidFill>
                   <a:srgbClr val="000000"/>
                 </a:solidFill>
@@ -8523,7 +8644,7 @@
               </a:rPr>
               <a:t>Party Coberturas</a:t>
             </a:r>
-            <a:endParaRPr b="0" i="0" sz="1000" u="none" cap="none" strike="noStrike">
+            <a:endParaRPr sz="1000" b="0" i="0" u="none" strike="noStrike" cap="none">
               <a:solidFill>
                 <a:srgbClr val="000000"/>
               </a:solidFill>
@@ -8580,23 +8701,23 @@
               <a:solidFill>
                 <a:srgbClr val="EEEEEE"/>
               </a:solidFill>
-              <a:ln cap="flat" cmpd="sng" w="9525">
+              <a:ln w="9525" cap="flat" cmpd="sng">
                 <a:solidFill>
                   <a:srgbClr val="595959"/>
                 </a:solidFill>
                 <a:prstDash val="solid"/>
                 <a:round/>
-                <a:headEnd len="sm" w="sm" type="none"/>
-                <a:tailEnd len="sm" w="sm" type="none"/>
+                <a:headEnd type="none" w="sm" len="sm"/>
+                <a:tailEnd type="none" w="sm" len="sm"/>
               </a:ln>
             </p:spPr>
             <p:txBody>
-              <a:bodyPr anchorCtr="0" anchor="ctr" bIns="91425" lIns="91425" spcFirstLastPara="1" rIns="91425" wrap="square" tIns="91425">
+              <a:bodyPr spcFirstLastPara="1" wrap="square" lIns="91425" tIns="91425" rIns="91425" bIns="91425" anchor="ctr" anchorCtr="0">
                 <a:noAutofit/>
               </a:bodyPr>
               <a:lstStyle/>
               <a:p>
-                <a:pPr indent="0" lvl="0" marL="0" marR="0" rtl="0" algn="l">
+                <a:pPr marL="0" marR="0" lvl="0" indent="0" algn="l" rtl="0">
                   <a:lnSpc>
                     <a:spcPct val="100000"/>
                   </a:lnSpc>
@@ -8613,10 +8734,7 @@
                   <a:buFont typeface="Arial"/>
                   <a:buNone/>
                 </a:pPr>
-                <a:r>
-                  <a:t/>
-                </a:r>
-                <a:endParaRPr b="0" i="0" sz="1400" u="none" cap="none" strike="noStrike">
+                <a:endParaRPr sz="1400" b="0" i="0" u="none" strike="noStrike" cap="none">
                   <a:solidFill>
                     <a:srgbClr val="000000"/>
                   </a:solidFill>
@@ -8645,14 +8763,14 @@
                 <a:avLst/>
               </a:prstGeom>
               <a:noFill/>
-              <a:ln cap="flat" cmpd="sng" w="9525">
+              <a:ln w="9525" cap="flat" cmpd="sng">
                 <a:solidFill>
                   <a:srgbClr val="595959"/>
                 </a:solidFill>
                 <a:prstDash val="solid"/>
                 <a:round/>
-                <a:headEnd len="sm" w="sm" type="none"/>
-                <a:tailEnd len="sm" w="sm" type="none"/>
+                <a:headEnd type="none" w="sm" len="sm"/>
+                <a:tailEnd type="none" w="sm" len="sm"/>
               </a:ln>
             </p:spPr>
           </p:cxnSp>
@@ -8671,14 +8789,14 @@
                 <a:avLst/>
               </a:prstGeom>
               <a:noFill/>
-              <a:ln cap="flat" cmpd="sng" w="9525">
+              <a:ln w="9525" cap="flat" cmpd="sng">
                 <a:solidFill>
                   <a:srgbClr val="595959"/>
                 </a:solidFill>
                 <a:prstDash val="solid"/>
                 <a:round/>
-                <a:headEnd len="sm" w="sm" type="none"/>
-                <a:tailEnd len="sm" w="sm" type="none"/>
+                <a:headEnd type="none" w="sm" len="sm"/>
+                <a:tailEnd type="none" w="sm" len="sm"/>
               </a:ln>
             </p:spPr>
           </p:cxnSp>
@@ -8697,14 +8815,14 @@
                 <a:avLst/>
               </a:prstGeom>
               <a:noFill/>
-              <a:ln cap="flat" cmpd="sng" w="9525">
+              <a:ln w="9525" cap="flat" cmpd="sng">
                 <a:solidFill>
                   <a:srgbClr val="595959"/>
                 </a:solidFill>
                 <a:prstDash val="solid"/>
                 <a:round/>
-                <a:headEnd len="sm" w="sm" type="none"/>
-                <a:tailEnd len="sm" w="sm" type="none"/>
+                <a:headEnd type="none" w="sm" len="sm"/>
+                <a:tailEnd type="none" w="sm" len="sm"/>
               </a:ln>
             </p:spPr>
           </p:cxnSp>
@@ -8723,14 +8841,14 @@
                 <a:avLst/>
               </a:prstGeom>
               <a:noFill/>
-              <a:ln cap="flat" cmpd="sng" w="9525">
+              <a:ln w="9525" cap="flat" cmpd="sng">
                 <a:solidFill>
                   <a:srgbClr val="595959"/>
                 </a:solidFill>
                 <a:prstDash val="solid"/>
                 <a:round/>
-                <a:headEnd len="sm" w="sm" type="none"/>
-                <a:tailEnd len="sm" w="sm" type="none"/>
+                <a:headEnd type="none" w="sm" len="sm"/>
+                <a:tailEnd type="none" w="sm" len="sm"/>
               </a:ln>
             </p:spPr>
           </p:cxnSp>
@@ -8755,12 +8873,12 @@
             </a:ln>
           </p:spPr>
           <p:txBody>
-            <a:bodyPr anchorCtr="0" anchor="t" bIns="91425" lIns="91425" spcFirstLastPara="1" rIns="91425" wrap="square" tIns="91425">
+            <a:bodyPr spcFirstLastPara="1" wrap="square" lIns="91425" tIns="91425" rIns="91425" bIns="91425" anchor="t" anchorCtr="0">
               <a:noAutofit/>
             </a:bodyPr>
             <a:lstStyle/>
             <a:p>
-              <a:pPr indent="0" lvl="0" marL="0" marR="0" rtl="0" algn="ctr">
+              <a:pPr marL="0" marR="0" lvl="0" indent="0" algn="ctr" rtl="0">
                 <a:lnSpc>
                   <a:spcPct val="100000"/>
                 </a:lnSpc>
@@ -8778,7 +8896,7 @@
                 <a:buNone/>
               </a:pPr>
               <a:r>
-                <a:rPr b="1" i="0" lang="pt-BR" sz="1200" u="none" cap="none" strike="noStrike">
+                <a:rPr lang="pt-BR" sz="1200" b="1" i="0" u="none" strike="noStrike" cap="none">
                   <a:solidFill>
                     <a:srgbClr val="000000"/>
                   </a:solidFill>
@@ -8789,7 +8907,7 @@
                 </a:rPr>
                 <a:t>Cliente</a:t>
               </a:r>
-              <a:endParaRPr b="1" i="0" sz="1200" u="none" cap="none" strike="noStrike">
+              <a:endParaRPr sz="1200" b="1" i="0" u="none" strike="noStrike" cap="none">
                 <a:solidFill>
                   <a:srgbClr val="000000"/>
                 </a:solidFill>
@@ -8812,7 +8930,7 @@
           <p:nvPr/>
         </p:nvCxnSpPr>
         <p:spPr>
-          <a:xfrm flipH="1" rot="10800000">
+          <a:xfrm rot="10800000" flipH="1">
             <a:off x="1402353" y="2625223"/>
             <a:ext cx="3041100" cy="1185300"/>
           </a:xfrm>
@@ -8820,14 +8938,14 @@
             <a:avLst/>
           </a:prstGeom>
           <a:noFill/>
-          <a:ln cap="flat" cmpd="sng" w="9525">
+          <a:ln w="9525" cap="flat" cmpd="sng">
             <a:solidFill>
               <a:schemeClr val="dk2"/>
             </a:solidFill>
             <a:prstDash val="solid"/>
             <a:round/>
-            <a:headEnd len="sm" w="sm" type="none"/>
-            <a:tailEnd len="sm" w="sm" type="none"/>
+            <a:headEnd type="none" w="sm" len="sm"/>
+            <a:tailEnd type="none" w="sm" len="sm"/>
           </a:ln>
         </p:spPr>
       </p:cxnSp>
@@ -8851,12 +8969,12 @@
           </a:ln>
         </p:spPr>
         <p:txBody>
-          <a:bodyPr anchorCtr="0" anchor="t" bIns="91425" lIns="91425" spcFirstLastPara="1" rIns="91425" wrap="square" tIns="91425">
+          <a:bodyPr spcFirstLastPara="1" wrap="square" lIns="91425" tIns="91425" rIns="91425" bIns="91425" anchor="t" anchorCtr="0">
             <a:noAutofit/>
           </a:bodyPr>
           <a:lstStyle/>
           <a:p>
-            <a:pPr indent="0" lvl="0" marL="0" marR="0" rtl="0" algn="l">
+            <a:pPr marL="0" marR="0" lvl="0" indent="0" algn="l" rtl="0">
               <a:lnSpc>
                 <a:spcPct val="100000"/>
               </a:lnSpc>
@@ -8874,7 +8992,7 @@
               <a:buNone/>
             </a:pPr>
             <a:r>
-              <a:rPr b="0" i="0" lang="pt-BR" sz="1000" u="none" cap="none" strike="noStrike">
+              <a:rPr lang="pt-BR" sz="1000" b="0" i="0" u="none" strike="noStrike" cap="none">
                 <a:solidFill>
                   <a:schemeClr val="dk1"/>
                 </a:solidFill>
@@ -8885,7 +9003,7 @@
               </a:rPr>
               <a:t>Legenda:</a:t>
             </a:r>
-            <a:endParaRPr b="0" i="0" sz="1000" u="none" cap="none" strike="noStrike">
+            <a:endParaRPr sz="1000" b="0" i="0" u="none" strike="noStrike" cap="none">
               <a:solidFill>
                 <a:schemeClr val="dk1"/>
               </a:solidFill>
@@ -8896,7 +9014,7 @@
             </a:endParaRPr>
           </a:p>
           <a:p>
-            <a:pPr indent="-292100" lvl="0" marL="457200" marR="0" rtl="0" algn="l">
+            <a:pPr marL="457200" marR="0" lvl="0" indent="-292100" algn="l" rtl="0">
               <a:lnSpc>
                 <a:spcPct val="100000"/>
               </a:lnSpc>
@@ -8914,7 +9032,7 @@
               <a:buChar char="❖"/>
             </a:pPr>
             <a:r>
-              <a:rPr b="0" i="0" lang="pt-BR" sz="1000" u="none" cap="none" strike="noStrike">
+              <a:rPr lang="pt-BR" sz="1000" b="0" i="0" u="none" strike="noStrike" cap="none">
                 <a:solidFill>
                   <a:schemeClr val="dk1"/>
                 </a:solidFill>
@@ -8925,7 +9043,7 @@
               </a:rPr>
               <a:t>Cenários</a:t>
             </a:r>
-            <a:endParaRPr b="0" i="0" sz="1400" u="none" cap="none" strike="noStrike">
+            <a:endParaRPr sz="1400" b="0" i="0" u="none" strike="noStrike" cap="none">
               <a:solidFill>
                 <a:srgbClr val="000000"/>
               </a:solidFill>
@@ -8936,7 +9054,7 @@
             </a:endParaRPr>
           </a:p>
           <a:p>
-            <a:pPr indent="0" lvl="0" marL="165100" marR="0" rtl="0" algn="l">
+            <a:pPr marL="165100" marR="0" lvl="0" indent="0" algn="l" rtl="0">
               <a:lnSpc>
                 <a:spcPct val="100000"/>
               </a:lnSpc>
@@ -8954,7 +9072,7 @@
               <a:buNone/>
             </a:pPr>
             <a:r>
-              <a:rPr b="0" i="0" lang="pt-BR" sz="1000" u="none" cap="none" strike="noStrike">
+              <a:rPr lang="pt-BR" sz="1000" b="0" i="0" u="none" strike="noStrike" cap="none">
                 <a:solidFill>
                   <a:schemeClr val="dk1"/>
                 </a:solidFill>
@@ -8965,7 +9083,7 @@
               </a:rPr>
               <a:t>PC – Empresa Party Coberturas</a:t>
             </a:r>
-            <a:endParaRPr b="0" i="0" sz="1000" u="none" cap="none" strike="noStrike">
+            <a:endParaRPr sz="1000" b="0" i="0" u="none" strike="noStrike" cap="none">
               <a:solidFill>
                 <a:srgbClr val="000000"/>
               </a:solidFill>
@@ -8997,12 +9115,12 @@
           </a:ln>
         </p:spPr>
         <p:txBody>
-          <a:bodyPr anchorCtr="0" anchor="t" bIns="91425" lIns="91425" spcFirstLastPara="1" rIns="91425" wrap="square" tIns="91425">
+          <a:bodyPr spcFirstLastPara="1" wrap="square" lIns="91425" tIns="91425" rIns="91425" bIns="91425" anchor="t" anchorCtr="0">
             <a:noAutofit/>
           </a:bodyPr>
           <a:lstStyle/>
           <a:p>
-            <a:pPr indent="-292100" lvl="0" marL="457200" marR="0" rtl="0" algn="l">
+            <a:pPr marL="457200" marR="0" lvl="0" indent="-292100" algn="l" rtl="0">
               <a:lnSpc>
                 <a:spcPct val="100000"/>
               </a:lnSpc>
@@ -9020,7 +9138,7 @@
               <a:buChar char="❖"/>
             </a:pPr>
             <a:r>
-              <a:rPr b="0" i="0" lang="pt-BR" sz="1000" u="none" cap="none" strike="noStrike">
+              <a:rPr lang="pt-BR" sz="1000" b="0" i="0" u="none" strike="noStrike" cap="none" dirty="0">
                 <a:solidFill>
                   <a:schemeClr val="dk1"/>
                 </a:solidFill>
@@ -9031,7 +9149,7 @@
               </a:rPr>
               <a:t>Solicitar Orçamentos</a:t>
             </a:r>
-            <a:endParaRPr b="0" i="0" sz="1000" u="none" cap="none" strike="noStrike">
+            <a:endParaRPr sz="1000" b="0" i="0" u="none" strike="noStrike" cap="none" dirty="0">
               <a:solidFill>
                 <a:schemeClr val="dk1"/>
               </a:solidFill>
@@ -9042,7 +9160,7 @@
             </a:endParaRPr>
           </a:p>
           <a:p>
-            <a:pPr indent="-292100" lvl="0" marL="457200" marR="0" rtl="0" algn="l">
+            <a:pPr marL="457200" marR="0" lvl="0" indent="-292100" algn="l" rtl="0">
               <a:lnSpc>
                 <a:spcPct val="100000"/>
               </a:lnSpc>
@@ -9060,14 +9178,14 @@
               <a:buChar char="❖"/>
             </a:pPr>
             <a:r>
-              <a:rPr lang="pt-BR" sz="1000">
+              <a:rPr lang="pt-BR" sz="1000" dirty="0">
                 <a:solidFill>
                   <a:schemeClr val="dk1"/>
                 </a:solidFill>
               </a:rPr>
               <a:t>Aprovar serviço</a:t>
             </a:r>
-            <a:endParaRPr b="0" i="0" sz="1000" u="none" cap="none" strike="noStrike">
+            <a:endParaRPr sz="1000" b="0" i="0" u="none" strike="noStrike" cap="none" dirty="0">
               <a:solidFill>
                 <a:schemeClr val="dk1"/>
               </a:solidFill>
@@ -9078,7 +9196,7 @@
             </a:endParaRPr>
           </a:p>
           <a:p>
-            <a:pPr indent="-292100" lvl="0" marL="457200" marR="0" rtl="0" algn="l">
+            <a:pPr marL="457200" marR="0" lvl="0" indent="-292100" algn="l" rtl="0">
               <a:lnSpc>
                 <a:spcPct val="100000"/>
               </a:lnSpc>
@@ -9096,7 +9214,7 @@
               <a:buChar char="❖"/>
             </a:pPr>
             <a:r>
-              <a:rPr b="0" i="0" lang="pt-BR" sz="1000" u="none" cap="none" strike="noStrike">
+              <a:rPr lang="pt-BR" sz="1000" b="0" i="0" u="none" strike="noStrike" cap="none" dirty="0">
                 <a:solidFill>
                   <a:schemeClr val="dk1"/>
                 </a:solidFill>
@@ -9107,7 +9225,7 @@
               </a:rPr>
               <a:t>Realizar pagamento</a:t>
             </a:r>
-            <a:endParaRPr b="0" i="0" sz="1000" u="none" cap="none" strike="noStrike">
+            <a:endParaRPr sz="1000" b="0" i="0" u="none" strike="noStrike" cap="none" dirty="0">
               <a:solidFill>
                 <a:schemeClr val="dk1"/>
               </a:solidFill>
@@ -9118,7 +9236,7 @@
             </a:endParaRPr>
           </a:p>
           <a:p>
-            <a:pPr indent="0" lvl="0" marL="457200" marR="0" rtl="0" algn="l">
+            <a:pPr marL="457200" marR="0" lvl="0" indent="0" algn="l" rtl="0">
               <a:lnSpc>
                 <a:spcPct val="100000"/>
               </a:lnSpc>
@@ -9135,10 +9253,7 @@
               <a:buFont typeface="Arial"/>
               <a:buNone/>
             </a:pPr>
-            <a:r>
-              <a:t/>
-            </a:r>
-            <a:endParaRPr b="0" i="0" sz="1400" u="none" cap="none" strike="noStrike">
+            <a:endParaRPr sz="1400" b="0" i="0" u="none" strike="noStrike" cap="none" dirty="0">
               <a:solidFill>
                 <a:srgbClr val="000000"/>
               </a:solidFill>
@@ -9149,7 +9264,7 @@
             </a:endParaRPr>
           </a:p>
           <a:p>
-            <a:pPr indent="-228600" lvl="0" marL="457200" marR="0" rtl="0" algn="l">
+            <a:pPr marL="457200" marR="0" lvl="0" indent="-228600" algn="l" rtl="0">
               <a:lnSpc>
                 <a:spcPct val="100000"/>
               </a:lnSpc>
@@ -9166,10 +9281,7 @@
               <a:buFont typeface="Arial"/>
               <a:buNone/>
             </a:pPr>
-            <a:r>
-              <a:t/>
-            </a:r>
-            <a:endParaRPr b="0" i="0" sz="1000" u="none" cap="none" strike="noStrike">
+            <a:endParaRPr sz="1000" b="0" i="0" u="none" strike="noStrike" cap="none" dirty="0">
               <a:solidFill>
                 <a:schemeClr val="dk1"/>
               </a:solidFill>
@@ -9180,7 +9292,7 @@
             </a:endParaRPr>
           </a:p>
           <a:p>
-            <a:pPr indent="-228600" lvl="0" marL="457200" marR="0" rtl="0" algn="l">
+            <a:pPr marL="457200" marR="0" lvl="0" indent="-228600" algn="l" rtl="0">
               <a:lnSpc>
                 <a:spcPct val="100000"/>
               </a:lnSpc>
@@ -9197,10 +9309,7 @@
               <a:buFont typeface="Arial"/>
               <a:buNone/>
             </a:pPr>
-            <a:r>
-              <a:t/>
-            </a:r>
-            <a:endParaRPr b="0" i="0" sz="1000" u="none" cap="none" strike="noStrike">
+            <a:endParaRPr sz="1000" b="0" i="0" u="none" strike="noStrike" cap="none" dirty="0">
               <a:solidFill>
                 <a:schemeClr val="dk1"/>
               </a:solidFill>
@@ -9211,7 +9320,7 @@
             </a:endParaRPr>
           </a:p>
           <a:p>
-            <a:pPr indent="0" lvl="0" marL="0" marR="0" rtl="0" algn="l">
+            <a:pPr marL="0" marR="0" lvl="0" indent="0" algn="l" rtl="0">
               <a:lnSpc>
                 <a:spcPct val="100000"/>
               </a:lnSpc>
@@ -9228,10 +9337,7 @@
               <a:buFont typeface="Arial"/>
               <a:buNone/>
             </a:pPr>
-            <a:r>
-              <a:t/>
-            </a:r>
-            <a:endParaRPr b="0" i="0" sz="1000" u="none" cap="none" strike="noStrike">
+            <a:endParaRPr sz="1000" b="0" i="0" u="none" strike="noStrike" cap="none" dirty="0">
               <a:solidFill>
                 <a:schemeClr val="dk1"/>
               </a:solidFill>
@@ -9252,11 +9358,11 @@
 </file>
 
 <file path=ppt/slides/slide2.xml><?xml version="1.0" encoding="utf-8"?>
-<p:sld xmlns:a="http://schemas.openxmlformats.org/drawingml/2006/main" xmlns:r="http://schemas.openxmlformats.org/officeDocument/2006/relationships" xmlns:mc="http://schemas.openxmlformats.org/markup-compatibility/2006" xmlns:mv="urn:schemas-microsoft-com:mac:vml" xmlns:p="http://schemas.openxmlformats.org/presentationml/2006/main" xmlns:c="http://schemas.openxmlformats.org/drawingml/2006/chart" xmlns:dgm="http://schemas.openxmlformats.org/drawingml/2006/diagram" xmlns:o="urn:schemas-microsoft-com:office:office" xmlns:v="urn:schemas-microsoft-com:vml" xmlns:pvml="urn:schemas-microsoft-com:office:powerpoint" xmlns:com="http://schemas.openxmlformats.org/drawingml/2006/compatibility" xmlns:p14="http://schemas.microsoft.com/office/powerpoint/2010/main" xmlns:p15="http://schemas.microsoft.com/office/powerpoint/2012/main">
+<p:sld xmlns:a="http://schemas.openxmlformats.org/drawingml/2006/main" xmlns:r="http://schemas.openxmlformats.org/officeDocument/2006/relationships" xmlns:p="http://schemas.openxmlformats.org/presentationml/2006/main">
   <p:cSld>
     <p:spTree>
       <p:nvGrpSpPr>
-        <p:cNvPr id="66" name="Shape 66"/>
+        <p:cNvPr id="1" name="Shape 66"/>
         <p:cNvGrpSpPr/>
         <p:nvPr/>
       </p:nvGrpSpPr>
@@ -9283,23 +9389,23 @@
             <a:avLst/>
           </a:prstGeom>
           <a:noFill/>
-          <a:ln cap="flat" cmpd="sng" w="9525">
+          <a:ln w="9525" cap="flat" cmpd="sng">
             <a:solidFill>
               <a:srgbClr val="FF9900"/>
             </a:solidFill>
             <a:prstDash val="solid"/>
             <a:round/>
-            <a:headEnd len="sm" w="sm" type="none"/>
-            <a:tailEnd len="sm" w="sm" type="none"/>
+            <a:headEnd type="none" w="sm" len="sm"/>
+            <a:tailEnd type="none" w="sm" len="sm"/>
           </a:ln>
         </p:spPr>
         <p:txBody>
-          <a:bodyPr anchorCtr="0" anchor="t" bIns="91425" lIns="91425" spcFirstLastPara="1" rIns="91425" wrap="square" tIns="91425">
+          <a:bodyPr spcFirstLastPara="1" wrap="square" lIns="91425" tIns="91425" rIns="91425" bIns="91425" anchor="t" anchorCtr="0">
             <a:noAutofit/>
           </a:bodyPr>
           <a:lstStyle/>
           <a:p>
-            <a:pPr indent="0" lvl="0" marL="0" marR="0" rtl="0" algn="l">
+            <a:pPr marL="0" marR="0" lvl="0" indent="0" algn="l" rtl="0">
               <a:lnSpc>
                 <a:spcPct val="100000"/>
               </a:lnSpc>
@@ -9317,7 +9423,7 @@
               <a:buNone/>
             </a:pPr>
             <a:r>
-              <a:rPr b="0" i="0" lang="pt-BR" sz="1400" u="none" cap="none" strike="noStrike">
+              <a:rPr lang="pt-BR" sz="1400" b="0" i="0" u="none" strike="noStrike" cap="none">
                 <a:solidFill>
                   <a:srgbClr val="000000"/>
                 </a:solidFill>
@@ -9328,7 +9434,7 @@
               </a:rPr>
               <a:t>Nós Operacionais</a:t>
             </a:r>
-            <a:endParaRPr b="0" i="0" sz="1400" u="none" cap="none" strike="noStrike">
+            <a:endParaRPr sz="1400" b="0" i="0" u="none" strike="noStrike" cap="none">
               <a:solidFill>
                 <a:srgbClr val="000000"/>
               </a:solidFill>
@@ -9353,30 +9459,30 @@
           </a:xfrm>
           <a:prstGeom prst="wave">
             <a:avLst>
-              <a:gd fmla="val 6999" name="adj1"/>
-              <a:gd fmla="val 0" name="adj2"/>
+              <a:gd name="adj1" fmla="val 6999"/>
+              <a:gd name="adj2" fmla="val 0"/>
             </a:avLst>
           </a:prstGeom>
           <a:solidFill>
             <a:srgbClr val="F4CCCC"/>
           </a:solidFill>
-          <a:ln cap="flat" cmpd="sng" w="9525">
+          <a:ln w="9525" cap="flat" cmpd="sng">
             <a:solidFill>
               <a:srgbClr val="FFFFFF"/>
             </a:solidFill>
             <a:prstDash val="solid"/>
             <a:round/>
-            <a:headEnd len="sm" w="sm" type="none"/>
-            <a:tailEnd len="sm" w="sm" type="none"/>
+            <a:headEnd type="none" w="sm" len="sm"/>
+            <a:tailEnd type="none" w="sm" len="sm"/>
           </a:ln>
         </p:spPr>
         <p:txBody>
-          <a:bodyPr anchorCtr="0" anchor="ctr" bIns="91425" lIns="91425" spcFirstLastPara="1" rIns="91425" wrap="square" tIns="91425">
+          <a:bodyPr spcFirstLastPara="1" wrap="square" lIns="91425" tIns="91425" rIns="91425" bIns="91425" anchor="ctr" anchorCtr="0">
             <a:noAutofit/>
           </a:bodyPr>
           <a:lstStyle/>
           <a:p>
-            <a:pPr indent="-292100" lvl="0" marL="457200" marR="0" rtl="0" algn="l">
+            <a:pPr marL="457200" marR="0" lvl="0" indent="-292100" algn="l" rtl="0">
               <a:lnSpc>
                 <a:spcPct val="100000"/>
               </a:lnSpc>
@@ -9394,7 +9500,7 @@
               <a:buChar char="❖"/>
             </a:pPr>
             <a:r>
-              <a:rPr b="0" i="0" lang="pt-BR" sz="1000" u="none" cap="none" strike="noStrike">
+              <a:rPr lang="pt-BR" sz="1000" b="0" i="0" u="none" strike="noStrike" cap="none">
                 <a:solidFill>
                   <a:schemeClr val="dk1"/>
                 </a:solidFill>
@@ -9405,7 +9511,7 @@
               </a:rPr>
               <a:t>Solicitar Orçamentos</a:t>
             </a:r>
-            <a:endParaRPr b="0" i="0" sz="1400" u="none" cap="none" strike="noStrike">
+            <a:endParaRPr sz="1400" b="0" i="0" u="none" strike="noStrike" cap="none">
               <a:solidFill>
                 <a:srgbClr val="000000"/>
               </a:solidFill>
@@ -9432,23 +9538,23 @@
             <a:avLst/>
           </a:prstGeom>
           <a:noFill/>
-          <a:ln cap="flat" cmpd="sng" w="9525">
+          <a:ln w="9525" cap="flat" cmpd="sng">
             <a:solidFill>
               <a:srgbClr val="FF9900"/>
             </a:solidFill>
             <a:prstDash val="solid"/>
             <a:round/>
-            <a:headEnd len="sm" w="sm" type="none"/>
-            <a:tailEnd len="sm" w="sm" type="none"/>
+            <a:headEnd type="none" w="sm" len="sm"/>
+            <a:tailEnd type="none" w="sm" len="sm"/>
           </a:ln>
         </p:spPr>
         <p:txBody>
-          <a:bodyPr anchorCtr="0" anchor="t" bIns="91425" lIns="91425" spcFirstLastPara="1" rIns="91425" wrap="square" tIns="91425">
+          <a:bodyPr spcFirstLastPara="1" wrap="square" lIns="91425" tIns="91425" rIns="91425" bIns="91425" anchor="t" anchorCtr="0">
             <a:noAutofit/>
           </a:bodyPr>
           <a:lstStyle/>
           <a:p>
-            <a:pPr indent="0" lvl="0" marL="0" marR="0" rtl="0" algn="l">
+            <a:pPr marL="0" marR="0" lvl="0" indent="0" algn="l" rtl="0">
               <a:lnSpc>
                 <a:spcPct val="100000"/>
               </a:lnSpc>
@@ -9466,7 +9572,7 @@
               <a:buNone/>
             </a:pPr>
             <a:r>
-              <a:rPr b="0" i="0" lang="pt-BR" sz="1400" u="none" cap="none" strike="noStrike">
+              <a:rPr lang="pt-BR" sz="1400" b="0" i="0" u="none" strike="noStrike" cap="none">
                 <a:solidFill>
                   <a:srgbClr val="000000"/>
                 </a:solidFill>
@@ -9477,7 +9583,7 @@
               </a:rPr>
               <a:t>Capacidades Operacionais</a:t>
             </a:r>
-            <a:endParaRPr b="0" i="0" sz="1400" u="none" cap="none" strike="noStrike">
+            <a:endParaRPr sz="1400" b="0" i="0" u="none" strike="noStrike" cap="none">
               <a:solidFill>
                 <a:srgbClr val="000000"/>
               </a:solidFill>
@@ -9505,18 +9611,18 @@
           </a:xfrm>
           <a:prstGeom prst="curvedConnector3">
             <a:avLst>
-              <a:gd fmla="val 47359" name="adj1"/>
+              <a:gd name="adj1" fmla="val 47359"/>
             </a:avLst>
           </a:prstGeom>
           <a:noFill/>
-          <a:ln cap="flat" cmpd="sng" w="9525">
+          <a:ln w="9525" cap="flat" cmpd="sng">
             <a:solidFill>
               <a:schemeClr val="dk2"/>
             </a:solidFill>
             <a:prstDash val="solid"/>
             <a:round/>
-            <a:headEnd len="sm" w="sm" type="none"/>
-            <a:tailEnd len="sm" w="sm" type="none"/>
+            <a:headEnd type="none" w="sm" len="sm"/>
+            <a:tailEnd type="none" w="sm" len="sm"/>
           </a:ln>
         </p:spPr>
       </p:cxnSp>
@@ -9565,23 +9671,23 @@
               <a:solidFill>
                 <a:srgbClr val="EEEEEE"/>
               </a:solidFill>
-              <a:ln cap="flat" cmpd="sng" w="9525">
+              <a:ln w="9525" cap="flat" cmpd="sng">
                 <a:solidFill>
                   <a:srgbClr val="595959"/>
                 </a:solidFill>
                 <a:prstDash val="solid"/>
                 <a:round/>
-                <a:headEnd len="sm" w="sm" type="none"/>
-                <a:tailEnd len="sm" w="sm" type="none"/>
+                <a:headEnd type="none" w="sm" len="sm"/>
+                <a:tailEnd type="none" w="sm" len="sm"/>
               </a:ln>
             </p:spPr>
             <p:txBody>
-              <a:bodyPr anchorCtr="0" anchor="ctr" bIns="91425" lIns="91425" spcFirstLastPara="1" rIns="91425" wrap="square" tIns="91425">
+              <a:bodyPr spcFirstLastPara="1" wrap="square" lIns="91425" tIns="91425" rIns="91425" bIns="91425" anchor="ctr" anchorCtr="0">
                 <a:noAutofit/>
               </a:bodyPr>
               <a:lstStyle/>
               <a:p>
-                <a:pPr indent="0" lvl="0" marL="0" marR="0" rtl="0" algn="l">
+                <a:pPr marL="0" marR="0" lvl="0" indent="0" algn="l" rtl="0">
                   <a:lnSpc>
                     <a:spcPct val="100000"/>
                   </a:lnSpc>
@@ -9598,10 +9704,7 @@
                   <a:buFont typeface="Arial"/>
                   <a:buNone/>
                 </a:pPr>
-                <a:r>
-                  <a:t/>
-                </a:r>
-                <a:endParaRPr b="0" i="0" sz="1400" u="none" cap="none" strike="noStrike">
+                <a:endParaRPr sz="1400" b="0" i="0" u="none" strike="noStrike" cap="none">
                   <a:solidFill>
                     <a:srgbClr val="000000"/>
                   </a:solidFill>
@@ -9630,14 +9733,14 @@
                 <a:avLst/>
               </a:prstGeom>
               <a:noFill/>
-              <a:ln cap="flat" cmpd="sng" w="9525">
+              <a:ln w="9525" cap="flat" cmpd="sng">
                 <a:solidFill>
                   <a:srgbClr val="595959"/>
                 </a:solidFill>
                 <a:prstDash val="solid"/>
                 <a:round/>
-                <a:headEnd len="sm" w="sm" type="none"/>
-                <a:tailEnd len="sm" w="sm" type="none"/>
+                <a:headEnd type="none" w="sm" len="sm"/>
+                <a:tailEnd type="none" w="sm" len="sm"/>
               </a:ln>
             </p:spPr>
           </p:cxnSp>
@@ -9656,14 +9759,14 @@
                 <a:avLst/>
               </a:prstGeom>
               <a:noFill/>
-              <a:ln cap="flat" cmpd="sng" w="9525">
+              <a:ln w="9525" cap="flat" cmpd="sng">
                 <a:solidFill>
                   <a:srgbClr val="595959"/>
                 </a:solidFill>
                 <a:prstDash val="solid"/>
                 <a:round/>
-                <a:headEnd len="sm" w="sm" type="none"/>
-                <a:tailEnd len="sm" w="sm" type="none"/>
+                <a:headEnd type="none" w="sm" len="sm"/>
+                <a:tailEnd type="none" w="sm" len="sm"/>
               </a:ln>
             </p:spPr>
           </p:cxnSp>
@@ -9682,14 +9785,14 @@
                 <a:avLst/>
               </a:prstGeom>
               <a:noFill/>
-              <a:ln cap="flat" cmpd="sng" w="9525">
+              <a:ln w="9525" cap="flat" cmpd="sng">
                 <a:solidFill>
                   <a:srgbClr val="595959"/>
                 </a:solidFill>
                 <a:prstDash val="solid"/>
                 <a:round/>
-                <a:headEnd len="sm" w="sm" type="none"/>
-                <a:tailEnd len="sm" w="sm" type="none"/>
+                <a:headEnd type="none" w="sm" len="sm"/>
+                <a:tailEnd type="none" w="sm" len="sm"/>
               </a:ln>
             </p:spPr>
           </p:cxnSp>
@@ -9708,14 +9811,14 @@
                 <a:avLst/>
               </a:prstGeom>
               <a:noFill/>
-              <a:ln cap="flat" cmpd="sng" w="9525">
+              <a:ln w="9525" cap="flat" cmpd="sng">
                 <a:solidFill>
                   <a:srgbClr val="595959"/>
                 </a:solidFill>
                 <a:prstDash val="solid"/>
                 <a:round/>
-                <a:headEnd len="sm" w="sm" type="none"/>
-                <a:tailEnd len="sm" w="sm" type="none"/>
+                <a:headEnd type="none" w="sm" len="sm"/>
+                <a:tailEnd type="none" w="sm" len="sm"/>
               </a:ln>
             </p:spPr>
           </p:cxnSp>
@@ -9740,12 +9843,12 @@
             </a:ln>
           </p:spPr>
           <p:txBody>
-            <a:bodyPr anchorCtr="0" anchor="t" bIns="91425" lIns="91425" spcFirstLastPara="1" rIns="91425" wrap="square" tIns="91425">
+            <a:bodyPr spcFirstLastPara="1" wrap="square" lIns="91425" tIns="91425" rIns="91425" bIns="91425" anchor="t" anchorCtr="0">
               <a:noAutofit/>
             </a:bodyPr>
             <a:lstStyle/>
             <a:p>
-              <a:pPr indent="0" lvl="0" marL="0" marR="0" rtl="0" algn="ctr">
+              <a:pPr marL="0" marR="0" lvl="0" indent="0" algn="ctr" rtl="0">
                 <a:lnSpc>
                   <a:spcPct val="100000"/>
                 </a:lnSpc>
@@ -9763,7 +9866,7 @@
                 <a:buNone/>
               </a:pPr>
               <a:r>
-                <a:rPr b="1" i="0" lang="pt-BR" sz="1200" u="none" cap="none" strike="noStrike">
+                <a:rPr lang="pt-BR" sz="1200" b="1" i="0" u="none" strike="noStrike" cap="none">
                   <a:solidFill>
                     <a:srgbClr val="000000"/>
                   </a:solidFill>
@@ -9774,7 +9877,7 @@
                 </a:rPr>
                 <a:t>Cliente</a:t>
               </a:r>
-              <a:endParaRPr b="1" i="0" sz="1200" u="none" cap="none" strike="noStrike">
+              <a:endParaRPr sz="1200" b="1" i="0" u="none" strike="noStrike" cap="none">
                 <a:solidFill>
                   <a:srgbClr val="000000"/>
                 </a:solidFill>
@@ -9797,24 +9900,24 @@
           <p:nvPr/>
         </p:nvCxnSpPr>
         <p:spPr>
-          <a:xfrm flipH="1" rot="5400000">
+          <a:xfrm rot="5400000" flipH="1">
             <a:off x="5144054" y="327126"/>
             <a:ext cx="810000" cy="1964100"/>
           </a:xfrm>
           <a:prstGeom prst="curvedConnector3">
             <a:avLst>
-              <a:gd fmla="val 46793" name="adj1"/>
+              <a:gd name="adj1" fmla="val 46793"/>
             </a:avLst>
           </a:prstGeom>
           <a:noFill/>
-          <a:ln cap="flat" cmpd="sng" w="9525">
+          <a:ln w="9525" cap="flat" cmpd="sng">
             <a:solidFill>
               <a:schemeClr val="dk2"/>
             </a:solidFill>
             <a:prstDash val="solid"/>
             <a:round/>
-            <a:headEnd len="sm" w="sm" type="none"/>
-            <a:tailEnd len="sm" w="sm" type="none"/>
+            <a:headEnd type="none" w="sm" len="sm"/>
+            <a:tailEnd type="none" w="sm" len="sm"/>
           </a:ln>
         </p:spPr>
       </p:cxnSp>
@@ -9834,19 +9937,19 @@
           </a:xfrm>
           <a:prstGeom prst="curvedConnector4">
             <a:avLst>
-              <a:gd fmla="val 32417" name="adj1"/>
-              <a:gd fmla="val 147502" name="adj2"/>
+              <a:gd name="adj1" fmla="val 32417"/>
+              <a:gd name="adj2" fmla="val 147502"/>
             </a:avLst>
           </a:prstGeom>
           <a:noFill/>
-          <a:ln cap="flat" cmpd="sng" w="9525">
+          <a:ln w="9525" cap="flat" cmpd="sng">
             <a:solidFill>
               <a:schemeClr val="dk2"/>
             </a:solidFill>
             <a:prstDash val="solid"/>
             <a:round/>
-            <a:headEnd len="sm" w="sm" type="none"/>
-            <a:tailEnd len="sm" w="sm" type="none"/>
+            <a:headEnd type="none" w="sm" len="sm"/>
+            <a:tailEnd type="none" w="sm" len="sm"/>
           </a:ln>
         </p:spPr>
       </p:cxnSp>
@@ -9865,23 +9968,23 @@
             <a:avLst/>
           </a:prstGeom>
           <a:noFill/>
-          <a:ln cap="flat" cmpd="sng" w="9525">
+          <a:ln w="9525" cap="flat" cmpd="sng">
             <a:solidFill>
               <a:schemeClr val="dk2"/>
             </a:solidFill>
             <a:prstDash val="solid"/>
             <a:round/>
-            <a:headEnd len="sm" w="sm" type="none"/>
-            <a:tailEnd len="sm" w="sm" type="none"/>
+            <a:headEnd type="none" w="sm" len="sm"/>
+            <a:tailEnd type="none" w="sm" len="sm"/>
           </a:ln>
         </p:spPr>
         <p:txBody>
-          <a:bodyPr anchorCtr="0" anchor="ctr" bIns="91425" lIns="91425" spcFirstLastPara="1" rIns="91425" wrap="square" tIns="91425">
+          <a:bodyPr spcFirstLastPara="1" wrap="square" lIns="91425" tIns="91425" rIns="91425" bIns="91425" anchor="ctr" anchorCtr="0">
             <a:noAutofit/>
           </a:bodyPr>
           <a:lstStyle/>
           <a:p>
-            <a:pPr indent="-292100" lvl="0" marL="457200" marR="0" rtl="0" algn="l">
+            <a:pPr marL="457200" marR="0" lvl="0" indent="-292100" algn="l" rtl="0">
               <a:lnSpc>
                 <a:spcPct val="100000"/>
               </a:lnSpc>
@@ -9899,7 +10002,7 @@
               <a:buChar char="●"/>
             </a:pPr>
             <a:r>
-              <a:rPr b="0" i="0" lang="pt-BR" sz="1000" u="none" cap="none" strike="noStrike">
+              <a:rPr lang="pt-BR" sz="1000" b="0" i="0" u="none" strike="noStrike" cap="none">
                 <a:solidFill>
                   <a:srgbClr val="000000"/>
                 </a:solidFill>
@@ -9910,7 +10013,7 @@
               </a:rPr>
               <a:t>Realizar orçamento junto ao cliente</a:t>
             </a:r>
-            <a:endParaRPr b="0" i="0" sz="1000" u="none" cap="none" strike="noStrike">
+            <a:endParaRPr sz="1000" b="0" i="0" u="none" strike="noStrike" cap="none">
               <a:solidFill>
                 <a:srgbClr val="000000"/>
               </a:solidFill>
@@ -9935,7 +10038,7 @@
           </a:xfrm>
           <a:prstGeom prst="roundRect">
             <a:avLst>
-              <a:gd fmla="val 16667" name="adj"/>
+              <a:gd name="adj" fmla="val 16667"/>
             </a:avLst>
           </a:prstGeom>
           <a:gradFill>
@@ -9948,27 +10051,27 @@
               </a:gs>
             </a:gsLst>
             <a:path path="circle">
-              <a:fillToRect b="50%" l="50%" r="50%" t="50%"/>
+              <a:fillToRect l="50000" t="50000" r="50000" b="50000"/>
             </a:path>
             <a:tileRect/>
           </a:gradFill>
-          <a:ln cap="flat" cmpd="sng" w="9525">
+          <a:ln w="9525" cap="flat" cmpd="sng">
             <a:solidFill>
               <a:srgbClr val="F3F3F3"/>
             </a:solidFill>
             <a:prstDash val="solid"/>
             <a:round/>
-            <a:headEnd len="sm" w="sm" type="none"/>
-            <a:tailEnd len="sm" w="sm" type="none"/>
+            <a:headEnd type="none" w="sm" len="sm"/>
+            <a:tailEnd type="none" w="sm" len="sm"/>
           </a:ln>
         </p:spPr>
         <p:txBody>
-          <a:bodyPr anchorCtr="0" anchor="ctr" bIns="91425" lIns="91425" spcFirstLastPara="1" rIns="91425" wrap="square" tIns="91425">
+          <a:bodyPr spcFirstLastPara="1" wrap="square" lIns="91425" tIns="91425" rIns="91425" bIns="91425" anchor="ctr" anchorCtr="0">
             <a:noAutofit/>
           </a:bodyPr>
           <a:lstStyle/>
           <a:p>
-            <a:pPr indent="0" lvl="0" marL="0" marR="0" rtl="0" algn="ctr">
+            <a:pPr marL="0" marR="0" lvl="0" indent="0" algn="ctr" rtl="0">
               <a:lnSpc>
                 <a:spcPct val="100000"/>
               </a:lnSpc>
@@ -9986,7 +10089,7 @@
               <a:buNone/>
             </a:pPr>
             <a:r>
-              <a:rPr b="0" i="0" lang="pt-BR" sz="1000" u="none" cap="none" strike="noStrike">
+              <a:rPr lang="pt-BR" sz="1000" b="0" i="0" u="none" strike="noStrike" cap="none">
                 <a:solidFill>
                   <a:srgbClr val="000000"/>
                 </a:solidFill>
@@ -9997,7 +10100,7 @@
               </a:rPr>
               <a:t>Atendimento</a:t>
             </a:r>
-            <a:endParaRPr b="0" i="0" sz="1400" u="none" cap="none" strike="noStrike">
+            <a:endParaRPr sz="1400" b="0" i="0" u="none" strike="noStrike" cap="none">
               <a:solidFill>
                 <a:srgbClr val="000000"/>
               </a:solidFill>
@@ -10024,23 +10127,23 @@
             <a:avLst/>
           </a:prstGeom>
           <a:noFill/>
-          <a:ln cap="flat" cmpd="sng" w="9525">
+          <a:ln w="9525" cap="flat" cmpd="sng">
             <a:solidFill>
               <a:schemeClr val="dk2"/>
             </a:solidFill>
             <a:prstDash val="solid"/>
             <a:round/>
-            <a:headEnd len="sm" w="sm" type="none"/>
-            <a:tailEnd len="sm" w="sm" type="none"/>
+            <a:headEnd type="none" w="sm" len="sm"/>
+            <a:tailEnd type="none" w="sm" len="sm"/>
           </a:ln>
         </p:spPr>
         <p:txBody>
-          <a:bodyPr anchorCtr="0" anchor="ctr" bIns="91425" lIns="91425" spcFirstLastPara="1" rIns="91425" wrap="square" tIns="91425">
+          <a:bodyPr spcFirstLastPara="1" wrap="square" lIns="91425" tIns="91425" rIns="91425" bIns="91425" anchor="ctr" anchorCtr="0">
             <a:noAutofit/>
           </a:bodyPr>
           <a:lstStyle/>
           <a:p>
-            <a:pPr indent="0" lvl="0" marL="457200" marR="0" rtl="0" algn="l">
+            <a:pPr marL="457200" marR="0" lvl="0" indent="0" algn="l" rtl="0">
               <a:lnSpc>
                 <a:spcPct val="100000"/>
               </a:lnSpc>
@@ -10057,10 +10160,7 @@
               <a:buFont typeface="Arial"/>
               <a:buNone/>
             </a:pPr>
-            <a:r>
-              <a:t/>
-            </a:r>
-            <a:endParaRPr b="0" i="0" sz="1000" u="none" cap="none" strike="noStrike">
+            <a:endParaRPr sz="1000" b="0" i="0" u="none" strike="noStrike" cap="none">
               <a:solidFill>
                 <a:srgbClr val="000000"/>
               </a:solidFill>
@@ -10071,7 +10171,7 @@
             </a:endParaRPr>
           </a:p>
           <a:p>
-            <a:pPr indent="-292100" lvl="0" marL="457200" marR="0" rtl="0" algn="l">
+            <a:pPr marL="457200" marR="0" lvl="0" indent="-292100" algn="l" rtl="0">
               <a:lnSpc>
                 <a:spcPct val="100000"/>
               </a:lnSpc>
@@ -10089,7 +10189,7 @@
               <a:buChar char="●"/>
             </a:pPr>
             <a:r>
-              <a:rPr b="0" i="0" lang="pt-BR" sz="1000" u="none" cap="none" strike="noStrike">
+              <a:rPr lang="pt-BR" sz="1000" b="0" i="0" u="none" strike="noStrike" cap="none">
                 <a:solidFill>
                   <a:srgbClr val="000000"/>
                 </a:solidFill>
@@ -10100,7 +10200,7 @@
               </a:rPr>
               <a:t>Negociar valores e serviços junto ao cliente</a:t>
             </a:r>
-            <a:endParaRPr b="0" i="0" sz="1000" u="none" cap="none" strike="noStrike">
+            <a:endParaRPr sz="1000" b="0" i="0" u="none" strike="noStrike" cap="none">
               <a:solidFill>
                 <a:srgbClr val="000000"/>
               </a:solidFill>
@@ -10125,7 +10225,7 @@
           </a:xfrm>
           <a:prstGeom prst="roundRect">
             <a:avLst>
-              <a:gd fmla="val 16667" name="adj"/>
+              <a:gd name="adj" fmla="val 16667"/>
             </a:avLst>
           </a:prstGeom>
           <a:gradFill>
@@ -10138,27 +10238,27 @@
               </a:gs>
             </a:gsLst>
             <a:path path="circle">
-              <a:fillToRect b="50%" l="50%" r="50%" t="50%"/>
+              <a:fillToRect l="50000" t="50000" r="50000" b="50000"/>
             </a:path>
             <a:tileRect/>
           </a:gradFill>
-          <a:ln cap="flat" cmpd="sng" w="9525">
+          <a:ln w="9525" cap="flat" cmpd="sng">
             <a:solidFill>
               <a:srgbClr val="F3F3F3"/>
             </a:solidFill>
             <a:prstDash val="solid"/>
             <a:round/>
-            <a:headEnd len="sm" w="sm" type="none"/>
-            <a:tailEnd len="sm" w="sm" type="none"/>
+            <a:headEnd type="none" w="sm" len="sm"/>
+            <a:tailEnd type="none" w="sm" len="sm"/>
           </a:ln>
         </p:spPr>
         <p:txBody>
-          <a:bodyPr anchorCtr="0" anchor="ctr" bIns="91425" lIns="91425" spcFirstLastPara="1" rIns="91425" wrap="square" tIns="91425">
+          <a:bodyPr spcFirstLastPara="1" wrap="square" lIns="91425" tIns="91425" rIns="91425" bIns="91425" anchor="ctr" anchorCtr="0">
             <a:noAutofit/>
           </a:bodyPr>
           <a:lstStyle/>
           <a:p>
-            <a:pPr indent="0" lvl="0" marL="0" marR="0" rtl="0" algn="ctr">
+            <a:pPr marL="0" marR="0" lvl="0" indent="0" algn="ctr" rtl="0">
               <a:lnSpc>
                 <a:spcPct val="100000"/>
               </a:lnSpc>
@@ -10176,7 +10276,7 @@
               <a:buNone/>
             </a:pPr>
             <a:r>
-              <a:rPr b="0" i="0" lang="pt-BR" sz="1000" u="none" cap="none" strike="noStrike">
+              <a:rPr lang="pt-BR" sz="1000" b="0" i="0" u="none" strike="noStrike" cap="none">
                 <a:solidFill>
                   <a:srgbClr val="000000"/>
                 </a:solidFill>
@@ -10187,7 +10287,7 @@
               </a:rPr>
               <a:t>Gerência</a:t>
             </a:r>
-            <a:endParaRPr b="0" i="0" sz="1400" u="none" cap="none" strike="noStrike">
+            <a:endParaRPr sz="1400" b="0" i="0" u="none" strike="noStrike" cap="none">
               <a:solidFill>
                 <a:srgbClr val="000000"/>
               </a:solidFill>
@@ -10214,18 +10314,18 @@
           </a:xfrm>
           <a:prstGeom prst="curvedConnector3">
             <a:avLst>
-              <a:gd fmla="val 50000" name="adj1"/>
+              <a:gd name="adj1" fmla="val 50000"/>
             </a:avLst>
           </a:prstGeom>
           <a:noFill/>
-          <a:ln cap="flat" cmpd="sng" w="9525">
+          <a:ln w="9525" cap="flat" cmpd="sng">
             <a:solidFill>
               <a:schemeClr val="dk2"/>
             </a:solidFill>
             <a:prstDash val="solid"/>
             <a:round/>
-            <a:headEnd len="sm" w="sm" type="none"/>
-            <a:tailEnd len="sm" w="sm" type="none"/>
+            <a:headEnd type="none" w="sm" len="sm"/>
+            <a:tailEnd type="none" w="sm" len="sm"/>
           </a:ln>
         </p:spPr>
       </p:cxnSp>
@@ -10247,14 +10347,14 @@
             <a:avLst/>
           </a:prstGeom>
           <a:noFill/>
-          <a:ln cap="flat" cmpd="sng" w="9525">
+          <a:ln w="9525" cap="flat" cmpd="sng">
             <a:solidFill>
               <a:schemeClr val="dk2"/>
             </a:solidFill>
             <a:prstDash val="solid"/>
             <a:round/>
-            <a:headEnd len="sm" w="sm" type="none"/>
-            <a:tailEnd len="sm" w="sm" type="none"/>
+            <a:headEnd type="none" w="sm" len="sm"/>
+            <a:tailEnd type="none" w="sm" len="sm"/>
           </a:ln>
         </p:spPr>
       </p:cxnSp>
@@ -10267,11 +10367,11 @@
 </file>
 
 <file path=ppt/slides/slide3.xml><?xml version="1.0" encoding="utf-8"?>
-<p:sld xmlns:a="http://schemas.openxmlformats.org/drawingml/2006/main" xmlns:r="http://schemas.openxmlformats.org/officeDocument/2006/relationships" xmlns:mc="http://schemas.openxmlformats.org/markup-compatibility/2006" xmlns:mv="urn:schemas-microsoft-com:mac:vml" xmlns:p="http://schemas.openxmlformats.org/presentationml/2006/main" xmlns:c="http://schemas.openxmlformats.org/drawingml/2006/chart" xmlns:dgm="http://schemas.openxmlformats.org/drawingml/2006/diagram" xmlns:o="urn:schemas-microsoft-com:office:office" xmlns:v="urn:schemas-microsoft-com:vml" xmlns:pvml="urn:schemas-microsoft-com:office:powerpoint" xmlns:com="http://schemas.openxmlformats.org/drawingml/2006/compatibility" xmlns:p14="http://schemas.microsoft.com/office/powerpoint/2010/main" xmlns:p15="http://schemas.microsoft.com/office/powerpoint/2012/main">
+<p:sld xmlns:a="http://schemas.openxmlformats.org/drawingml/2006/main" xmlns:r="http://schemas.openxmlformats.org/officeDocument/2006/relationships" xmlns:p="http://schemas.openxmlformats.org/presentationml/2006/main">
   <p:cSld>
     <p:spTree>
       <p:nvGrpSpPr>
-        <p:cNvPr id="90" name="Shape 90"/>
+        <p:cNvPr id="1" name="Shape 90"/>
         <p:cNvGrpSpPr/>
         <p:nvPr/>
       </p:nvGrpSpPr>
@@ -10298,23 +10398,23 @@
             <a:avLst/>
           </a:prstGeom>
           <a:noFill/>
-          <a:ln cap="flat" cmpd="sng" w="9525">
+          <a:ln w="9525" cap="flat" cmpd="sng">
             <a:solidFill>
               <a:srgbClr val="FF9900"/>
             </a:solidFill>
             <a:prstDash val="solid"/>
             <a:round/>
-            <a:headEnd len="sm" w="sm" type="none"/>
-            <a:tailEnd len="sm" w="sm" type="none"/>
+            <a:headEnd type="none" w="sm" len="sm"/>
+            <a:tailEnd type="none" w="sm" len="sm"/>
           </a:ln>
         </p:spPr>
         <p:txBody>
-          <a:bodyPr anchorCtr="0" anchor="t" bIns="91425" lIns="91425" spcFirstLastPara="1" rIns="91425" wrap="square" tIns="91425">
+          <a:bodyPr spcFirstLastPara="1" wrap="square" lIns="91425" tIns="91425" rIns="91425" bIns="91425" anchor="t" anchorCtr="0">
             <a:noAutofit/>
           </a:bodyPr>
           <a:lstStyle/>
           <a:p>
-            <a:pPr indent="0" lvl="0" marL="0" marR="0" rtl="0" algn="l">
+            <a:pPr marL="0" marR="0" lvl="0" indent="0" algn="l" rtl="0">
               <a:lnSpc>
                 <a:spcPct val="100000"/>
               </a:lnSpc>
@@ -10332,7 +10432,7 @@
               <a:buNone/>
             </a:pPr>
             <a:r>
-              <a:rPr b="0" i="0" lang="pt-BR" sz="1400" u="none" cap="none" strike="noStrike">
+              <a:rPr lang="pt-BR" sz="1400" b="0" i="0" u="none" strike="noStrike" cap="none">
                 <a:solidFill>
                   <a:srgbClr val="000000"/>
                 </a:solidFill>
@@ -10343,7 +10443,7 @@
               </a:rPr>
               <a:t>Nós Operacionais</a:t>
             </a:r>
-            <a:endParaRPr b="0" i="0" sz="1400" u="none" cap="none" strike="noStrike">
+            <a:endParaRPr sz="1400" b="0" i="0" u="none" strike="noStrike" cap="none">
               <a:solidFill>
                 <a:srgbClr val="000000"/>
               </a:solidFill>
@@ -10368,39 +10468,30 @@
           </a:xfrm>
           <a:prstGeom prst="wave">
             <a:avLst>
-              <a:gd fmla="val 6999" name="adj1"/>
-              <a:gd fmla="val 0" name="adj2"/>
+              <a:gd name="adj1" fmla="val 6999"/>
+              <a:gd name="adj2" fmla="val 0"/>
             </a:avLst>
           </a:prstGeom>
           <a:solidFill>
             <a:srgbClr val="F4CCCC"/>
           </a:solidFill>
-          <a:ln cap="flat" cmpd="sng" w="9525">
+          <a:ln w="9525" cap="flat" cmpd="sng">
             <a:solidFill>
               <a:srgbClr val="FFFFFF"/>
             </a:solidFill>
             <a:prstDash val="solid"/>
             <a:round/>
-            <a:headEnd len="sm" w="sm" type="none"/>
-            <a:tailEnd len="sm" w="sm" type="none"/>
+            <a:headEnd type="none" w="sm" len="sm"/>
+            <a:tailEnd type="none" w="sm" len="sm"/>
           </a:ln>
         </p:spPr>
         <p:txBody>
-          <a:bodyPr anchorCtr="0" anchor="ctr" bIns="91425" lIns="91425" spcFirstLastPara="1" rIns="91425" wrap="square" tIns="91425">
+          <a:bodyPr spcFirstLastPara="1" wrap="square" lIns="91425" tIns="91425" rIns="91425" bIns="91425" anchor="ctr" anchorCtr="0">
             <a:noAutofit/>
           </a:bodyPr>
           <a:lstStyle/>
           <a:p>
-            <a:pPr indent="-292100" lvl="0" marL="457200" marR="0" rtl="0" algn="l">
-              <a:lnSpc>
-                <a:spcPct val="100000"/>
-              </a:lnSpc>
-              <a:spcBef>
-                <a:spcPts val="0"/>
-              </a:spcBef>
-              <a:spcAft>
-                <a:spcPts val="0"/>
-              </a:spcAft>
+            <a:pPr marL="457200" lvl="0" indent="-292100">
               <a:buClr>
                 <a:schemeClr val="dk1"/>
               </a:buClr>
@@ -10409,26 +10500,13 @@
               <a:buChar char="❖"/>
             </a:pPr>
             <a:r>
-              <a:rPr b="0" i="0" lang="pt-BR" sz="1000" u="none" cap="none" strike="noStrike">
+              <a:rPr lang="pt-BR" sz="1000" dirty="0">
                 <a:solidFill>
                   <a:schemeClr val="dk1"/>
                 </a:solidFill>
-                <a:latin typeface="Arial"/>
-                <a:ea typeface="Arial"/>
-                <a:cs typeface="Arial"/>
-                <a:sym typeface="Arial"/>
               </a:rPr>
-              <a:t>Aceitar Orçamento</a:t>
+              <a:t>Aprovar serviço</a:t>
             </a:r>
-            <a:endParaRPr b="0" i="0" sz="1400" u="none" cap="none" strike="noStrike">
-              <a:solidFill>
-                <a:srgbClr val="000000"/>
-              </a:solidFill>
-              <a:latin typeface="Arial"/>
-              <a:ea typeface="Arial"/>
-              <a:cs typeface="Arial"/>
-              <a:sym typeface="Arial"/>
-            </a:endParaRPr>
           </a:p>
         </p:txBody>
       </p:sp>
@@ -10448,18 +10526,18 @@
           </a:xfrm>
           <a:prstGeom prst="curvedConnector3">
             <a:avLst>
-              <a:gd fmla="val 47661" name="adj1"/>
+              <a:gd name="adj1" fmla="val 47661"/>
             </a:avLst>
           </a:prstGeom>
           <a:noFill/>
-          <a:ln cap="flat" cmpd="sng" w="9525">
+          <a:ln w="9525" cap="flat" cmpd="sng">
             <a:solidFill>
               <a:schemeClr val="dk2"/>
             </a:solidFill>
             <a:prstDash val="solid"/>
             <a:round/>
-            <a:headEnd len="sm" w="sm" type="none"/>
-            <a:tailEnd len="sm" w="sm" type="none"/>
+            <a:headEnd type="none" w="sm" len="sm"/>
+            <a:tailEnd type="none" w="sm" len="sm"/>
           </a:ln>
         </p:spPr>
       </p:cxnSp>
@@ -10478,23 +10556,23 @@
             <a:avLst/>
           </a:prstGeom>
           <a:noFill/>
-          <a:ln cap="flat" cmpd="sng" w="9525">
+          <a:ln w="9525" cap="flat" cmpd="sng">
             <a:solidFill>
               <a:srgbClr val="FF9900"/>
             </a:solidFill>
             <a:prstDash val="solid"/>
             <a:round/>
-            <a:headEnd len="sm" w="sm" type="none"/>
-            <a:tailEnd len="sm" w="sm" type="none"/>
+            <a:headEnd type="none" w="sm" len="sm"/>
+            <a:tailEnd type="none" w="sm" len="sm"/>
           </a:ln>
         </p:spPr>
         <p:txBody>
-          <a:bodyPr anchorCtr="0" anchor="t" bIns="91425" lIns="91425" spcFirstLastPara="1" rIns="91425" wrap="square" tIns="91425">
+          <a:bodyPr spcFirstLastPara="1" wrap="square" lIns="91425" tIns="91425" rIns="91425" bIns="91425" anchor="t" anchorCtr="0">
             <a:noAutofit/>
           </a:bodyPr>
           <a:lstStyle/>
           <a:p>
-            <a:pPr indent="0" lvl="0" marL="0" marR="0" rtl="0" algn="l">
+            <a:pPr marL="0" marR="0" lvl="0" indent="0" algn="l" rtl="0">
               <a:lnSpc>
                 <a:spcPct val="100000"/>
               </a:lnSpc>
@@ -10512,7 +10590,7 @@
               <a:buNone/>
             </a:pPr>
             <a:r>
-              <a:rPr b="0" i="0" lang="pt-BR" sz="1400" u="none" cap="none" strike="noStrike">
+              <a:rPr lang="pt-BR" sz="1400" b="0" i="0" u="none" strike="noStrike" cap="none">
                 <a:solidFill>
                   <a:srgbClr val="000000"/>
                 </a:solidFill>
@@ -10523,7 +10601,7 @@
               </a:rPr>
               <a:t>Capacidades Operacionais</a:t>
             </a:r>
-            <a:endParaRPr b="0" i="0" sz="1400" u="none" cap="none" strike="noStrike">
+            <a:endParaRPr sz="1400" b="0" i="0" u="none" strike="noStrike" cap="none">
               <a:solidFill>
                 <a:srgbClr val="000000"/>
               </a:solidFill>
@@ -10542,24 +10620,24 @@
           <p:nvPr/>
         </p:nvCxnSpPr>
         <p:spPr>
-          <a:xfrm flipH="1" rot="-5400000">
+          <a:xfrm rot="-5400000" flipH="1">
             <a:off x="1415550" y="2831150"/>
             <a:ext cx="1152600" cy="550200"/>
           </a:xfrm>
           <a:prstGeom prst="curvedConnector3">
             <a:avLst>
-              <a:gd fmla="val 50000" name="adj1"/>
+              <a:gd name="adj1" fmla="val 50000"/>
             </a:avLst>
           </a:prstGeom>
           <a:noFill/>
-          <a:ln cap="flat" cmpd="sng" w="9525">
+          <a:ln w="9525" cap="flat" cmpd="sng">
             <a:solidFill>
               <a:schemeClr val="dk2"/>
             </a:solidFill>
             <a:prstDash val="solid"/>
             <a:round/>
-            <a:headEnd len="sm" w="sm" type="none"/>
-            <a:tailEnd len="sm" w="sm" type="none"/>
+            <a:headEnd type="none" w="sm" len="sm"/>
+            <a:tailEnd type="none" w="sm" len="sm"/>
           </a:ln>
         </p:spPr>
       </p:cxnSp>
@@ -10576,7 +10654,7 @@
           </a:xfrm>
           <a:prstGeom prst="roundRect">
             <a:avLst>
-              <a:gd fmla="val 16667" name="adj"/>
+              <a:gd name="adj" fmla="val 16667"/>
             </a:avLst>
           </a:prstGeom>
           <a:gradFill>
@@ -10589,27 +10667,27 @@
               </a:gs>
             </a:gsLst>
             <a:path path="circle">
-              <a:fillToRect b="50%" l="50%" r="50%" t="50%"/>
+              <a:fillToRect l="50000" t="50000" r="50000" b="50000"/>
             </a:path>
             <a:tileRect/>
           </a:gradFill>
-          <a:ln cap="flat" cmpd="sng" w="9525">
+          <a:ln w="9525" cap="flat" cmpd="sng">
             <a:solidFill>
               <a:srgbClr val="F3F3F3"/>
             </a:solidFill>
             <a:prstDash val="solid"/>
             <a:round/>
-            <a:headEnd len="sm" w="sm" type="none"/>
-            <a:tailEnd len="sm" w="sm" type="none"/>
+            <a:headEnd type="none" w="sm" len="sm"/>
+            <a:tailEnd type="none" w="sm" len="sm"/>
           </a:ln>
         </p:spPr>
         <p:txBody>
-          <a:bodyPr anchorCtr="0" anchor="ctr" bIns="91425" lIns="91425" spcFirstLastPara="1" rIns="91425" wrap="square" tIns="91425">
+          <a:bodyPr spcFirstLastPara="1" wrap="square" lIns="91425" tIns="91425" rIns="91425" bIns="91425" anchor="ctr" anchorCtr="0">
             <a:noAutofit/>
           </a:bodyPr>
           <a:lstStyle/>
           <a:p>
-            <a:pPr indent="0" lvl="0" marL="0" marR="0" rtl="0" algn="ctr">
+            <a:pPr marL="0" marR="0" lvl="0" indent="0" algn="ctr" rtl="0">
               <a:lnSpc>
                 <a:spcPct val="100000"/>
               </a:lnSpc>
@@ -10627,7 +10705,7 @@
               <a:buNone/>
             </a:pPr>
             <a:r>
-              <a:rPr b="0" i="0" lang="pt-BR" sz="1000" u="none" cap="none" strike="noStrike">
+              <a:rPr lang="pt-BR" sz="1000" b="0" i="0" u="none" strike="noStrike" cap="none">
                 <a:solidFill>
                   <a:srgbClr val="000000"/>
                 </a:solidFill>
@@ -10638,7 +10716,7 @@
               </a:rPr>
               <a:t>Atendimento</a:t>
             </a:r>
-            <a:endParaRPr b="0" i="0" sz="1400" u="none" cap="none" strike="noStrike">
+            <a:endParaRPr sz="1400" b="0" i="0" u="none" strike="noStrike" cap="none">
               <a:solidFill>
                 <a:srgbClr val="000000"/>
               </a:solidFill>
@@ -10665,23 +10743,23 @@
             <a:avLst/>
           </a:prstGeom>
           <a:noFill/>
-          <a:ln cap="flat" cmpd="sng" w="9525">
+          <a:ln w="9525" cap="flat" cmpd="sng">
             <a:solidFill>
               <a:schemeClr val="dk2"/>
             </a:solidFill>
             <a:prstDash val="solid"/>
             <a:round/>
-            <a:headEnd len="sm" w="sm" type="none"/>
-            <a:tailEnd len="sm" w="sm" type="none"/>
+            <a:headEnd type="none" w="sm" len="sm"/>
+            <a:tailEnd type="none" w="sm" len="sm"/>
           </a:ln>
         </p:spPr>
         <p:txBody>
-          <a:bodyPr anchorCtr="0" anchor="ctr" bIns="91425" lIns="91425" spcFirstLastPara="1" rIns="91425" wrap="square" tIns="91425">
+          <a:bodyPr spcFirstLastPara="1" wrap="square" lIns="91425" tIns="91425" rIns="91425" bIns="91425" anchor="ctr" anchorCtr="0">
             <a:noAutofit/>
           </a:bodyPr>
           <a:lstStyle/>
           <a:p>
-            <a:pPr indent="-292100" lvl="0" marL="457200" marR="0" rtl="0" algn="l">
+            <a:pPr marL="457200" marR="0" lvl="0" indent="-292100" algn="l" rtl="0">
               <a:lnSpc>
                 <a:spcPct val="100000"/>
               </a:lnSpc>
@@ -10699,7 +10777,7 @@
               <a:buChar char="●"/>
             </a:pPr>
             <a:r>
-              <a:rPr b="0" i="0" lang="pt-BR" sz="1000" u="none" cap="none" strike="noStrike">
+              <a:rPr lang="pt-BR" sz="1000" b="0" i="0" u="none" strike="noStrike" cap="none">
                 <a:solidFill>
                   <a:srgbClr val="000000"/>
                 </a:solidFill>
@@ -10710,7 +10788,7 @@
               </a:rPr>
               <a:t>Processar a solicitação de serviço </a:t>
             </a:r>
-            <a:endParaRPr b="0" i="0" sz="1000" u="none" cap="none" strike="noStrike">
+            <a:endParaRPr sz="1000" b="0" i="0" u="none" strike="noStrike" cap="none">
               <a:solidFill>
                 <a:srgbClr val="000000"/>
               </a:solidFill>
@@ -10767,23 +10845,23 @@
               <a:solidFill>
                 <a:srgbClr val="EEEEEE"/>
               </a:solidFill>
-              <a:ln cap="flat" cmpd="sng" w="9525">
+              <a:ln w="9525" cap="flat" cmpd="sng">
                 <a:solidFill>
                   <a:srgbClr val="595959"/>
                 </a:solidFill>
                 <a:prstDash val="solid"/>
                 <a:round/>
-                <a:headEnd len="sm" w="sm" type="none"/>
-                <a:tailEnd len="sm" w="sm" type="none"/>
+                <a:headEnd type="none" w="sm" len="sm"/>
+                <a:tailEnd type="none" w="sm" len="sm"/>
               </a:ln>
             </p:spPr>
             <p:txBody>
-              <a:bodyPr anchorCtr="0" anchor="ctr" bIns="91425" lIns="91425" spcFirstLastPara="1" rIns="91425" wrap="square" tIns="91425">
+              <a:bodyPr spcFirstLastPara="1" wrap="square" lIns="91425" tIns="91425" rIns="91425" bIns="91425" anchor="ctr" anchorCtr="0">
                 <a:noAutofit/>
               </a:bodyPr>
               <a:lstStyle/>
               <a:p>
-                <a:pPr indent="0" lvl="0" marL="0" marR="0" rtl="0" algn="l">
+                <a:pPr marL="0" marR="0" lvl="0" indent="0" algn="l" rtl="0">
                   <a:lnSpc>
                     <a:spcPct val="100000"/>
                   </a:lnSpc>
@@ -10800,10 +10878,7 @@
                   <a:buFont typeface="Arial"/>
                   <a:buNone/>
                 </a:pPr>
-                <a:r>
-                  <a:t/>
-                </a:r>
-                <a:endParaRPr b="0" i="0" sz="1400" u="none" cap="none" strike="noStrike">
+                <a:endParaRPr sz="1400" b="0" i="0" u="none" strike="noStrike" cap="none">
                   <a:solidFill>
                     <a:srgbClr val="000000"/>
                   </a:solidFill>
@@ -10832,14 +10907,14 @@
                 <a:avLst/>
               </a:prstGeom>
               <a:noFill/>
-              <a:ln cap="flat" cmpd="sng" w="9525">
+              <a:ln w="9525" cap="flat" cmpd="sng">
                 <a:solidFill>
                   <a:srgbClr val="595959"/>
                 </a:solidFill>
                 <a:prstDash val="solid"/>
                 <a:round/>
-                <a:headEnd len="sm" w="sm" type="none"/>
-                <a:tailEnd len="sm" w="sm" type="none"/>
+                <a:headEnd type="none" w="sm" len="sm"/>
+                <a:tailEnd type="none" w="sm" len="sm"/>
               </a:ln>
             </p:spPr>
           </p:cxnSp>
@@ -10858,14 +10933,14 @@
                 <a:avLst/>
               </a:prstGeom>
               <a:noFill/>
-              <a:ln cap="flat" cmpd="sng" w="9525">
+              <a:ln w="9525" cap="flat" cmpd="sng">
                 <a:solidFill>
                   <a:srgbClr val="595959"/>
                 </a:solidFill>
                 <a:prstDash val="solid"/>
                 <a:round/>
-                <a:headEnd len="sm" w="sm" type="none"/>
-                <a:tailEnd len="sm" w="sm" type="none"/>
+                <a:headEnd type="none" w="sm" len="sm"/>
+                <a:tailEnd type="none" w="sm" len="sm"/>
               </a:ln>
             </p:spPr>
           </p:cxnSp>
@@ -10884,14 +10959,14 @@
                 <a:avLst/>
               </a:prstGeom>
               <a:noFill/>
-              <a:ln cap="flat" cmpd="sng" w="9525">
+              <a:ln w="9525" cap="flat" cmpd="sng">
                 <a:solidFill>
                   <a:srgbClr val="595959"/>
                 </a:solidFill>
                 <a:prstDash val="solid"/>
                 <a:round/>
-                <a:headEnd len="sm" w="sm" type="none"/>
-                <a:tailEnd len="sm" w="sm" type="none"/>
+                <a:headEnd type="none" w="sm" len="sm"/>
+                <a:tailEnd type="none" w="sm" len="sm"/>
               </a:ln>
             </p:spPr>
           </p:cxnSp>
@@ -10910,14 +10985,14 @@
                 <a:avLst/>
               </a:prstGeom>
               <a:noFill/>
-              <a:ln cap="flat" cmpd="sng" w="9525">
+              <a:ln w="9525" cap="flat" cmpd="sng">
                 <a:solidFill>
                   <a:srgbClr val="595959"/>
                 </a:solidFill>
                 <a:prstDash val="solid"/>
                 <a:round/>
-                <a:headEnd len="sm" w="sm" type="none"/>
-                <a:tailEnd len="sm" w="sm" type="none"/>
+                <a:headEnd type="none" w="sm" len="sm"/>
+                <a:tailEnd type="none" w="sm" len="sm"/>
               </a:ln>
             </p:spPr>
           </p:cxnSp>
@@ -10942,12 +11017,12 @@
             </a:ln>
           </p:spPr>
           <p:txBody>
-            <a:bodyPr anchorCtr="0" anchor="t" bIns="91425" lIns="91425" spcFirstLastPara="1" rIns="91425" wrap="square" tIns="91425">
+            <a:bodyPr spcFirstLastPara="1" wrap="square" lIns="91425" tIns="91425" rIns="91425" bIns="91425" anchor="t" anchorCtr="0">
               <a:noAutofit/>
             </a:bodyPr>
             <a:lstStyle/>
             <a:p>
-              <a:pPr indent="0" lvl="0" marL="0" marR="0" rtl="0" algn="ctr">
+              <a:pPr marL="0" marR="0" lvl="0" indent="0" algn="ctr" rtl="0">
                 <a:lnSpc>
                   <a:spcPct val="100000"/>
                 </a:lnSpc>
@@ -10965,7 +11040,7 @@
                 <a:buNone/>
               </a:pPr>
               <a:r>
-                <a:rPr b="1" i="0" lang="pt-BR" sz="1200" u="none" cap="none" strike="noStrike">
+                <a:rPr lang="pt-BR" sz="1200" b="1" i="0" u="none" strike="noStrike" cap="none">
                   <a:solidFill>
                     <a:srgbClr val="000000"/>
                   </a:solidFill>
@@ -10976,7 +11051,7 @@
                 </a:rPr>
                 <a:t>Cliente</a:t>
               </a:r>
-              <a:endParaRPr b="1" i="0" sz="1200" u="none" cap="none" strike="noStrike">
+              <a:endParaRPr sz="1200" b="1" i="0" u="none" strike="noStrike" cap="none">
                 <a:solidFill>
                   <a:srgbClr val="000000"/>
                 </a:solidFill>
@@ -10999,24 +11074,24 @@
           <p:nvPr/>
         </p:nvCxnSpPr>
         <p:spPr>
-          <a:xfrm flipH="1" rot="5400000">
+          <a:xfrm rot="5400000" flipH="1">
             <a:off x="5144056" y="327126"/>
             <a:ext cx="810000" cy="1964100"/>
           </a:xfrm>
           <a:prstGeom prst="curvedConnector3">
             <a:avLst>
-              <a:gd fmla="val 46793" name="adj1"/>
+              <a:gd name="adj1" fmla="val 46793"/>
             </a:avLst>
           </a:prstGeom>
           <a:noFill/>
-          <a:ln cap="flat" cmpd="sng" w="9525">
+          <a:ln w="9525" cap="flat" cmpd="sng">
             <a:solidFill>
               <a:schemeClr val="dk2"/>
             </a:solidFill>
             <a:prstDash val="solid"/>
             <a:round/>
-            <a:headEnd len="sm" w="sm" type="none"/>
-            <a:tailEnd len="sm" w="sm" type="none"/>
+            <a:headEnd type="none" w="sm" len="sm"/>
+            <a:tailEnd type="none" w="sm" len="sm"/>
           </a:ln>
         </p:spPr>
       </p:cxnSp>
@@ -11029,11 +11104,11 @@
 </file>
 
 <file path=ppt/slides/slide4.xml><?xml version="1.0" encoding="utf-8"?>
-<p:sld xmlns:a="http://schemas.openxmlformats.org/drawingml/2006/main" xmlns:r="http://schemas.openxmlformats.org/officeDocument/2006/relationships" xmlns:mc="http://schemas.openxmlformats.org/markup-compatibility/2006" xmlns:mv="urn:schemas-microsoft-com:mac:vml" xmlns:p="http://schemas.openxmlformats.org/presentationml/2006/main" xmlns:c="http://schemas.openxmlformats.org/drawingml/2006/chart" xmlns:dgm="http://schemas.openxmlformats.org/drawingml/2006/diagram" xmlns:o="urn:schemas-microsoft-com:office:office" xmlns:v="urn:schemas-microsoft-com:vml" xmlns:pvml="urn:schemas-microsoft-com:office:powerpoint" xmlns:com="http://schemas.openxmlformats.org/drawingml/2006/compatibility" xmlns:p14="http://schemas.microsoft.com/office/powerpoint/2010/main" xmlns:p15="http://schemas.microsoft.com/office/powerpoint/2012/main">
+<p:sld xmlns:a="http://schemas.openxmlformats.org/drawingml/2006/main" xmlns:r="http://schemas.openxmlformats.org/officeDocument/2006/relationships" xmlns:p="http://schemas.openxmlformats.org/presentationml/2006/main">
   <p:cSld>
     <p:spTree>
       <p:nvGrpSpPr>
-        <p:cNvPr id="110" name="Shape 110"/>
+        <p:cNvPr id="1" name="Shape 110"/>
         <p:cNvGrpSpPr/>
         <p:nvPr/>
       </p:nvGrpSpPr>
@@ -11060,23 +11135,23 @@
             <a:avLst/>
           </a:prstGeom>
           <a:noFill/>
-          <a:ln cap="flat" cmpd="sng" w="9525">
+          <a:ln w="9525" cap="flat" cmpd="sng">
             <a:solidFill>
               <a:srgbClr val="FF9900"/>
             </a:solidFill>
             <a:prstDash val="solid"/>
             <a:round/>
-            <a:headEnd len="sm" w="sm" type="none"/>
-            <a:tailEnd len="sm" w="sm" type="none"/>
+            <a:headEnd type="none" w="sm" len="sm"/>
+            <a:tailEnd type="none" w="sm" len="sm"/>
           </a:ln>
         </p:spPr>
         <p:txBody>
-          <a:bodyPr anchorCtr="0" anchor="t" bIns="91425" lIns="91425" spcFirstLastPara="1" rIns="91425" wrap="square" tIns="91425">
+          <a:bodyPr spcFirstLastPara="1" wrap="square" lIns="91425" tIns="91425" rIns="91425" bIns="91425" anchor="t" anchorCtr="0">
             <a:noAutofit/>
           </a:bodyPr>
           <a:lstStyle/>
           <a:p>
-            <a:pPr indent="0" lvl="0" marL="0" marR="0" rtl="0" algn="l">
+            <a:pPr marL="0" marR="0" lvl="0" indent="0" algn="l" rtl="0">
               <a:lnSpc>
                 <a:spcPct val="100000"/>
               </a:lnSpc>
@@ -11094,7 +11169,7 @@
               <a:buNone/>
             </a:pPr>
             <a:r>
-              <a:rPr b="0" i="0" lang="pt-BR" sz="1400" u="none" cap="none" strike="noStrike">
+              <a:rPr lang="pt-BR" sz="1400" b="0" i="0" u="none" strike="noStrike" cap="none">
                 <a:solidFill>
                   <a:srgbClr val="000000"/>
                 </a:solidFill>
@@ -11105,7 +11180,7 @@
               </a:rPr>
               <a:t>Nós Operacionais</a:t>
             </a:r>
-            <a:endParaRPr b="0" i="0" sz="1400" u="none" cap="none" strike="noStrike">
+            <a:endParaRPr sz="1400" b="0" i="0" u="none" strike="noStrike" cap="none">
               <a:solidFill>
                 <a:srgbClr val="000000"/>
               </a:solidFill>
@@ -11130,30 +11205,30 @@
           </a:xfrm>
           <a:prstGeom prst="wave">
             <a:avLst>
-              <a:gd fmla="val 6999" name="adj1"/>
-              <a:gd fmla="val 0" name="adj2"/>
+              <a:gd name="adj1" fmla="val 6999"/>
+              <a:gd name="adj2" fmla="val 0"/>
             </a:avLst>
           </a:prstGeom>
           <a:solidFill>
             <a:srgbClr val="F4CCCC"/>
           </a:solidFill>
-          <a:ln cap="flat" cmpd="sng" w="9525">
+          <a:ln w="9525" cap="flat" cmpd="sng">
             <a:solidFill>
               <a:srgbClr val="FFFFFF"/>
             </a:solidFill>
             <a:prstDash val="solid"/>
             <a:round/>
-            <a:headEnd len="sm" w="sm" type="none"/>
-            <a:tailEnd len="sm" w="sm" type="none"/>
+            <a:headEnd type="none" w="sm" len="sm"/>
+            <a:tailEnd type="none" w="sm" len="sm"/>
           </a:ln>
         </p:spPr>
         <p:txBody>
-          <a:bodyPr anchorCtr="0" anchor="ctr" bIns="91425" lIns="91425" spcFirstLastPara="1" rIns="91425" wrap="square" tIns="91425">
+          <a:bodyPr spcFirstLastPara="1" wrap="square" lIns="91425" tIns="91425" rIns="91425" bIns="91425" anchor="ctr" anchorCtr="0">
             <a:noAutofit/>
           </a:bodyPr>
           <a:lstStyle/>
           <a:p>
-            <a:pPr indent="-292100" lvl="0" marL="457200" marR="0" rtl="0" algn="l">
+            <a:pPr marL="457200" marR="0" lvl="0" indent="-292100" algn="l" rtl="0">
               <a:lnSpc>
                 <a:spcPct val="100000"/>
               </a:lnSpc>
@@ -11171,7 +11246,7 @@
               <a:buChar char="❖"/>
             </a:pPr>
             <a:r>
-              <a:rPr b="0" i="0" lang="pt-BR" sz="1000" u="none" cap="none" strike="noStrike">
+              <a:rPr lang="pt-BR" sz="1000" b="0" i="0" u="none" strike="noStrike" cap="none">
                 <a:solidFill>
                   <a:schemeClr val="dk1"/>
                 </a:solidFill>
@@ -11182,7 +11257,7 @@
               </a:rPr>
               <a:t>Realizar pagamento</a:t>
             </a:r>
-            <a:endParaRPr b="0" i="0" sz="1200" u="none" cap="none" strike="noStrike">
+            <a:endParaRPr sz="1200" b="0" i="0" u="none" strike="noStrike" cap="none">
               <a:solidFill>
                 <a:srgbClr val="000000"/>
               </a:solidFill>
@@ -11210,18 +11285,18 @@
           </a:xfrm>
           <a:prstGeom prst="curvedConnector3">
             <a:avLst>
-              <a:gd fmla="val 47553" name="adj1"/>
+              <a:gd name="adj1" fmla="val 47553"/>
             </a:avLst>
           </a:prstGeom>
           <a:noFill/>
-          <a:ln cap="flat" cmpd="sng" w="9525">
+          <a:ln w="9525" cap="flat" cmpd="sng">
             <a:solidFill>
               <a:schemeClr val="dk2"/>
             </a:solidFill>
             <a:prstDash val="solid"/>
             <a:round/>
-            <a:headEnd len="sm" w="sm" type="none"/>
-            <a:tailEnd len="sm" w="sm" type="none"/>
+            <a:headEnd type="none" w="sm" len="sm"/>
+            <a:tailEnd type="none" w="sm" len="sm"/>
           </a:ln>
         </p:spPr>
       </p:cxnSp>
@@ -11240,23 +11315,23 @@
             <a:avLst/>
           </a:prstGeom>
           <a:noFill/>
-          <a:ln cap="flat" cmpd="sng" w="9525">
+          <a:ln w="9525" cap="flat" cmpd="sng">
             <a:solidFill>
               <a:srgbClr val="FF9900"/>
             </a:solidFill>
             <a:prstDash val="solid"/>
             <a:round/>
-            <a:headEnd len="sm" w="sm" type="none"/>
-            <a:tailEnd len="sm" w="sm" type="none"/>
+            <a:headEnd type="none" w="sm" len="sm"/>
+            <a:tailEnd type="none" w="sm" len="sm"/>
           </a:ln>
         </p:spPr>
         <p:txBody>
-          <a:bodyPr anchorCtr="0" anchor="t" bIns="91425" lIns="91425" spcFirstLastPara="1" rIns="91425" wrap="square" tIns="91425">
+          <a:bodyPr spcFirstLastPara="1" wrap="square" lIns="91425" tIns="91425" rIns="91425" bIns="91425" anchor="t" anchorCtr="0">
             <a:noAutofit/>
           </a:bodyPr>
           <a:lstStyle/>
           <a:p>
-            <a:pPr indent="0" lvl="0" marL="0" marR="0" rtl="0" algn="l">
+            <a:pPr marL="0" marR="0" lvl="0" indent="0" algn="l" rtl="0">
               <a:lnSpc>
                 <a:spcPct val="100000"/>
               </a:lnSpc>
@@ -11274,7 +11349,7 @@
               <a:buNone/>
             </a:pPr>
             <a:r>
-              <a:rPr b="0" i="0" lang="pt-BR" sz="1400" u="none" cap="none" strike="noStrike">
+              <a:rPr lang="pt-BR" sz="1400" b="0" i="0" u="none" strike="noStrike" cap="none">
                 <a:solidFill>
                   <a:srgbClr val="000000"/>
                 </a:solidFill>
@@ -11285,7 +11360,7 @@
               </a:rPr>
               <a:t>Capacidades Operacionais</a:t>
             </a:r>
-            <a:endParaRPr b="0" i="0" sz="1400" u="none" cap="none" strike="noStrike">
+            <a:endParaRPr sz="1400" b="0" i="0" u="none" strike="noStrike" cap="none">
               <a:solidFill>
                 <a:srgbClr val="000000"/>
               </a:solidFill>
@@ -11342,23 +11417,23 @@
               <a:solidFill>
                 <a:srgbClr val="EEEEEE"/>
               </a:solidFill>
-              <a:ln cap="flat" cmpd="sng" w="9525">
+              <a:ln w="9525" cap="flat" cmpd="sng">
                 <a:solidFill>
                   <a:srgbClr val="595959"/>
                 </a:solidFill>
                 <a:prstDash val="solid"/>
                 <a:round/>
-                <a:headEnd len="sm" w="sm" type="none"/>
-                <a:tailEnd len="sm" w="sm" type="none"/>
+                <a:headEnd type="none" w="sm" len="sm"/>
+                <a:tailEnd type="none" w="sm" len="sm"/>
               </a:ln>
             </p:spPr>
             <p:txBody>
-              <a:bodyPr anchorCtr="0" anchor="ctr" bIns="91425" lIns="91425" spcFirstLastPara="1" rIns="91425" wrap="square" tIns="91425">
+              <a:bodyPr spcFirstLastPara="1" wrap="square" lIns="91425" tIns="91425" rIns="91425" bIns="91425" anchor="ctr" anchorCtr="0">
                 <a:noAutofit/>
               </a:bodyPr>
               <a:lstStyle/>
               <a:p>
-                <a:pPr indent="0" lvl="0" marL="0" marR="0" rtl="0" algn="l">
+                <a:pPr marL="0" marR="0" lvl="0" indent="0" algn="l" rtl="0">
                   <a:lnSpc>
                     <a:spcPct val="100000"/>
                   </a:lnSpc>
@@ -11375,10 +11450,7 @@
                   <a:buFont typeface="Arial"/>
                   <a:buNone/>
                 </a:pPr>
-                <a:r>
-                  <a:t/>
-                </a:r>
-                <a:endParaRPr b="0" i="0" sz="1400" u="none" cap="none" strike="noStrike">
+                <a:endParaRPr sz="1400" b="0" i="0" u="none" strike="noStrike" cap="none">
                   <a:solidFill>
                     <a:srgbClr val="000000"/>
                   </a:solidFill>
@@ -11407,14 +11479,14 @@
                 <a:avLst/>
               </a:prstGeom>
               <a:noFill/>
-              <a:ln cap="flat" cmpd="sng" w="9525">
+              <a:ln w="9525" cap="flat" cmpd="sng">
                 <a:solidFill>
                   <a:srgbClr val="595959"/>
                 </a:solidFill>
                 <a:prstDash val="solid"/>
                 <a:round/>
-                <a:headEnd len="sm" w="sm" type="none"/>
-                <a:tailEnd len="sm" w="sm" type="none"/>
+                <a:headEnd type="none" w="sm" len="sm"/>
+                <a:tailEnd type="none" w="sm" len="sm"/>
               </a:ln>
             </p:spPr>
           </p:cxnSp>
@@ -11433,14 +11505,14 @@
                 <a:avLst/>
               </a:prstGeom>
               <a:noFill/>
-              <a:ln cap="flat" cmpd="sng" w="9525">
+              <a:ln w="9525" cap="flat" cmpd="sng">
                 <a:solidFill>
                   <a:srgbClr val="595959"/>
                 </a:solidFill>
                 <a:prstDash val="solid"/>
                 <a:round/>
-                <a:headEnd len="sm" w="sm" type="none"/>
-                <a:tailEnd len="sm" w="sm" type="none"/>
+                <a:headEnd type="none" w="sm" len="sm"/>
+                <a:tailEnd type="none" w="sm" len="sm"/>
               </a:ln>
             </p:spPr>
           </p:cxnSp>
@@ -11459,14 +11531,14 @@
                 <a:avLst/>
               </a:prstGeom>
               <a:noFill/>
-              <a:ln cap="flat" cmpd="sng" w="9525">
+              <a:ln w="9525" cap="flat" cmpd="sng">
                 <a:solidFill>
                   <a:srgbClr val="595959"/>
                 </a:solidFill>
                 <a:prstDash val="solid"/>
                 <a:round/>
-                <a:headEnd len="sm" w="sm" type="none"/>
-                <a:tailEnd len="sm" w="sm" type="none"/>
+                <a:headEnd type="none" w="sm" len="sm"/>
+                <a:tailEnd type="none" w="sm" len="sm"/>
               </a:ln>
             </p:spPr>
           </p:cxnSp>
@@ -11485,14 +11557,14 @@
                 <a:avLst/>
               </a:prstGeom>
               <a:noFill/>
-              <a:ln cap="flat" cmpd="sng" w="9525">
+              <a:ln w="9525" cap="flat" cmpd="sng">
                 <a:solidFill>
                   <a:srgbClr val="595959"/>
                 </a:solidFill>
                 <a:prstDash val="solid"/>
                 <a:round/>
-                <a:headEnd len="sm" w="sm" type="none"/>
-                <a:tailEnd len="sm" w="sm" type="none"/>
+                <a:headEnd type="none" w="sm" len="sm"/>
+                <a:tailEnd type="none" w="sm" len="sm"/>
               </a:ln>
             </p:spPr>
           </p:cxnSp>
@@ -11517,12 +11589,12 @@
             </a:ln>
           </p:spPr>
           <p:txBody>
-            <a:bodyPr anchorCtr="0" anchor="t" bIns="91425" lIns="91425" spcFirstLastPara="1" rIns="91425" wrap="square" tIns="91425">
+            <a:bodyPr spcFirstLastPara="1" wrap="square" lIns="91425" tIns="91425" rIns="91425" bIns="91425" anchor="t" anchorCtr="0">
               <a:noAutofit/>
             </a:bodyPr>
             <a:lstStyle/>
             <a:p>
-              <a:pPr indent="0" lvl="0" marL="0" marR="0" rtl="0" algn="ctr">
+              <a:pPr marL="0" marR="0" lvl="0" indent="0" algn="ctr" rtl="0">
                 <a:lnSpc>
                   <a:spcPct val="100000"/>
                 </a:lnSpc>
@@ -11540,7 +11612,7 @@
                 <a:buNone/>
               </a:pPr>
               <a:r>
-                <a:rPr b="1" i="0" lang="pt-BR" sz="1200" u="none" cap="none" strike="noStrike">
+                <a:rPr lang="pt-BR" sz="1200" b="1" i="0" u="none" strike="noStrike" cap="none">
                   <a:solidFill>
                     <a:srgbClr val="000000"/>
                   </a:solidFill>
@@ -11551,7 +11623,7 @@
                 </a:rPr>
                 <a:t>Cliente</a:t>
               </a:r>
-              <a:endParaRPr b="1" i="0" sz="1200" u="none" cap="none" strike="noStrike">
+              <a:endParaRPr sz="1200" b="1" i="0" u="none" strike="noStrike" cap="none">
                 <a:solidFill>
                   <a:srgbClr val="000000"/>
                 </a:solidFill>
@@ -11574,24 +11646,24 @@
           <p:nvPr/>
         </p:nvCxnSpPr>
         <p:spPr>
-          <a:xfrm flipH="1" rot="5400000">
+          <a:xfrm rot="5400000" flipH="1">
             <a:off x="5144054" y="327126"/>
             <a:ext cx="810000" cy="1964100"/>
           </a:xfrm>
           <a:prstGeom prst="curvedConnector3">
             <a:avLst>
-              <a:gd fmla="val 46793" name="adj1"/>
+              <a:gd name="adj1" fmla="val 46793"/>
             </a:avLst>
           </a:prstGeom>
           <a:noFill/>
-          <a:ln cap="flat" cmpd="sng" w="9525">
+          <a:ln w="9525" cap="flat" cmpd="sng">
             <a:solidFill>
               <a:schemeClr val="dk2"/>
             </a:solidFill>
             <a:prstDash val="solid"/>
             <a:round/>
-            <a:headEnd len="sm" w="sm" type="none"/>
-            <a:tailEnd len="sm" w="sm" type="none"/>
+            <a:headEnd type="none" w="sm" len="sm"/>
+            <a:tailEnd type="none" w="sm" len="sm"/>
           </a:ln>
         </p:spPr>
       </p:cxnSp>
@@ -11605,7 +11677,7 @@
           <p:nvPr/>
         </p:nvCxnSpPr>
         <p:spPr>
-          <a:xfrm flipH="1" rot="-5400000">
+          <a:xfrm rot="-5400000" flipH="1">
             <a:off x="1461552" y="2741901"/>
             <a:ext cx="1051200" cy="559500"/>
           </a:xfrm>
@@ -11613,14 +11685,14 @@
             <a:avLst/>
           </a:prstGeom>
           <a:noFill/>
-          <a:ln cap="flat" cmpd="sng" w="9525">
+          <a:ln w="9525" cap="flat" cmpd="sng">
             <a:solidFill>
               <a:schemeClr val="dk2"/>
             </a:solidFill>
             <a:prstDash val="solid"/>
             <a:round/>
-            <a:headEnd len="sm" w="sm" type="none"/>
-            <a:tailEnd len="sm" w="sm" type="none"/>
+            <a:headEnd type="none" w="sm" len="sm"/>
+            <a:tailEnd type="none" w="sm" len="sm"/>
           </a:ln>
         </p:spPr>
       </p:cxnSp>
@@ -11639,23 +11711,23 @@
             <a:avLst/>
           </a:prstGeom>
           <a:noFill/>
-          <a:ln cap="flat" cmpd="sng" w="9525">
+          <a:ln w="9525" cap="flat" cmpd="sng">
             <a:solidFill>
               <a:schemeClr val="dk2"/>
             </a:solidFill>
             <a:prstDash val="solid"/>
             <a:round/>
-            <a:headEnd len="sm" w="sm" type="none"/>
-            <a:tailEnd len="sm" w="sm" type="none"/>
+            <a:headEnd type="none" w="sm" len="sm"/>
+            <a:tailEnd type="none" w="sm" len="sm"/>
           </a:ln>
         </p:spPr>
         <p:txBody>
-          <a:bodyPr anchorCtr="0" anchor="ctr" bIns="91425" lIns="91425" spcFirstLastPara="1" rIns="91425" wrap="square" tIns="91425">
+          <a:bodyPr spcFirstLastPara="1" wrap="square" lIns="91425" tIns="91425" rIns="91425" bIns="91425" anchor="ctr" anchorCtr="0">
             <a:noAutofit/>
           </a:bodyPr>
           <a:lstStyle/>
           <a:p>
-            <a:pPr indent="-292100" lvl="0" marL="457200" marR="0" rtl="0" algn="l">
+            <a:pPr marL="457200" marR="0" lvl="0" indent="-292100" algn="l" rtl="0">
               <a:lnSpc>
                 <a:spcPct val="100000"/>
               </a:lnSpc>
@@ -11676,7 +11748,7 @@
               <a:rPr lang="pt-BR" sz="1000"/>
               <a:t>Gerenciar pagamento</a:t>
             </a:r>
-            <a:endParaRPr b="0" i="0" sz="1000" u="none" cap="none" strike="noStrike">
+            <a:endParaRPr sz="1000" b="0" i="0" u="none" strike="noStrike" cap="none">
               <a:solidFill>
                 <a:srgbClr val="000000"/>
               </a:solidFill>
@@ -11701,7 +11773,7 @@
           </a:xfrm>
           <a:prstGeom prst="roundRect">
             <a:avLst>
-              <a:gd fmla="val 16667" name="adj"/>
+              <a:gd name="adj" fmla="val 16667"/>
             </a:avLst>
           </a:prstGeom>
           <a:gradFill>
@@ -11714,27 +11786,27 @@
               </a:gs>
             </a:gsLst>
             <a:path path="circle">
-              <a:fillToRect b="50%" l="50%" r="50%" t="50%"/>
+              <a:fillToRect l="50000" t="50000" r="50000" b="50000"/>
             </a:path>
             <a:tileRect/>
           </a:gradFill>
-          <a:ln cap="flat" cmpd="sng" w="9525">
+          <a:ln w="9525" cap="flat" cmpd="sng">
             <a:solidFill>
               <a:srgbClr val="F3F3F3"/>
             </a:solidFill>
             <a:prstDash val="solid"/>
             <a:round/>
-            <a:headEnd len="sm" w="sm" type="none"/>
-            <a:tailEnd len="sm" w="sm" type="none"/>
+            <a:headEnd type="none" w="sm" len="sm"/>
+            <a:tailEnd type="none" w="sm" len="sm"/>
           </a:ln>
         </p:spPr>
         <p:txBody>
-          <a:bodyPr anchorCtr="0" anchor="ctr" bIns="91425" lIns="91425" spcFirstLastPara="1" rIns="91425" wrap="square" tIns="91425">
+          <a:bodyPr spcFirstLastPara="1" wrap="square" lIns="91425" tIns="91425" rIns="91425" bIns="91425" anchor="ctr" anchorCtr="0">
             <a:noAutofit/>
           </a:bodyPr>
           <a:lstStyle/>
           <a:p>
-            <a:pPr indent="0" lvl="0" marL="0" marR="0" rtl="0" algn="ctr">
+            <a:pPr marL="0" marR="0" lvl="0" indent="0" algn="ctr" rtl="0">
               <a:lnSpc>
                 <a:spcPct val="100000"/>
               </a:lnSpc>
@@ -11752,7 +11824,7 @@
               <a:buNone/>
             </a:pPr>
             <a:r>
-              <a:rPr b="0" i="0" lang="pt-BR" sz="1000" u="none" cap="none" strike="noStrike">
+              <a:rPr lang="pt-BR" sz="1000" b="0" i="0" u="none" strike="noStrike" cap="none">
                 <a:solidFill>
                   <a:srgbClr val="000000"/>
                 </a:solidFill>
@@ -11763,7 +11835,7 @@
               </a:rPr>
               <a:t>Financeiro</a:t>
             </a:r>
-            <a:endParaRPr b="0" i="0" sz="1000" u="none" cap="none" strike="noStrike">
+            <a:endParaRPr sz="1000" b="0" i="0" u="none" strike="noStrike" cap="none">
               <a:solidFill>
                 <a:srgbClr val="000000"/>
               </a:solidFill>
@@ -11784,7 +11856,288 @@
 </file>
 
 <file path=ppt/theme/theme1.xml><?xml version="1.0" encoding="utf-8"?>
-<a:theme xmlns:a="http://schemas.openxmlformats.org/drawingml/2006/main" xmlns:r="http://schemas.openxmlformats.org/officeDocument/2006/relationships">
+<a:theme xmlns:a="http://schemas.openxmlformats.org/drawingml/2006/main" name="Simple Light">
+  <a:themeElements>
+    <a:clrScheme name="Simple Light">
+      <a:dk1>
+        <a:srgbClr val="000000"/>
+      </a:dk1>
+      <a:lt1>
+        <a:srgbClr val="FFFFFF"/>
+      </a:lt1>
+      <a:dk2>
+        <a:srgbClr val="595959"/>
+      </a:dk2>
+      <a:lt2>
+        <a:srgbClr val="EEEEEE"/>
+      </a:lt2>
+      <a:accent1>
+        <a:srgbClr val="FFAB40"/>
+      </a:accent1>
+      <a:accent2>
+        <a:srgbClr val="212121"/>
+      </a:accent2>
+      <a:accent3>
+        <a:srgbClr val="78909C"/>
+      </a:accent3>
+      <a:accent4>
+        <a:srgbClr val="FFAB40"/>
+      </a:accent4>
+      <a:accent5>
+        <a:srgbClr val="0097A7"/>
+      </a:accent5>
+      <a:accent6>
+        <a:srgbClr val="EEFF41"/>
+      </a:accent6>
+      <a:hlink>
+        <a:srgbClr val="0097A7"/>
+      </a:hlink>
+      <a:folHlink>
+        <a:srgbClr val="0097A7"/>
+      </a:folHlink>
+    </a:clrScheme>
+    <a:fontScheme name="Office">
+      <a:majorFont>
+        <a:latin typeface="Arial"/>
+        <a:ea typeface=""/>
+        <a:cs typeface=""/>
+        <a:font script="Jpan" typeface="ＭＳ Ｐゴシック"/>
+        <a:font script="Hang" typeface="맑은 고딕"/>
+        <a:font script="Hans" typeface="宋体"/>
+        <a:font script="Hant" typeface="新細明體"/>
+        <a:font script="Arab" typeface="Times New Roman"/>
+        <a:font script="Hebr" typeface="Times New Roman"/>
+        <a:font script="Thai" typeface="Angsana New"/>
+        <a:font script="Ethi" typeface="Nyala"/>
+        <a:font script="Beng" typeface="Vrinda"/>
+        <a:font script="Gujr" typeface="Shruti"/>
+        <a:font script="Khmr" typeface="MoolBoran"/>
+        <a:font script="Knda" typeface="Tunga"/>
+        <a:font script="Guru" typeface="Raavi"/>
+        <a:font script="Cans" typeface="Euphemia"/>
+        <a:font script="Cher" typeface="Plantagenet Cherokee"/>
+        <a:font script="Yiii" typeface="Microsoft Yi Baiti"/>
+        <a:font script="Tibt" typeface="Microsoft Himalaya"/>
+        <a:font script="Thaa" typeface="MV Boli"/>
+        <a:font script="Deva" typeface="Mangal"/>
+        <a:font script="Telu" typeface="Gautami"/>
+        <a:font script="Taml" typeface="Latha"/>
+        <a:font script="Syrc" typeface="Estrangelo Edessa"/>
+        <a:font script="Orya" typeface="Kalinga"/>
+        <a:font script="Mlym" typeface="Kartika"/>
+        <a:font script="Laoo" typeface="DokChampa"/>
+        <a:font script="Sinh" typeface="Iskoola Pota"/>
+        <a:font script="Mong" typeface="Mongolian Baiti"/>
+        <a:font script="Viet" typeface="Times New Roman"/>
+        <a:font script="Uigh" typeface="Microsoft Uighur"/>
+        <a:font script="Geor" typeface="Sylfaen"/>
+      </a:majorFont>
+      <a:minorFont>
+        <a:latin typeface="Arial"/>
+        <a:ea typeface=""/>
+        <a:cs typeface=""/>
+        <a:font script="Jpan" typeface="ＭＳ Ｐゴシック"/>
+        <a:font script="Hang" typeface="맑은 고딕"/>
+        <a:font script="Hans" typeface="宋体"/>
+        <a:font script="Hant" typeface="新細明體"/>
+        <a:font script="Arab" typeface="Arial"/>
+        <a:font script="Hebr" typeface="Arial"/>
+        <a:font script="Thai" typeface="Cordia New"/>
+        <a:font script="Ethi" typeface="Nyala"/>
+        <a:font script="Beng" typeface="Vrinda"/>
+        <a:font script="Gujr" typeface="Shruti"/>
+        <a:font script="Khmr" typeface="DaunPenh"/>
+        <a:font script="Knda" typeface="Tunga"/>
+        <a:font script="Guru" typeface="Raavi"/>
+        <a:font script="Cans" typeface="Euphemia"/>
+        <a:font script="Cher" typeface="Plantagenet Cherokee"/>
+        <a:font script="Yiii" typeface="Microsoft Yi Baiti"/>
+        <a:font script="Tibt" typeface="Microsoft Himalaya"/>
+        <a:font script="Thaa" typeface="MV Boli"/>
+        <a:font script="Deva" typeface="Mangal"/>
+        <a:font script="Telu" typeface="Gautami"/>
+        <a:font script="Taml" typeface="Latha"/>
+        <a:font script="Syrc" typeface="Estrangelo Edessa"/>
+        <a:font script="Orya" typeface="Kalinga"/>
+        <a:font script="Mlym" typeface="Kartika"/>
+        <a:font script="Laoo" typeface="DokChampa"/>
+        <a:font script="Sinh" typeface="Iskoola Pota"/>
+        <a:font script="Mong" typeface="Mongolian Baiti"/>
+        <a:font script="Viet" typeface="Arial"/>
+        <a:font script="Uigh" typeface="Microsoft Uighur"/>
+        <a:font script="Geor" typeface="Sylfaen"/>
+      </a:minorFont>
+    </a:fontScheme>
+    <a:fmtScheme name="Office">
+      <a:fillStyleLst>
+        <a:solidFill>
+          <a:schemeClr val="phClr"/>
+        </a:solidFill>
+        <a:gradFill rotWithShape="1">
+          <a:gsLst>
+            <a:gs pos="0">
+              <a:schemeClr val="phClr">
+                <a:tint val="50000"/>
+                <a:satMod val="300000"/>
+              </a:schemeClr>
+            </a:gs>
+            <a:gs pos="35000">
+              <a:schemeClr val="phClr">
+                <a:tint val="37000"/>
+                <a:satMod val="300000"/>
+              </a:schemeClr>
+            </a:gs>
+            <a:gs pos="100000">
+              <a:schemeClr val="phClr">
+                <a:tint val="15000"/>
+                <a:satMod val="350000"/>
+              </a:schemeClr>
+            </a:gs>
+          </a:gsLst>
+          <a:lin ang="16200000" scaled="1"/>
+        </a:gradFill>
+        <a:gradFill rotWithShape="1">
+          <a:gsLst>
+            <a:gs pos="0">
+              <a:schemeClr val="phClr">
+                <a:tint val="100000"/>
+                <a:shade val="100000"/>
+                <a:satMod val="130000"/>
+              </a:schemeClr>
+            </a:gs>
+            <a:gs pos="100000">
+              <a:schemeClr val="phClr">
+                <a:tint val="50000"/>
+                <a:shade val="100000"/>
+                <a:satMod val="350000"/>
+              </a:schemeClr>
+            </a:gs>
+          </a:gsLst>
+          <a:lin ang="16200000" scaled="0"/>
+        </a:gradFill>
+      </a:fillStyleLst>
+      <a:lnStyleLst>
+        <a:ln w="9525" cap="flat" cmpd="sng" algn="ctr">
+          <a:solidFill>
+            <a:schemeClr val="phClr">
+              <a:shade val="95000"/>
+              <a:satMod val="105000"/>
+            </a:schemeClr>
+          </a:solidFill>
+          <a:prstDash val="solid"/>
+        </a:ln>
+        <a:ln w="25400" cap="flat" cmpd="sng" algn="ctr">
+          <a:solidFill>
+            <a:schemeClr val="phClr"/>
+          </a:solidFill>
+          <a:prstDash val="solid"/>
+        </a:ln>
+        <a:ln w="38100" cap="flat" cmpd="sng" algn="ctr">
+          <a:solidFill>
+            <a:schemeClr val="phClr"/>
+          </a:solidFill>
+          <a:prstDash val="solid"/>
+        </a:ln>
+      </a:lnStyleLst>
+      <a:effectStyleLst>
+        <a:effectStyle>
+          <a:effectLst>
+            <a:outerShdw blurRad="40000" dist="20000" dir="5400000" rotWithShape="0">
+              <a:srgbClr val="000000">
+                <a:alpha val="38000"/>
+              </a:srgbClr>
+            </a:outerShdw>
+          </a:effectLst>
+        </a:effectStyle>
+        <a:effectStyle>
+          <a:effectLst>
+            <a:outerShdw blurRad="40000" dist="23000" dir="5400000" rotWithShape="0">
+              <a:srgbClr val="000000">
+                <a:alpha val="35000"/>
+              </a:srgbClr>
+            </a:outerShdw>
+          </a:effectLst>
+        </a:effectStyle>
+        <a:effectStyle>
+          <a:effectLst>
+            <a:outerShdw blurRad="40000" dist="23000" dir="5400000" rotWithShape="0">
+              <a:srgbClr val="000000">
+                <a:alpha val="35000"/>
+              </a:srgbClr>
+            </a:outerShdw>
+          </a:effectLst>
+          <a:scene3d>
+            <a:camera prst="orthographicFront">
+              <a:rot lat="0" lon="0" rev="0"/>
+            </a:camera>
+            <a:lightRig rig="threePt" dir="t">
+              <a:rot lat="0" lon="0" rev="1200000"/>
+            </a:lightRig>
+          </a:scene3d>
+          <a:sp3d>
+            <a:bevelT w="63500" h="25400"/>
+          </a:sp3d>
+        </a:effectStyle>
+      </a:effectStyleLst>
+      <a:bgFillStyleLst>
+        <a:solidFill>
+          <a:schemeClr val="phClr"/>
+        </a:solidFill>
+        <a:gradFill rotWithShape="1">
+          <a:gsLst>
+            <a:gs pos="0">
+              <a:schemeClr val="phClr">
+                <a:tint val="40000"/>
+                <a:satMod val="350000"/>
+              </a:schemeClr>
+            </a:gs>
+            <a:gs pos="40000">
+              <a:schemeClr val="phClr">
+                <a:tint val="45000"/>
+                <a:shade val="99000"/>
+                <a:satMod val="350000"/>
+              </a:schemeClr>
+            </a:gs>
+            <a:gs pos="100000">
+              <a:schemeClr val="phClr">
+                <a:shade val="20000"/>
+                <a:satMod val="255000"/>
+              </a:schemeClr>
+            </a:gs>
+          </a:gsLst>
+          <a:path path="circle">
+            <a:fillToRect l="50000" t="-80000" r="50000" b="180000"/>
+          </a:path>
+        </a:gradFill>
+        <a:gradFill rotWithShape="1">
+          <a:gsLst>
+            <a:gs pos="0">
+              <a:schemeClr val="phClr">
+                <a:tint val="80000"/>
+                <a:satMod val="300000"/>
+              </a:schemeClr>
+            </a:gs>
+            <a:gs pos="100000">
+              <a:schemeClr val="phClr">
+                <a:shade val="30000"/>
+                <a:satMod val="200000"/>
+              </a:schemeClr>
+            </a:gs>
+          </a:gsLst>
+          <a:path path="circle">
+            <a:fillToRect l="50000" t="50000" r="50000" b="50000"/>
+          </a:path>
+        </a:gradFill>
+      </a:bgFillStyleLst>
+    </a:fmtScheme>
+  </a:themeElements>
+  <a:objectDefaults/>
+  <a:extraClrSchemeLst/>
+</a:theme>
+</file>
+
+<file path=ppt/theme/theme2.xml><?xml version="1.0" encoding="utf-8"?>
+<a:theme xmlns:a="http://schemas.openxmlformats.org/drawingml/2006/main">
   <a:themeElements>
     <a:clrScheme name="Default">
       <a:dk1>
@@ -12059,284 +12412,7 @@
       </a:bgFillStyleLst>
     </a:fmtScheme>
   </a:themeElements>
-</a:theme>
-</file>
-
-<file path=ppt/theme/theme2.xml><?xml version="1.0" encoding="utf-8"?>
-<a:theme xmlns:a="http://schemas.openxmlformats.org/drawingml/2006/main" xmlns:r="http://schemas.openxmlformats.org/officeDocument/2006/relationships" name="Simple Light">
-  <a:themeElements>
-    <a:clrScheme name="Simple Light">
-      <a:dk1>
-        <a:srgbClr val="000000"/>
-      </a:dk1>
-      <a:lt1>
-        <a:srgbClr val="FFFFFF"/>
-      </a:lt1>
-      <a:dk2>
-        <a:srgbClr val="595959"/>
-      </a:dk2>
-      <a:lt2>
-        <a:srgbClr val="EEEEEE"/>
-      </a:lt2>
-      <a:accent1>
-        <a:srgbClr val="FFAB40"/>
-      </a:accent1>
-      <a:accent2>
-        <a:srgbClr val="212121"/>
-      </a:accent2>
-      <a:accent3>
-        <a:srgbClr val="78909C"/>
-      </a:accent3>
-      <a:accent4>
-        <a:srgbClr val="FFAB40"/>
-      </a:accent4>
-      <a:accent5>
-        <a:srgbClr val="0097A7"/>
-      </a:accent5>
-      <a:accent6>
-        <a:srgbClr val="EEFF41"/>
-      </a:accent6>
-      <a:hlink>
-        <a:srgbClr val="0097A7"/>
-      </a:hlink>
-      <a:folHlink>
-        <a:srgbClr val="0097A7"/>
-      </a:folHlink>
-    </a:clrScheme>
-    <a:fontScheme name="Office">
-      <a:majorFont>
-        <a:latin typeface="Arial"/>
-        <a:ea typeface=""/>
-        <a:cs typeface=""/>
-        <a:font script="Jpan" typeface="ＭＳ Ｐゴシック"/>
-        <a:font script="Hang" typeface="맑은 고딕"/>
-        <a:font script="Hans" typeface="宋体"/>
-        <a:font script="Hant" typeface="新細明體"/>
-        <a:font script="Arab" typeface="Times New Roman"/>
-        <a:font script="Hebr" typeface="Times New Roman"/>
-        <a:font script="Thai" typeface="Angsana New"/>
-        <a:font script="Ethi" typeface="Nyala"/>
-        <a:font script="Beng" typeface="Vrinda"/>
-        <a:font script="Gujr" typeface="Shruti"/>
-        <a:font script="Khmr" typeface="MoolBoran"/>
-        <a:font script="Knda" typeface="Tunga"/>
-        <a:font script="Guru" typeface="Raavi"/>
-        <a:font script="Cans" typeface="Euphemia"/>
-        <a:font script="Cher" typeface="Plantagenet Cherokee"/>
-        <a:font script="Yiii" typeface="Microsoft Yi Baiti"/>
-        <a:font script="Tibt" typeface="Microsoft Himalaya"/>
-        <a:font script="Thaa" typeface="MV Boli"/>
-        <a:font script="Deva" typeface="Mangal"/>
-        <a:font script="Telu" typeface="Gautami"/>
-        <a:font script="Taml" typeface="Latha"/>
-        <a:font script="Syrc" typeface="Estrangelo Edessa"/>
-        <a:font script="Orya" typeface="Kalinga"/>
-        <a:font script="Mlym" typeface="Kartika"/>
-        <a:font script="Laoo" typeface="DokChampa"/>
-        <a:font script="Sinh" typeface="Iskoola Pota"/>
-        <a:font script="Mong" typeface="Mongolian Baiti"/>
-        <a:font script="Viet" typeface="Times New Roman"/>
-        <a:font script="Uigh" typeface="Microsoft Uighur"/>
-        <a:font script="Geor" typeface="Sylfaen"/>
-      </a:majorFont>
-      <a:minorFont>
-        <a:latin typeface="Arial"/>
-        <a:ea typeface=""/>
-        <a:cs typeface=""/>
-        <a:font script="Jpan" typeface="ＭＳ Ｐゴシック"/>
-        <a:font script="Hang" typeface="맑은 고딕"/>
-        <a:font script="Hans" typeface="宋体"/>
-        <a:font script="Hant" typeface="新細明體"/>
-        <a:font script="Arab" typeface="Arial"/>
-        <a:font script="Hebr" typeface="Arial"/>
-        <a:font script="Thai" typeface="Cordia New"/>
-        <a:font script="Ethi" typeface="Nyala"/>
-        <a:font script="Beng" typeface="Vrinda"/>
-        <a:font script="Gujr" typeface="Shruti"/>
-        <a:font script="Khmr" typeface="DaunPenh"/>
-        <a:font script="Knda" typeface="Tunga"/>
-        <a:font script="Guru" typeface="Raavi"/>
-        <a:font script="Cans" typeface="Euphemia"/>
-        <a:font script="Cher" typeface="Plantagenet Cherokee"/>
-        <a:font script="Yiii" typeface="Microsoft Yi Baiti"/>
-        <a:font script="Tibt" typeface="Microsoft Himalaya"/>
-        <a:font script="Thaa" typeface="MV Boli"/>
-        <a:font script="Deva" typeface="Mangal"/>
-        <a:font script="Telu" typeface="Gautami"/>
-        <a:font script="Taml" typeface="Latha"/>
-        <a:font script="Syrc" typeface="Estrangelo Edessa"/>
-        <a:font script="Orya" typeface="Kalinga"/>
-        <a:font script="Mlym" typeface="Kartika"/>
-        <a:font script="Laoo" typeface="DokChampa"/>
-        <a:font script="Sinh" typeface="Iskoola Pota"/>
-        <a:font script="Mong" typeface="Mongolian Baiti"/>
-        <a:font script="Viet" typeface="Arial"/>
-        <a:font script="Uigh" typeface="Microsoft Uighur"/>
-        <a:font script="Geor" typeface="Sylfaen"/>
-      </a:minorFont>
-    </a:fontScheme>
-    <a:fmtScheme name="Office">
-      <a:fillStyleLst>
-        <a:solidFill>
-          <a:schemeClr val="phClr"/>
-        </a:solidFill>
-        <a:gradFill rotWithShape="1">
-          <a:gsLst>
-            <a:gs pos="0">
-              <a:schemeClr val="phClr">
-                <a:tint val="50000"/>
-                <a:satMod val="300000"/>
-              </a:schemeClr>
-            </a:gs>
-            <a:gs pos="35000">
-              <a:schemeClr val="phClr">
-                <a:tint val="37000"/>
-                <a:satMod val="300000"/>
-              </a:schemeClr>
-            </a:gs>
-            <a:gs pos="100000">
-              <a:schemeClr val="phClr">
-                <a:tint val="15000"/>
-                <a:satMod val="350000"/>
-              </a:schemeClr>
-            </a:gs>
-          </a:gsLst>
-          <a:lin ang="16200000" scaled="1"/>
-        </a:gradFill>
-        <a:gradFill rotWithShape="1">
-          <a:gsLst>
-            <a:gs pos="0">
-              <a:schemeClr val="phClr">
-                <a:tint val="100000"/>
-                <a:shade val="100000"/>
-                <a:satMod val="130000"/>
-              </a:schemeClr>
-            </a:gs>
-            <a:gs pos="100000">
-              <a:schemeClr val="phClr">
-                <a:tint val="50000"/>
-                <a:shade val="100000"/>
-                <a:satMod val="350000"/>
-              </a:schemeClr>
-            </a:gs>
-          </a:gsLst>
-          <a:lin ang="16200000" scaled="0"/>
-        </a:gradFill>
-      </a:fillStyleLst>
-      <a:lnStyleLst>
-        <a:ln w="9525" cap="flat" cmpd="sng" algn="ctr">
-          <a:solidFill>
-            <a:schemeClr val="phClr">
-              <a:shade val="95000"/>
-              <a:satMod val="105000"/>
-            </a:schemeClr>
-          </a:solidFill>
-          <a:prstDash val="solid"/>
-        </a:ln>
-        <a:ln w="25400" cap="flat" cmpd="sng" algn="ctr">
-          <a:solidFill>
-            <a:schemeClr val="phClr"/>
-          </a:solidFill>
-          <a:prstDash val="solid"/>
-        </a:ln>
-        <a:ln w="38100" cap="flat" cmpd="sng" algn="ctr">
-          <a:solidFill>
-            <a:schemeClr val="phClr"/>
-          </a:solidFill>
-          <a:prstDash val="solid"/>
-        </a:ln>
-      </a:lnStyleLst>
-      <a:effectStyleLst>
-        <a:effectStyle>
-          <a:effectLst>
-            <a:outerShdw blurRad="40000" dist="20000" dir="5400000" rotWithShape="0">
-              <a:srgbClr val="000000">
-                <a:alpha val="38000"/>
-              </a:srgbClr>
-            </a:outerShdw>
-          </a:effectLst>
-        </a:effectStyle>
-        <a:effectStyle>
-          <a:effectLst>
-            <a:outerShdw blurRad="40000" dist="23000" dir="5400000" rotWithShape="0">
-              <a:srgbClr val="000000">
-                <a:alpha val="35000"/>
-              </a:srgbClr>
-            </a:outerShdw>
-          </a:effectLst>
-        </a:effectStyle>
-        <a:effectStyle>
-          <a:effectLst>
-            <a:outerShdw blurRad="40000" dist="23000" dir="5400000" rotWithShape="0">
-              <a:srgbClr val="000000">
-                <a:alpha val="35000"/>
-              </a:srgbClr>
-            </a:outerShdw>
-          </a:effectLst>
-          <a:scene3d>
-            <a:camera prst="orthographicFront">
-              <a:rot lat="0" lon="0" rev="0"/>
-            </a:camera>
-            <a:lightRig rig="threePt" dir="t">
-              <a:rot lat="0" lon="0" rev="1200000"/>
-            </a:lightRig>
-          </a:scene3d>
-          <a:sp3d>
-            <a:bevelT w="63500" h="25400"/>
-          </a:sp3d>
-        </a:effectStyle>
-      </a:effectStyleLst>
-      <a:bgFillStyleLst>
-        <a:solidFill>
-          <a:schemeClr val="phClr"/>
-        </a:solidFill>
-        <a:gradFill rotWithShape="1">
-          <a:gsLst>
-            <a:gs pos="0">
-              <a:schemeClr val="phClr">
-                <a:tint val="40000"/>
-                <a:satMod val="350000"/>
-              </a:schemeClr>
-            </a:gs>
-            <a:gs pos="40000">
-              <a:schemeClr val="phClr">
-                <a:tint val="45000"/>
-                <a:shade val="99000"/>
-                <a:satMod val="350000"/>
-              </a:schemeClr>
-            </a:gs>
-            <a:gs pos="100000">
-              <a:schemeClr val="phClr">
-                <a:shade val="20000"/>
-                <a:satMod val="255000"/>
-              </a:schemeClr>
-            </a:gs>
-          </a:gsLst>
-          <a:path path="circle">
-            <a:fillToRect l="50000" t="-80000" r="50000" b="180000"/>
-          </a:path>
-        </a:gradFill>
-        <a:gradFill rotWithShape="1">
-          <a:gsLst>
-            <a:gs pos="0">
-              <a:schemeClr val="phClr">
-                <a:tint val="80000"/>
-                <a:satMod val="300000"/>
-              </a:schemeClr>
-            </a:gs>
-            <a:gs pos="100000">
-              <a:schemeClr val="phClr">
-                <a:shade val="30000"/>
-                <a:satMod val="200000"/>
-              </a:schemeClr>
-            </a:gs>
-          </a:gsLst>
-          <a:path path="circle">
-            <a:fillToRect l="50000" t="50000" r="50000" b="50000"/>
-          </a:path>
-        </a:gradFill>
-      </a:bgFillStyleLst>
-    </a:fmtScheme>
-  </a:themeElements>
+  <a:objectDefaults/>
+  <a:extraClrSchemeLst/>
 </a:theme>
 </file>